--- a/Assignment 7/AS7.pptx
+++ b/Assignment 7/AS7.pptx
@@ -1,473 +1,26 @@
 
 <file path=ppt/presentation.xml><?xml version="1.0" encoding="utf-8"?>
-<p:presentation xmlns:a="http://schemas.openxmlformats.org/drawingml/2006/main" xmlns:r="http://schemas.openxmlformats.org/officeDocument/2006/relationships" xmlns:p="http://schemas.openxmlformats.org/presentationml/2006/main">
+<p:presentation xmlns:a="http://schemas.openxmlformats.org/drawingml/2006/main" xmlns:p="http://schemas.openxmlformats.org/presentationml/2006/main" xmlns:r="http://schemas.openxmlformats.org/officeDocument/2006/relationships" xmlns:p14="http://schemas.microsoft.com/office/powerpoint/2010/main" xmlns:p15="http://schemas.microsoft.com/office/powerpoint/2012/main" xmlns:mc="http://schemas.openxmlformats.org/markup-compatibility/2006">
   <p:sldMasterIdLst>
-    <p:sldMasterId id="2147483648" r:id="rId1"/>
-    <p:sldMasterId id="2147483661" r:id="rId2"/>
+    <p:sldMasterId id="2147483648" r:id="rId2"/>
+    <p:sldMasterId id="2147483661" r:id="rId3"/>
   </p:sldMasterIdLst>
   <p:notesMasterIdLst>
-    <p:notesMasterId r:id="rId5"/>
+    <p:notesMasterId r:id="rId4"/>
   </p:notesMasterIdLst>
   <p:sldIdLst>
-    <p:sldId id="256" r:id="rId3"/>
-    <p:sldId id="257" r:id="rId4"/>
+    <p:sldId id="256" r:id="rId5"/>
+    <p:sldId id="257" r:id="rId6"/>
+    <p:sldId id="258" r:id="rId7"/>
+    <p:sldId id="259" r:id="rId8"/>
   </p:sldIdLst>
   <p:sldSz cx="10080625" cy="7559675"/>
   <p:notesSz cx="7772400" cy="10058400"/>
-  <p:defaultTextStyle>
-    <a:defPPr>
-      <a:defRPr lang="en-US"/>
-    </a:defPPr>
-    <a:lvl1pPr marL="0" algn="l" defTabSz="914400" rtl="0" eaLnBrk="1" latinLnBrk="0" hangingPunct="1">
-      <a:defRPr sz="1800" kern="1200">
-        <a:solidFill>
-          <a:schemeClr val="tx1"/>
-        </a:solidFill>
-        <a:latin typeface="+mn-lt"/>
-        <a:ea typeface="+mn-ea"/>
-        <a:cs typeface="+mn-cs"/>
-      </a:defRPr>
-    </a:lvl1pPr>
-    <a:lvl2pPr marL="457200" algn="l" defTabSz="914400" rtl="0" eaLnBrk="1" latinLnBrk="0" hangingPunct="1">
-      <a:defRPr sz="1800" kern="1200">
-        <a:solidFill>
-          <a:schemeClr val="tx1"/>
-        </a:solidFill>
-        <a:latin typeface="+mn-lt"/>
-        <a:ea typeface="+mn-ea"/>
-        <a:cs typeface="+mn-cs"/>
-      </a:defRPr>
-    </a:lvl2pPr>
-    <a:lvl3pPr marL="914400" algn="l" defTabSz="914400" rtl="0" eaLnBrk="1" latinLnBrk="0" hangingPunct="1">
-      <a:defRPr sz="1800" kern="1200">
-        <a:solidFill>
-          <a:schemeClr val="tx1"/>
-        </a:solidFill>
-        <a:latin typeface="+mn-lt"/>
-        <a:ea typeface="+mn-ea"/>
-        <a:cs typeface="+mn-cs"/>
-      </a:defRPr>
-    </a:lvl3pPr>
-    <a:lvl4pPr marL="1371600" algn="l" defTabSz="914400" rtl="0" eaLnBrk="1" latinLnBrk="0" hangingPunct="1">
-      <a:defRPr sz="1800" kern="1200">
-        <a:solidFill>
-          <a:schemeClr val="tx1"/>
-        </a:solidFill>
-        <a:latin typeface="+mn-lt"/>
-        <a:ea typeface="+mn-ea"/>
-        <a:cs typeface="+mn-cs"/>
-      </a:defRPr>
-    </a:lvl4pPr>
-    <a:lvl5pPr marL="1828800" algn="l" defTabSz="914400" rtl="0" eaLnBrk="1" latinLnBrk="0" hangingPunct="1">
-      <a:defRPr sz="1800" kern="1200">
-        <a:solidFill>
-          <a:schemeClr val="tx1"/>
-        </a:solidFill>
-        <a:latin typeface="+mn-lt"/>
-        <a:ea typeface="+mn-ea"/>
-        <a:cs typeface="+mn-cs"/>
-      </a:defRPr>
-    </a:lvl5pPr>
-    <a:lvl6pPr marL="2286000" algn="l" defTabSz="914400" rtl="0" eaLnBrk="1" latinLnBrk="0" hangingPunct="1">
-      <a:defRPr sz="1800" kern="1200">
-        <a:solidFill>
-          <a:schemeClr val="tx1"/>
-        </a:solidFill>
-        <a:latin typeface="+mn-lt"/>
-        <a:ea typeface="+mn-ea"/>
-        <a:cs typeface="+mn-cs"/>
-      </a:defRPr>
-    </a:lvl6pPr>
-    <a:lvl7pPr marL="2743200" algn="l" defTabSz="914400" rtl="0" eaLnBrk="1" latinLnBrk="0" hangingPunct="1">
-      <a:defRPr sz="1800" kern="1200">
-        <a:solidFill>
-          <a:schemeClr val="tx1"/>
-        </a:solidFill>
-        <a:latin typeface="+mn-lt"/>
-        <a:ea typeface="+mn-ea"/>
-        <a:cs typeface="+mn-cs"/>
-      </a:defRPr>
-    </a:lvl7pPr>
-    <a:lvl8pPr marL="3200400" algn="l" defTabSz="914400" rtl="0" eaLnBrk="1" latinLnBrk="0" hangingPunct="1">
-      <a:defRPr sz="1800" kern="1200">
-        <a:solidFill>
-          <a:schemeClr val="tx1"/>
-        </a:solidFill>
-        <a:latin typeface="+mn-lt"/>
-        <a:ea typeface="+mn-ea"/>
-        <a:cs typeface="+mn-cs"/>
-      </a:defRPr>
-    </a:lvl8pPr>
-    <a:lvl9pPr marL="3657600" algn="l" defTabSz="914400" rtl="0" eaLnBrk="1" latinLnBrk="0" hangingPunct="1">
-      <a:defRPr sz="1800" kern="1200">
-        <a:solidFill>
-          <a:schemeClr val="tx1"/>
-        </a:solidFill>
-        <a:latin typeface="+mn-lt"/>
-        <a:ea typeface="+mn-ea"/>
-        <a:cs typeface="+mn-cs"/>
-      </a:defRPr>
-    </a:lvl9pPr>
-  </p:defaultTextStyle>
-  <p:extLst>
-    <p:ext uri="{EFAFB233-063F-42B5-8137-9DF3F51BA10A}">
-      <p15:sldGuideLst xmlns:p15="http://schemas.microsoft.com/office/powerpoint/2012/main"/>
-    </p:ext>
-  </p:extLst>
 </p:presentation>
 </file>
 
 <file path=ppt/notesMasters/notesMaster1.xml><?xml version="1.0" encoding="utf-8"?>
-<p:notesMaster xmlns:a="http://schemas.openxmlformats.org/drawingml/2006/main" xmlns:r="http://schemas.openxmlformats.org/officeDocument/2006/relationships" xmlns:p="http://schemas.openxmlformats.org/presentationml/2006/main">
-  <p:cSld>
-    <p:bg>
-      <p:bgRef idx="1001">
-        <a:schemeClr val="bg1"/>
-      </p:bgRef>
-    </p:bg>
-    <p:spTree>
-      <p:nvGrpSpPr>
-        <p:cNvPr id="1" name=""/>
-        <p:cNvGrpSpPr/>
-        <p:nvPr/>
-      </p:nvGrpSpPr>
-      <p:grpSpPr>
-        <a:xfrm>
-          <a:off x="0" y="0"/>
-          <a:ext cx="0" cy="0"/>
-          <a:chOff x="0" y="0"/>
-          <a:chExt cx="0" cy="0"/>
-        </a:xfrm>
-      </p:grpSpPr>
-      <p:sp>
-        <p:nvSpPr>
-          <p:cNvPr id="2" name="Header Placeholder 1"/>
-          <p:cNvSpPr>
-            <a:spLocks noGrp="1"/>
-          </p:cNvSpPr>
-          <p:nvPr>
-            <p:ph type="hdr" sz="quarter"/>
-          </p:nvPr>
-        </p:nvSpPr>
-        <p:spPr>
-          <a:xfrm>
-            <a:off x="0" y="0"/>
-            <a:ext cx="3368675" cy="504825"/>
-          </a:xfrm>
-          <a:prstGeom prst="rect">
-            <a:avLst/>
-          </a:prstGeom>
-        </p:spPr>
-        <p:txBody>
-          <a:bodyPr vert="horz" lIns="91440" tIns="45720" rIns="91440" bIns="45720" rtlCol="0"/>
-          <a:lstStyle>
-            <a:lvl1pPr algn="l">
-              <a:defRPr sz="1200"/>
-            </a:lvl1pPr>
-          </a:lstStyle>
-          <a:p>
-            <a:endParaRPr lang="en-US"/>
-          </a:p>
-        </p:txBody>
-      </p:sp>
-      <p:sp>
-        <p:nvSpPr>
-          <p:cNvPr id="3" name="Date Placeholder 2"/>
-          <p:cNvSpPr>
-            <a:spLocks noGrp="1"/>
-          </p:cNvSpPr>
-          <p:nvPr>
-            <p:ph type="dt" idx="1"/>
-          </p:nvPr>
-        </p:nvSpPr>
-        <p:spPr>
-          <a:xfrm>
-            <a:off x="4402138" y="0"/>
-            <a:ext cx="3368675" cy="504825"/>
-          </a:xfrm>
-          <a:prstGeom prst="rect">
-            <a:avLst/>
-          </a:prstGeom>
-        </p:spPr>
-        <p:txBody>
-          <a:bodyPr vert="horz" lIns="91440" tIns="45720" rIns="91440" bIns="45720" rtlCol="0"/>
-          <a:lstStyle>
-            <a:lvl1pPr algn="r">
-              <a:defRPr sz="1200"/>
-            </a:lvl1pPr>
-          </a:lstStyle>
-          <a:p>
-            <a:fld id="{DF4F65EA-1441-4131-BAA9-30630DFC7760}" type="datetimeFigureOut">
-              <a:rPr lang="en-US" smtClean="0"/>
-              <a:t>13-Mar-18</a:t>
-            </a:fld>
-            <a:endParaRPr lang="en-US"/>
-          </a:p>
-        </p:txBody>
-      </p:sp>
-      <p:sp>
-        <p:nvSpPr>
-          <p:cNvPr id="4" name="Slide Image Placeholder 3"/>
-          <p:cNvSpPr>
-            <a:spLocks noGrp="1" noRot="1" noChangeAspect="1"/>
-          </p:cNvSpPr>
-          <p:nvPr>
-            <p:ph type="sldImg" idx="2"/>
-          </p:nvPr>
-        </p:nvSpPr>
-        <p:spPr>
-          <a:xfrm>
-            <a:off x="1624013" y="1257300"/>
-            <a:ext cx="4524375" cy="3394075"/>
-          </a:xfrm>
-          <a:prstGeom prst="rect">
-            <a:avLst/>
-          </a:prstGeom>
-          <a:noFill/>
-          <a:ln w="12700">
-            <a:solidFill>
-              <a:prstClr val="black"/>
-            </a:solidFill>
-          </a:ln>
-        </p:spPr>
-        <p:txBody>
-          <a:bodyPr vert="horz" lIns="91440" tIns="45720" rIns="91440" bIns="45720" rtlCol="0" anchor="ctr"/>
-          <a:lstStyle/>
-          <a:p>
-            <a:endParaRPr lang="en-US"/>
-          </a:p>
-        </p:txBody>
-      </p:sp>
-      <p:sp>
-        <p:nvSpPr>
-          <p:cNvPr id="5" name="Notes Placeholder 4"/>
-          <p:cNvSpPr>
-            <a:spLocks noGrp="1"/>
-          </p:cNvSpPr>
-          <p:nvPr>
-            <p:ph type="body" sz="quarter" idx="3"/>
-          </p:nvPr>
-        </p:nvSpPr>
-        <p:spPr>
-          <a:xfrm>
-            <a:off x="777875" y="4840288"/>
-            <a:ext cx="6216650" cy="3960812"/>
-          </a:xfrm>
-          <a:prstGeom prst="rect">
-            <a:avLst/>
-          </a:prstGeom>
-        </p:spPr>
-        <p:txBody>
-          <a:bodyPr vert="horz" lIns="91440" tIns="45720" rIns="91440" bIns="45720" rtlCol="0"/>
-          <a:lstStyle/>
-          <a:p>
-            <a:pPr lvl="0"/>
-            <a:r>
-              <a:rPr lang="en-US"/>
-              <a:t>Edit Master text styles</a:t>
-            </a:r>
-          </a:p>
-          <a:p>
-            <a:pPr lvl="1"/>
-            <a:r>
-              <a:rPr lang="en-US"/>
-              <a:t>Second level</a:t>
-            </a:r>
-          </a:p>
-          <a:p>
-            <a:pPr lvl="2"/>
-            <a:r>
-              <a:rPr lang="en-US"/>
-              <a:t>Third level</a:t>
-            </a:r>
-          </a:p>
-          <a:p>
-            <a:pPr lvl="3"/>
-            <a:r>
-              <a:rPr lang="en-US"/>
-              <a:t>Fourth level</a:t>
-            </a:r>
-          </a:p>
-          <a:p>
-            <a:pPr lvl="4"/>
-            <a:r>
-              <a:rPr lang="en-US"/>
-              <a:t>Fifth level</a:t>
-            </a:r>
-          </a:p>
-        </p:txBody>
-      </p:sp>
-      <p:sp>
-        <p:nvSpPr>
-          <p:cNvPr id="6" name="Footer Placeholder 5"/>
-          <p:cNvSpPr>
-            <a:spLocks noGrp="1"/>
-          </p:cNvSpPr>
-          <p:nvPr>
-            <p:ph type="ftr" sz="quarter" idx="4"/>
-          </p:nvPr>
-        </p:nvSpPr>
-        <p:spPr>
-          <a:xfrm>
-            <a:off x="0" y="9553575"/>
-            <a:ext cx="3368675" cy="504825"/>
-          </a:xfrm>
-          <a:prstGeom prst="rect">
-            <a:avLst/>
-          </a:prstGeom>
-        </p:spPr>
-        <p:txBody>
-          <a:bodyPr vert="horz" lIns="91440" tIns="45720" rIns="91440" bIns="45720" rtlCol="0" anchor="b"/>
-          <a:lstStyle>
-            <a:lvl1pPr algn="l">
-              <a:defRPr sz="1200"/>
-            </a:lvl1pPr>
-          </a:lstStyle>
-          <a:p>
-            <a:endParaRPr lang="en-US"/>
-          </a:p>
-        </p:txBody>
-      </p:sp>
-      <p:sp>
-        <p:nvSpPr>
-          <p:cNvPr id="7" name="Slide Number Placeholder 6"/>
-          <p:cNvSpPr>
-            <a:spLocks noGrp="1"/>
-          </p:cNvSpPr>
-          <p:nvPr>
-            <p:ph type="sldNum" sz="quarter" idx="5"/>
-          </p:nvPr>
-        </p:nvSpPr>
-        <p:spPr>
-          <a:xfrm>
-            <a:off x="4402138" y="9553575"/>
-            <a:ext cx="3368675" cy="504825"/>
-          </a:xfrm>
-          <a:prstGeom prst="rect">
-            <a:avLst/>
-          </a:prstGeom>
-        </p:spPr>
-        <p:txBody>
-          <a:bodyPr vert="horz" lIns="91440" tIns="45720" rIns="91440" bIns="45720" rtlCol="0" anchor="b"/>
-          <a:lstStyle>
-            <a:lvl1pPr algn="r">
-              <a:defRPr sz="1200"/>
-            </a:lvl1pPr>
-          </a:lstStyle>
-          <a:p>
-            <a:fld id="{3242B18E-EDCB-4C57-B792-34871320BFEE}" type="slidenum">
-              <a:rPr lang="en-US" smtClean="0"/>
-              <a:t>‹#›</a:t>
-            </a:fld>
-            <a:endParaRPr lang="en-US"/>
-          </a:p>
-        </p:txBody>
-      </p:sp>
-    </p:spTree>
-    <p:extLst>
-      <p:ext uri="{BB962C8B-B14F-4D97-AF65-F5344CB8AC3E}">
-        <p14:creationId xmlns:p14="http://schemas.microsoft.com/office/powerpoint/2010/main" val="2958612660"/>
-      </p:ext>
-    </p:extLst>
-  </p:cSld>
-  <p:clrMap bg1="lt1" tx1="dk1" bg2="lt2" tx2="dk2" accent1="accent1" accent2="accent2" accent3="accent3" accent4="accent4" accent5="accent5" accent6="accent6" hlink="hlink" folHlink="folHlink"/>
-  <p:notesStyle>
-    <a:lvl1pPr marL="0" algn="l" defTabSz="914400" rtl="0" eaLnBrk="1" latinLnBrk="0" hangingPunct="1">
-      <a:defRPr sz="1200" kern="1200">
-        <a:solidFill>
-          <a:schemeClr val="tx1"/>
-        </a:solidFill>
-        <a:latin typeface="+mn-lt"/>
-        <a:ea typeface="+mn-ea"/>
-        <a:cs typeface="+mn-cs"/>
-      </a:defRPr>
-    </a:lvl1pPr>
-    <a:lvl2pPr marL="457200" algn="l" defTabSz="914400" rtl="0" eaLnBrk="1" latinLnBrk="0" hangingPunct="1">
-      <a:defRPr sz="1200" kern="1200">
-        <a:solidFill>
-          <a:schemeClr val="tx1"/>
-        </a:solidFill>
-        <a:latin typeface="+mn-lt"/>
-        <a:ea typeface="+mn-ea"/>
-        <a:cs typeface="+mn-cs"/>
-      </a:defRPr>
-    </a:lvl2pPr>
-    <a:lvl3pPr marL="914400" algn="l" defTabSz="914400" rtl="0" eaLnBrk="1" latinLnBrk="0" hangingPunct="1">
-      <a:defRPr sz="1200" kern="1200">
-        <a:solidFill>
-          <a:schemeClr val="tx1"/>
-        </a:solidFill>
-        <a:latin typeface="+mn-lt"/>
-        <a:ea typeface="+mn-ea"/>
-        <a:cs typeface="+mn-cs"/>
-      </a:defRPr>
-    </a:lvl3pPr>
-    <a:lvl4pPr marL="1371600" algn="l" defTabSz="914400" rtl="0" eaLnBrk="1" latinLnBrk="0" hangingPunct="1">
-      <a:defRPr sz="1200" kern="1200">
-        <a:solidFill>
-          <a:schemeClr val="tx1"/>
-        </a:solidFill>
-        <a:latin typeface="+mn-lt"/>
-        <a:ea typeface="+mn-ea"/>
-        <a:cs typeface="+mn-cs"/>
-      </a:defRPr>
-    </a:lvl4pPr>
-    <a:lvl5pPr marL="1828800" algn="l" defTabSz="914400" rtl="0" eaLnBrk="1" latinLnBrk="0" hangingPunct="1">
-      <a:defRPr sz="1200" kern="1200">
-        <a:solidFill>
-          <a:schemeClr val="tx1"/>
-        </a:solidFill>
-        <a:latin typeface="+mn-lt"/>
-        <a:ea typeface="+mn-ea"/>
-        <a:cs typeface="+mn-cs"/>
-      </a:defRPr>
-    </a:lvl5pPr>
-    <a:lvl6pPr marL="2286000" algn="l" defTabSz="914400" rtl="0" eaLnBrk="1" latinLnBrk="0" hangingPunct="1">
-      <a:defRPr sz="1200" kern="1200">
-        <a:solidFill>
-          <a:schemeClr val="tx1"/>
-        </a:solidFill>
-        <a:latin typeface="+mn-lt"/>
-        <a:ea typeface="+mn-ea"/>
-        <a:cs typeface="+mn-cs"/>
-      </a:defRPr>
-    </a:lvl6pPr>
-    <a:lvl7pPr marL="2743200" algn="l" defTabSz="914400" rtl="0" eaLnBrk="1" latinLnBrk="0" hangingPunct="1">
-      <a:defRPr sz="1200" kern="1200">
-        <a:solidFill>
-          <a:schemeClr val="tx1"/>
-        </a:solidFill>
-        <a:latin typeface="+mn-lt"/>
-        <a:ea typeface="+mn-ea"/>
-        <a:cs typeface="+mn-cs"/>
-      </a:defRPr>
-    </a:lvl7pPr>
-    <a:lvl8pPr marL="3200400" algn="l" defTabSz="914400" rtl="0" eaLnBrk="1" latinLnBrk="0" hangingPunct="1">
-      <a:defRPr sz="1200" kern="1200">
-        <a:solidFill>
-          <a:schemeClr val="tx1"/>
-        </a:solidFill>
-        <a:latin typeface="+mn-lt"/>
-        <a:ea typeface="+mn-ea"/>
-        <a:cs typeface="+mn-cs"/>
-      </a:defRPr>
-    </a:lvl8pPr>
-    <a:lvl9pPr marL="3657600" algn="l" defTabSz="914400" rtl="0" eaLnBrk="1" latinLnBrk="0" hangingPunct="1">
-      <a:defRPr sz="1200" kern="1200">
-        <a:solidFill>
-          <a:schemeClr val="tx1"/>
-        </a:solidFill>
-        <a:latin typeface="+mn-lt"/>
-        <a:ea typeface="+mn-ea"/>
-        <a:cs typeface="+mn-cs"/>
-      </a:defRPr>
-    </a:lvl9pPr>
-  </p:notesStyle>
-</p:notesMaster>
-</file>
-
-<file path=ppt/notesSlides/notesSlide1.xml><?xml version="1.0" encoding="utf-8"?>
-<p:notes xmlns:a="http://schemas.openxmlformats.org/drawingml/2006/main" xmlns:r="http://schemas.openxmlformats.org/officeDocument/2006/relationships" xmlns:p="http://schemas.openxmlformats.org/presentationml/2006/main">
+<p:notesMaster xmlns:a="http://schemas.openxmlformats.org/drawingml/2006/main" xmlns:p="http://schemas.openxmlformats.org/presentationml/2006/main" xmlns:r="http://schemas.openxmlformats.org/officeDocument/2006/relationships" xmlns:p14="http://schemas.microsoft.com/office/powerpoint/2010/main" xmlns:p15="http://schemas.microsoft.com/office/powerpoint/2012/main" xmlns:mc="http://schemas.openxmlformats.org/markup-compatibility/2006">
   <p:cSld>
     <p:spTree>
       <p:nvGrpSpPr>
@@ -485,77 +38,648 @@
       </p:grpSpPr>
       <p:sp>
         <p:nvSpPr>
-          <p:cNvPr id="2" name="Slide Image Placeholder 1"/>
-          <p:cNvSpPr>
-            <a:spLocks noGrp="1" noRot="1" noChangeAspect="1"/>
-          </p:cNvSpPr>
-          <p:nvPr>
-            <p:ph type="sldImg"/>
-          </p:nvPr>
-        </p:nvSpPr>
-        <p:spPr/>
-      </p:sp>
-      <p:sp>
-        <p:nvSpPr>
-          <p:cNvPr id="3" name="Notes Placeholder 2"/>
+          <p:cNvPr id="81" name="PlaceHolder 1"/>
           <p:cNvSpPr>
             <a:spLocks noGrp="1"/>
           </p:cNvSpPr>
           <p:nvPr>
-            <p:ph type="body" idx="1"/>
+            <p:ph type="body"/>
           </p:nvPr>
         </p:nvSpPr>
-        <p:spPr/>
-        <p:txBody>
-          <a:bodyPr/>
-          <a:lstStyle/>
+        <p:spPr>
+          <a:xfrm>
+            <a:off x="777240" y="4777560"/>
+            <a:ext cx="6217560" cy="4525920"/>
+          </a:xfrm>
+          <a:prstGeom prst="rect">
+            <a:avLst/>
+          </a:prstGeom>
+        </p:spPr>
+        <p:txBody>
+          <a:bodyPr lIns="0" rIns="0" tIns="0" bIns="0"/>
           <a:p>
             <a:r>
-              <a:rPr lang="en-CA" dirty="0"/>
-              <a:t>Explanation: A new customer is initialized with a name attribute of “John Doe” and A customer ID of 321</a:t>
+              <a:rPr b="0" lang="en-US" sz="2000" spc="-1" strike="noStrike">
+                <a:solidFill>
+                  <a:srgbClr val="000000"/>
+                </a:solidFill>
+                <a:uFill>
+                  <a:solidFill>
+                    <a:srgbClr val="ffffff"/>
+                  </a:solidFill>
+                </a:uFill>
+                <a:latin typeface="Arial"/>
+              </a:rPr>
+              <a:t>Click to edit the notes format</a:t>
             </a:r>
-            <a:endParaRPr lang="en-US" dirty="0"/>
-          </a:p>
-        </p:txBody>
-      </p:sp>
-      <p:sp>
-        <p:nvSpPr>
-          <p:cNvPr id="4" name="Slide Number Placeholder 3"/>
+            <a:endParaRPr b="0" lang="en-US" sz="2000" spc="-1" strike="noStrike">
+              <a:solidFill>
+                <a:srgbClr val="000000"/>
+              </a:solidFill>
+              <a:uFill>
+                <a:solidFill>
+                  <a:srgbClr val="ffffff"/>
+                </a:solidFill>
+              </a:uFill>
+              <a:latin typeface="Arial"/>
+            </a:endParaRPr>
+          </a:p>
+        </p:txBody>
+      </p:sp>
+      <p:sp>
+        <p:nvSpPr>
+          <p:cNvPr id="82" name="PlaceHolder 2"/>
           <p:cNvSpPr>
             <a:spLocks noGrp="1"/>
           </p:cNvSpPr>
           <p:nvPr>
-            <p:ph type="sldNum" sz="quarter" idx="10"/>
+            <p:ph type="hdr"/>
           </p:nvPr>
         </p:nvSpPr>
-        <p:spPr/>
+        <p:spPr>
+          <a:xfrm>
+            <a:off x="0" y="0"/>
+            <a:ext cx="3372840" cy="502560"/>
+          </a:xfrm>
+          <a:prstGeom prst="rect">
+            <a:avLst/>
+          </a:prstGeom>
+        </p:spPr>
+        <p:txBody>
+          <a:bodyPr lIns="0" rIns="0" tIns="0" bIns="0"/>
+          <a:p>
+            <a:r>
+              <a:rPr b="0" lang="en-US" sz="1400" spc="-1" strike="noStrike">
+                <a:solidFill>
+                  <a:srgbClr val="000000"/>
+                </a:solidFill>
+                <a:uFill>
+                  <a:solidFill>
+                    <a:srgbClr val="ffffff"/>
+                  </a:solidFill>
+                </a:uFill>
+                <a:latin typeface="Times New Roman"/>
+              </a:rPr>
+              <a:t>&lt;header&gt;</a:t>
+            </a:r>
+            <a:endParaRPr b="0" lang="en-US" sz="1400" spc="-1" strike="noStrike">
+              <a:solidFill>
+                <a:srgbClr val="000000"/>
+              </a:solidFill>
+              <a:uFill>
+                <a:solidFill>
+                  <a:srgbClr val="ffffff"/>
+                </a:solidFill>
+              </a:uFill>
+              <a:latin typeface="Times New Roman"/>
+            </a:endParaRPr>
+          </a:p>
+        </p:txBody>
+      </p:sp>
+      <p:sp>
+        <p:nvSpPr>
+          <p:cNvPr id="83" name="PlaceHolder 3"/>
+          <p:cNvSpPr>
+            <a:spLocks noGrp="1"/>
+          </p:cNvSpPr>
+          <p:nvPr>
+            <p:ph type="dt"/>
+          </p:nvPr>
+        </p:nvSpPr>
+        <p:spPr>
+          <a:xfrm>
+            <a:off x="4399200" y="0"/>
+            <a:ext cx="3372840" cy="502560"/>
+          </a:xfrm>
+          <a:prstGeom prst="rect">
+            <a:avLst/>
+          </a:prstGeom>
+        </p:spPr>
+        <p:txBody>
+          <a:bodyPr lIns="0" rIns="0" tIns="0" bIns="0"/>
+          <a:p>
+            <a:pPr algn="r"/>
+            <a:r>
+              <a:rPr b="0" lang="en-US" sz="1400" spc="-1" strike="noStrike">
+                <a:solidFill>
+                  <a:srgbClr val="000000"/>
+                </a:solidFill>
+                <a:uFill>
+                  <a:solidFill>
+                    <a:srgbClr val="ffffff"/>
+                  </a:solidFill>
+                </a:uFill>
+                <a:latin typeface="Times New Roman"/>
+              </a:rPr>
+              <a:t>&lt;date/time&gt;</a:t>
+            </a:r>
+            <a:endParaRPr b="0" lang="en-US" sz="1400" spc="-1" strike="noStrike">
+              <a:solidFill>
+                <a:srgbClr val="000000"/>
+              </a:solidFill>
+              <a:uFill>
+                <a:solidFill>
+                  <a:srgbClr val="ffffff"/>
+                </a:solidFill>
+              </a:uFill>
+              <a:latin typeface="Times New Roman"/>
+            </a:endParaRPr>
+          </a:p>
+        </p:txBody>
+      </p:sp>
+      <p:sp>
+        <p:nvSpPr>
+          <p:cNvPr id="84" name="PlaceHolder 4"/>
+          <p:cNvSpPr>
+            <a:spLocks noGrp="1"/>
+          </p:cNvSpPr>
+          <p:nvPr>
+            <p:ph type="ftr"/>
+          </p:nvPr>
+        </p:nvSpPr>
+        <p:spPr>
+          <a:xfrm>
+            <a:off x="0" y="9555480"/>
+            <a:ext cx="3372840" cy="502560"/>
+          </a:xfrm>
+          <a:prstGeom prst="rect">
+            <a:avLst/>
+          </a:prstGeom>
+        </p:spPr>
+        <p:txBody>
+          <a:bodyPr lIns="0" rIns="0" tIns="0" bIns="0" anchor="b"/>
+          <a:p>
+            <a:r>
+              <a:rPr b="0" lang="en-US" sz="1400" spc="-1" strike="noStrike">
+                <a:solidFill>
+                  <a:srgbClr val="000000"/>
+                </a:solidFill>
+                <a:uFill>
+                  <a:solidFill>
+                    <a:srgbClr val="ffffff"/>
+                  </a:solidFill>
+                </a:uFill>
+                <a:latin typeface="Times New Roman"/>
+              </a:rPr>
+              <a:t>&lt;footer&gt;</a:t>
+            </a:r>
+            <a:endParaRPr b="0" lang="en-US" sz="1400" spc="-1" strike="noStrike">
+              <a:solidFill>
+                <a:srgbClr val="000000"/>
+              </a:solidFill>
+              <a:uFill>
+                <a:solidFill>
+                  <a:srgbClr val="ffffff"/>
+                </a:solidFill>
+              </a:uFill>
+              <a:latin typeface="Times New Roman"/>
+            </a:endParaRPr>
+          </a:p>
+        </p:txBody>
+      </p:sp>
+      <p:sp>
+        <p:nvSpPr>
+          <p:cNvPr id="85" name="PlaceHolder 5"/>
+          <p:cNvSpPr>
+            <a:spLocks noGrp="1"/>
+          </p:cNvSpPr>
+          <p:nvPr>
+            <p:ph type="sldNum"/>
+          </p:nvPr>
+        </p:nvSpPr>
+        <p:spPr>
+          <a:xfrm>
+            <a:off x="4399200" y="9555480"/>
+            <a:ext cx="3372840" cy="502560"/>
+          </a:xfrm>
+          <a:prstGeom prst="rect">
+            <a:avLst/>
+          </a:prstGeom>
+        </p:spPr>
+        <p:txBody>
+          <a:bodyPr lIns="0" rIns="0" tIns="0" bIns="0" anchor="b"/>
+          <a:p>
+            <a:pPr algn="r"/>
+            <a:fld id="{4DA8DC13-DB6C-4F5E-BCD5-01FE0DA9A643}" type="slidenum">
+              <a:rPr b="0" lang="en-US" sz="1400" spc="-1" strike="noStrike">
+                <a:solidFill>
+                  <a:srgbClr val="000000"/>
+                </a:solidFill>
+                <a:uFill>
+                  <a:solidFill>
+                    <a:srgbClr val="ffffff"/>
+                  </a:solidFill>
+                </a:uFill>
+                <a:latin typeface="Times New Roman"/>
+              </a:rPr>
+              <a:t>&lt;number&gt;</a:t>
+            </a:fld>
+            <a:endParaRPr b="0" lang="en-US" sz="1400" spc="-1" strike="noStrike">
+              <a:solidFill>
+                <a:srgbClr val="000000"/>
+              </a:solidFill>
+              <a:uFill>
+                <a:solidFill>
+                  <a:srgbClr val="ffffff"/>
+                </a:solidFill>
+              </a:uFill>
+              <a:latin typeface="Times New Roman"/>
+            </a:endParaRPr>
+          </a:p>
+        </p:txBody>
+      </p:sp>
+    </p:spTree>
+  </p:cSld>
+  <p:clrMap bg1="lt1" bg2="lt2" tx1="dk1" tx2="dk2" accent1="accent1" accent2="accent2" accent3="accent3" accent4="accent4" accent5="accent5" accent6="accent6" hlink="hlink" folHlink="folHlink"/>
+</p:notesMaster>
+</file>
+
+<file path=ppt/notesSlides/notesSlide2.xml><?xml version="1.0" encoding="utf-8"?>
+<p:notes xmlns:a="http://schemas.openxmlformats.org/drawingml/2006/main" xmlns:p="http://schemas.openxmlformats.org/presentationml/2006/main" xmlns:r="http://schemas.openxmlformats.org/officeDocument/2006/relationships" xmlns:p14="http://schemas.microsoft.com/office/powerpoint/2010/main" xmlns:p15="http://schemas.microsoft.com/office/powerpoint/2012/main" xmlns:mc="http://schemas.openxmlformats.org/markup-compatibility/2006">
+  <p:cSld>
+    <p:spTree>
+      <p:nvGrpSpPr>
+        <p:cNvPr id="1" name=""/>
+        <p:cNvGrpSpPr/>
+        <p:nvPr/>
+      </p:nvGrpSpPr>
+      <p:grpSpPr>
+        <a:xfrm>
+          <a:off x="0" y="0"/>
+          <a:ext cx="0" cy="0"/>
+          <a:chOff x="0" y="0"/>
+          <a:chExt cx="0" cy="0"/>
+        </a:xfrm>
+      </p:grpSpPr>
+      <p:sp>
+        <p:nvSpPr>
+          <p:cNvPr id="117" name="PlaceHolder 1"/>
+          <p:cNvSpPr>
+            <a:spLocks noGrp="1"/>
+          </p:cNvSpPr>
+          <p:nvPr>
+            <p:ph type="body"/>
+          </p:nvPr>
+        </p:nvSpPr>
+        <p:spPr>
+          <a:xfrm>
+            <a:off x="777960" y="4840200"/>
+            <a:ext cx="6216120" cy="3960360"/>
+          </a:xfrm>
+          <a:prstGeom prst="rect">
+            <a:avLst/>
+          </a:prstGeom>
+        </p:spPr>
         <p:txBody>
           <a:bodyPr/>
-          <a:lstStyle/>
-          <a:p>
-            <a:fld id="{3242B18E-EDCB-4C57-B792-34871320BFEE}" type="slidenum">
-              <a:rPr lang="en-US" smtClean="0"/>
-              <a:t>2</a:t>
+          <a:p>
+            <a:r>
+              <a:rPr b="0" lang="en-US" sz="2000" spc="-1" strike="noStrike">
+                <a:solidFill>
+                  <a:srgbClr val="000000"/>
+                </a:solidFill>
+                <a:uFill>
+                  <a:solidFill>
+                    <a:srgbClr val="ffffff"/>
+                  </a:solidFill>
+                </a:uFill>
+                <a:latin typeface="Arial"/>
+              </a:rPr>
+              <a:t>Explanation: A new customer is initialized with a name attribute of “John Doe” and A customer ID of 321</a:t>
+            </a:r>
+            <a:endParaRPr b="0" lang="en-US" sz="2000" spc="-1" strike="noStrike">
+              <a:solidFill>
+                <a:srgbClr val="000000"/>
+              </a:solidFill>
+              <a:uFill>
+                <a:solidFill>
+                  <a:srgbClr val="ffffff"/>
+                </a:solidFill>
+              </a:uFill>
+              <a:latin typeface="Arial"/>
+            </a:endParaRPr>
+          </a:p>
+        </p:txBody>
+      </p:sp>
+      <p:sp>
+        <p:nvSpPr>
+          <p:cNvPr id="118" name="TextShape 2"/>
+          <p:cNvSpPr txBox="1"/>
+          <p:nvPr/>
+        </p:nvSpPr>
+        <p:spPr>
+          <a:xfrm>
+            <a:off x="4402080" y="9553680"/>
+            <a:ext cx="3368160" cy="504360"/>
+          </a:xfrm>
+          <a:prstGeom prst="rect">
+            <a:avLst/>
+          </a:prstGeom>
+          <a:noFill/>
+          <a:ln>
+            <a:noFill/>
+          </a:ln>
+        </p:spPr>
+        <p:txBody>
+          <a:bodyPr anchor="b"/>
+          <a:p>
+            <a:pPr algn="r">
+              <a:lnSpc>
+                <a:spcPct val="100000"/>
+              </a:lnSpc>
+            </a:pPr>
+            <a:fld id="{C32CCD74-E601-4253-9E72-8D32E5D3147E}" type="slidenum">
+              <a:rPr b="0" lang="en-US" sz="1200" spc="-1" strike="noStrike">
+                <a:solidFill>
+                  <a:srgbClr val="000000"/>
+                </a:solidFill>
+                <a:uFill>
+                  <a:solidFill>
+                    <a:srgbClr val="ffffff"/>
+                  </a:solidFill>
+                </a:uFill>
+                <a:latin typeface="+mn-lt"/>
+                <a:ea typeface="+mn-ea"/>
+              </a:rPr>
+              <a:t>&lt;number&gt;</a:t>
             </a:fld>
-            <a:endParaRPr lang="en-US"/>
+            <a:endParaRPr b="0" lang="en-US" sz="1200" spc="-1" strike="noStrike">
+              <a:solidFill>
+                <a:srgbClr val="000000"/>
+              </a:solidFill>
+              <a:uFill>
+                <a:solidFill>
+                  <a:srgbClr val="ffffff"/>
+                </a:solidFill>
+              </a:uFill>
+              <a:latin typeface="Times New Roman"/>
+            </a:endParaRPr>
           </a:p>
         </p:txBody>
       </p:sp>
     </p:spTree>
-    <p:extLst>
-      <p:ext uri="{BB962C8B-B14F-4D97-AF65-F5344CB8AC3E}">
-        <p14:creationId xmlns:p14="http://schemas.microsoft.com/office/powerpoint/2010/main" val="2804031402"/>
-      </p:ext>
-    </p:extLst>
   </p:cSld>
-  <p:clrMapOvr>
-    <a:masterClrMapping/>
-  </p:clrMapOvr>
+</p:notes>
+</file>
+
+<file path=ppt/notesSlides/notesSlide3.xml><?xml version="1.0" encoding="utf-8"?>
+<p:notes xmlns:a="http://schemas.openxmlformats.org/drawingml/2006/main" xmlns:p="http://schemas.openxmlformats.org/presentationml/2006/main" xmlns:r="http://schemas.openxmlformats.org/officeDocument/2006/relationships" xmlns:p14="http://schemas.microsoft.com/office/powerpoint/2010/main" xmlns:p15="http://schemas.microsoft.com/office/powerpoint/2012/main" xmlns:mc="http://schemas.openxmlformats.org/markup-compatibility/2006">
+  <p:cSld>
+    <p:spTree>
+      <p:nvGrpSpPr>
+        <p:cNvPr id="1" name=""/>
+        <p:cNvGrpSpPr/>
+        <p:nvPr/>
+      </p:nvGrpSpPr>
+      <p:grpSpPr>
+        <a:xfrm>
+          <a:off x="0" y="0"/>
+          <a:ext cx="0" cy="0"/>
+          <a:chOff x="0" y="0"/>
+          <a:chExt cx="0" cy="0"/>
+        </a:xfrm>
+      </p:grpSpPr>
+      <p:sp>
+        <p:nvSpPr>
+          <p:cNvPr id="119" name="PlaceHolder 1"/>
+          <p:cNvSpPr>
+            <a:spLocks noGrp="1"/>
+          </p:cNvSpPr>
+          <p:nvPr>
+            <p:ph type="body"/>
+          </p:nvPr>
+        </p:nvSpPr>
+        <p:spPr>
+          <a:xfrm>
+            <a:off x="777960" y="4840200"/>
+            <a:ext cx="6216120" cy="3960360"/>
+          </a:xfrm>
+          <a:prstGeom prst="rect">
+            <a:avLst/>
+          </a:prstGeom>
+        </p:spPr>
+        <p:txBody>
+          <a:bodyPr/>
+          <a:p>
+            <a:r>
+              <a:rPr b="0" lang="en-US" sz="2000" spc="-1" strike="noStrike">
+                <a:solidFill>
+                  <a:srgbClr val="000000"/>
+                </a:solidFill>
+                <a:uFill>
+                  <a:solidFill>
+                    <a:srgbClr val="ffffff"/>
+                  </a:solidFill>
+                </a:uFill>
+                <a:latin typeface="Arial"/>
+              </a:rPr>
+              <a:t>Explanation: A new customer is initialized with a name attribute of “John Doe” and A customer ID of 321</a:t>
+            </a:r>
+            <a:endParaRPr b="0" lang="en-US" sz="2000" spc="-1" strike="noStrike">
+              <a:solidFill>
+                <a:srgbClr val="000000"/>
+              </a:solidFill>
+              <a:uFill>
+                <a:solidFill>
+                  <a:srgbClr val="ffffff"/>
+                </a:solidFill>
+              </a:uFill>
+              <a:latin typeface="Arial"/>
+            </a:endParaRPr>
+          </a:p>
+        </p:txBody>
+      </p:sp>
+      <p:sp>
+        <p:nvSpPr>
+          <p:cNvPr id="120" name="TextShape 2"/>
+          <p:cNvSpPr txBox="1"/>
+          <p:nvPr/>
+        </p:nvSpPr>
+        <p:spPr>
+          <a:xfrm>
+            <a:off x="4402080" y="9553680"/>
+            <a:ext cx="3368160" cy="504360"/>
+          </a:xfrm>
+          <a:prstGeom prst="rect">
+            <a:avLst/>
+          </a:prstGeom>
+          <a:noFill/>
+          <a:ln>
+            <a:noFill/>
+          </a:ln>
+        </p:spPr>
+        <p:txBody>
+          <a:bodyPr anchor="b"/>
+          <a:p>
+            <a:pPr algn="r">
+              <a:lnSpc>
+                <a:spcPct val="100000"/>
+              </a:lnSpc>
+            </a:pPr>
+            <a:fld id="{071CFE90-5B78-4EDA-AE9E-073EFBAC2FFC}" type="slidenum">
+              <a:rPr b="0" lang="en-US" sz="1200" spc="-1" strike="noStrike">
+                <a:solidFill>
+                  <a:srgbClr val="000000"/>
+                </a:solidFill>
+                <a:uFill>
+                  <a:solidFill>
+                    <a:srgbClr val="ffffff"/>
+                  </a:solidFill>
+                </a:uFill>
+                <a:latin typeface="+mn-lt"/>
+                <a:ea typeface="+mn-ea"/>
+              </a:rPr>
+              <a:t>&lt;number&gt;</a:t>
+            </a:fld>
+            <a:endParaRPr b="0" lang="en-US" sz="1200" spc="-1" strike="noStrike">
+              <a:solidFill>
+                <a:srgbClr val="000000"/>
+              </a:solidFill>
+              <a:uFill>
+                <a:solidFill>
+                  <a:srgbClr val="ffffff"/>
+                </a:solidFill>
+              </a:uFill>
+              <a:latin typeface="Times New Roman"/>
+            </a:endParaRPr>
+          </a:p>
+        </p:txBody>
+      </p:sp>
+    </p:spTree>
+  </p:cSld>
+</p:notes>
+</file>
+
+<file path=ppt/notesSlides/notesSlide4.xml><?xml version="1.0" encoding="utf-8"?>
+<p:notes xmlns:a="http://schemas.openxmlformats.org/drawingml/2006/main" xmlns:p="http://schemas.openxmlformats.org/presentationml/2006/main" xmlns:r="http://schemas.openxmlformats.org/officeDocument/2006/relationships" xmlns:p14="http://schemas.microsoft.com/office/powerpoint/2010/main" xmlns:p15="http://schemas.microsoft.com/office/powerpoint/2012/main" xmlns:mc="http://schemas.openxmlformats.org/markup-compatibility/2006">
+  <p:cSld>
+    <p:spTree>
+      <p:nvGrpSpPr>
+        <p:cNvPr id="1" name=""/>
+        <p:cNvGrpSpPr/>
+        <p:nvPr/>
+      </p:nvGrpSpPr>
+      <p:grpSpPr>
+        <a:xfrm>
+          <a:off x="0" y="0"/>
+          <a:ext cx="0" cy="0"/>
+          <a:chOff x="0" y="0"/>
+          <a:chExt cx="0" cy="0"/>
+        </a:xfrm>
+      </p:grpSpPr>
+      <p:sp>
+        <p:nvSpPr>
+          <p:cNvPr id="121" name="PlaceHolder 1"/>
+          <p:cNvSpPr>
+            <a:spLocks noGrp="1"/>
+          </p:cNvSpPr>
+          <p:nvPr>
+            <p:ph type="body"/>
+          </p:nvPr>
+        </p:nvSpPr>
+        <p:spPr>
+          <a:xfrm>
+            <a:off x="777960" y="4840200"/>
+            <a:ext cx="6216120" cy="3960360"/>
+          </a:xfrm>
+          <a:prstGeom prst="rect">
+            <a:avLst/>
+          </a:prstGeom>
+        </p:spPr>
+        <p:txBody>
+          <a:bodyPr/>
+          <a:p>
+            <a:r>
+              <a:rPr b="0" lang="en-US" sz="2000" spc="-1" strike="noStrike">
+                <a:solidFill>
+                  <a:srgbClr val="000000"/>
+                </a:solidFill>
+                <a:uFill>
+                  <a:solidFill>
+                    <a:srgbClr val="ffffff"/>
+                  </a:solidFill>
+                </a:uFill>
+                <a:latin typeface="Arial"/>
+              </a:rPr>
+              <a:t>Explanation: A new customer is initialized with a name attribute of “John Doe” and A customer ID of 321</a:t>
+            </a:r>
+            <a:endParaRPr b="0" lang="en-US" sz="2000" spc="-1" strike="noStrike">
+              <a:solidFill>
+                <a:srgbClr val="000000"/>
+              </a:solidFill>
+              <a:uFill>
+                <a:solidFill>
+                  <a:srgbClr val="ffffff"/>
+                </a:solidFill>
+              </a:uFill>
+              <a:latin typeface="Arial"/>
+            </a:endParaRPr>
+          </a:p>
+        </p:txBody>
+      </p:sp>
+      <p:sp>
+        <p:nvSpPr>
+          <p:cNvPr id="122" name="TextShape 2"/>
+          <p:cNvSpPr txBox="1"/>
+          <p:nvPr/>
+        </p:nvSpPr>
+        <p:spPr>
+          <a:xfrm>
+            <a:off x="4402080" y="9553680"/>
+            <a:ext cx="3368160" cy="504360"/>
+          </a:xfrm>
+          <a:prstGeom prst="rect">
+            <a:avLst/>
+          </a:prstGeom>
+          <a:noFill/>
+          <a:ln>
+            <a:noFill/>
+          </a:ln>
+        </p:spPr>
+        <p:txBody>
+          <a:bodyPr anchor="b"/>
+          <a:p>
+            <a:pPr algn="r">
+              <a:lnSpc>
+                <a:spcPct val="100000"/>
+              </a:lnSpc>
+            </a:pPr>
+            <a:fld id="{3AD5B48F-1273-421F-9A19-94158705D9ED}" type="slidenum">
+              <a:rPr b="0" lang="en-US" sz="1200" spc="-1" strike="noStrike">
+                <a:solidFill>
+                  <a:srgbClr val="000000"/>
+                </a:solidFill>
+                <a:uFill>
+                  <a:solidFill>
+                    <a:srgbClr val="ffffff"/>
+                  </a:solidFill>
+                </a:uFill>
+                <a:latin typeface="+mn-lt"/>
+                <a:ea typeface="+mn-ea"/>
+              </a:rPr>
+              <a:t>&lt;number&gt;</a:t>
+            </a:fld>
+            <a:endParaRPr b="0" lang="en-US" sz="1200" spc="-1" strike="noStrike">
+              <a:solidFill>
+                <a:srgbClr val="000000"/>
+              </a:solidFill>
+              <a:uFill>
+                <a:solidFill>
+                  <a:srgbClr val="ffffff"/>
+                </a:solidFill>
+              </a:uFill>
+              <a:latin typeface="Times New Roman"/>
+            </a:endParaRPr>
+          </a:p>
+        </p:txBody>
+      </p:sp>
+    </p:spTree>
+  </p:cSld>
 </p:notes>
 </file>
 
 <file path=ppt/slideLayouts/slideLayout1.xml><?xml version="1.0" encoding="utf-8"?>
-<p:sldLayout xmlns:a="http://schemas.openxmlformats.org/drawingml/2006/main" xmlns:r="http://schemas.openxmlformats.org/officeDocument/2006/relationships" xmlns:p="http://schemas.openxmlformats.org/presentationml/2006/main" type="blank" preserve="1">
+<p:sldLayout xmlns:a="http://schemas.openxmlformats.org/drawingml/2006/main" xmlns:p="http://schemas.openxmlformats.org/presentationml/2006/main" xmlns:r="http://schemas.openxmlformats.org/officeDocument/2006/relationships" xmlns:p14="http://schemas.microsoft.com/office/powerpoint/2010/main" xmlns:p15="http://schemas.microsoft.com/office/powerpoint/2012/main" xmlns:mc="http://schemas.openxmlformats.org/markup-compatibility/2006" type="blank" preserve="1">
   <p:cSld name="Blank Slide">
     <p:spTree>
       <p:nvGrpSpPr>
@@ -573,14 +697,11 @@
       </p:grpSpPr>
     </p:spTree>
   </p:cSld>
-  <p:clrMapOvr>
-    <a:masterClrMapping/>
-  </p:clrMapOvr>
 </p:sldLayout>
 </file>
 
 <file path=ppt/slideLayouts/slideLayout10.xml><?xml version="1.0" encoding="utf-8"?>
-<p:sldLayout xmlns:a="http://schemas.openxmlformats.org/drawingml/2006/main" xmlns:r="http://schemas.openxmlformats.org/officeDocument/2006/relationships" xmlns:p="http://schemas.openxmlformats.org/presentationml/2006/main" type="objOverTx" preserve="1">
+<p:sldLayout xmlns:a="http://schemas.openxmlformats.org/drawingml/2006/main" xmlns:p="http://schemas.openxmlformats.org/presentationml/2006/main" xmlns:r="http://schemas.openxmlformats.org/officeDocument/2006/relationships" xmlns:p14="http://schemas.microsoft.com/office/powerpoint/2010/main" xmlns:p15="http://schemas.microsoft.com/office/powerpoint/2012/main" xmlns:mc="http://schemas.openxmlformats.org/markup-compatibility/2006" type="objOverTx" preserve="1">
   <p:cSld name="Title, Content over Content">
     <p:spTree>
       <p:nvGrpSpPr>
@@ -608,25 +729,23 @@
         </p:nvSpPr>
         <p:spPr>
           <a:xfrm>
-            <a:off x="360000" y="360000"/>
-            <a:ext cx="9359640" cy="899640"/>
-          </a:xfrm>
-          <a:prstGeom prst="rect">
-            <a:avLst/>
-          </a:prstGeom>
-        </p:spPr>
-        <p:txBody>
-          <a:bodyPr lIns="0" tIns="0" rIns="0" bIns="0" anchor="ctr"/>
-          <a:lstStyle/>
-          <a:p>
-            <a:pPr algn="ctr"/>
-            <a:endParaRPr lang="en-US" sz="4400" b="0" strike="noStrike" spc="-1">
-              <a:solidFill>
-                <a:srgbClr val="000000"/>
-              </a:solidFill>
-              <a:uFill>
-                <a:solidFill>
-                  <a:srgbClr val="FFFFFF"/>
+            <a:off x="504000" y="301320"/>
+            <a:ext cx="9072000" cy="1261800"/>
+          </a:xfrm>
+          <a:prstGeom prst="rect">
+            <a:avLst/>
+          </a:prstGeom>
+        </p:spPr>
+        <p:txBody>
+          <a:bodyPr lIns="0" rIns="0" tIns="0" bIns="0" anchor="ctr"/>
+          <a:p>
+            <a:endParaRPr b="0" lang="en-US" sz="1800" spc="-1" strike="noStrike">
+              <a:solidFill>
+                <a:srgbClr val="000000"/>
+              </a:solidFill>
+              <a:uFill>
+                <a:solidFill>
+                  <a:srgbClr val="ffffff"/>
                 </a:solidFill>
               </a:uFill>
               <a:latin typeface="Arial"/>
@@ -646,26 +765,25 @@
         </p:nvSpPr>
         <p:spPr>
           <a:xfrm>
-            <a:off x="360000" y="1980000"/>
-            <a:ext cx="9179640" cy="2232000"/>
-          </a:xfrm>
-          <a:prstGeom prst="rect">
-            <a:avLst/>
-          </a:prstGeom>
-        </p:spPr>
-        <p:txBody>
-          <a:bodyPr lIns="0" tIns="0" rIns="0" bIns="0">
+            <a:off x="504000" y="1768680"/>
+            <a:ext cx="9072000" cy="2090880"/>
+          </a:xfrm>
+          <a:prstGeom prst="rect">
+            <a:avLst/>
+          </a:prstGeom>
+        </p:spPr>
+        <p:txBody>
+          <a:bodyPr lIns="0" rIns="0" tIns="0" bIns="0">
             <a:normAutofit/>
           </a:bodyPr>
-          <a:lstStyle/>
-          <a:p>
-            <a:endParaRPr lang="en-US" sz="3200" b="0" strike="noStrike" spc="-1">
-              <a:solidFill>
-                <a:srgbClr val="000000"/>
-              </a:solidFill>
-              <a:uFill>
-                <a:solidFill>
-                  <a:srgbClr val="FFFFFF"/>
+          <a:p>
+            <a:endParaRPr b="0" lang="en-US" sz="2800" spc="-1" strike="noStrike">
+              <a:solidFill>
+                <a:srgbClr val="000000"/>
+              </a:solidFill>
+              <a:uFill>
+                <a:solidFill>
+                  <a:srgbClr val="ffffff"/>
                 </a:solidFill>
               </a:uFill>
               <a:latin typeface="Arial"/>
@@ -685,26 +803,25 @@
         </p:nvSpPr>
         <p:spPr>
           <a:xfrm>
-            <a:off x="360000" y="4424400"/>
-            <a:ext cx="9179640" cy="2232000"/>
-          </a:xfrm>
-          <a:prstGeom prst="rect">
-            <a:avLst/>
-          </a:prstGeom>
-        </p:spPr>
-        <p:txBody>
-          <a:bodyPr lIns="0" tIns="0" rIns="0" bIns="0">
+            <a:off x="504000" y="4058640"/>
+            <a:ext cx="9072000" cy="2090880"/>
+          </a:xfrm>
+          <a:prstGeom prst="rect">
+            <a:avLst/>
+          </a:prstGeom>
+        </p:spPr>
+        <p:txBody>
+          <a:bodyPr lIns="0" rIns="0" tIns="0" bIns="0">
             <a:normAutofit/>
           </a:bodyPr>
-          <a:lstStyle/>
-          <a:p>
-            <a:endParaRPr lang="en-US" sz="3200" b="0" strike="noStrike" spc="-1">
-              <a:solidFill>
-                <a:srgbClr val="000000"/>
-              </a:solidFill>
-              <a:uFill>
-                <a:solidFill>
-                  <a:srgbClr val="FFFFFF"/>
+          <a:p>
+            <a:endParaRPr b="0" lang="en-US" sz="2800" spc="-1" strike="noStrike">
+              <a:solidFill>
+                <a:srgbClr val="000000"/>
+              </a:solidFill>
+              <a:uFill>
+                <a:solidFill>
+                  <a:srgbClr val="ffffff"/>
                 </a:solidFill>
               </a:uFill>
               <a:latin typeface="Arial"/>
@@ -714,14 +831,11 @@
       </p:sp>
     </p:spTree>
   </p:cSld>
-  <p:clrMapOvr>
-    <a:masterClrMapping/>
-  </p:clrMapOvr>
 </p:sldLayout>
 </file>
 
 <file path=ppt/slideLayouts/slideLayout11.xml><?xml version="1.0" encoding="utf-8"?>
-<p:sldLayout xmlns:a="http://schemas.openxmlformats.org/drawingml/2006/main" xmlns:r="http://schemas.openxmlformats.org/officeDocument/2006/relationships" xmlns:p="http://schemas.openxmlformats.org/presentationml/2006/main" type="fourObj" preserve="1">
+<p:sldLayout xmlns:a="http://schemas.openxmlformats.org/drawingml/2006/main" xmlns:p="http://schemas.openxmlformats.org/presentationml/2006/main" xmlns:r="http://schemas.openxmlformats.org/officeDocument/2006/relationships" xmlns:p14="http://schemas.microsoft.com/office/powerpoint/2010/main" xmlns:p15="http://schemas.microsoft.com/office/powerpoint/2012/main" xmlns:mc="http://schemas.openxmlformats.org/markup-compatibility/2006" type="fourObj" preserve="1">
   <p:cSld name="Title, 4 Content">
     <p:spTree>
       <p:nvGrpSpPr>
@@ -749,25 +863,23 @@
         </p:nvSpPr>
         <p:spPr>
           <a:xfrm>
-            <a:off x="360000" y="360000"/>
-            <a:ext cx="9359640" cy="899640"/>
-          </a:xfrm>
-          <a:prstGeom prst="rect">
-            <a:avLst/>
-          </a:prstGeom>
-        </p:spPr>
-        <p:txBody>
-          <a:bodyPr lIns="0" tIns="0" rIns="0" bIns="0" anchor="ctr"/>
-          <a:lstStyle/>
-          <a:p>
-            <a:pPr algn="ctr"/>
-            <a:endParaRPr lang="en-US" sz="4400" b="0" strike="noStrike" spc="-1">
-              <a:solidFill>
-                <a:srgbClr val="000000"/>
-              </a:solidFill>
-              <a:uFill>
-                <a:solidFill>
-                  <a:srgbClr val="FFFFFF"/>
+            <a:off x="504000" y="301320"/>
+            <a:ext cx="9072000" cy="1261800"/>
+          </a:xfrm>
+          <a:prstGeom prst="rect">
+            <a:avLst/>
+          </a:prstGeom>
+        </p:spPr>
+        <p:txBody>
+          <a:bodyPr lIns="0" rIns="0" tIns="0" bIns="0" anchor="ctr"/>
+          <a:p>
+            <a:endParaRPr b="0" lang="en-US" sz="1800" spc="-1" strike="noStrike">
+              <a:solidFill>
+                <a:srgbClr val="000000"/>
+              </a:solidFill>
+              <a:uFill>
+                <a:solidFill>
+                  <a:srgbClr val="ffffff"/>
                 </a:solidFill>
               </a:uFill>
               <a:latin typeface="Arial"/>
@@ -787,26 +899,25 @@
         </p:nvSpPr>
         <p:spPr>
           <a:xfrm>
-            <a:off x="360000" y="1980000"/>
-            <a:ext cx="4479480" cy="2232000"/>
-          </a:xfrm>
-          <a:prstGeom prst="rect">
-            <a:avLst/>
-          </a:prstGeom>
-        </p:spPr>
-        <p:txBody>
-          <a:bodyPr lIns="0" tIns="0" rIns="0" bIns="0">
+            <a:off x="504000" y="1768680"/>
+            <a:ext cx="4426920" cy="2090880"/>
+          </a:xfrm>
+          <a:prstGeom prst="rect">
+            <a:avLst/>
+          </a:prstGeom>
+        </p:spPr>
+        <p:txBody>
+          <a:bodyPr lIns="0" rIns="0" tIns="0" bIns="0">
             <a:normAutofit/>
           </a:bodyPr>
-          <a:lstStyle/>
-          <a:p>
-            <a:endParaRPr lang="en-US" sz="3200" b="0" strike="noStrike" spc="-1">
-              <a:solidFill>
-                <a:srgbClr val="000000"/>
-              </a:solidFill>
-              <a:uFill>
-                <a:solidFill>
-                  <a:srgbClr val="FFFFFF"/>
+          <a:p>
+            <a:endParaRPr b="0" lang="en-US" sz="2800" spc="-1" strike="noStrike">
+              <a:solidFill>
+                <a:srgbClr val="000000"/>
+              </a:solidFill>
+              <a:uFill>
+                <a:solidFill>
+                  <a:srgbClr val="ffffff"/>
                 </a:solidFill>
               </a:uFill>
               <a:latin typeface="Arial"/>
@@ -826,26 +937,25 @@
         </p:nvSpPr>
         <p:spPr>
           <a:xfrm>
-            <a:off x="5063760" y="1980000"/>
-            <a:ext cx="4479480" cy="2232000"/>
-          </a:xfrm>
-          <a:prstGeom prst="rect">
-            <a:avLst/>
-          </a:prstGeom>
-        </p:spPr>
-        <p:txBody>
-          <a:bodyPr lIns="0" tIns="0" rIns="0" bIns="0">
+            <a:off x="5152680" y="1768680"/>
+            <a:ext cx="4426920" cy="2090880"/>
+          </a:xfrm>
+          <a:prstGeom prst="rect">
+            <a:avLst/>
+          </a:prstGeom>
+        </p:spPr>
+        <p:txBody>
+          <a:bodyPr lIns="0" rIns="0" tIns="0" bIns="0">
             <a:normAutofit/>
           </a:bodyPr>
-          <a:lstStyle/>
-          <a:p>
-            <a:endParaRPr lang="en-US" sz="3200" b="0" strike="noStrike" spc="-1">
-              <a:solidFill>
-                <a:srgbClr val="000000"/>
-              </a:solidFill>
-              <a:uFill>
-                <a:solidFill>
-                  <a:srgbClr val="FFFFFF"/>
+          <a:p>
+            <a:endParaRPr b="0" lang="en-US" sz="2800" spc="-1" strike="noStrike">
+              <a:solidFill>
+                <a:srgbClr val="000000"/>
+              </a:solidFill>
+              <a:uFill>
+                <a:solidFill>
+                  <a:srgbClr val="ffffff"/>
                 </a:solidFill>
               </a:uFill>
               <a:latin typeface="Arial"/>
@@ -865,26 +975,25 @@
         </p:nvSpPr>
         <p:spPr>
           <a:xfrm>
-            <a:off x="5063760" y="4424400"/>
-            <a:ext cx="4479480" cy="2232000"/>
-          </a:xfrm>
-          <a:prstGeom prst="rect">
-            <a:avLst/>
-          </a:prstGeom>
-        </p:spPr>
-        <p:txBody>
-          <a:bodyPr lIns="0" tIns="0" rIns="0" bIns="0">
+            <a:off x="5152680" y="4058640"/>
+            <a:ext cx="4426920" cy="2090880"/>
+          </a:xfrm>
+          <a:prstGeom prst="rect">
+            <a:avLst/>
+          </a:prstGeom>
+        </p:spPr>
+        <p:txBody>
+          <a:bodyPr lIns="0" rIns="0" tIns="0" bIns="0">
             <a:normAutofit/>
           </a:bodyPr>
-          <a:lstStyle/>
-          <a:p>
-            <a:endParaRPr lang="en-US" sz="3200" b="0" strike="noStrike" spc="-1">
-              <a:solidFill>
-                <a:srgbClr val="000000"/>
-              </a:solidFill>
-              <a:uFill>
-                <a:solidFill>
-                  <a:srgbClr val="FFFFFF"/>
+          <a:p>
+            <a:endParaRPr b="0" lang="en-US" sz="2800" spc="-1" strike="noStrike">
+              <a:solidFill>
+                <a:srgbClr val="000000"/>
+              </a:solidFill>
+              <a:uFill>
+                <a:solidFill>
+                  <a:srgbClr val="ffffff"/>
                 </a:solidFill>
               </a:uFill>
               <a:latin typeface="Arial"/>
@@ -904,26 +1013,25 @@
         </p:nvSpPr>
         <p:spPr>
           <a:xfrm>
-            <a:off x="360000" y="4424400"/>
-            <a:ext cx="4479480" cy="2232000"/>
-          </a:xfrm>
-          <a:prstGeom prst="rect">
-            <a:avLst/>
-          </a:prstGeom>
-        </p:spPr>
-        <p:txBody>
-          <a:bodyPr lIns="0" tIns="0" rIns="0" bIns="0">
+            <a:off x="504000" y="4058640"/>
+            <a:ext cx="4426920" cy="2090880"/>
+          </a:xfrm>
+          <a:prstGeom prst="rect">
+            <a:avLst/>
+          </a:prstGeom>
+        </p:spPr>
+        <p:txBody>
+          <a:bodyPr lIns="0" rIns="0" tIns="0" bIns="0">
             <a:normAutofit/>
           </a:bodyPr>
-          <a:lstStyle/>
-          <a:p>
-            <a:endParaRPr lang="en-US" sz="3200" b="0" strike="noStrike" spc="-1">
-              <a:solidFill>
-                <a:srgbClr val="000000"/>
-              </a:solidFill>
-              <a:uFill>
-                <a:solidFill>
-                  <a:srgbClr val="FFFFFF"/>
+          <a:p>
+            <a:endParaRPr b="0" lang="en-US" sz="2800" spc="-1" strike="noStrike">
+              <a:solidFill>
+                <a:srgbClr val="000000"/>
+              </a:solidFill>
+              <a:uFill>
+                <a:solidFill>
+                  <a:srgbClr val="ffffff"/>
                 </a:solidFill>
               </a:uFill>
               <a:latin typeface="Arial"/>
@@ -933,14 +1041,11 @@
       </p:sp>
     </p:spTree>
   </p:cSld>
-  <p:clrMapOvr>
-    <a:masterClrMapping/>
-  </p:clrMapOvr>
 </p:sldLayout>
 </file>
 
 <file path=ppt/slideLayouts/slideLayout12.xml><?xml version="1.0" encoding="utf-8"?>
-<p:sldLayout xmlns:a="http://schemas.openxmlformats.org/drawingml/2006/main" xmlns:r="http://schemas.openxmlformats.org/officeDocument/2006/relationships" xmlns:p="http://schemas.openxmlformats.org/presentationml/2006/main" type="blank" preserve="1">
+<p:sldLayout xmlns:a="http://schemas.openxmlformats.org/drawingml/2006/main" xmlns:p="http://schemas.openxmlformats.org/presentationml/2006/main" xmlns:r="http://schemas.openxmlformats.org/officeDocument/2006/relationships" xmlns:p14="http://schemas.microsoft.com/office/powerpoint/2010/main" xmlns:p15="http://schemas.microsoft.com/office/powerpoint/2012/main" xmlns:mc="http://schemas.openxmlformats.org/markup-compatibility/2006" type="blank" preserve="1">
   <p:cSld name="Title, 6 Content">
     <p:spTree>
       <p:nvGrpSpPr>
@@ -968,25 +1073,23 @@
         </p:nvSpPr>
         <p:spPr>
           <a:xfrm>
-            <a:off x="360000" y="360000"/>
-            <a:ext cx="9359640" cy="899640"/>
-          </a:xfrm>
-          <a:prstGeom prst="rect">
-            <a:avLst/>
-          </a:prstGeom>
-        </p:spPr>
-        <p:txBody>
-          <a:bodyPr lIns="0" tIns="0" rIns="0" bIns="0" anchor="ctr"/>
-          <a:lstStyle/>
-          <a:p>
-            <a:pPr algn="ctr"/>
-            <a:endParaRPr lang="en-US" sz="4400" b="0" strike="noStrike" spc="-1">
-              <a:solidFill>
-                <a:srgbClr val="000000"/>
-              </a:solidFill>
-              <a:uFill>
-                <a:solidFill>
-                  <a:srgbClr val="FFFFFF"/>
+            <a:off x="504000" y="301320"/>
+            <a:ext cx="9072000" cy="1261800"/>
+          </a:xfrm>
+          <a:prstGeom prst="rect">
+            <a:avLst/>
+          </a:prstGeom>
+        </p:spPr>
+        <p:txBody>
+          <a:bodyPr lIns="0" rIns="0" tIns="0" bIns="0" anchor="ctr"/>
+          <a:p>
+            <a:endParaRPr b="0" lang="en-US" sz="1800" spc="-1" strike="noStrike">
+              <a:solidFill>
+                <a:srgbClr val="000000"/>
+              </a:solidFill>
+              <a:uFill>
+                <a:solidFill>
+                  <a:srgbClr val="ffffff"/>
                 </a:solidFill>
               </a:uFill>
               <a:latin typeface="Arial"/>
@@ -1006,26 +1109,25 @@
         </p:nvSpPr>
         <p:spPr>
           <a:xfrm>
-            <a:off x="360000" y="1980000"/>
-            <a:ext cx="2955600" cy="2232000"/>
-          </a:xfrm>
-          <a:prstGeom prst="rect">
-            <a:avLst/>
-          </a:prstGeom>
-        </p:spPr>
-        <p:txBody>
-          <a:bodyPr lIns="0" tIns="0" rIns="0" bIns="0">
+            <a:off x="504000" y="1768680"/>
+            <a:ext cx="2921040" cy="2090880"/>
+          </a:xfrm>
+          <a:prstGeom prst="rect">
+            <a:avLst/>
+          </a:prstGeom>
+        </p:spPr>
+        <p:txBody>
+          <a:bodyPr lIns="0" rIns="0" tIns="0" bIns="0">
             <a:normAutofit/>
           </a:bodyPr>
-          <a:lstStyle/>
-          <a:p>
-            <a:endParaRPr lang="en-US" sz="3200" b="0" strike="noStrike" spc="-1">
-              <a:solidFill>
-                <a:srgbClr val="000000"/>
-              </a:solidFill>
-              <a:uFill>
-                <a:solidFill>
-                  <a:srgbClr val="FFFFFF"/>
+          <a:p>
+            <a:endParaRPr b="0" lang="en-US" sz="2800" spc="-1" strike="noStrike">
+              <a:solidFill>
+                <a:srgbClr val="000000"/>
+              </a:solidFill>
+              <a:uFill>
+                <a:solidFill>
+                  <a:srgbClr val="ffffff"/>
                 </a:solidFill>
               </a:uFill>
               <a:latin typeface="Arial"/>
@@ -1045,26 +1147,25 @@
         </p:nvSpPr>
         <p:spPr>
           <a:xfrm>
-            <a:off x="3463920" y="1980000"/>
-            <a:ext cx="2955600" cy="2232000"/>
-          </a:xfrm>
-          <a:prstGeom prst="rect">
-            <a:avLst/>
-          </a:prstGeom>
-        </p:spPr>
-        <p:txBody>
-          <a:bodyPr lIns="0" tIns="0" rIns="0" bIns="0">
+            <a:off x="3571560" y="1768680"/>
+            <a:ext cx="2921040" cy="2090880"/>
+          </a:xfrm>
+          <a:prstGeom prst="rect">
+            <a:avLst/>
+          </a:prstGeom>
+        </p:spPr>
+        <p:txBody>
+          <a:bodyPr lIns="0" rIns="0" tIns="0" bIns="0">
             <a:normAutofit/>
           </a:bodyPr>
-          <a:lstStyle/>
-          <a:p>
-            <a:endParaRPr lang="en-US" sz="3200" b="0" strike="noStrike" spc="-1">
-              <a:solidFill>
-                <a:srgbClr val="000000"/>
-              </a:solidFill>
-              <a:uFill>
-                <a:solidFill>
-                  <a:srgbClr val="FFFFFF"/>
+          <a:p>
+            <a:endParaRPr b="0" lang="en-US" sz="2800" spc="-1" strike="noStrike">
+              <a:solidFill>
+                <a:srgbClr val="000000"/>
+              </a:solidFill>
+              <a:uFill>
+                <a:solidFill>
+                  <a:srgbClr val="ffffff"/>
                 </a:solidFill>
               </a:uFill>
               <a:latin typeface="Arial"/>
@@ -1084,26 +1185,25 @@
         </p:nvSpPr>
         <p:spPr>
           <a:xfrm>
-            <a:off x="6567480" y="1980000"/>
-            <a:ext cx="2955600" cy="2232000"/>
-          </a:xfrm>
-          <a:prstGeom prst="rect">
-            <a:avLst/>
-          </a:prstGeom>
-        </p:spPr>
-        <p:txBody>
-          <a:bodyPr lIns="0" tIns="0" rIns="0" bIns="0">
+            <a:off x="6639120" y="1768680"/>
+            <a:ext cx="2921040" cy="2090880"/>
+          </a:xfrm>
+          <a:prstGeom prst="rect">
+            <a:avLst/>
+          </a:prstGeom>
+        </p:spPr>
+        <p:txBody>
+          <a:bodyPr lIns="0" rIns="0" tIns="0" bIns="0">
             <a:normAutofit/>
           </a:bodyPr>
-          <a:lstStyle/>
-          <a:p>
-            <a:endParaRPr lang="en-US" sz="3200" b="0" strike="noStrike" spc="-1">
-              <a:solidFill>
-                <a:srgbClr val="000000"/>
-              </a:solidFill>
-              <a:uFill>
-                <a:solidFill>
-                  <a:srgbClr val="FFFFFF"/>
+          <a:p>
+            <a:endParaRPr b="0" lang="en-US" sz="2800" spc="-1" strike="noStrike">
+              <a:solidFill>
+                <a:srgbClr val="000000"/>
+              </a:solidFill>
+              <a:uFill>
+                <a:solidFill>
+                  <a:srgbClr val="ffffff"/>
                 </a:solidFill>
               </a:uFill>
               <a:latin typeface="Arial"/>
@@ -1123,26 +1223,25 @@
         </p:nvSpPr>
         <p:spPr>
           <a:xfrm>
-            <a:off x="6567480" y="4424400"/>
-            <a:ext cx="2955600" cy="2232000"/>
-          </a:xfrm>
-          <a:prstGeom prst="rect">
-            <a:avLst/>
-          </a:prstGeom>
-        </p:spPr>
-        <p:txBody>
-          <a:bodyPr lIns="0" tIns="0" rIns="0" bIns="0">
+            <a:off x="6639120" y="4058640"/>
+            <a:ext cx="2921040" cy="2090880"/>
+          </a:xfrm>
+          <a:prstGeom prst="rect">
+            <a:avLst/>
+          </a:prstGeom>
+        </p:spPr>
+        <p:txBody>
+          <a:bodyPr lIns="0" rIns="0" tIns="0" bIns="0">
             <a:normAutofit/>
           </a:bodyPr>
-          <a:lstStyle/>
-          <a:p>
-            <a:endParaRPr lang="en-US" sz="3200" b="0" strike="noStrike" spc="-1">
-              <a:solidFill>
-                <a:srgbClr val="000000"/>
-              </a:solidFill>
-              <a:uFill>
-                <a:solidFill>
-                  <a:srgbClr val="FFFFFF"/>
+          <a:p>
+            <a:endParaRPr b="0" lang="en-US" sz="2800" spc="-1" strike="noStrike">
+              <a:solidFill>
+                <a:srgbClr val="000000"/>
+              </a:solidFill>
+              <a:uFill>
+                <a:solidFill>
+                  <a:srgbClr val="ffffff"/>
                 </a:solidFill>
               </a:uFill>
               <a:latin typeface="Arial"/>
@@ -1162,26 +1261,25 @@
         </p:nvSpPr>
         <p:spPr>
           <a:xfrm>
-            <a:off x="3463920" y="4424400"/>
-            <a:ext cx="2955600" cy="2232000"/>
-          </a:xfrm>
-          <a:prstGeom prst="rect">
-            <a:avLst/>
-          </a:prstGeom>
-        </p:spPr>
-        <p:txBody>
-          <a:bodyPr lIns="0" tIns="0" rIns="0" bIns="0">
+            <a:off x="3571560" y="4058640"/>
+            <a:ext cx="2921040" cy="2090880"/>
+          </a:xfrm>
+          <a:prstGeom prst="rect">
+            <a:avLst/>
+          </a:prstGeom>
+        </p:spPr>
+        <p:txBody>
+          <a:bodyPr lIns="0" rIns="0" tIns="0" bIns="0">
             <a:normAutofit/>
           </a:bodyPr>
-          <a:lstStyle/>
-          <a:p>
-            <a:endParaRPr lang="en-US" sz="3200" b="0" strike="noStrike" spc="-1">
-              <a:solidFill>
-                <a:srgbClr val="000000"/>
-              </a:solidFill>
-              <a:uFill>
-                <a:solidFill>
-                  <a:srgbClr val="FFFFFF"/>
+          <a:p>
+            <a:endParaRPr b="0" lang="en-US" sz="2800" spc="-1" strike="noStrike">
+              <a:solidFill>
+                <a:srgbClr val="000000"/>
+              </a:solidFill>
+              <a:uFill>
+                <a:solidFill>
+                  <a:srgbClr val="ffffff"/>
                 </a:solidFill>
               </a:uFill>
               <a:latin typeface="Arial"/>
@@ -1201,26 +1299,25 @@
         </p:nvSpPr>
         <p:spPr>
           <a:xfrm>
-            <a:off x="360000" y="4424400"/>
-            <a:ext cx="2955600" cy="2232000"/>
-          </a:xfrm>
-          <a:prstGeom prst="rect">
-            <a:avLst/>
-          </a:prstGeom>
-        </p:spPr>
-        <p:txBody>
-          <a:bodyPr lIns="0" tIns="0" rIns="0" bIns="0">
+            <a:off x="504000" y="4058640"/>
+            <a:ext cx="2921040" cy="2090880"/>
+          </a:xfrm>
+          <a:prstGeom prst="rect">
+            <a:avLst/>
+          </a:prstGeom>
+        </p:spPr>
+        <p:txBody>
+          <a:bodyPr lIns="0" rIns="0" tIns="0" bIns="0">
             <a:normAutofit/>
           </a:bodyPr>
-          <a:lstStyle/>
-          <a:p>
-            <a:endParaRPr lang="en-US" sz="3200" b="0" strike="noStrike" spc="-1">
-              <a:solidFill>
-                <a:srgbClr val="000000"/>
-              </a:solidFill>
-              <a:uFill>
-                <a:solidFill>
-                  <a:srgbClr val="FFFFFF"/>
+          <a:p>
+            <a:endParaRPr b="0" lang="en-US" sz="2800" spc="-1" strike="noStrike">
+              <a:solidFill>
+                <a:srgbClr val="000000"/>
+              </a:solidFill>
+              <a:uFill>
+                <a:solidFill>
+                  <a:srgbClr val="ffffff"/>
                 </a:solidFill>
               </a:uFill>
               <a:latin typeface="Arial"/>
@@ -1230,14 +1327,11 @@
       </p:sp>
     </p:spTree>
   </p:cSld>
-  <p:clrMapOvr>
-    <a:masterClrMapping/>
-  </p:clrMapOvr>
 </p:sldLayout>
 </file>
 
 <file path=ppt/slideLayouts/slideLayout13.xml><?xml version="1.0" encoding="utf-8"?>
-<p:sldLayout xmlns:a="http://schemas.openxmlformats.org/drawingml/2006/main" xmlns:r="http://schemas.openxmlformats.org/officeDocument/2006/relationships" xmlns:p="http://schemas.openxmlformats.org/presentationml/2006/main" type="blank" preserve="1">
+<p:sldLayout xmlns:a="http://schemas.openxmlformats.org/drawingml/2006/main" xmlns:p="http://schemas.openxmlformats.org/presentationml/2006/main" xmlns:r="http://schemas.openxmlformats.org/officeDocument/2006/relationships" xmlns:p14="http://schemas.microsoft.com/office/powerpoint/2010/main" xmlns:p15="http://schemas.microsoft.com/office/powerpoint/2012/main" xmlns:mc="http://schemas.openxmlformats.org/markup-compatibility/2006" type="blank" preserve="1">
   <p:cSld name="Blank Slide">
     <p:spTree>
       <p:nvGrpSpPr>
@@ -1255,14 +1349,11 @@
       </p:grpSpPr>
     </p:spTree>
   </p:cSld>
-  <p:clrMapOvr>
-    <a:masterClrMapping/>
-  </p:clrMapOvr>
 </p:sldLayout>
 </file>
 
 <file path=ppt/slideLayouts/slideLayout14.xml><?xml version="1.0" encoding="utf-8"?>
-<p:sldLayout xmlns:a="http://schemas.openxmlformats.org/drawingml/2006/main" xmlns:r="http://schemas.openxmlformats.org/officeDocument/2006/relationships" xmlns:p="http://schemas.openxmlformats.org/presentationml/2006/main" type="tx" preserve="1">
+<p:sldLayout xmlns:a="http://schemas.openxmlformats.org/drawingml/2006/main" xmlns:p="http://schemas.openxmlformats.org/presentationml/2006/main" xmlns:r="http://schemas.openxmlformats.org/officeDocument/2006/relationships" xmlns:p14="http://schemas.microsoft.com/office/powerpoint/2010/main" xmlns:p15="http://schemas.microsoft.com/office/powerpoint/2012/main" xmlns:mc="http://schemas.openxmlformats.org/markup-compatibility/2006" type="tx" preserve="1">
   <p:cSld name="Title Slide">
     <p:spTree>
       <p:nvGrpSpPr>
@@ -1290,25 +1381,23 @@
         </p:nvSpPr>
         <p:spPr>
           <a:xfrm>
-            <a:off x="360000" y="360000"/>
-            <a:ext cx="9359640" cy="899640"/>
-          </a:xfrm>
-          <a:prstGeom prst="rect">
-            <a:avLst/>
-          </a:prstGeom>
-        </p:spPr>
-        <p:txBody>
-          <a:bodyPr lIns="0" tIns="0" rIns="0" bIns="0" anchor="ctr"/>
-          <a:lstStyle/>
-          <a:p>
-            <a:pPr algn="ctr"/>
-            <a:endParaRPr lang="en-US" sz="4400" b="0" strike="noStrike" spc="-1">
-              <a:solidFill>
-                <a:srgbClr val="000000"/>
-              </a:solidFill>
-              <a:uFill>
-                <a:solidFill>
-                  <a:srgbClr val="FFFFFF"/>
+            <a:off x="504000" y="301320"/>
+            <a:ext cx="9072000" cy="1261800"/>
+          </a:xfrm>
+          <a:prstGeom prst="rect">
+            <a:avLst/>
+          </a:prstGeom>
+        </p:spPr>
+        <p:txBody>
+          <a:bodyPr lIns="0" rIns="0" tIns="0" bIns="0" anchor="ctr"/>
+          <a:p>
+            <a:endParaRPr b="0" lang="en-US" sz="1800" spc="-1" strike="noStrike">
+              <a:solidFill>
+                <a:srgbClr val="000000"/>
+              </a:solidFill>
+              <a:uFill>
+                <a:solidFill>
+                  <a:srgbClr val="ffffff"/>
                 </a:solidFill>
               </a:uFill>
               <a:latin typeface="Arial"/>
@@ -1328,25 +1417,24 @@
         </p:nvSpPr>
         <p:spPr>
           <a:xfrm>
-            <a:off x="360000" y="1980000"/>
-            <a:ext cx="9179640" cy="4679640"/>
-          </a:xfrm>
-          <a:prstGeom prst="rect">
-            <a:avLst/>
-          </a:prstGeom>
-        </p:spPr>
-        <p:txBody>
-          <a:bodyPr lIns="0" tIns="0" rIns="0" bIns="0" anchor="ctr"/>
-          <a:lstStyle/>
+            <a:off x="504000" y="1768680"/>
+            <a:ext cx="9072000" cy="4384080"/>
+          </a:xfrm>
+          <a:prstGeom prst="rect">
+            <a:avLst/>
+          </a:prstGeom>
+        </p:spPr>
+        <p:txBody>
+          <a:bodyPr lIns="0" rIns="0" tIns="0" bIns="0" anchor="ctr"/>
           <a:p>
             <a:pPr algn="ctr"/>
-            <a:endParaRPr lang="en-US" sz="3200" b="0" strike="noStrike" spc="-1">
-              <a:solidFill>
-                <a:srgbClr val="000000"/>
-              </a:solidFill>
-              <a:uFill>
-                <a:solidFill>
-                  <a:srgbClr val="FFFFFF"/>
+            <a:endParaRPr b="0" lang="en-US" sz="3200" spc="-1" strike="noStrike">
+              <a:solidFill>
+                <a:srgbClr val="000000"/>
+              </a:solidFill>
+              <a:uFill>
+                <a:solidFill>
+                  <a:srgbClr val="ffffff"/>
                 </a:solidFill>
               </a:uFill>
               <a:latin typeface="Arial"/>
@@ -1356,14 +1444,11 @@
       </p:sp>
     </p:spTree>
   </p:cSld>
-  <p:clrMapOvr>
-    <a:masterClrMapping/>
-  </p:clrMapOvr>
 </p:sldLayout>
 </file>
 
 <file path=ppt/slideLayouts/slideLayout15.xml><?xml version="1.0" encoding="utf-8"?>
-<p:sldLayout xmlns:a="http://schemas.openxmlformats.org/drawingml/2006/main" xmlns:r="http://schemas.openxmlformats.org/officeDocument/2006/relationships" xmlns:p="http://schemas.openxmlformats.org/presentationml/2006/main" type="obj" preserve="1">
+<p:sldLayout xmlns:a="http://schemas.openxmlformats.org/drawingml/2006/main" xmlns:p="http://schemas.openxmlformats.org/presentationml/2006/main" xmlns:r="http://schemas.openxmlformats.org/officeDocument/2006/relationships" xmlns:p14="http://schemas.microsoft.com/office/powerpoint/2010/main" xmlns:p15="http://schemas.microsoft.com/office/powerpoint/2012/main" xmlns:mc="http://schemas.openxmlformats.org/markup-compatibility/2006" type="obj" preserve="1">
   <p:cSld name="Title, Content">
     <p:spTree>
       <p:nvGrpSpPr>
@@ -1391,25 +1476,23 @@
         </p:nvSpPr>
         <p:spPr>
           <a:xfrm>
-            <a:off x="360000" y="360000"/>
-            <a:ext cx="9359640" cy="899640"/>
-          </a:xfrm>
-          <a:prstGeom prst="rect">
-            <a:avLst/>
-          </a:prstGeom>
-        </p:spPr>
-        <p:txBody>
-          <a:bodyPr lIns="0" tIns="0" rIns="0" bIns="0" anchor="ctr"/>
-          <a:lstStyle/>
-          <a:p>
-            <a:pPr algn="ctr"/>
-            <a:endParaRPr lang="en-US" sz="4400" b="0" strike="noStrike" spc="-1">
-              <a:solidFill>
-                <a:srgbClr val="000000"/>
-              </a:solidFill>
-              <a:uFill>
-                <a:solidFill>
-                  <a:srgbClr val="FFFFFF"/>
+            <a:off x="504000" y="301320"/>
+            <a:ext cx="9072000" cy="1261800"/>
+          </a:xfrm>
+          <a:prstGeom prst="rect">
+            <a:avLst/>
+          </a:prstGeom>
+        </p:spPr>
+        <p:txBody>
+          <a:bodyPr lIns="0" rIns="0" tIns="0" bIns="0" anchor="ctr"/>
+          <a:p>
+            <a:endParaRPr b="0" lang="en-US" sz="1800" spc="-1" strike="noStrike">
+              <a:solidFill>
+                <a:srgbClr val="000000"/>
+              </a:solidFill>
+              <a:uFill>
+                <a:solidFill>
+                  <a:srgbClr val="ffffff"/>
                 </a:solidFill>
               </a:uFill>
               <a:latin typeface="Arial"/>
@@ -1429,26 +1512,25 @@
         </p:nvSpPr>
         <p:spPr>
           <a:xfrm>
-            <a:off x="360000" y="1980000"/>
-            <a:ext cx="9179640" cy="4679640"/>
-          </a:xfrm>
-          <a:prstGeom prst="rect">
-            <a:avLst/>
-          </a:prstGeom>
-        </p:spPr>
-        <p:txBody>
-          <a:bodyPr lIns="0" tIns="0" rIns="0" bIns="0">
+            <a:off x="504000" y="1768680"/>
+            <a:ext cx="9072000" cy="4384080"/>
+          </a:xfrm>
+          <a:prstGeom prst="rect">
+            <a:avLst/>
+          </a:prstGeom>
+        </p:spPr>
+        <p:txBody>
+          <a:bodyPr lIns="0" rIns="0" tIns="0" bIns="0">
             <a:normAutofit/>
           </a:bodyPr>
-          <a:lstStyle/>
-          <a:p>
-            <a:endParaRPr lang="en-US" sz="3200" b="0" strike="noStrike" spc="-1">
-              <a:solidFill>
-                <a:srgbClr val="000000"/>
-              </a:solidFill>
-              <a:uFill>
-                <a:solidFill>
-                  <a:srgbClr val="FFFFFF"/>
+          <a:p>
+            <a:endParaRPr b="0" lang="en-US" sz="2800" spc="-1" strike="noStrike">
+              <a:solidFill>
+                <a:srgbClr val="000000"/>
+              </a:solidFill>
+              <a:uFill>
+                <a:solidFill>
+                  <a:srgbClr val="ffffff"/>
                 </a:solidFill>
               </a:uFill>
               <a:latin typeface="Arial"/>
@@ -1458,14 +1540,11 @@
       </p:sp>
     </p:spTree>
   </p:cSld>
-  <p:clrMapOvr>
-    <a:masterClrMapping/>
-  </p:clrMapOvr>
 </p:sldLayout>
 </file>
 
 <file path=ppt/slideLayouts/slideLayout16.xml><?xml version="1.0" encoding="utf-8"?>
-<p:sldLayout xmlns:a="http://schemas.openxmlformats.org/drawingml/2006/main" xmlns:r="http://schemas.openxmlformats.org/officeDocument/2006/relationships" xmlns:p="http://schemas.openxmlformats.org/presentationml/2006/main" type="twoObj" preserve="1">
+<p:sldLayout xmlns:a="http://schemas.openxmlformats.org/drawingml/2006/main" xmlns:p="http://schemas.openxmlformats.org/presentationml/2006/main" xmlns:r="http://schemas.openxmlformats.org/officeDocument/2006/relationships" xmlns:p14="http://schemas.microsoft.com/office/powerpoint/2010/main" xmlns:p15="http://schemas.microsoft.com/office/powerpoint/2012/main" xmlns:mc="http://schemas.openxmlformats.org/markup-compatibility/2006" type="twoObj" preserve="1">
   <p:cSld name="Title, 2 Content">
     <p:spTree>
       <p:nvGrpSpPr>
@@ -1493,25 +1572,23 @@
         </p:nvSpPr>
         <p:spPr>
           <a:xfrm>
-            <a:off x="360000" y="360000"/>
-            <a:ext cx="9359640" cy="899640"/>
-          </a:xfrm>
-          <a:prstGeom prst="rect">
-            <a:avLst/>
-          </a:prstGeom>
-        </p:spPr>
-        <p:txBody>
-          <a:bodyPr lIns="0" tIns="0" rIns="0" bIns="0" anchor="ctr"/>
-          <a:lstStyle/>
-          <a:p>
-            <a:pPr algn="ctr"/>
-            <a:endParaRPr lang="en-US" sz="4400" b="0" strike="noStrike" spc="-1">
-              <a:solidFill>
-                <a:srgbClr val="000000"/>
-              </a:solidFill>
-              <a:uFill>
-                <a:solidFill>
-                  <a:srgbClr val="FFFFFF"/>
+            <a:off x="504000" y="301320"/>
+            <a:ext cx="9072000" cy="1261800"/>
+          </a:xfrm>
+          <a:prstGeom prst="rect">
+            <a:avLst/>
+          </a:prstGeom>
+        </p:spPr>
+        <p:txBody>
+          <a:bodyPr lIns="0" rIns="0" tIns="0" bIns="0" anchor="ctr"/>
+          <a:p>
+            <a:endParaRPr b="0" lang="en-US" sz="1800" spc="-1" strike="noStrike">
+              <a:solidFill>
+                <a:srgbClr val="000000"/>
+              </a:solidFill>
+              <a:uFill>
+                <a:solidFill>
+                  <a:srgbClr val="ffffff"/>
                 </a:solidFill>
               </a:uFill>
               <a:latin typeface="Arial"/>
@@ -1531,26 +1608,25 @@
         </p:nvSpPr>
         <p:spPr>
           <a:xfrm>
-            <a:off x="360000" y="1980000"/>
-            <a:ext cx="4479480" cy="4679640"/>
-          </a:xfrm>
-          <a:prstGeom prst="rect">
-            <a:avLst/>
-          </a:prstGeom>
-        </p:spPr>
-        <p:txBody>
-          <a:bodyPr lIns="0" tIns="0" rIns="0" bIns="0">
+            <a:off x="504000" y="1768680"/>
+            <a:ext cx="4426920" cy="4384080"/>
+          </a:xfrm>
+          <a:prstGeom prst="rect">
+            <a:avLst/>
+          </a:prstGeom>
+        </p:spPr>
+        <p:txBody>
+          <a:bodyPr lIns="0" rIns="0" tIns="0" bIns="0">
             <a:normAutofit/>
           </a:bodyPr>
-          <a:lstStyle/>
-          <a:p>
-            <a:endParaRPr lang="en-US" sz="3200" b="0" strike="noStrike" spc="-1">
-              <a:solidFill>
-                <a:srgbClr val="000000"/>
-              </a:solidFill>
-              <a:uFill>
-                <a:solidFill>
-                  <a:srgbClr val="FFFFFF"/>
+          <a:p>
+            <a:endParaRPr b="0" lang="en-US" sz="2800" spc="-1" strike="noStrike">
+              <a:solidFill>
+                <a:srgbClr val="000000"/>
+              </a:solidFill>
+              <a:uFill>
+                <a:solidFill>
+                  <a:srgbClr val="ffffff"/>
                 </a:solidFill>
               </a:uFill>
               <a:latin typeface="Arial"/>
@@ -1570,26 +1646,25 @@
         </p:nvSpPr>
         <p:spPr>
           <a:xfrm>
-            <a:off x="5063760" y="1980000"/>
-            <a:ext cx="4479480" cy="4679640"/>
-          </a:xfrm>
-          <a:prstGeom prst="rect">
-            <a:avLst/>
-          </a:prstGeom>
-        </p:spPr>
-        <p:txBody>
-          <a:bodyPr lIns="0" tIns="0" rIns="0" bIns="0">
+            <a:off x="5152680" y="1768680"/>
+            <a:ext cx="4426920" cy="4384080"/>
+          </a:xfrm>
+          <a:prstGeom prst="rect">
+            <a:avLst/>
+          </a:prstGeom>
+        </p:spPr>
+        <p:txBody>
+          <a:bodyPr lIns="0" rIns="0" tIns="0" bIns="0">
             <a:normAutofit/>
           </a:bodyPr>
-          <a:lstStyle/>
-          <a:p>
-            <a:endParaRPr lang="en-US" sz="3200" b="0" strike="noStrike" spc="-1">
-              <a:solidFill>
-                <a:srgbClr val="000000"/>
-              </a:solidFill>
-              <a:uFill>
-                <a:solidFill>
-                  <a:srgbClr val="FFFFFF"/>
+          <a:p>
+            <a:endParaRPr b="0" lang="en-US" sz="2800" spc="-1" strike="noStrike">
+              <a:solidFill>
+                <a:srgbClr val="000000"/>
+              </a:solidFill>
+              <a:uFill>
+                <a:solidFill>
+                  <a:srgbClr val="ffffff"/>
                 </a:solidFill>
               </a:uFill>
               <a:latin typeface="Arial"/>
@@ -1599,14 +1674,11 @@
       </p:sp>
     </p:spTree>
   </p:cSld>
-  <p:clrMapOvr>
-    <a:masterClrMapping/>
-  </p:clrMapOvr>
 </p:sldLayout>
 </file>
 
 <file path=ppt/slideLayouts/slideLayout17.xml><?xml version="1.0" encoding="utf-8"?>
-<p:sldLayout xmlns:a="http://schemas.openxmlformats.org/drawingml/2006/main" xmlns:r="http://schemas.openxmlformats.org/officeDocument/2006/relationships" xmlns:p="http://schemas.openxmlformats.org/presentationml/2006/main" type="titleOnly" preserve="1">
+<p:sldLayout xmlns:a="http://schemas.openxmlformats.org/drawingml/2006/main" xmlns:p="http://schemas.openxmlformats.org/presentationml/2006/main" xmlns:r="http://schemas.openxmlformats.org/officeDocument/2006/relationships" xmlns:p14="http://schemas.microsoft.com/office/powerpoint/2010/main" xmlns:p15="http://schemas.microsoft.com/office/powerpoint/2012/main" xmlns:mc="http://schemas.openxmlformats.org/markup-compatibility/2006" type="titleOnly" preserve="1">
   <p:cSld name="Title Only">
     <p:spTree>
       <p:nvGrpSpPr>
@@ -1634,25 +1706,23 @@
         </p:nvSpPr>
         <p:spPr>
           <a:xfrm>
-            <a:off x="360000" y="360000"/>
-            <a:ext cx="9359640" cy="899640"/>
-          </a:xfrm>
-          <a:prstGeom prst="rect">
-            <a:avLst/>
-          </a:prstGeom>
-        </p:spPr>
-        <p:txBody>
-          <a:bodyPr lIns="0" tIns="0" rIns="0" bIns="0" anchor="ctr"/>
-          <a:lstStyle/>
-          <a:p>
-            <a:pPr algn="ctr"/>
-            <a:endParaRPr lang="en-US" sz="4400" b="0" strike="noStrike" spc="-1">
-              <a:solidFill>
-                <a:srgbClr val="000000"/>
-              </a:solidFill>
-              <a:uFill>
-                <a:solidFill>
-                  <a:srgbClr val="FFFFFF"/>
+            <a:off x="504000" y="301320"/>
+            <a:ext cx="9072000" cy="1261800"/>
+          </a:xfrm>
+          <a:prstGeom prst="rect">
+            <a:avLst/>
+          </a:prstGeom>
+        </p:spPr>
+        <p:txBody>
+          <a:bodyPr lIns="0" rIns="0" tIns="0" bIns="0" anchor="ctr"/>
+          <a:p>
+            <a:endParaRPr b="0" lang="en-US" sz="1800" spc="-1" strike="noStrike">
+              <a:solidFill>
+                <a:srgbClr val="000000"/>
+              </a:solidFill>
+              <a:uFill>
+                <a:solidFill>
+                  <a:srgbClr val="ffffff"/>
                 </a:solidFill>
               </a:uFill>
               <a:latin typeface="Arial"/>
@@ -1662,14 +1732,11 @@
       </p:sp>
     </p:spTree>
   </p:cSld>
-  <p:clrMapOvr>
-    <a:masterClrMapping/>
-  </p:clrMapOvr>
 </p:sldLayout>
 </file>
 
 <file path=ppt/slideLayouts/slideLayout18.xml><?xml version="1.0" encoding="utf-8"?>
-<p:sldLayout xmlns:a="http://schemas.openxmlformats.org/drawingml/2006/main" xmlns:r="http://schemas.openxmlformats.org/officeDocument/2006/relationships" xmlns:p="http://schemas.openxmlformats.org/presentationml/2006/main" type="objOnly" preserve="1">
+<p:sldLayout xmlns:a="http://schemas.openxmlformats.org/drawingml/2006/main" xmlns:p="http://schemas.openxmlformats.org/presentationml/2006/main" xmlns:r="http://schemas.openxmlformats.org/officeDocument/2006/relationships" xmlns:p14="http://schemas.microsoft.com/office/powerpoint/2010/main" xmlns:p15="http://schemas.microsoft.com/office/powerpoint/2012/main" xmlns:mc="http://schemas.openxmlformats.org/markup-compatibility/2006" type="objOnly" preserve="1">
   <p:cSld name="Centered Text">
     <p:spTree>
       <p:nvGrpSpPr>
@@ -1697,25 +1764,24 @@
         </p:nvSpPr>
         <p:spPr>
           <a:xfrm>
-            <a:off x="360000" y="360000"/>
-            <a:ext cx="9359640" cy="4171680"/>
-          </a:xfrm>
-          <a:prstGeom prst="rect">
-            <a:avLst/>
-          </a:prstGeom>
-        </p:spPr>
-        <p:txBody>
-          <a:bodyPr lIns="0" tIns="0" rIns="0" bIns="0" anchor="ctr"/>
-          <a:lstStyle/>
+            <a:off x="504000" y="301320"/>
+            <a:ext cx="9072000" cy="5850360"/>
+          </a:xfrm>
+          <a:prstGeom prst="rect">
+            <a:avLst/>
+          </a:prstGeom>
+        </p:spPr>
+        <p:txBody>
+          <a:bodyPr lIns="0" rIns="0" tIns="0" bIns="0" anchor="ctr"/>
           <a:p>
             <a:pPr algn="ctr"/>
-            <a:endParaRPr lang="en-US" sz="3200" b="0" strike="noStrike" spc="-1">
-              <a:solidFill>
-                <a:srgbClr val="000000"/>
-              </a:solidFill>
-              <a:uFill>
-                <a:solidFill>
-                  <a:srgbClr val="FFFFFF"/>
+            <a:endParaRPr b="0" lang="en-US" sz="3200" spc="-1" strike="noStrike">
+              <a:solidFill>
+                <a:srgbClr val="000000"/>
+              </a:solidFill>
+              <a:uFill>
+                <a:solidFill>
+                  <a:srgbClr val="ffffff"/>
                 </a:solidFill>
               </a:uFill>
               <a:latin typeface="Arial"/>
@@ -1725,14 +1791,11 @@
       </p:sp>
     </p:spTree>
   </p:cSld>
-  <p:clrMapOvr>
-    <a:masterClrMapping/>
-  </p:clrMapOvr>
 </p:sldLayout>
 </file>
 
 <file path=ppt/slideLayouts/slideLayout19.xml><?xml version="1.0" encoding="utf-8"?>
-<p:sldLayout xmlns:a="http://schemas.openxmlformats.org/drawingml/2006/main" xmlns:r="http://schemas.openxmlformats.org/officeDocument/2006/relationships" xmlns:p="http://schemas.openxmlformats.org/presentationml/2006/main" type="twoObjAndObj" preserve="1">
+<p:sldLayout xmlns:a="http://schemas.openxmlformats.org/drawingml/2006/main" xmlns:p="http://schemas.openxmlformats.org/presentationml/2006/main" xmlns:r="http://schemas.openxmlformats.org/officeDocument/2006/relationships" xmlns:p14="http://schemas.microsoft.com/office/powerpoint/2010/main" xmlns:p15="http://schemas.microsoft.com/office/powerpoint/2012/main" xmlns:mc="http://schemas.openxmlformats.org/markup-compatibility/2006" type="twoObjAndObj" preserve="1">
   <p:cSld name="Title, 2 Content and Content">
     <p:spTree>
       <p:nvGrpSpPr>
@@ -1760,25 +1823,23 @@
         </p:nvSpPr>
         <p:spPr>
           <a:xfrm>
-            <a:off x="360000" y="360000"/>
-            <a:ext cx="9359640" cy="899640"/>
-          </a:xfrm>
-          <a:prstGeom prst="rect">
-            <a:avLst/>
-          </a:prstGeom>
-        </p:spPr>
-        <p:txBody>
-          <a:bodyPr lIns="0" tIns="0" rIns="0" bIns="0" anchor="ctr"/>
-          <a:lstStyle/>
-          <a:p>
-            <a:pPr algn="ctr"/>
-            <a:endParaRPr lang="en-US" sz="4400" b="0" strike="noStrike" spc="-1">
-              <a:solidFill>
-                <a:srgbClr val="000000"/>
-              </a:solidFill>
-              <a:uFill>
-                <a:solidFill>
-                  <a:srgbClr val="FFFFFF"/>
+            <a:off x="504000" y="301320"/>
+            <a:ext cx="9072000" cy="1261800"/>
+          </a:xfrm>
+          <a:prstGeom prst="rect">
+            <a:avLst/>
+          </a:prstGeom>
+        </p:spPr>
+        <p:txBody>
+          <a:bodyPr lIns="0" rIns="0" tIns="0" bIns="0" anchor="ctr"/>
+          <a:p>
+            <a:endParaRPr b="0" lang="en-US" sz="1800" spc="-1" strike="noStrike">
+              <a:solidFill>
+                <a:srgbClr val="000000"/>
+              </a:solidFill>
+              <a:uFill>
+                <a:solidFill>
+                  <a:srgbClr val="ffffff"/>
                 </a:solidFill>
               </a:uFill>
               <a:latin typeface="Arial"/>
@@ -1798,26 +1859,25 @@
         </p:nvSpPr>
         <p:spPr>
           <a:xfrm>
-            <a:off x="360000" y="1980000"/>
-            <a:ext cx="4479480" cy="2232000"/>
-          </a:xfrm>
-          <a:prstGeom prst="rect">
-            <a:avLst/>
-          </a:prstGeom>
-        </p:spPr>
-        <p:txBody>
-          <a:bodyPr lIns="0" tIns="0" rIns="0" bIns="0">
+            <a:off x="504000" y="1768680"/>
+            <a:ext cx="4426920" cy="2090880"/>
+          </a:xfrm>
+          <a:prstGeom prst="rect">
+            <a:avLst/>
+          </a:prstGeom>
+        </p:spPr>
+        <p:txBody>
+          <a:bodyPr lIns="0" rIns="0" tIns="0" bIns="0">
             <a:normAutofit/>
           </a:bodyPr>
-          <a:lstStyle/>
-          <a:p>
-            <a:endParaRPr lang="en-US" sz="3200" b="0" strike="noStrike" spc="-1">
-              <a:solidFill>
-                <a:srgbClr val="000000"/>
-              </a:solidFill>
-              <a:uFill>
-                <a:solidFill>
-                  <a:srgbClr val="FFFFFF"/>
+          <a:p>
+            <a:endParaRPr b="0" lang="en-US" sz="2800" spc="-1" strike="noStrike">
+              <a:solidFill>
+                <a:srgbClr val="000000"/>
+              </a:solidFill>
+              <a:uFill>
+                <a:solidFill>
+                  <a:srgbClr val="ffffff"/>
                 </a:solidFill>
               </a:uFill>
               <a:latin typeface="Arial"/>
@@ -1837,26 +1897,25 @@
         </p:nvSpPr>
         <p:spPr>
           <a:xfrm>
-            <a:off x="360000" y="4424400"/>
-            <a:ext cx="4479480" cy="2232000"/>
-          </a:xfrm>
-          <a:prstGeom prst="rect">
-            <a:avLst/>
-          </a:prstGeom>
-        </p:spPr>
-        <p:txBody>
-          <a:bodyPr lIns="0" tIns="0" rIns="0" bIns="0">
+            <a:off x="504000" y="4058640"/>
+            <a:ext cx="4426920" cy="2090880"/>
+          </a:xfrm>
+          <a:prstGeom prst="rect">
+            <a:avLst/>
+          </a:prstGeom>
+        </p:spPr>
+        <p:txBody>
+          <a:bodyPr lIns="0" rIns="0" tIns="0" bIns="0">
             <a:normAutofit/>
           </a:bodyPr>
-          <a:lstStyle/>
-          <a:p>
-            <a:endParaRPr lang="en-US" sz="3200" b="0" strike="noStrike" spc="-1">
-              <a:solidFill>
-                <a:srgbClr val="000000"/>
-              </a:solidFill>
-              <a:uFill>
-                <a:solidFill>
-                  <a:srgbClr val="FFFFFF"/>
+          <a:p>
+            <a:endParaRPr b="0" lang="en-US" sz="2800" spc="-1" strike="noStrike">
+              <a:solidFill>
+                <a:srgbClr val="000000"/>
+              </a:solidFill>
+              <a:uFill>
+                <a:solidFill>
+                  <a:srgbClr val="ffffff"/>
                 </a:solidFill>
               </a:uFill>
               <a:latin typeface="Arial"/>
@@ -1876,26 +1935,25 @@
         </p:nvSpPr>
         <p:spPr>
           <a:xfrm>
-            <a:off x="5063760" y="1980000"/>
-            <a:ext cx="4479480" cy="4679640"/>
-          </a:xfrm>
-          <a:prstGeom prst="rect">
-            <a:avLst/>
-          </a:prstGeom>
-        </p:spPr>
-        <p:txBody>
-          <a:bodyPr lIns="0" tIns="0" rIns="0" bIns="0">
+            <a:off x="5152680" y="1768680"/>
+            <a:ext cx="4426920" cy="4384080"/>
+          </a:xfrm>
+          <a:prstGeom prst="rect">
+            <a:avLst/>
+          </a:prstGeom>
+        </p:spPr>
+        <p:txBody>
+          <a:bodyPr lIns="0" rIns="0" tIns="0" bIns="0">
             <a:normAutofit/>
           </a:bodyPr>
-          <a:lstStyle/>
-          <a:p>
-            <a:endParaRPr lang="en-US" sz="3200" b="0" strike="noStrike" spc="-1">
-              <a:solidFill>
-                <a:srgbClr val="000000"/>
-              </a:solidFill>
-              <a:uFill>
-                <a:solidFill>
-                  <a:srgbClr val="FFFFFF"/>
+          <a:p>
+            <a:endParaRPr b="0" lang="en-US" sz="2800" spc="-1" strike="noStrike">
+              <a:solidFill>
+                <a:srgbClr val="000000"/>
+              </a:solidFill>
+              <a:uFill>
+                <a:solidFill>
+                  <a:srgbClr val="ffffff"/>
                 </a:solidFill>
               </a:uFill>
               <a:latin typeface="Arial"/>
@@ -1905,14 +1963,11 @@
       </p:sp>
     </p:spTree>
   </p:cSld>
-  <p:clrMapOvr>
-    <a:masterClrMapping/>
-  </p:clrMapOvr>
 </p:sldLayout>
 </file>
 
 <file path=ppt/slideLayouts/slideLayout2.xml><?xml version="1.0" encoding="utf-8"?>
-<p:sldLayout xmlns:a="http://schemas.openxmlformats.org/drawingml/2006/main" xmlns:r="http://schemas.openxmlformats.org/officeDocument/2006/relationships" xmlns:p="http://schemas.openxmlformats.org/presentationml/2006/main" type="tx" preserve="1">
+<p:sldLayout xmlns:a="http://schemas.openxmlformats.org/drawingml/2006/main" xmlns:p="http://schemas.openxmlformats.org/presentationml/2006/main" xmlns:r="http://schemas.openxmlformats.org/officeDocument/2006/relationships" xmlns:p14="http://schemas.microsoft.com/office/powerpoint/2010/main" xmlns:p15="http://schemas.microsoft.com/office/powerpoint/2012/main" xmlns:mc="http://schemas.openxmlformats.org/markup-compatibility/2006" type="tx" preserve="1">
   <p:cSld name="Title Slide">
     <p:spTree>
       <p:nvGrpSpPr>
@@ -1940,25 +1995,23 @@
         </p:nvSpPr>
         <p:spPr>
           <a:xfrm>
-            <a:off x="360000" y="360000"/>
-            <a:ext cx="9359640" cy="899640"/>
-          </a:xfrm>
-          <a:prstGeom prst="rect">
-            <a:avLst/>
-          </a:prstGeom>
-        </p:spPr>
-        <p:txBody>
-          <a:bodyPr lIns="0" tIns="0" rIns="0" bIns="0" anchor="ctr"/>
-          <a:lstStyle/>
-          <a:p>
-            <a:pPr algn="ctr"/>
-            <a:endParaRPr lang="en-US" sz="4400" b="0" strike="noStrike" spc="-1">
-              <a:solidFill>
-                <a:srgbClr val="000000"/>
-              </a:solidFill>
-              <a:uFill>
-                <a:solidFill>
-                  <a:srgbClr val="FFFFFF"/>
+            <a:off x="504000" y="301320"/>
+            <a:ext cx="9072000" cy="1261800"/>
+          </a:xfrm>
+          <a:prstGeom prst="rect">
+            <a:avLst/>
+          </a:prstGeom>
+        </p:spPr>
+        <p:txBody>
+          <a:bodyPr lIns="0" rIns="0" tIns="0" bIns="0" anchor="ctr"/>
+          <a:p>
+            <a:endParaRPr b="0" lang="en-US" sz="1800" spc="-1" strike="noStrike">
+              <a:solidFill>
+                <a:srgbClr val="000000"/>
+              </a:solidFill>
+              <a:uFill>
+                <a:solidFill>
+                  <a:srgbClr val="ffffff"/>
                 </a:solidFill>
               </a:uFill>
               <a:latin typeface="Arial"/>
@@ -1978,25 +2031,24 @@
         </p:nvSpPr>
         <p:spPr>
           <a:xfrm>
-            <a:off x="360000" y="1980000"/>
-            <a:ext cx="9179640" cy="4679640"/>
-          </a:xfrm>
-          <a:prstGeom prst="rect">
-            <a:avLst/>
-          </a:prstGeom>
-        </p:spPr>
-        <p:txBody>
-          <a:bodyPr lIns="0" tIns="0" rIns="0" bIns="0" anchor="ctr"/>
-          <a:lstStyle/>
+            <a:off x="504000" y="1768680"/>
+            <a:ext cx="9072000" cy="4384080"/>
+          </a:xfrm>
+          <a:prstGeom prst="rect">
+            <a:avLst/>
+          </a:prstGeom>
+        </p:spPr>
+        <p:txBody>
+          <a:bodyPr lIns="0" rIns="0" tIns="0" bIns="0" anchor="ctr"/>
           <a:p>
             <a:pPr algn="ctr"/>
-            <a:endParaRPr lang="en-US" sz="3200" b="0" strike="noStrike" spc="-1">
-              <a:solidFill>
-                <a:srgbClr val="000000"/>
-              </a:solidFill>
-              <a:uFill>
-                <a:solidFill>
-                  <a:srgbClr val="FFFFFF"/>
+            <a:endParaRPr b="0" lang="en-US" sz="3200" spc="-1" strike="noStrike">
+              <a:solidFill>
+                <a:srgbClr val="000000"/>
+              </a:solidFill>
+              <a:uFill>
+                <a:solidFill>
+                  <a:srgbClr val="ffffff"/>
                 </a:solidFill>
               </a:uFill>
               <a:latin typeface="Arial"/>
@@ -2006,14 +2058,11 @@
       </p:sp>
     </p:spTree>
   </p:cSld>
-  <p:clrMapOvr>
-    <a:masterClrMapping/>
-  </p:clrMapOvr>
 </p:sldLayout>
 </file>
 
 <file path=ppt/slideLayouts/slideLayout20.xml><?xml version="1.0" encoding="utf-8"?>
-<p:sldLayout xmlns:a="http://schemas.openxmlformats.org/drawingml/2006/main" xmlns:r="http://schemas.openxmlformats.org/officeDocument/2006/relationships" xmlns:p="http://schemas.openxmlformats.org/presentationml/2006/main" type="objAndTwoObj" preserve="1">
+<p:sldLayout xmlns:a="http://schemas.openxmlformats.org/drawingml/2006/main" xmlns:p="http://schemas.openxmlformats.org/presentationml/2006/main" xmlns:r="http://schemas.openxmlformats.org/officeDocument/2006/relationships" xmlns:p14="http://schemas.microsoft.com/office/powerpoint/2010/main" xmlns:p15="http://schemas.microsoft.com/office/powerpoint/2012/main" xmlns:mc="http://schemas.openxmlformats.org/markup-compatibility/2006" type="objAndTwoObj" preserve="1">
   <p:cSld name="Title Content and 2 Content">
     <p:spTree>
       <p:nvGrpSpPr>
@@ -2041,25 +2090,23 @@
         </p:nvSpPr>
         <p:spPr>
           <a:xfrm>
-            <a:off x="360000" y="360000"/>
-            <a:ext cx="9359640" cy="899640"/>
-          </a:xfrm>
-          <a:prstGeom prst="rect">
-            <a:avLst/>
-          </a:prstGeom>
-        </p:spPr>
-        <p:txBody>
-          <a:bodyPr lIns="0" tIns="0" rIns="0" bIns="0" anchor="ctr"/>
-          <a:lstStyle/>
-          <a:p>
-            <a:pPr algn="ctr"/>
-            <a:endParaRPr lang="en-US" sz="4400" b="0" strike="noStrike" spc="-1">
-              <a:solidFill>
-                <a:srgbClr val="000000"/>
-              </a:solidFill>
-              <a:uFill>
-                <a:solidFill>
-                  <a:srgbClr val="FFFFFF"/>
+            <a:off x="504000" y="301320"/>
+            <a:ext cx="9072000" cy="1261800"/>
+          </a:xfrm>
+          <a:prstGeom prst="rect">
+            <a:avLst/>
+          </a:prstGeom>
+        </p:spPr>
+        <p:txBody>
+          <a:bodyPr lIns="0" rIns="0" tIns="0" bIns="0" anchor="ctr"/>
+          <a:p>
+            <a:endParaRPr b="0" lang="en-US" sz="1800" spc="-1" strike="noStrike">
+              <a:solidFill>
+                <a:srgbClr val="000000"/>
+              </a:solidFill>
+              <a:uFill>
+                <a:solidFill>
+                  <a:srgbClr val="ffffff"/>
                 </a:solidFill>
               </a:uFill>
               <a:latin typeface="Arial"/>
@@ -2079,26 +2126,25 @@
         </p:nvSpPr>
         <p:spPr>
           <a:xfrm>
-            <a:off x="360000" y="1980000"/>
-            <a:ext cx="4479480" cy="4679640"/>
-          </a:xfrm>
-          <a:prstGeom prst="rect">
-            <a:avLst/>
-          </a:prstGeom>
-        </p:spPr>
-        <p:txBody>
-          <a:bodyPr lIns="0" tIns="0" rIns="0" bIns="0">
+            <a:off x="504000" y="1768680"/>
+            <a:ext cx="4426920" cy="4384080"/>
+          </a:xfrm>
+          <a:prstGeom prst="rect">
+            <a:avLst/>
+          </a:prstGeom>
+        </p:spPr>
+        <p:txBody>
+          <a:bodyPr lIns="0" rIns="0" tIns="0" bIns="0">
             <a:normAutofit/>
           </a:bodyPr>
-          <a:lstStyle/>
-          <a:p>
-            <a:endParaRPr lang="en-US" sz="3200" b="0" strike="noStrike" spc="-1">
-              <a:solidFill>
-                <a:srgbClr val="000000"/>
-              </a:solidFill>
-              <a:uFill>
-                <a:solidFill>
-                  <a:srgbClr val="FFFFFF"/>
+          <a:p>
+            <a:endParaRPr b="0" lang="en-US" sz="2800" spc="-1" strike="noStrike">
+              <a:solidFill>
+                <a:srgbClr val="000000"/>
+              </a:solidFill>
+              <a:uFill>
+                <a:solidFill>
+                  <a:srgbClr val="ffffff"/>
                 </a:solidFill>
               </a:uFill>
               <a:latin typeface="Arial"/>
@@ -2118,26 +2164,25 @@
         </p:nvSpPr>
         <p:spPr>
           <a:xfrm>
-            <a:off x="5063760" y="1980000"/>
-            <a:ext cx="4479480" cy="2232000"/>
-          </a:xfrm>
-          <a:prstGeom prst="rect">
-            <a:avLst/>
-          </a:prstGeom>
-        </p:spPr>
-        <p:txBody>
-          <a:bodyPr lIns="0" tIns="0" rIns="0" bIns="0">
+            <a:off x="5152680" y="1768680"/>
+            <a:ext cx="4426920" cy="2090880"/>
+          </a:xfrm>
+          <a:prstGeom prst="rect">
+            <a:avLst/>
+          </a:prstGeom>
+        </p:spPr>
+        <p:txBody>
+          <a:bodyPr lIns="0" rIns="0" tIns="0" bIns="0">
             <a:normAutofit/>
           </a:bodyPr>
-          <a:lstStyle/>
-          <a:p>
-            <a:endParaRPr lang="en-US" sz="3200" b="0" strike="noStrike" spc="-1">
-              <a:solidFill>
-                <a:srgbClr val="000000"/>
-              </a:solidFill>
-              <a:uFill>
-                <a:solidFill>
-                  <a:srgbClr val="FFFFFF"/>
+          <a:p>
+            <a:endParaRPr b="0" lang="en-US" sz="2800" spc="-1" strike="noStrike">
+              <a:solidFill>
+                <a:srgbClr val="000000"/>
+              </a:solidFill>
+              <a:uFill>
+                <a:solidFill>
+                  <a:srgbClr val="ffffff"/>
                 </a:solidFill>
               </a:uFill>
               <a:latin typeface="Arial"/>
@@ -2157,26 +2202,25 @@
         </p:nvSpPr>
         <p:spPr>
           <a:xfrm>
-            <a:off x="5063760" y="4424400"/>
-            <a:ext cx="4479480" cy="2232000"/>
-          </a:xfrm>
-          <a:prstGeom prst="rect">
-            <a:avLst/>
-          </a:prstGeom>
-        </p:spPr>
-        <p:txBody>
-          <a:bodyPr lIns="0" tIns="0" rIns="0" bIns="0">
+            <a:off x="5152680" y="4058640"/>
+            <a:ext cx="4426920" cy="2090880"/>
+          </a:xfrm>
+          <a:prstGeom prst="rect">
+            <a:avLst/>
+          </a:prstGeom>
+        </p:spPr>
+        <p:txBody>
+          <a:bodyPr lIns="0" rIns="0" tIns="0" bIns="0">
             <a:normAutofit/>
           </a:bodyPr>
-          <a:lstStyle/>
-          <a:p>
-            <a:endParaRPr lang="en-US" sz="3200" b="0" strike="noStrike" spc="-1">
-              <a:solidFill>
-                <a:srgbClr val="000000"/>
-              </a:solidFill>
-              <a:uFill>
-                <a:solidFill>
-                  <a:srgbClr val="FFFFFF"/>
+          <a:p>
+            <a:endParaRPr b="0" lang="en-US" sz="2800" spc="-1" strike="noStrike">
+              <a:solidFill>
+                <a:srgbClr val="000000"/>
+              </a:solidFill>
+              <a:uFill>
+                <a:solidFill>
+                  <a:srgbClr val="ffffff"/>
                 </a:solidFill>
               </a:uFill>
               <a:latin typeface="Arial"/>
@@ -2186,14 +2230,11 @@
       </p:sp>
     </p:spTree>
   </p:cSld>
-  <p:clrMapOvr>
-    <a:masterClrMapping/>
-  </p:clrMapOvr>
 </p:sldLayout>
 </file>
 
 <file path=ppt/slideLayouts/slideLayout21.xml><?xml version="1.0" encoding="utf-8"?>
-<p:sldLayout xmlns:a="http://schemas.openxmlformats.org/drawingml/2006/main" xmlns:r="http://schemas.openxmlformats.org/officeDocument/2006/relationships" xmlns:p="http://schemas.openxmlformats.org/presentationml/2006/main" type="twoObjOverTx" preserve="1">
+<p:sldLayout xmlns:a="http://schemas.openxmlformats.org/drawingml/2006/main" xmlns:p="http://schemas.openxmlformats.org/presentationml/2006/main" xmlns:r="http://schemas.openxmlformats.org/officeDocument/2006/relationships" xmlns:p14="http://schemas.microsoft.com/office/powerpoint/2010/main" xmlns:p15="http://schemas.microsoft.com/office/powerpoint/2012/main" xmlns:mc="http://schemas.openxmlformats.org/markup-compatibility/2006" type="twoObjOverTx" preserve="1">
   <p:cSld name="Title, 2 Content over Content">
     <p:spTree>
       <p:nvGrpSpPr>
@@ -2221,25 +2262,23 @@
         </p:nvSpPr>
         <p:spPr>
           <a:xfrm>
-            <a:off x="360000" y="360000"/>
-            <a:ext cx="9359640" cy="899640"/>
-          </a:xfrm>
-          <a:prstGeom prst="rect">
-            <a:avLst/>
-          </a:prstGeom>
-        </p:spPr>
-        <p:txBody>
-          <a:bodyPr lIns="0" tIns="0" rIns="0" bIns="0" anchor="ctr"/>
-          <a:lstStyle/>
-          <a:p>
-            <a:pPr algn="ctr"/>
-            <a:endParaRPr lang="en-US" sz="4400" b="0" strike="noStrike" spc="-1">
-              <a:solidFill>
-                <a:srgbClr val="000000"/>
-              </a:solidFill>
-              <a:uFill>
-                <a:solidFill>
-                  <a:srgbClr val="FFFFFF"/>
+            <a:off x="504000" y="301320"/>
+            <a:ext cx="9072000" cy="1261800"/>
+          </a:xfrm>
+          <a:prstGeom prst="rect">
+            <a:avLst/>
+          </a:prstGeom>
+        </p:spPr>
+        <p:txBody>
+          <a:bodyPr lIns="0" rIns="0" tIns="0" bIns="0" anchor="ctr"/>
+          <a:p>
+            <a:endParaRPr b="0" lang="en-US" sz="1800" spc="-1" strike="noStrike">
+              <a:solidFill>
+                <a:srgbClr val="000000"/>
+              </a:solidFill>
+              <a:uFill>
+                <a:solidFill>
+                  <a:srgbClr val="ffffff"/>
                 </a:solidFill>
               </a:uFill>
               <a:latin typeface="Arial"/>
@@ -2259,26 +2298,25 @@
         </p:nvSpPr>
         <p:spPr>
           <a:xfrm>
-            <a:off x="360000" y="1980000"/>
-            <a:ext cx="4479480" cy="2232000"/>
-          </a:xfrm>
-          <a:prstGeom prst="rect">
-            <a:avLst/>
-          </a:prstGeom>
-        </p:spPr>
-        <p:txBody>
-          <a:bodyPr lIns="0" tIns="0" rIns="0" bIns="0">
+            <a:off x="504000" y="1768680"/>
+            <a:ext cx="4426920" cy="2090880"/>
+          </a:xfrm>
+          <a:prstGeom prst="rect">
+            <a:avLst/>
+          </a:prstGeom>
+        </p:spPr>
+        <p:txBody>
+          <a:bodyPr lIns="0" rIns="0" tIns="0" bIns="0">
             <a:normAutofit/>
           </a:bodyPr>
-          <a:lstStyle/>
-          <a:p>
-            <a:endParaRPr lang="en-US" sz="3200" b="0" strike="noStrike" spc="-1">
-              <a:solidFill>
-                <a:srgbClr val="000000"/>
-              </a:solidFill>
-              <a:uFill>
-                <a:solidFill>
-                  <a:srgbClr val="FFFFFF"/>
+          <a:p>
+            <a:endParaRPr b="0" lang="en-US" sz="2800" spc="-1" strike="noStrike">
+              <a:solidFill>
+                <a:srgbClr val="000000"/>
+              </a:solidFill>
+              <a:uFill>
+                <a:solidFill>
+                  <a:srgbClr val="ffffff"/>
                 </a:solidFill>
               </a:uFill>
               <a:latin typeface="Arial"/>
@@ -2298,26 +2336,25 @@
         </p:nvSpPr>
         <p:spPr>
           <a:xfrm>
-            <a:off x="5063760" y="1980000"/>
-            <a:ext cx="4479480" cy="2232000"/>
-          </a:xfrm>
-          <a:prstGeom prst="rect">
-            <a:avLst/>
-          </a:prstGeom>
-        </p:spPr>
-        <p:txBody>
-          <a:bodyPr lIns="0" tIns="0" rIns="0" bIns="0">
+            <a:off x="5152680" y="1768680"/>
+            <a:ext cx="4426920" cy="2090880"/>
+          </a:xfrm>
+          <a:prstGeom prst="rect">
+            <a:avLst/>
+          </a:prstGeom>
+        </p:spPr>
+        <p:txBody>
+          <a:bodyPr lIns="0" rIns="0" tIns="0" bIns="0">
             <a:normAutofit/>
           </a:bodyPr>
-          <a:lstStyle/>
-          <a:p>
-            <a:endParaRPr lang="en-US" sz="3200" b="0" strike="noStrike" spc="-1">
-              <a:solidFill>
-                <a:srgbClr val="000000"/>
-              </a:solidFill>
-              <a:uFill>
-                <a:solidFill>
-                  <a:srgbClr val="FFFFFF"/>
+          <a:p>
+            <a:endParaRPr b="0" lang="en-US" sz="2800" spc="-1" strike="noStrike">
+              <a:solidFill>
+                <a:srgbClr val="000000"/>
+              </a:solidFill>
+              <a:uFill>
+                <a:solidFill>
+                  <a:srgbClr val="ffffff"/>
                 </a:solidFill>
               </a:uFill>
               <a:latin typeface="Arial"/>
@@ -2337,26 +2374,25 @@
         </p:nvSpPr>
         <p:spPr>
           <a:xfrm>
-            <a:off x="360000" y="4424400"/>
-            <a:ext cx="9179640" cy="2232000"/>
-          </a:xfrm>
-          <a:prstGeom prst="rect">
-            <a:avLst/>
-          </a:prstGeom>
-        </p:spPr>
-        <p:txBody>
-          <a:bodyPr lIns="0" tIns="0" rIns="0" bIns="0">
+            <a:off x="504000" y="4058640"/>
+            <a:ext cx="9072000" cy="2090880"/>
+          </a:xfrm>
+          <a:prstGeom prst="rect">
+            <a:avLst/>
+          </a:prstGeom>
+        </p:spPr>
+        <p:txBody>
+          <a:bodyPr lIns="0" rIns="0" tIns="0" bIns="0">
             <a:normAutofit/>
           </a:bodyPr>
-          <a:lstStyle/>
-          <a:p>
-            <a:endParaRPr lang="en-US" sz="3200" b="0" strike="noStrike" spc="-1">
-              <a:solidFill>
-                <a:srgbClr val="000000"/>
-              </a:solidFill>
-              <a:uFill>
-                <a:solidFill>
-                  <a:srgbClr val="FFFFFF"/>
+          <a:p>
+            <a:endParaRPr b="0" lang="en-US" sz="2800" spc="-1" strike="noStrike">
+              <a:solidFill>
+                <a:srgbClr val="000000"/>
+              </a:solidFill>
+              <a:uFill>
+                <a:solidFill>
+                  <a:srgbClr val="ffffff"/>
                 </a:solidFill>
               </a:uFill>
               <a:latin typeface="Arial"/>
@@ -2366,14 +2402,11 @@
       </p:sp>
     </p:spTree>
   </p:cSld>
-  <p:clrMapOvr>
-    <a:masterClrMapping/>
-  </p:clrMapOvr>
 </p:sldLayout>
 </file>
 
 <file path=ppt/slideLayouts/slideLayout22.xml><?xml version="1.0" encoding="utf-8"?>
-<p:sldLayout xmlns:a="http://schemas.openxmlformats.org/drawingml/2006/main" xmlns:r="http://schemas.openxmlformats.org/officeDocument/2006/relationships" xmlns:p="http://schemas.openxmlformats.org/presentationml/2006/main" type="objOverTx" preserve="1">
+<p:sldLayout xmlns:a="http://schemas.openxmlformats.org/drawingml/2006/main" xmlns:p="http://schemas.openxmlformats.org/presentationml/2006/main" xmlns:r="http://schemas.openxmlformats.org/officeDocument/2006/relationships" xmlns:p14="http://schemas.microsoft.com/office/powerpoint/2010/main" xmlns:p15="http://schemas.microsoft.com/office/powerpoint/2012/main" xmlns:mc="http://schemas.openxmlformats.org/markup-compatibility/2006" type="objOverTx" preserve="1">
   <p:cSld name="Title, Content over Content">
     <p:spTree>
       <p:nvGrpSpPr>
@@ -2401,25 +2434,23 @@
         </p:nvSpPr>
         <p:spPr>
           <a:xfrm>
-            <a:off x="360000" y="360000"/>
-            <a:ext cx="9359640" cy="899640"/>
-          </a:xfrm>
-          <a:prstGeom prst="rect">
-            <a:avLst/>
-          </a:prstGeom>
-        </p:spPr>
-        <p:txBody>
-          <a:bodyPr lIns="0" tIns="0" rIns="0" bIns="0" anchor="ctr"/>
-          <a:lstStyle/>
-          <a:p>
-            <a:pPr algn="ctr"/>
-            <a:endParaRPr lang="en-US" sz="4400" b="0" strike="noStrike" spc="-1">
-              <a:solidFill>
-                <a:srgbClr val="000000"/>
-              </a:solidFill>
-              <a:uFill>
-                <a:solidFill>
-                  <a:srgbClr val="FFFFFF"/>
+            <a:off x="504000" y="301320"/>
+            <a:ext cx="9072000" cy="1261800"/>
+          </a:xfrm>
+          <a:prstGeom prst="rect">
+            <a:avLst/>
+          </a:prstGeom>
+        </p:spPr>
+        <p:txBody>
+          <a:bodyPr lIns="0" rIns="0" tIns="0" bIns="0" anchor="ctr"/>
+          <a:p>
+            <a:endParaRPr b="0" lang="en-US" sz="1800" spc="-1" strike="noStrike">
+              <a:solidFill>
+                <a:srgbClr val="000000"/>
+              </a:solidFill>
+              <a:uFill>
+                <a:solidFill>
+                  <a:srgbClr val="ffffff"/>
                 </a:solidFill>
               </a:uFill>
               <a:latin typeface="Arial"/>
@@ -2439,26 +2470,25 @@
         </p:nvSpPr>
         <p:spPr>
           <a:xfrm>
-            <a:off x="360000" y="1980000"/>
-            <a:ext cx="9179640" cy="2232000"/>
-          </a:xfrm>
-          <a:prstGeom prst="rect">
-            <a:avLst/>
-          </a:prstGeom>
-        </p:spPr>
-        <p:txBody>
-          <a:bodyPr lIns="0" tIns="0" rIns="0" bIns="0">
+            <a:off x="504000" y="1768680"/>
+            <a:ext cx="9072000" cy="2090880"/>
+          </a:xfrm>
+          <a:prstGeom prst="rect">
+            <a:avLst/>
+          </a:prstGeom>
+        </p:spPr>
+        <p:txBody>
+          <a:bodyPr lIns="0" rIns="0" tIns="0" bIns="0">
             <a:normAutofit/>
           </a:bodyPr>
-          <a:lstStyle/>
-          <a:p>
-            <a:endParaRPr lang="en-US" sz="3200" b="0" strike="noStrike" spc="-1">
-              <a:solidFill>
-                <a:srgbClr val="000000"/>
-              </a:solidFill>
-              <a:uFill>
-                <a:solidFill>
-                  <a:srgbClr val="FFFFFF"/>
+          <a:p>
+            <a:endParaRPr b="0" lang="en-US" sz="2800" spc="-1" strike="noStrike">
+              <a:solidFill>
+                <a:srgbClr val="000000"/>
+              </a:solidFill>
+              <a:uFill>
+                <a:solidFill>
+                  <a:srgbClr val="ffffff"/>
                 </a:solidFill>
               </a:uFill>
               <a:latin typeface="Arial"/>
@@ -2478,26 +2508,25 @@
         </p:nvSpPr>
         <p:spPr>
           <a:xfrm>
-            <a:off x="360000" y="4424400"/>
-            <a:ext cx="9179640" cy="2232000"/>
-          </a:xfrm>
-          <a:prstGeom prst="rect">
-            <a:avLst/>
-          </a:prstGeom>
-        </p:spPr>
-        <p:txBody>
-          <a:bodyPr lIns="0" tIns="0" rIns="0" bIns="0">
+            <a:off x="504000" y="4058640"/>
+            <a:ext cx="9072000" cy="2090880"/>
+          </a:xfrm>
+          <a:prstGeom prst="rect">
+            <a:avLst/>
+          </a:prstGeom>
+        </p:spPr>
+        <p:txBody>
+          <a:bodyPr lIns="0" rIns="0" tIns="0" bIns="0">
             <a:normAutofit/>
           </a:bodyPr>
-          <a:lstStyle/>
-          <a:p>
-            <a:endParaRPr lang="en-US" sz="3200" b="0" strike="noStrike" spc="-1">
-              <a:solidFill>
-                <a:srgbClr val="000000"/>
-              </a:solidFill>
-              <a:uFill>
-                <a:solidFill>
-                  <a:srgbClr val="FFFFFF"/>
+          <a:p>
+            <a:endParaRPr b="0" lang="en-US" sz="2800" spc="-1" strike="noStrike">
+              <a:solidFill>
+                <a:srgbClr val="000000"/>
+              </a:solidFill>
+              <a:uFill>
+                <a:solidFill>
+                  <a:srgbClr val="ffffff"/>
                 </a:solidFill>
               </a:uFill>
               <a:latin typeface="Arial"/>
@@ -2507,14 +2536,11 @@
       </p:sp>
     </p:spTree>
   </p:cSld>
-  <p:clrMapOvr>
-    <a:masterClrMapping/>
-  </p:clrMapOvr>
 </p:sldLayout>
 </file>
 
 <file path=ppt/slideLayouts/slideLayout23.xml><?xml version="1.0" encoding="utf-8"?>
-<p:sldLayout xmlns:a="http://schemas.openxmlformats.org/drawingml/2006/main" xmlns:r="http://schemas.openxmlformats.org/officeDocument/2006/relationships" xmlns:p="http://schemas.openxmlformats.org/presentationml/2006/main" type="fourObj" preserve="1">
+<p:sldLayout xmlns:a="http://schemas.openxmlformats.org/drawingml/2006/main" xmlns:p="http://schemas.openxmlformats.org/presentationml/2006/main" xmlns:r="http://schemas.openxmlformats.org/officeDocument/2006/relationships" xmlns:p14="http://schemas.microsoft.com/office/powerpoint/2010/main" xmlns:p15="http://schemas.microsoft.com/office/powerpoint/2012/main" xmlns:mc="http://schemas.openxmlformats.org/markup-compatibility/2006" type="fourObj" preserve="1">
   <p:cSld name="Title, 4 Content">
     <p:spTree>
       <p:nvGrpSpPr>
@@ -2542,25 +2568,23 @@
         </p:nvSpPr>
         <p:spPr>
           <a:xfrm>
-            <a:off x="360000" y="360000"/>
-            <a:ext cx="9359640" cy="899640"/>
-          </a:xfrm>
-          <a:prstGeom prst="rect">
-            <a:avLst/>
-          </a:prstGeom>
-        </p:spPr>
-        <p:txBody>
-          <a:bodyPr lIns="0" tIns="0" rIns="0" bIns="0" anchor="ctr"/>
-          <a:lstStyle/>
-          <a:p>
-            <a:pPr algn="ctr"/>
-            <a:endParaRPr lang="en-US" sz="4400" b="0" strike="noStrike" spc="-1">
-              <a:solidFill>
-                <a:srgbClr val="000000"/>
-              </a:solidFill>
-              <a:uFill>
-                <a:solidFill>
-                  <a:srgbClr val="FFFFFF"/>
+            <a:off x="504000" y="301320"/>
+            <a:ext cx="9072000" cy="1261800"/>
+          </a:xfrm>
+          <a:prstGeom prst="rect">
+            <a:avLst/>
+          </a:prstGeom>
+        </p:spPr>
+        <p:txBody>
+          <a:bodyPr lIns="0" rIns="0" tIns="0" bIns="0" anchor="ctr"/>
+          <a:p>
+            <a:endParaRPr b="0" lang="en-US" sz="1800" spc="-1" strike="noStrike">
+              <a:solidFill>
+                <a:srgbClr val="000000"/>
+              </a:solidFill>
+              <a:uFill>
+                <a:solidFill>
+                  <a:srgbClr val="ffffff"/>
                 </a:solidFill>
               </a:uFill>
               <a:latin typeface="Arial"/>
@@ -2580,26 +2604,25 @@
         </p:nvSpPr>
         <p:spPr>
           <a:xfrm>
-            <a:off x="360000" y="1980000"/>
-            <a:ext cx="4479480" cy="2232000"/>
-          </a:xfrm>
-          <a:prstGeom prst="rect">
-            <a:avLst/>
-          </a:prstGeom>
-        </p:spPr>
-        <p:txBody>
-          <a:bodyPr lIns="0" tIns="0" rIns="0" bIns="0">
+            <a:off x="504000" y="1768680"/>
+            <a:ext cx="4426920" cy="2090880"/>
+          </a:xfrm>
+          <a:prstGeom prst="rect">
+            <a:avLst/>
+          </a:prstGeom>
+        </p:spPr>
+        <p:txBody>
+          <a:bodyPr lIns="0" rIns="0" tIns="0" bIns="0">
             <a:normAutofit/>
           </a:bodyPr>
-          <a:lstStyle/>
-          <a:p>
-            <a:endParaRPr lang="en-US" sz="3200" b="0" strike="noStrike" spc="-1">
-              <a:solidFill>
-                <a:srgbClr val="000000"/>
-              </a:solidFill>
-              <a:uFill>
-                <a:solidFill>
-                  <a:srgbClr val="FFFFFF"/>
+          <a:p>
+            <a:endParaRPr b="0" lang="en-US" sz="2800" spc="-1" strike="noStrike">
+              <a:solidFill>
+                <a:srgbClr val="000000"/>
+              </a:solidFill>
+              <a:uFill>
+                <a:solidFill>
+                  <a:srgbClr val="ffffff"/>
                 </a:solidFill>
               </a:uFill>
               <a:latin typeface="Arial"/>
@@ -2619,26 +2642,25 @@
         </p:nvSpPr>
         <p:spPr>
           <a:xfrm>
-            <a:off x="5063760" y="1980000"/>
-            <a:ext cx="4479480" cy="2232000"/>
-          </a:xfrm>
-          <a:prstGeom prst="rect">
-            <a:avLst/>
-          </a:prstGeom>
-        </p:spPr>
-        <p:txBody>
-          <a:bodyPr lIns="0" tIns="0" rIns="0" bIns="0">
+            <a:off x="5152680" y="1768680"/>
+            <a:ext cx="4426920" cy="2090880"/>
+          </a:xfrm>
+          <a:prstGeom prst="rect">
+            <a:avLst/>
+          </a:prstGeom>
+        </p:spPr>
+        <p:txBody>
+          <a:bodyPr lIns="0" rIns="0" tIns="0" bIns="0">
             <a:normAutofit/>
           </a:bodyPr>
-          <a:lstStyle/>
-          <a:p>
-            <a:endParaRPr lang="en-US" sz="3200" b="0" strike="noStrike" spc="-1">
-              <a:solidFill>
-                <a:srgbClr val="000000"/>
-              </a:solidFill>
-              <a:uFill>
-                <a:solidFill>
-                  <a:srgbClr val="FFFFFF"/>
+          <a:p>
+            <a:endParaRPr b="0" lang="en-US" sz="2800" spc="-1" strike="noStrike">
+              <a:solidFill>
+                <a:srgbClr val="000000"/>
+              </a:solidFill>
+              <a:uFill>
+                <a:solidFill>
+                  <a:srgbClr val="ffffff"/>
                 </a:solidFill>
               </a:uFill>
               <a:latin typeface="Arial"/>
@@ -2658,26 +2680,25 @@
         </p:nvSpPr>
         <p:spPr>
           <a:xfrm>
-            <a:off x="5063760" y="4424400"/>
-            <a:ext cx="4479480" cy="2232000"/>
-          </a:xfrm>
-          <a:prstGeom prst="rect">
-            <a:avLst/>
-          </a:prstGeom>
-        </p:spPr>
-        <p:txBody>
-          <a:bodyPr lIns="0" tIns="0" rIns="0" bIns="0">
+            <a:off x="5152680" y="4058640"/>
+            <a:ext cx="4426920" cy="2090880"/>
+          </a:xfrm>
+          <a:prstGeom prst="rect">
+            <a:avLst/>
+          </a:prstGeom>
+        </p:spPr>
+        <p:txBody>
+          <a:bodyPr lIns="0" rIns="0" tIns="0" bIns="0">
             <a:normAutofit/>
           </a:bodyPr>
-          <a:lstStyle/>
-          <a:p>
-            <a:endParaRPr lang="en-US" sz="3200" b="0" strike="noStrike" spc="-1">
-              <a:solidFill>
-                <a:srgbClr val="000000"/>
-              </a:solidFill>
-              <a:uFill>
-                <a:solidFill>
-                  <a:srgbClr val="FFFFFF"/>
+          <a:p>
+            <a:endParaRPr b="0" lang="en-US" sz="2800" spc="-1" strike="noStrike">
+              <a:solidFill>
+                <a:srgbClr val="000000"/>
+              </a:solidFill>
+              <a:uFill>
+                <a:solidFill>
+                  <a:srgbClr val="ffffff"/>
                 </a:solidFill>
               </a:uFill>
               <a:latin typeface="Arial"/>
@@ -2697,26 +2718,25 @@
         </p:nvSpPr>
         <p:spPr>
           <a:xfrm>
-            <a:off x="360000" y="4424400"/>
-            <a:ext cx="4479480" cy="2232000"/>
-          </a:xfrm>
-          <a:prstGeom prst="rect">
-            <a:avLst/>
-          </a:prstGeom>
-        </p:spPr>
-        <p:txBody>
-          <a:bodyPr lIns="0" tIns="0" rIns="0" bIns="0">
+            <a:off x="504000" y="4058640"/>
+            <a:ext cx="4426920" cy="2090880"/>
+          </a:xfrm>
+          <a:prstGeom prst="rect">
+            <a:avLst/>
+          </a:prstGeom>
+        </p:spPr>
+        <p:txBody>
+          <a:bodyPr lIns="0" rIns="0" tIns="0" bIns="0">
             <a:normAutofit/>
           </a:bodyPr>
-          <a:lstStyle/>
-          <a:p>
-            <a:endParaRPr lang="en-US" sz="3200" b="0" strike="noStrike" spc="-1">
-              <a:solidFill>
-                <a:srgbClr val="000000"/>
-              </a:solidFill>
-              <a:uFill>
-                <a:solidFill>
-                  <a:srgbClr val="FFFFFF"/>
+          <a:p>
+            <a:endParaRPr b="0" lang="en-US" sz="2800" spc="-1" strike="noStrike">
+              <a:solidFill>
+                <a:srgbClr val="000000"/>
+              </a:solidFill>
+              <a:uFill>
+                <a:solidFill>
+                  <a:srgbClr val="ffffff"/>
                 </a:solidFill>
               </a:uFill>
               <a:latin typeface="Arial"/>
@@ -2726,14 +2746,11 @@
       </p:sp>
     </p:spTree>
   </p:cSld>
-  <p:clrMapOvr>
-    <a:masterClrMapping/>
-  </p:clrMapOvr>
 </p:sldLayout>
 </file>
 
 <file path=ppt/slideLayouts/slideLayout24.xml><?xml version="1.0" encoding="utf-8"?>
-<p:sldLayout xmlns:a="http://schemas.openxmlformats.org/drawingml/2006/main" xmlns:r="http://schemas.openxmlformats.org/officeDocument/2006/relationships" xmlns:p="http://schemas.openxmlformats.org/presentationml/2006/main" type="blank" preserve="1">
+<p:sldLayout xmlns:a="http://schemas.openxmlformats.org/drawingml/2006/main" xmlns:p="http://schemas.openxmlformats.org/presentationml/2006/main" xmlns:r="http://schemas.openxmlformats.org/officeDocument/2006/relationships" xmlns:p14="http://schemas.microsoft.com/office/powerpoint/2010/main" xmlns:p15="http://schemas.microsoft.com/office/powerpoint/2012/main" xmlns:mc="http://schemas.openxmlformats.org/markup-compatibility/2006" type="blank" preserve="1">
   <p:cSld name="Title, 6 Content">
     <p:spTree>
       <p:nvGrpSpPr>
@@ -2761,25 +2778,23 @@
         </p:nvSpPr>
         <p:spPr>
           <a:xfrm>
-            <a:off x="360000" y="360000"/>
-            <a:ext cx="9359640" cy="899640"/>
-          </a:xfrm>
-          <a:prstGeom prst="rect">
-            <a:avLst/>
-          </a:prstGeom>
-        </p:spPr>
-        <p:txBody>
-          <a:bodyPr lIns="0" tIns="0" rIns="0" bIns="0" anchor="ctr"/>
-          <a:lstStyle/>
-          <a:p>
-            <a:pPr algn="ctr"/>
-            <a:endParaRPr lang="en-US" sz="4400" b="0" strike="noStrike" spc="-1">
-              <a:solidFill>
-                <a:srgbClr val="000000"/>
-              </a:solidFill>
-              <a:uFill>
-                <a:solidFill>
-                  <a:srgbClr val="FFFFFF"/>
+            <a:off x="504000" y="301320"/>
+            <a:ext cx="9072000" cy="1261800"/>
+          </a:xfrm>
+          <a:prstGeom prst="rect">
+            <a:avLst/>
+          </a:prstGeom>
+        </p:spPr>
+        <p:txBody>
+          <a:bodyPr lIns="0" rIns="0" tIns="0" bIns="0" anchor="ctr"/>
+          <a:p>
+            <a:endParaRPr b="0" lang="en-US" sz="1800" spc="-1" strike="noStrike">
+              <a:solidFill>
+                <a:srgbClr val="000000"/>
+              </a:solidFill>
+              <a:uFill>
+                <a:solidFill>
+                  <a:srgbClr val="ffffff"/>
                 </a:solidFill>
               </a:uFill>
               <a:latin typeface="Arial"/>
@@ -2799,26 +2814,25 @@
         </p:nvSpPr>
         <p:spPr>
           <a:xfrm>
-            <a:off x="360000" y="1980000"/>
-            <a:ext cx="2955600" cy="2232000"/>
-          </a:xfrm>
-          <a:prstGeom prst="rect">
-            <a:avLst/>
-          </a:prstGeom>
-        </p:spPr>
-        <p:txBody>
-          <a:bodyPr lIns="0" tIns="0" rIns="0" bIns="0">
+            <a:off x="504000" y="1768680"/>
+            <a:ext cx="2921040" cy="2090880"/>
+          </a:xfrm>
+          <a:prstGeom prst="rect">
+            <a:avLst/>
+          </a:prstGeom>
+        </p:spPr>
+        <p:txBody>
+          <a:bodyPr lIns="0" rIns="0" tIns="0" bIns="0">
             <a:normAutofit/>
           </a:bodyPr>
-          <a:lstStyle/>
-          <a:p>
-            <a:endParaRPr lang="en-US" sz="3200" b="0" strike="noStrike" spc="-1">
-              <a:solidFill>
-                <a:srgbClr val="000000"/>
-              </a:solidFill>
-              <a:uFill>
-                <a:solidFill>
-                  <a:srgbClr val="FFFFFF"/>
+          <a:p>
+            <a:endParaRPr b="0" lang="en-US" sz="2800" spc="-1" strike="noStrike">
+              <a:solidFill>
+                <a:srgbClr val="000000"/>
+              </a:solidFill>
+              <a:uFill>
+                <a:solidFill>
+                  <a:srgbClr val="ffffff"/>
                 </a:solidFill>
               </a:uFill>
               <a:latin typeface="Arial"/>
@@ -2838,26 +2852,25 @@
         </p:nvSpPr>
         <p:spPr>
           <a:xfrm>
-            <a:off x="3463920" y="1980000"/>
-            <a:ext cx="2955600" cy="2232000"/>
-          </a:xfrm>
-          <a:prstGeom prst="rect">
-            <a:avLst/>
-          </a:prstGeom>
-        </p:spPr>
-        <p:txBody>
-          <a:bodyPr lIns="0" tIns="0" rIns="0" bIns="0">
+            <a:off x="3571560" y="1768680"/>
+            <a:ext cx="2921040" cy="2090880"/>
+          </a:xfrm>
+          <a:prstGeom prst="rect">
+            <a:avLst/>
+          </a:prstGeom>
+        </p:spPr>
+        <p:txBody>
+          <a:bodyPr lIns="0" rIns="0" tIns="0" bIns="0">
             <a:normAutofit/>
           </a:bodyPr>
-          <a:lstStyle/>
-          <a:p>
-            <a:endParaRPr lang="en-US" sz="3200" b="0" strike="noStrike" spc="-1">
-              <a:solidFill>
-                <a:srgbClr val="000000"/>
-              </a:solidFill>
-              <a:uFill>
-                <a:solidFill>
-                  <a:srgbClr val="FFFFFF"/>
+          <a:p>
+            <a:endParaRPr b="0" lang="en-US" sz="2800" spc="-1" strike="noStrike">
+              <a:solidFill>
+                <a:srgbClr val="000000"/>
+              </a:solidFill>
+              <a:uFill>
+                <a:solidFill>
+                  <a:srgbClr val="ffffff"/>
                 </a:solidFill>
               </a:uFill>
               <a:latin typeface="Arial"/>
@@ -2877,26 +2890,25 @@
         </p:nvSpPr>
         <p:spPr>
           <a:xfrm>
-            <a:off x="6567480" y="1980000"/>
-            <a:ext cx="2955600" cy="2232000"/>
-          </a:xfrm>
-          <a:prstGeom prst="rect">
-            <a:avLst/>
-          </a:prstGeom>
-        </p:spPr>
-        <p:txBody>
-          <a:bodyPr lIns="0" tIns="0" rIns="0" bIns="0">
+            <a:off x="6639120" y="1768680"/>
+            <a:ext cx="2921040" cy="2090880"/>
+          </a:xfrm>
+          <a:prstGeom prst="rect">
+            <a:avLst/>
+          </a:prstGeom>
+        </p:spPr>
+        <p:txBody>
+          <a:bodyPr lIns="0" rIns="0" tIns="0" bIns="0">
             <a:normAutofit/>
           </a:bodyPr>
-          <a:lstStyle/>
-          <a:p>
-            <a:endParaRPr lang="en-US" sz="3200" b="0" strike="noStrike" spc="-1">
-              <a:solidFill>
-                <a:srgbClr val="000000"/>
-              </a:solidFill>
-              <a:uFill>
-                <a:solidFill>
-                  <a:srgbClr val="FFFFFF"/>
+          <a:p>
+            <a:endParaRPr b="0" lang="en-US" sz="2800" spc="-1" strike="noStrike">
+              <a:solidFill>
+                <a:srgbClr val="000000"/>
+              </a:solidFill>
+              <a:uFill>
+                <a:solidFill>
+                  <a:srgbClr val="ffffff"/>
                 </a:solidFill>
               </a:uFill>
               <a:latin typeface="Arial"/>
@@ -2916,26 +2928,25 @@
         </p:nvSpPr>
         <p:spPr>
           <a:xfrm>
-            <a:off x="6567480" y="4424400"/>
-            <a:ext cx="2955600" cy="2232000"/>
-          </a:xfrm>
-          <a:prstGeom prst="rect">
-            <a:avLst/>
-          </a:prstGeom>
-        </p:spPr>
-        <p:txBody>
-          <a:bodyPr lIns="0" tIns="0" rIns="0" bIns="0">
+            <a:off x="6639120" y="4058640"/>
+            <a:ext cx="2921040" cy="2090880"/>
+          </a:xfrm>
+          <a:prstGeom prst="rect">
+            <a:avLst/>
+          </a:prstGeom>
+        </p:spPr>
+        <p:txBody>
+          <a:bodyPr lIns="0" rIns="0" tIns="0" bIns="0">
             <a:normAutofit/>
           </a:bodyPr>
-          <a:lstStyle/>
-          <a:p>
-            <a:endParaRPr lang="en-US" sz="3200" b="0" strike="noStrike" spc="-1">
-              <a:solidFill>
-                <a:srgbClr val="000000"/>
-              </a:solidFill>
-              <a:uFill>
-                <a:solidFill>
-                  <a:srgbClr val="FFFFFF"/>
+          <a:p>
+            <a:endParaRPr b="0" lang="en-US" sz="2800" spc="-1" strike="noStrike">
+              <a:solidFill>
+                <a:srgbClr val="000000"/>
+              </a:solidFill>
+              <a:uFill>
+                <a:solidFill>
+                  <a:srgbClr val="ffffff"/>
                 </a:solidFill>
               </a:uFill>
               <a:latin typeface="Arial"/>
@@ -2955,26 +2966,25 @@
         </p:nvSpPr>
         <p:spPr>
           <a:xfrm>
-            <a:off x="3463920" y="4424400"/>
-            <a:ext cx="2955600" cy="2232000"/>
-          </a:xfrm>
-          <a:prstGeom prst="rect">
-            <a:avLst/>
-          </a:prstGeom>
-        </p:spPr>
-        <p:txBody>
-          <a:bodyPr lIns="0" tIns="0" rIns="0" bIns="0">
+            <a:off x="3571560" y="4058640"/>
+            <a:ext cx="2921040" cy="2090880"/>
+          </a:xfrm>
+          <a:prstGeom prst="rect">
+            <a:avLst/>
+          </a:prstGeom>
+        </p:spPr>
+        <p:txBody>
+          <a:bodyPr lIns="0" rIns="0" tIns="0" bIns="0">
             <a:normAutofit/>
           </a:bodyPr>
-          <a:lstStyle/>
-          <a:p>
-            <a:endParaRPr lang="en-US" sz="3200" b="0" strike="noStrike" spc="-1">
-              <a:solidFill>
-                <a:srgbClr val="000000"/>
-              </a:solidFill>
-              <a:uFill>
-                <a:solidFill>
-                  <a:srgbClr val="FFFFFF"/>
+          <a:p>
+            <a:endParaRPr b="0" lang="en-US" sz="2800" spc="-1" strike="noStrike">
+              <a:solidFill>
+                <a:srgbClr val="000000"/>
+              </a:solidFill>
+              <a:uFill>
+                <a:solidFill>
+                  <a:srgbClr val="ffffff"/>
                 </a:solidFill>
               </a:uFill>
               <a:latin typeface="Arial"/>
@@ -2994,26 +3004,25 @@
         </p:nvSpPr>
         <p:spPr>
           <a:xfrm>
-            <a:off x="360000" y="4424400"/>
-            <a:ext cx="2955600" cy="2232000"/>
-          </a:xfrm>
-          <a:prstGeom prst="rect">
-            <a:avLst/>
-          </a:prstGeom>
-        </p:spPr>
-        <p:txBody>
-          <a:bodyPr lIns="0" tIns="0" rIns="0" bIns="0">
+            <a:off x="504000" y="4058640"/>
+            <a:ext cx="2921040" cy="2090880"/>
+          </a:xfrm>
+          <a:prstGeom prst="rect">
+            <a:avLst/>
+          </a:prstGeom>
+        </p:spPr>
+        <p:txBody>
+          <a:bodyPr lIns="0" rIns="0" tIns="0" bIns="0">
             <a:normAutofit/>
           </a:bodyPr>
-          <a:lstStyle/>
-          <a:p>
-            <a:endParaRPr lang="en-US" sz="3200" b="0" strike="noStrike" spc="-1">
-              <a:solidFill>
-                <a:srgbClr val="000000"/>
-              </a:solidFill>
-              <a:uFill>
-                <a:solidFill>
-                  <a:srgbClr val="FFFFFF"/>
+          <a:p>
+            <a:endParaRPr b="0" lang="en-US" sz="2800" spc="-1" strike="noStrike">
+              <a:solidFill>
+                <a:srgbClr val="000000"/>
+              </a:solidFill>
+              <a:uFill>
+                <a:solidFill>
+                  <a:srgbClr val="ffffff"/>
                 </a:solidFill>
               </a:uFill>
               <a:latin typeface="Arial"/>
@@ -3023,14 +3032,11 @@
       </p:sp>
     </p:spTree>
   </p:cSld>
-  <p:clrMapOvr>
-    <a:masterClrMapping/>
-  </p:clrMapOvr>
 </p:sldLayout>
 </file>
 
 <file path=ppt/slideLayouts/slideLayout3.xml><?xml version="1.0" encoding="utf-8"?>
-<p:sldLayout xmlns:a="http://schemas.openxmlformats.org/drawingml/2006/main" xmlns:r="http://schemas.openxmlformats.org/officeDocument/2006/relationships" xmlns:p="http://schemas.openxmlformats.org/presentationml/2006/main" type="obj" preserve="1">
+<p:sldLayout xmlns:a="http://schemas.openxmlformats.org/drawingml/2006/main" xmlns:p="http://schemas.openxmlformats.org/presentationml/2006/main" xmlns:r="http://schemas.openxmlformats.org/officeDocument/2006/relationships" xmlns:p14="http://schemas.microsoft.com/office/powerpoint/2010/main" xmlns:p15="http://schemas.microsoft.com/office/powerpoint/2012/main" xmlns:mc="http://schemas.openxmlformats.org/markup-compatibility/2006" type="obj" preserve="1">
   <p:cSld name="Title, Content">
     <p:spTree>
       <p:nvGrpSpPr>
@@ -3058,25 +3064,23 @@
         </p:nvSpPr>
         <p:spPr>
           <a:xfrm>
-            <a:off x="360000" y="360000"/>
-            <a:ext cx="9359640" cy="899640"/>
-          </a:xfrm>
-          <a:prstGeom prst="rect">
-            <a:avLst/>
-          </a:prstGeom>
-        </p:spPr>
-        <p:txBody>
-          <a:bodyPr lIns="0" tIns="0" rIns="0" bIns="0" anchor="ctr"/>
-          <a:lstStyle/>
-          <a:p>
-            <a:pPr algn="ctr"/>
-            <a:endParaRPr lang="en-US" sz="4400" b="0" strike="noStrike" spc="-1">
-              <a:solidFill>
-                <a:srgbClr val="000000"/>
-              </a:solidFill>
-              <a:uFill>
-                <a:solidFill>
-                  <a:srgbClr val="FFFFFF"/>
+            <a:off x="504000" y="301320"/>
+            <a:ext cx="9072000" cy="1261800"/>
+          </a:xfrm>
+          <a:prstGeom prst="rect">
+            <a:avLst/>
+          </a:prstGeom>
+        </p:spPr>
+        <p:txBody>
+          <a:bodyPr lIns="0" rIns="0" tIns="0" bIns="0" anchor="ctr"/>
+          <a:p>
+            <a:endParaRPr b="0" lang="en-US" sz="1800" spc="-1" strike="noStrike">
+              <a:solidFill>
+                <a:srgbClr val="000000"/>
+              </a:solidFill>
+              <a:uFill>
+                <a:solidFill>
+                  <a:srgbClr val="ffffff"/>
                 </a:solidFill>
               </a:uFill>
               <a:latin typeface="Arial"/>
@@ -3096,26 +3100,25 @@
         </p:nvSpPr>
         <p:spPr>
           <a:xfrm>
-            <a:off x="360000" y="1980000"/>
-            <a:ext cx="9179640" cy="4679640"/>
-          </a:xfrm>
-          <a:prstGeom prst="rect">
-            <a:avLst/>
-          </a:prstGeom>
-        </p:spPr>
-        <p:txBody>
-          <a:bodyPr lIns="0" tIns="0" rIns="0" bIns="0">
+            <a:off x="504000" y="1768680"/>
+            <a:ext cx="9072000" cy="4384080"/>
+          </a:xfrm>
+          <a:prstGeom prst="rect">
+            <a:avLst/>
+          </a:prstGeom>
+        </p:spPr>
+        <p:txBody>
+          <a:bodyPr lIns="0" rIns="0" tIns="0" bIns="0">
             <a:normAutofit/>
           </a:bodyPr>
-          <a:lstStyle/>
-          <a:p>
-            <a:endParaRPr lang="en-US" sz="3200" b="0" strike="noStrike" spc="-1">
-              <a:solidFill>
-                <a:srgbClr val="000000"/>
-              </a:solidFill>
-              <a:uFill>
-                <a:solidFill>
-                  <a:srgbClr val="FFFFFF"/>
+          <a:p>
+            <a:endParaRPr b="0" lang="en-US" sz="2800" spc="-1" strike="noStrike">
+              <a:solidFill>
+                <a:srgbClr val="000000"/>
+              </a:solidFill>
+              <a:uFill>
+                <a:solidFill>
+                  <a:srgbClr val="ffffff"/>
                 </a:solidFill>
               </a:uFill>
               <a:latin typeface="Arial"/>
@@ -3125,14 +3128,11 @@
       </p:sp>
     </p:spTree>
   </p:cSld>
-  <p:clrMapOvr>
-    <a:masterClrMapping/>
-  </p:clrMapOvr>
 </p:sldLayout>
 </file>
 
 <file path=ppt/slideLayouts/slideLayout4.xml><?xml version="1.0" encoding="utf-8"?>
-<p:sldLayout xmlns:a="http://schemas.openxmlformats.org/drawingml/2006/main" xmlns:r="http://schemas.openxmlformats.org/officeDocument/2006/relationships" xmlns:p="http://schemas.openxmlformats.org/presentationml/2006/main" type="twoObj" preserve="1">
+<p:sldLayout xmlns:a="http://schemas.openxmlformats.org/drawingml/2006/main" xmlns:p="http://schemas.openxmlformats.org/presentationml/2006/main" xmlns:r="http://schemas.openxmlformats.org/officeDocument/2006/relationships" xmlns:p14="http://schemas.microsoft.com/office/powerpoint/2010/main" xmlns:p15="http://schemas.microsoft.com/office/powerpoint/2012/main" xmlns:mc="http://schemas.openxmlformats.org/markup-compatibility/2006" type="twoObj" preserve="1">
   <p:cSld name="Title, 2 Content">
     <p:spTree>
       <p:nvGrpSpPr>
@@ -3160,25 +3160,23 @@
         </p:nvSpPr>
         <p:spPr>
           <a:xfrm>
-            <a:off x="360000" y="360000"/>
-            <a:ext cx="9359640" cy="899640"/>
-          </a:xfrm>
-          <a:prstGeom prst="rect">
-            <a:avLst/>
-          </a:prstGeom>
-        </p:spPr>
-        <p:txBody>
-          <a:bodyPr lIns="0" tIns="0" rIns="0" bIns="0" anchor="ctr"/>
-          <a:lstStyle/>
-          <a:p>
-            <a:pPr algn="ctr"/>
-            <a:endParaRPr lang="en-US" sz="4400" b="0" strike="noStrike" spc="-1">
-              <a:solidFill>
-                <a:srgbClr val="000000"/>
-              </a:solidFill>
-              <a:uFill>
-                <a:solidFill>
-                  <a:srgbClr val="FFFFFF"/>
+            <a:off x="504000" y="301320"/>
+            <a:ext cx="9072000" cy="1261800"/>
+          </a:xfrm>
+          <a:prstGeom prst="rect">
+            <a:avLst/>
+          </a:prstGeom>
+        </p:spPr>
+        <p:txBody>
+          <a:bodyPr lIns="0" rIns="0" tIns="0" bIns="0" anchor="ctr"/>
+          <a:p>
+            <a:endParaRPr b="0" lang="en-US" sz="1800" spc="-1" strike="noStrike">
+              <a:solidFill>
+                <a:srgbClr val="000000"/>
+              </a:solidFill>
+              <a:uFill>
+                <a:solidFill>
+                  <a:srgbClr val="ffffff"/>
                 </a:solidFill>
               </a:uFill>
               <a:latin typeface="Arial"/>
@@ -3198,26 +3196,25 @@
         </p:nvSpPr>
         <p:spPr>
           <a:xfrm>
-            <a:off x="360000" y="1980000"/>
-            <a:ext cx="4479480" cy="4679640"/>
-          </a:xfrm>
-          <a:prstGeom prst="rect">
-            <a:avLst/>
-          </a:prstGeom>
-        </p:spPr>
-        <p:txBody>
-          <a:bodyPr lIns="0" tIns="0" rIns="0" bIns="0">
+            <a:off x="504000" y="1768680"/>
+            <a:ext cx="4426920" cy="4384080"/>
+          </a:xfrm>
+          <a:prstGeom prst="rect">
+            <a:avLst/>
+          </a:prstGeom>
+        </p:spPr>
+        <p:txBody>
+          <a:bodyPr lIns="0" rIns="0" tIns="0" bIns="0">
             <a:normAutofit/>
           </a:bodyPr>
-          <a:lstStyle/>
-          <a:p>
-            <a:endParaRPr lang="en-US" sz="3200" b="0" strike="noStrike" spc="-1">
-              <a:solidFill>
-                <a:srgbClr val="000000"/>
-              </a:solidFill>
-              <a:uFill>
-                <a:solidFill>
-                  <a:srgbClr val="FFFFFF"/>
+          <a:p>
+            <a:endParaRPr b="0" lang="en-US" sz="2800" spc="-1" strike="noStrike">
+              <a:solidFill>
+                <a:srgbClr val="000000"/>
+              </a:solidFill>
+              <a:uFill>
+                <a:solidFill>
+                  <a:srgbClr val="ffffff"/>
                 </a:solidFill>
               </a:uFill>
               <a:latin typeface="Arial"/>
@@ -3237,26 +3234,25 @@
         </p:nvSpPr>
         <p:spPr>
           <a:xfrm>
-            <a:off x="5063760" y="1980000"/>
-            <a:ext cx="4479480" cy="4679640"/>
-          </a:xfrm>
-          <a:prstGeom prst="rect">
-            <a:avLst/>
-          </a:prstGeom>
-        </p:spPr>
-        <p:txBody>
-          <a:bodyPr lIns="0" tIns="0" rIns="0" bIns="0">
+            <a:off x="5152680" y="1768680"/>
+            <a:ext cx="4426920" cy="4384080"/>
+          </a:xfrm>
+          <a:prstGeom prst="rect">
+            <a:avLst/>
+          </a:prstGeom>
+        </p:spPr>
+        <p:txBody>
+          <a:bodyPr lIns="0" rIns="0" tIns="0" bIns="0">
             <a:normAutofit/>
           </a:bodyPr>
-          <a:lstStyle/>
-          <a:p>
-            <a:endParaRPr lang="en-US" sz="3200" b="0" strike="noStrike" spc="-1">
-              <a:solidFill>
-                <a:srgbClr val="000000"/>
-              </a:solidFill>
-              <a:uFill>
-                <a:solidFill>
-                  <a:srgbClr val="FFFFFF"/>
+          <a:p>
+            <a:endParaRPr b="0" lang="en-US" sz="2800" spc="-1" strike="noStrike">
+              <a:solidFill>
+                <a:srgbClr val="000000"/>
+              </a:solidFill>
+              <a:uFill>
+                <a:solidFill>
+                  <a:srgbClr val="ffffff"/>
                 </a:solidFill>
               </a:uFill>
               <a:latin typeface="Arial"/>
@@ -3266,14 +3262,11 @@
       </p:sp>
     </p:spTree>
   </p:cSld>
-  <p:clrMapOvr>
-    <a:masterClrMapping/>
-  </p:clrMapOvr>
 </p:sldLayout>
 </file>
 
 <file path=ppt/slideLayouts/slideLayout5.xml><?xml version="1.0" encoding="utf-8"?>
-<p:sldLayout xmlns:a="http://schemas.openxmlformats.org/drawingml/2006/main" xmlns:r="http://schemas.openxmlformats.org/officeDocument/2006/relationships" xmlns:p="http://schemas.openxmlformats.org/presentationml/2006/main" type="titleOnly" preserve="1">
+<p:sldLayout xmlns:a="http://schemas.openxmlformats.org/drawingml/2006/main" xmlns:p="http://schemas.openxmlformats.org/presentationml/2006/main" xmlns:r="http://schemas.openxmlformats.org/officeDocument/2006/relationships" xmlns:p14="http://schemas.microsoft.com/office/powerpoint/2010/main" xmlns:p15="http://schemas.microsoft.com/office/powerpoint/2012/main" xmlns:mc="http://schemas.openxmlformats.org/markup-compatibility/2006" type="titleOnly" preserve="1">
   <p:cSld name="Title Only">
     <p:spTree>
       <p:nvGrpSpPr>
@@ -3301,25 +3294,23 @@
         </p:nvSpPr>
         <p:spPr>
           <a:xfrm>
-            <a:off x="360000" y="360000"/>
-            <a:ext cx="9359640" cy="899640"/>
-          </a:xfrm>
-          <a:prstGeom prst="rect">
-            <a:avLst/>
-          </a:prstGeom>
-        </p:spPr>
-        <p:txBody>
-          <a:bodyPr lIns="0" tIns="0" rIns="0" bIns="0" anchor="ctr"/>
-          <a:lstStyle/>
-          <a:p>
-            <a:pPr algn="ctr"/>
-            <a:endParaRPr lang="en-US" sz="4400" b="0" strike="noStrike" spc="-1">
-              <a:solidFill>
-                <a:srgbClr val="000000"/>
-              </a:solidFill>
-              <a:uFill>
-                <a:solidFill>
-                  <a:srgbClr val="FFFFFF"/>
+            <a:off x="504000" y="301320"/>
+            <a:ext cx="9072000" cy="1261800"/>
+          </a:xfrm>
+          <a:prstGeom prst="rect">
+            <a:avLst/>
+          </a:prstGeom>
+        </p:spPr>
+        <p:txBody>
+          <a:bodyPr lIns="0" rIns="0" tIns="0" bIns="0" anchor="ctr"/>
+          <a:p>
+            <a:endParaRPr b="0" lang="en-US" sz="1800" spc="-1" strike="noStrike">
+              <a:solidFill>
+                <a:srgbClr val="000000"/>
+              </a:solidFill>
+              <a:uFill>
+                <a:solidFill>
+                  <a:srgbClr val="ffffff"/>
                 </a:solidFill>
               </a:uFill>
               <a:latin typeface="Arial"/>
@@ -3329,14 +3320,11 @@
       </p:sp>
     </p:spTree>
   </p:cSld>
-  <p:clrMapOvr>
-    <a:masterClrMapping/>
-  </p:clrMapOvr>
 </p:sldLayout>
 </file>
 
 <file path=ppt/slideLayouts/slideLayout6.xml><?xml version="1.0" encoding="utf-8"?>
-<p:sldLayout xmlns:a="http://schemas.openxmlformats.org/drawingml/2006/main" xmlns:r="http://schemas.openxmlformats.org/officeDocument/2006/relationships" xmlns:p="http://schemas.openxmlformats.org/presentationml/2006/main" type="objOnly" preserve="1">
+<p:sldLayout xmlns:a="http://schemas.openxmlformats.org/drawingml/2006/main" xmlns:p="http://schemas.openxmlformats.org/presentationml/2006/main" xmlns:r="http://schemas.openxmlformats.org/officeDocument/2006/relationships" xmlns:p14="http://schemas.microsoft.com/office/powerpoint/2010/main" xmlns:p15="http://schemas.microsoft.com/office/powerpoint/2012/main" xmlns:mc="http://schemas.openxmlformats.org/markup-compatibility/2006" type="objOnly" preserve="1">
   <p:cSld name="Centered Text">
     <p:spTree>
       <p:nvGrpSpPr>
@@ -3364,25 +3352,24 @@
         </p:nvSpPr>
         <p:spPr>
           <a:xfrm>
-            <a:off x="360000" y="360000"/>
-            <a:ext cx="9359640" cy="4171680"/>
-          </a:xfrm>
-          <a:prstGeom prst="rect">
-            <a:avLst/>
-          </a:prstGeom>
-        </p:spPr>
-        <p:txBody>
-          <a:bodyPr lIns="0" tIns="0" rIns="0" bIns="0" anchor="ctr"/>
-          <a:lstStyle/>
+            <a:off x="504000" y="301320"/>
+            <a:ext cx="9072000" cy="5850360"/>
+          </a:xfrm>
+          <a:prstGeom prst="rect">
+            <a:avLst/>
+          </a:prstGeom>
+        </p:spPr>
+        <p:txBody>
+          <a:bodyPr lIns="0" rIns="0" tIns="0" bIns="0" anchor="ctr"/>
           <a:p>
             <a:pPr algn="ctr"/>
-            <a:endParaRPr lang="en-US" sz="3200" b="0" strike="noStrike" spc="-1">
-              <a:solidFill>
-                <a:srgbClr val="000000"/>
-              </a:solidFill>
-              <a:uFill>
-                <a:solidFill>
-                  <a:srgbClr val="FFFFFF"/>
+            <a:endParaRPr b="0" lang="en-US" sz="3200" spc="-1" strike="noStrike">
+              <a:solidFill>
+                <a:srgbClr val="000000"/>
+              </a:solidFill>
+              <a:uFill>
+                <a:solidFill>
+                  <a:srgbClr val="ffffff"/>
                 </a:solidFill>
               </a:uFill>
               <a:latin typeface="Arial"/>
@@ -3392,14 +3379,11 @@
       </p:sp>
     </p:spTree>
   </p:cSld>
-  <p:clrMapOvr>
-    <a:masterClrMapping/>
-  </p:clrMapOvr>
 </p:sldLayout>
 </file>
 
 <file path=ppt/slideLayouts/slideLayout7.xml><?xml version="1.0" encoding="utf-8"?>
-<p:sldLayout xmlns:a="http://schemas.openxmlformats.org/drawingml/2006/main" xmlns:r="http://schemas.openxmlformats.org/officeDocument/2006/relationships" xmlns:p="http://schemas.openxmlformats.org/presentationml/2006/main" type="twoObjAndObj" preserve="1">
+<p:sldLayout xmlns:a="http://schemas.openxmlformats.org/drawingml/2006/main" xmlns:p="http://schemas.openxmlformats.org/presentationml/2006/main" xmlns:r="http://schemas.openxmlformats.org/officeDocument/2006/relationships" xmlns:p14="http://schemas.microsoft.com/office/powerpoint/2010/main" xmlns:p15="http://schemas.microsoft.com/office/powerpoint/2012/main" xmlns:mc="http://schemas.openxmlformats.org/markup-compatibility/2006" type="twoObjAndObj" preserve="1">
   <p:cSld name="Title, 2 Content and Content">
     <p:spTree>
       <p:nvGrpSpPr>
@@ -3427,25 +3411,23 @@
         </p:nvSpPr>
         <p:spPr>
           <a:xfrm>
-            <a:off x="360000" y="360000"/>
-            <a:ext cx="9359640" cy="899640"/>
-          </a:xfrm>
-          <a:prstGeom prst="rect">
-            <a:avLst/>
-          </a:prstGeom>
-        </p:spPr>
-        <p:txBody>
-          <a:bodyPr lIns="0" tIns="0" rIns="0" bIns="0" anchor="ctr"/>
-          <a:lstStyle/>
-          <a:p>
-            <a:pPr algn="ctr"/>
-            <a:endParaRPr lang="en-US" sz="4400" b="0" strike="noStrike" spc="-1">
-              <a:solidFill>
-                <a:srgbClr val="000000"/>
-              </a:solidFill>
-              <a:uFill>
-                <a:solidFill>
-                  <a:srgbClr val="FFFFFF"/>
+            <a:off x="504000" y="301320"/>
+            <a:ext cx="9072000" cy="1261800"/>
+          </a:xfrm>
+          <a:prstGeom prst="rect">
+            <a:avLst/>
+          </a:prstGeom>
+        </p:spPr>
+        <p:txBody>
+          <a:bodyPr lIns="0" rIns="0" tIns="0" bIns="0" anchor="ctr"/>
+          <a:p>
+            <a:endParaRPr b="0" lang="en-US" sz="1800" spc="-1" strike="noStrike">
+              <a:solidFill>
+                <a:srgbClr val="000000"/>
+              </a:solidFill>
+              <a:uFill>
+                <a:solidFill>
+                  <a:srgbClr val="ffffff"/>
                 </a:solidFill>
               </a:uFill>
               <a:latin typeface="Arial"/>
@@ -3465,26 +3447,25 @@
         </p:nvSpPr>
         <p:spPr>
           <a:xfrm>
-            <a:off x="360000" y="1980000"/>
-            <a:ext cx="4479480" cy="2232000"/>
-          </a:xfrm>
-          <a:prstGeom prst="rect">
-            <a:avLst/>
-          </a:prstGeom>
-        </p:spPr>
-        <p:txBody>
-          <a:bodyPr lIns="0" tIns="0" rIns="0" bIns="0">
+            <a:off x="504000" y="1768680"/>
+            <a:ext cx="4426920" cy="2090880"/>
+          </a:xfrm>
+          <a:prstGeom prst="rect">
+            <a:avLst/>
+          </a:prstGeom>
+        </p:spPr>
+        <p:txBody>
+          <a:bodyPr lIns="0" rIns="0" tIns="0" bIns="0">
             <a:normAutofit/>
           </a:bodyPr>
-          <a:lstStyle/>
-          <a:p>
-            <a:endParaRPr lang="en-US" sz="3200" b="0" strike="noStrike" spc="-1">
-              <a:solidFill>
-                <a:srgbClr val="000000"/>
-              </a:solidFill>
-              <a:uFill>
-                <a:solidFill>
-                  <a:srgbClr val="FFFFFF"/>
+          <a:p>
+            <a:endParaRPr b="0" lang="en-US" sz="2800" spc="-1" strike="noStrike">
+              <a:solidFill>
+                <a:srgbClr val="000000"/>
+              </a:solidFill>
+              <a:uFill>
+                <a:solidFill>
+                  <a:srgbClr val="ffffff"/>
                 </a:solidFill>
               </a:uFill>
               <a:latin typeface="Arial"/>
@@ -3504,26 +3485,25 @@
         </p:nvSpPr>
         <p:spPr>
           <a:xfrm>
-            <a:off x="360000" y="4424400"/>
-            <a:ext cx="4479480" cy="2232000"/>
-          </a:xfrm>
-          <a:prstGeom prst="rect">
-            <a:avLst/>
-          </a:prstGeom>
-        </p:spPr>
-        <p:txBody>
-          <a:bodyPr lIns="0" tIns="0" rIns="0" bIns="0">
+            <a:off x="504000" y="4058640"/>
+            <a:ext cx="4426920" cy="2090880"/>
+          </a:xfrm>
+          <a:prstGeom prst="rect">
+            <a:avLst/>
+          </a:prstGeom>
+        </p:spPr>
+        <p:txBody>
+          <a:bodyPr lIns="0" rIns="0" tIns="0" bIns="0">
             <a:normAutofit/>
           </a:bodyPr>
-          <a:lstStyle/>
-          <a:p>
-            <a:endParaRPr lang="en-US" sz="3200" b="0" strike="noStrike" spc="-1">
-              <a:solidFill>
-                <a:srgbClr val="000000"/>
-              </a:solidFill>
-              <a:uFill>
-                <a:solidFill>
-                  <a:srgbClr val="FFFFFF"/>
+          <a:p>
+            <a:endParaRPr b="0" lang="en-US" sz="2800" spc="-1" strike="noStrike">
+              <a:solidFill>
+                <a:srgbClr val="000000"/>
+              </a:solidFill>
+              <a:uFill>
+                <a:solidFill>
+                  <a:srgbClr val="ffffff"/>
                 </a:solidFill>
               </a:uFill>
               <a:latin typeface="Arial"/>
@@ -3543,26 +3523,25 @@
         </p:nvSpPr>
         <p:spPr>
           <a:xfrm>
-            <a:off x="5063760" y="1980000"/>
-            <a:ext cx="4479480" cy="4679640"/>
-          </a:xfrm>
-          <a:prstGeom prst="rect">
-            <a:avLst/>
-          </a:prstGeom>
-        </p:spPr>
-        <p:txBody>
-          <a:bodyPr lIns="0" tIns="0" rIns="0" bIns="0">
+            <a:off x="5152680" y="1768680"/>
+            <a:ext cx="4426920" cy="4384080"/>
+          </a:xfrm>
+          <a:prstGeom prst="rect">
+            <a:avLst/>
+          </a:prstGeom>
+        </p:spPr>
+        <p:txBody>
+          <a:bodyPr lIns="0" rIns="0" tIns="0" bIns="0">
             <a:normAutofit/>
           </a:bodyPr>
-          <a:lstStyle/>
-          <a:p>
-            <a:endParaRPr lang="en-US" sz="3200" b="0" strike="noStrike" spc="-1">
-              <a:solidFill>
-                <a:srgbClr val="000000"/>
-              </a:solidFill>
-              <a:uFill>
-                <a:solidFill>
-                  <a:srgbClr val="FFFFFF"/>
+          <a:p>
+            <a:endParaRPr b="0" lang="en-US" sz="2800" spc="-1" strike="noStrike">
+              <a:solidFill>
+                <a:srgbClr val="000000"/>
+              </a:solidFill>
+              <a:uFill>
+                <a:solidFill>
+                  <a:srgbClr val="ffffff"/>
                 </a:solidFill>
               </a:uFill>
               <a:latin typeface="Arial"/>
@@ -3572,14 +3551,11 @@
       </p:sp>
     </p:spTree>
   </p:cSld>
-  <p:clrMapOvr>
-    <a:masterClrMapping/>
-  </p:clrMapOvr>
 </p:sldLayout>
 </file>
 
 <file path=ppt/slideLayouts/slideLayout8.xml><?xml version="1.0" encoding="utf-8"?>
-<p:sldLayout xmlns:a="http://schemas.openxmlformats.org/drawingml/2006/main" xmlns:r="http://schemas.openxmlformats.org/officeDocument/2006/relationships" xmlns:p="http://schemas.openxmlformats.org/presentationml/2006/main" type="objAndTwoObj" preserve="1">
+<p:sldLayout xmlns:a="http://schemas.openxmlformats.org/drawingml/2006/main" xmlns:p="http://schemas.openxmlformats.org/presentationml/2006/main" xmlns:r="http://schemas.openxmlformats.org/officeDocument/2006/relationships" xmlns:p14="http://schemas.microsoft.com/office/powerpoint/2010/main" xmlns:p15="http://schemas.microsoft.com/office/powerpoint/2012/main" xmlns:mc="http://schemas.openxmlformats.org/markup-compatibility/2006" type="objAndTwoObj" preserve="1">
   <p:cSld name="Title Content and 2 Content">
     <p:spTree>
       <p:nvGrpSpPr>
@@ -3607,25 +3583,23 @@
         </p:nvSpPr>
         <p:spPr>
           <a:xfrm>
-            <a:off x="360000" y="360000"/>
-            <a:ext cx="9359640" cy="899640"/>
-          </a:xfrm>
-          <a:prstGeom prst="rect">
-            <a:avLst/>
-          </a:prstGeom>
-        </p:spPr>
-        <p:txBody>
-          <a:bodyPr lIns="0" tIns="0" rIns="0" bIns="0" anchor="ctr"/>
-          <a:lstStyle/>
-          <a:p>
-            <a:pPr algn="ctr"/>
-            <a:endParaRPr lang="en-US" sz="4400" b="0" strike="noStrike" spc="-1">
-              <a:solidFill>
-                <a:srgbClr val="000000"/>
-              </a:solidFill>
-              <a:uFill>
-                <a:solidFill>
-                  <a:srgbClr val="FFFFFF"/>
+            <a:off x="504000" y="301320"/>
+            <a:ext cx="9072000" cy="1261800"/>
+          </a:xfrm>
+          <a:prstGeom prst="rect">
+            <a:avLst/>
+          </a:prstGeom>
+        </p:spPr>
+        <p:txBody>
+          <a:bodyPr lIns="0" rIns="0" tIns="0" bIns="0" anchor="ctr"/>
+          <a:p>
+            <a:endParaRPr b="0" lang="en-US" sz="1800" spc="-1" strike="noStrike">
+              <a:solidFill>
+                <a:srgbClr val="000000"/>
+              </a:solidFill>
+              <a:uFill>
+                <a:solidFill>
+                  <a:srgbClr val="ffffff"/>
                 </a:solidFill>
               </a:uFill>
               <a:latin typeface="Arial"/>
@@ -3645,26 +3619,25 @@
         </p:nvSpPr>
         <p:spPr>
           <a:xfrm>
-            <a:off x="360000" y="1980000"/>
-            <a:ext cx="4479480" cy="4679640"/>
-          </a:xfrm>
-          <a:prstGeom prst="rect">
-            <a:avLst/>
-          </a:prstGeom>
-        </p:spPr>
-        <p:txBody>
-          <a:bodyPr lIns="0" tIns="0" rIns="0" bIns="0">
+            <a:off x="504000" y="1768680"/>
+            <a:ext cx="4426920" cy="4384080"/>
+          </a:xfrm>
+          <a:prstGeom prst="rect">
+            <a:avLst/>
+          </a:prstGeom>
+        </p:spPr>
+        <p:txBody>
+          <a:bodyPr lIns="0" rIns="0" tIns="0" bIns="0">
             <a:normAutofit/>
           </a:bodyPr>
-          <a:lstStyle/>
-          <a:p>
-            <a:endParaRPr lang="en-US" sz="3200" b="0" strike="noStrike" spc="-1">
-              <a:solidFill>
-                <a:srgbClr val="000000"/>
-              </a:solidFill>
-              <a:uFill>
-                <a:solidFill>
-                  <a:srgbClr val="FFFFFF"/>
+          <a:p>
+            <a:endParaRPr b="0" lang="en-US" sz="2800" spc="-1" strike="noStrike">
+              <a:solidFill>
+                <a:srgbClr val="000000"/>
+              </a:solidFill>
+              <a:uFill>
+                <a:solidFill>
+                  <a:srgbClr val="ffffff"/>
                 </a:solidFill>
               </a:uFill>
               <a:latin typeface="Arial"/>
@@ -3684,26 +3657,25 @@
         </p:nvSpPr>
         <p:spPr>
           <a:xfrm>
-            <a:off x="5063760" y="1980000"/>
-            <a:ext cx="4479480" cy="2232000"/>
-          </a:xfrm>
-          <a:prstGeom prst="rect">
-            <a:avLst/>
-          </a:prstGeom>
-        </p:spPr>
-        <p:txBody>
-          <a:bodyPr lIns="0" tIns="0" rIns="0" bIns="0">
+            <a:off x="5152680" y="1768680"/>
+            <a:ext cx="4426920" cy="2090880"/>
+          </a:xfrm>
+          <a:prstGeom prst="rect">
+            <a:avLst/>
+          </a:prstGeom>
+        </p:spPr>
+        <p:txBody>
+          <a:bodyPr lIns="0" rIns="0" tIns="0" bIns="0">
             <a:normAutofit/>
           </a:bodyPr>
-          <a:lstStyle/>
-          <a:p>
-            <a:endParaRPr lang="en-US" sz="3200" b="0" strike="noStrike" spc="-1">
-              <a:solidFill>
-                <a:srgbClr val="000000"/>
-              </a:solidFill>
-              <a:uFill>
-                <a:solidFill>
-                  <a:srgbClr val="FFFFFF"/>
+          <a:p>
+            <a:endParaRPr b="0" lang="en-US" sz="2800" spc="-1" strike="noStrike">
+              <a:solidFill>
+                <a:srgbClr val="000000"/>
+              </a:solidFill>
+              <a:uFill>
+                <a:solidFill>
+                  <a:srgbClr val="ffffff"/>
                 </a:solidFill>
               </a:uFill>
               <a:latin typeface="Arial"/>
@@ -3723,26 +3695,25 @@
         </p:nvSpPr>
         <p:spPr>
           <a:xfrm>
-            <a:off x="5063760" y="4424400"/>
-            <a:ext cx="4479480" cy="2232000"/>
-          </a:xfrm>
-          <a:prstGeom prst="rect">
-            <a:avLst/>
-          </a:prstGeom>
-        </p:spPr>
-        <p:txBody>
-          <a:bodyPr lIns="0" tIns="0" rIns="0" bIns="0">
+            <a:off x="5152680" y="4058640"/>
+            <a:ext cx="4426920" cy="2090880"/>
+          </a:xfrm>
+          <a:prstGeom prst="rect">
+            <a:avLst/>
+          </a:prstGeom>
+        </p:spPr>
+        <p:txBody>
+          <a:bodyPr lIns="0" rIns="0" tIns="0" bIns="0">
             <a:normAutofit/>
           </a:bodyPr>
-          <a:lstStyle/>
-          <a:p>
-            <a:endParaRPr lang="en-US" sz="3200" b="0" strike="noStrike" spc="-1">
-              <a:solidFill>
-                <a:srgbClr val="000000"/>
-              </a:solidFill>
-              <a:uFill>
-                <a:solidFill>
-                  <a:srgbClr val="FFFFFF"/>
+          <a:p>
+            <a:endParaRPr b="0" lang="en-US" sz="2800" spc="-1" strike="noStrike">
+              <a:solidFill>
+                <a:srgbClr val="000000"/>
+              </a:solidFill>
+              <a:uFill>
+                <a:solidFill>
+                  <a:srgbClr val="ffffff"/>
                 </a:solidFill>
               </a:uFill>
               <a:latin typeface="Arial"/>
@@ -3752,14 +3723,11 @@
       </p:sp>
     </p:spTree>
   </p:cSld>
-  <p:clrMapOvr>
-    <a:masterClrMapping/>
-  </p:clrMapOvr>
 </p:sldLayout>
 </file>
 
 <file path=ppt/slideLayouts/slideLayout9.xml><?xml version="1.0" encoding="utf-8"?>
-<p:sldLayout xmlns:a="http://schemas.openxmlformats.org/drawingml/2006/main" xmlns:r="http://schemas.openxmlformats.org/officeDocument/2006/relationships" xmlns:p="http://schemas.openxmlformats.org/presentationml/2006/main" type="twoObjOverTx" preserve="1">
+<p:sldLayout xmlns:a="http://schemas.openxmlformats.org/drawingml/2006/main" xmlns:p="http://schemas.openxmlformats.org/presentationml/2006/main" xmlns:r="http://schemas.openxmlformats.org/officeDocument/2006/relationships" xmlns:p14="http://schemas.microsoft.com/office/powerpoint/2010/main" xmlns:p15="http://schemas.microsoft.com/office/powerpoint/2012/main" xmlns:mc="http://schemas.openxmlformats.org/markup-compatibility/2006" type="twoObjOverTx" preserve="1">
   <p:cSld name="Title, 2 Content over Content">
     <p:spTree>
       <p:nvGrpSpPr>
@@ -3787,25 +3755,23 @@
         </p:nvSpPr>
         <p:spPr>
           <a:xfrm>
-            <a:off x="360000" y="360000"/>
-            <a:ext cx="9359640" cy="899640"/>
-          </a:xfrm>
-          <a:prstGeom prst="rect">
-            <a:avLst/>
-          </a:prstGeom>
-        </p:spPr>
-        <p:txBody>
-          <a:bodyPr lIns="0" tIns="0" rIns="0" bIns="0" anchor="ctr"/>
-          <a:lstStyle/>
-          <a:p>
-            <a:pPr algn="ctr"/>
-            <a:endParaRPr lang="en-US" sz="4400" b="0" strike="noStrike" spc="-1">
-              <a:solidFill>
-                <a:srgbClr val="000000"/>
-              </a:solidFill>
-              <a:uFill>
-                <a:solidFill>
-                  <a:srgbClr val="FFFFFF"/>
+            <a:off x="504000" y="301320"/>
+            <a:ext cx="9072000" cy="1261800"/>
+          </a:xfrm>
+          <a:prstGeom prst="rect">
+            <a:avLst/>
+          </a:prstGeom>
+        </p:spPr>
+        <p:txBody>
+          <a:bodyPr lIns="0" rIns="0" tIns="0" bIns="0" anchor="ctr"/>
+          <a:p>
+            <a:endParaRPr b="0" lang="en-US" sz="1800" spc="-1" strike="noStrike">
+              <a:solidFill>
+                <a:srgbClr val="000000"/>
+              </a:solidFill>
+              <a:uFill>
+                <a:solidFill>
+                  <a:srgbClr val="ffffff"/>
                 </a:solidFill>
               </a:uFill>
               <a:latin typeface="Arial"/>
@@ -3825,26 +3791,25 @@
         </p:nvSpPr>
         <p:spPr>
           <a:xfrm>
-            <a:off x="360000" y="1980000"/>
-            <a:ext cx="4479480" cy="2232000"/>
-          </a:xfrm>
-          <a:prstGeom prst="rect">
-            <a:avLst/>
-          </a:prstGeom>
-        </p:spPr>
-        <p:txBody>
-          <a:bodyPr lIns="0" tIns="0" rIns="0" bIns="0">
+            <a:off x="504000" y="1768680"/>
+            <a:ext cx="4426920" cy="2090880"/>
+          </a:xfrm>
+          <a:prstGeom prst="rect">
+            <a:avLst/>
+          </a:prstGeom>
+        </p:spPr>
+        <p:txBody>
+          <a:bodyPr lIns="0" rIns="0" tIns="0" bIns="0">
             <a:normAutofit/>
           </a:bodyPr>
-          <a:lstStyle/>
-          <a:p>
-            <a:endParaRPr lang="en-US" sz="3200" b="0" strike="noStrike" spc="-1">
-              <a:solidFill>
-                <a:srgbClr val="000000"/>
-              </a:solidFill>
-              <a:uFill>
-                <a:solidFill>
-                  <a:srgbClr val="FFFFFF"/>
+          <a:p>
+            <a:endParaRPr b="0" lang="en-US" sz="2800" spc="-1" strike="noStrike">
+              <a:solidFill>
+                <a:srgbClr val="000000"/>
+              </a:solidFill>
+              <a:uFill>
+                <a:solidFill>
+                  <a:srgbClr val="ffffff"/>
                 </a:solidFill>
               </a:uFill>
               <a:latin typeface="Arial"/>
@@ -3864,26 +3829,25 @@
         </p:nvSpPr>
         <p:spPr>
           <a:xfrm>
-            <a:off x="5063760" y="1980000"/>
-            <a:ext cx="4479480" cy="2232000"/>
-          </a:xfrm>
-          <a:prstGeom prst="rect">
-            <a:avLst/>
-          </a:prstGeom>
-        </p:spPr>
-        <p:txBody>
-          <a:bodyPr lIns="0" tIns="0" rIns="0" bIns="0">
+            <a:off x="5152680" y="1768680"/>
+            <a:ext cx="4426920" cy="2090880"/>
+          </a:xfrm>
+          <a:prstGeom prst="rect">
+            <a:avLst/>
+          </a:prstGeom>
+        </p:spPr>
+        <p:txBody>
+          <a:bodyPr lIns="0" rIns="0" tIns="0" bIns="0">
             <a:normAutofit/>
           </a:bodyPr>
-          <a:lstStyle/>
-          <a:p>
-            <a:endParaRPr lang="en-US" sz="3200" b="0" strike="noStrike" spc="-1">
-              <a:solidFill>
-                <a:srgbClr val="000000"/>
-              </a:solidFill>
-              <a:uFill>
-                <a:solidFill>
-                  <a:srgbClr val="FFFFFF"/>
+          <a:p>
+            <a:endParaRPr b="0" lang="en-US" sz="2800" spc="-1" strike="noStrike">
+              <a:solidFill>
+                <a:srgbClr val="000000"/>
+              </a:solidFill>
+              <a:uFill>
+                <a:solidFill>
+                  <a:srgbClr val="ffffff"/>
                 </a:solidFill>
               </a:uFill>
               <a:latin typeface="Arial"/>
@@ -3903,26 +3867,25 @@
         </p:nvSpPr>
         <p:spPr>
           <a:xfrm>
-            <a:off x="360000" y="4424400"/>
-            <a:ext cx="9179640" cy="2232000"/>
-          </a:xfrm>
-          <a:prstGeom prst="rect">
-            <a:avLst/>
-          </a:prstGeom>
-        </p:spPr>
-        <p:txBody>
-          <a:bodyPr lIns="0" tIns="0" rIns="0" bIns="0">
+            <a:off x="504000" y="4058640"/>
+            <a:ext cx="9072000" cy="2090880"/>
+          </a:xfrm>
+          <a:prstGeom prst="rect">
+            <a:avLst/>
+          </a:prstGeom>
+        </p:spPr>
+        <p:txBody>
+          <a:bodyPr lIns="0" rIns="0" tIns="0" bIns="0">
             <a:normAutofit/>
           </a:bodyPr>
-          <a:lstStyle/>
-          <a:p>
-            <a:endParaRPr lang="en-US" sz="3200" b="0" strike="noStrike" spc="-1">
-              <a:solidFill>
-                <a:srgbClr val="000000"/>
-              </a:solidFill>
-              <a:uFill>
-                <a:solidFill>
-                  <a:srgbClr val="FFFFFF"/>
+          <a:p>
+            <a:endParaRPr b="0" lang="en-US" sz="2800" spc="-1" strike="noStrike">
+              <a:solidFill>
+                <a:srgbClr val="000000"/>
+              </a:solidFill>
+              <a:uFill>
+                <a:solidFill>
+                  <a:srgbClr val="ffffff"/>
                 </a:solidFill>
               </a:uFill>
               <a:latin typeface="Arial"/>
@@ -3932,19 +3895,18 @@
       </p:sp>
     </p:spTree>
   </p:cSld>
-  <p:clrMapOvr>
-    <a:masterClrMapping/>
-  </p:clrMapOvr>
 </p:sldLayout>
 </file>
 
 <file path=ppt/slideMasters/slideMaster1.xml><?xml version="1.0" encoding="utf-8"?>
-<p:sldMaster xmlns:a="http://schemas.openxmlformats.org/drawingml/2006/main" xmlns:r="http://schemas.openxmlformats.org/officeDocument/2006/relationships" xmlns:p="http://schemas.openxmlformats.org/presentationml/2006/main">
+<p:sldMaster xmlns:a="http://schemas.openxmlformats.org/drawingml/2006/main" xmlns:p="http://schemas.openxmlformats.org/presentationml/2006/main" xmlns:r="http://schemas.openxmlformats.org/officeDocument/2006/relationships" xmlns:p14="http://schemas.microsoft.com/office/powerpoint/2010/main" xmlns:p15="http://schemas.microsoft.com/office/powerpoint/2012/main" xmlns:mc="http://schemas.openxmlformats.org/markup-compatibility/2006">
   <p:cSld>
     <p:bg>
-      <p:bgRef idx="1001">
-        <a:schemeClr val="bg1"/>
-      </p:bgRef>
+      <p:bgPr>
+        <a:solidFill>
+          <a:srgbClr val="ffffff"/>
+        </a:solidFill>
+      </p:bgPr>
     </p:bg>
     <p:spTree>
       <p:nvGrpSpPr>
@@ -3962,41 +3924,35 @@
       </p:grpSpPr>
       <p:sp>
         <p:nvSpPr>
-          <p:cNvPr id="3" name="CustomShape 1"/>
+          <p:cNvPr id="0" name="CustomShape 1"/>
           <p:cNvSpPr/>
           <p:nvPr/>
         </p:nvSpPr>
         <p:spPr>
           <a:xfrm>
             <a:off x="0" y="3150000"/>
-            <a:ext cx="9719640" cy="1259640"/>
+            <a:ext cx="9719280" cy="1259280"/>
           </a:xfrm>
           <a:prstGeom prst="rect">
             <a:avLst/>
           </a:prstGeom>
           <a:solidFill>
-            <a:srgbClr val="E74C3C"/>
+            <a:srgbClr val="e74c3c"/>
           </a:solidFill>
           <a:ln>
             <a:noFill/>
           </a:ln>
         </p:spPr>
         <p:style>
-          <a:lnRef idx="0">
-            <a:scrgbClr r="0" g="0" b="0"/>
-          </a:lnRef>
-          <a:fillRef idx="0">
-            <a:scrgbClr r="0" g="0" b="0"/>
-          </a:fillRef>
-          <a:effectRef idx="0">
-            <a:scrgbClr r="0" g="0" b="0"/>
-          </a:effectRef>
+          <a:lnRef idx="0"/>
+          <a:fillRef idx="0"/>
+          <a:effectRef idx="0"/>
           <a:fontRef idx="minor"/>
         </p:style>
       </p:sp>
       <p:sp>
         <p:nvSpPr>
-          <p:cNvPr id="4" name="PlaceHolder 2"/>
+          <p:cNvPr id="1" name="PlaceHolder 2"/>
           <p:cNvSpPr>
             <a:spLocks noGrp="1"/>
           </p:cNvSpPr>
@@ -4007,30 +3963,68 @@
         <p:spPr>
           <a:xfrm>
             <a:off x="360000" y="360000"/>
-            <a:ext cx="9359640" cy="899640"/>
-          </a:xfrm>
-          <a:prstGeom prst="rect">
-            <a:avLst/>
-          </a:prstGeom>
-        </p:spPr>
-        <p:txBody>
-          <a:bodyPr lIns="0" tIns="0" rIns="0" bIns="0" anchor="b"/>
-          <a:lstStyle/>
+            <a:ext cx="9359280" cy="899280"/>
+          </a:xfrm>
+          <a:prstGeom prst="rect">
+            <a:avLst/>
+          </a:prstGeom>
+        </p:spPr>
+        <p:txBody>
+          <a:bodyPr lIns="0" rIns="0" tIns="0" bIns="0" anchor="ctr"/>
           <a:p>
             <a:r>
-              <a:rPr lang="en-US" sz="1800" b="0" strike="noStrike" spc="-1">
+              <a:rPr b="0" lang="en-US" sz="4400" spc="-1" strike="noStrike">
                 <a:solidFill>
                   <a:srgbClr val="000000"/>
                 </a:solidFill>
                 <a:uFill>
                   <a:solidFill>
-                    <a:srgbClr val="FFFFFF"/>
+                    <a:srgbClr val="ffffff"/>
                   </a:solidFill>
                 </a:uFill>
                 <a:latin typeface="Arial"/>
               </a:rPr>
-              <a:t>Click to edit the title text format</a:t>
+              <a:t>Click to edit </a:t>
             </a:r>
+            <a:r>
+              <a:rPr b="0" lang="en-US" sz="4400" spc="-1" strike="noStrike">
+                <a:solidFill>
+                  <a:srgbClr val="000000"/>
+                </a:solidFill>
+                <a:uFill>
+                  <a:solidFill>
+                    <a:srgbClr val="ffffff"/>
+                  </a:solidFill>
+                </a:uFill>
+                <a:latin typeface="Arial"/>
+              </a:rPr>
+              <a:t>the title text </a:t>
+            </a:r>
+            <a:r>
+              <a:rPr b="0" lang="en-US" sz="4400" spc="-1" strike="noStrike">
+                <a:solidFill>
+                  <a:srgbClr val="000000"/>
+                </a:solidFill>
+                <a:uFill>
+                  <a:solidFill>
+                    <a:srgbClr val="ffffff"/>
+                  </a:solidFill>
+                </a:uFill>
+                <a:latin typeface="Arial"/>
+              </a:rPr>
+              <a:t>format</a:t>
+            </a:r>
+            <a:endParaRPr b="0" lang="en-US" sz="4400" spc="-1" strike="noStrike">
+              <a:solidFill>
+                <a:srgbClr val="000000"/>
+              </a:solidFill>
+              <a:uFill>
+                <a:solidFill>
+                  <a:srgbClr val="ffffff"/>
+                </a:solidFill>
+              </a:uFill>
+              <a:latin typeface="Arial"/>
+            </a:endParaRPr>
           </a:p>
         </p:txBody>
       </p:sp>
@@ -4046,18 +4040,17 @@
         </p:nvSpPr>
         <p:spPr>
           <a:xfrm>
-            <a:off x="504000" y="1768680"/>
-            <a:ext cx="9072000" cy="4384080"/>
-          </a:xfrm>
-          <a:prstGeom prst="rect">
-            <a:avLst/>
-          </a:prstGeom>
-        </p:spPr>
-        <p:txBody>
-          <a:bodyPr lIns="0" tIns="0" rIns="0" bIns="0">
+            <a:off x="360000" y="1980000"/>
+            <a:ext cx="9179280" cy="4679280"/>
+          </a:xfrm>
+          <a:prstGeom prst="rect">
+            <a:avLst/>
+          </a:prstGeom>
+        </p:spPr>
+        <p:txBody>
+          <a:bodyPr lIns="0" rIns="0" tIns="0" bIns="0">
             <a:normAutofit/>
           </a:bodyPr>
-          <a:lstStyle/>
           <a:p>
             <a:pPr marL="432000" indent="-324000">
               <a:spcBef>
@@ -4071,22 +4064,33 @@
               <a:buChar char=""/>
             </a:pPr>
             <a:r>
-              <a:rPr lang="en-US" sz="3200" b="0" strike="noStrike" spc="-1">
+              <a:rPr b="0" lang="en-US" sz="2800" spc="-1" strike="noStrike">
                 <a:solidFill>
                   <a:srgbClr val="000000"/>
                 </a:solidFill>
                 <a:uFill>
                   <a:solidFill>
-                    <a:srgbClr val="FFFFFF"/>
+                    <a:srgbClr val="ffffff"/>
                   </a:solidFill>
                 </a:uFill>
                 <a:latin typeface="Arial"/>
               </a:rPr>
               <a:t>Click to edit the outline text format</a:t>
             </a:r>
-          </a:p>
-          <a:p>
-            <a:pPr marL="864000" lvl="1" indent="-324000">
+            <a:endParaRPr b="0" lang="en-US" sz="2800" spc="-1" strike="noStrike">
+              <a:solidFill>
+                <a:srgbClr val="000000"/>
+              </a:solidFill>
+              <a:uFill>
+                <a:solidFill>
+                  <a:srgbClr val="ffffff"/>
+                </a:solidFill>
+              </a:uFill>
+              <a:latin typeface="Arial"/>
+            </a:endParaRPr>
+          </a:p>
+          <a:p>
+            <a:pPr lvl="1" marL="864000" indent="-324000">
               <a:spcBef>
                 <a:spcPts val="1134"/>
               </a:spcBef>
@@ -4098,22 +4102,33 @@
               <a:buChar char=""/>
             </a:pPr>
             <a:r>
-              <a:rPr lang="en-US" sz="2800" b="0" strike="noStrike" spc="-1">
+              <a:rPr b="0" lang="en-US" sz="2800" spc="-1" strike="noStrike">
                 <a:solidFill>
                   <a:srgbClr val="000000"/>
                 </a:solidFill>
                 <a:uFill>
                   <a:solidFill>
-                    <a:srgbClr val="FFFFFF"/>
+                    <a:srgbClr val="ffffff"/>
                   </a:solidFill>
                 </a:uFill>
                 <a:latin typeface="Arial"/>
               </a:rPr>
               <a:t>Second Outline Level</a:t>
             </a:r>
-          </a:p>
-          <a:p>
-            <a:pPr marL="1296000" lvl="2" indent="-288000">
+            <a:endParaRPr b="0" lang="en-US" sz="2800" spc="-1" strike="noStrike">
+              <a:solidFill>
+                <a:srgbClr val="000000"/>
+              </a:solidFill>
+              <a:uFill>
+                <a:solidFill>
+                  <a:srgbClr val="ffffff"/>
+                </a:solidFill>
+              </a:uFill>
+              <a:latin typeface="Arial"/>
+            </a:endParaRPr>
+          </a:p>
+          <a:p>
+            <a:pPr lvl="2" marL="1296000" indent="-288000">
               <a:spcBef>
                 <a:spcPts val="850"/>
               </a:spcBef>
@@ -4125,22 +4140,33 @@
               <a:buChar char=""/>
             </a:pPr>
             <a:r>
-              <a:rPr lang="en-US" sz="2400" b="0" strike="noStrike" spc="-1">
+              <a:rPr b="0" lang="en-US" sz="2800" spc="-1" strike="noStrike">
                 <a:solidFill>
                   <a:srgbClr val="000000"/>
                 </a:solidFill>
                 <a:uFill>
                   <a:solidFill>
-                    <a:srgbClr val="FFFFFF"/>
+                    <a:srgbClr val="ffffff"/>
                   </a:solidFill>
                 </a:uFill>
                 <a:latin typeface="Arial"/>
               </a:rPr>
               <a:t>Third Outline Level</a:t>
             </a:r>
-          </a:p>
-          <a:p>
-            <a:pPr marL="1728000" lvl="3" indent="-216000">
+            <a:endParaRPr b="0" lang="en-US" sz="2800" spc="-1" strike="noStrike">
+              <a:solidFill>
+                <a:srgbClr val="000000"/>
+              </a:solidFill>
+              <a:uFill>
+                <a:solidFill>
+                  <a:srgbClr val="ffffff"/>
+                </a:solidFill>
+              </a:uFill>
+              <a:latin typeface="Arial"/>
+            </a:endParaRPr>
+          </a:p>
+          <a:p>
+            <a:pPr lvl="3" marL="1728000" indent="-216000">
               <a:spcBef>
                 <a:spcPts val="567"/>
               </a:spcBef>
@@ -4152,22 +4178,33 @@
               <a:buChar char=""/>
             </a:pPr>
             <a:r>
-              <a:rPr lang="en-US" sz="2000" b="0" strike="noStrike" spc="-1">
+              <a:rPr b="0" lang="en-US" sz="2800" spc="-1" strike="noStrike">
                 <a:solidFill>
                   <a:srgbClr val="000000"/>
                 </a:solidFill>
                 <a:uFill>
                   <a:solidFill>
-                    <a:srgbClr val="FFFFFF"/>
+                    <a:srgbClr val="ffffff"/>
                   </a:solidFill>
                 </a:uFill>
                 <a:latin typeface="Arial"/>
               </a:rPr>
               <a:t>Fourth Outline Level</a:t>
             </a:r>
-          </a:p>
-          <a:p>
-            <a:pPr marL="2160000" lvl="4" indent="-216000">
+            <a:endParaRPr b="0" lang="en-US" sz="2800" spc="-1" strike="noStrike">
+              <a:solidFill>
+                <a:srgbClr val="000000"/>
+              </a:solidFill>
+              <a:uFill>
+                <a:solidFill>
+                  <a:srgbClr val="ffffff"/>
+                </a:solidFill>
+              </a:uFill>
+              <a:latin typeface="Arial"/>
+            </a:endParaRPr>
+          </a:p>
+          <a:p>
+            <a:pPr lvl="4" marL="2160000" indent="-216000">
               <a:spcBef>
                 <a:spcPts val="283"/>
               </a:spcBef>
@@ -4179,22 +4216,33 @@
               <a:buChar char=""/>
             </a:pPr>
             <a:r>
-              <a:rPr lang="en-US" sz="2000" b="0" strike="noStrike" spc="-1">
+              <a:rPr b="0" lang="en-US" sz="2800" spc="-1" strike="noStrike">
                 <a:solidFill>
                   <a:srgbClr val="000000"/>
                 </a:solidFill>
                 <a:uFill>
                   <a:solidFill>
-                    <a:srgbClr val="FFFFFF"/>
+                    <a:srgbClr val="ffffff"/>
                   </a:solidFill>
                 </a:uFill>
                 <a:latin typeface="Arial"/>
               </a:rPr>
               <a:t>Fifth Outline Level</a:t>
             </a:r>
-          </a:p>
-          <a:p>
-            <a:pPr marL="2592000" lvl="5" indent="-216000">
+            <a:endParaRPr b="0" lang="en-US" sz="2800" spc="-1" strike="noStrike">
+              <a:solidFill>
+                <a:srgbClr val="000000"/>
+              </a:solidFill>
+              <a:uFill>
+                <a:solidFill>
+                  <a:srgbClr val="ffffff"/>
+                </a:solidFill>
+              </a:uFill>
+              <a:latin typeface="Arial"/>
+            </a:endParaRPr>
+          </a:p>
+          <a:p>
+            <a:pPr lvl="5" marL="2592000" indent="-216000">
               <a:spcBef>
                 <a:spcPts val="283"/>
               </a:spcBef>
@@ -4206,22 +4254,33 @@
               <a:buChar char=""/>
             </a:pPr>
             <a:r>
-              <a:rPr lang="en-US" sz="2000" b="0" strike="noStrike" spc="-1">
+              <a:rPr b="0" lang="en-US" sz="2800" spc="-1" strike="noStrike">
                 <a:solidFill>
                   <a:srgbClr val="000000"/>
                 </a:solidFill>
                 <a:uFill>
                   <a:solidFill>
-                    <a:srgbClr val="FFFFFF"/>
+                    <a:srgbClr val="ffffff"/>
                   </a:solidFill>
                 </a:uFill>
                 <a:latin typeface="Arial"/>
               </a:rPr>
               <a:t>Sixth Outline Level</a:t>
             </a:r>
-          </a:p>
-          <a:p>
-            <a:pPr marL="3024000" lvl="6" indent="-216000">
+            <a:endParaRPr b="0" lang="en-US" sz="2800" spc="-1" strike="noStrike">
+              <a:solidFill>
+                <a:srgbClr val="000000"/>
+              </a:solidFill>
+              <a:uFill>
+                <a:solidFill>
+                  <a:srgbClr val="ffffff"/>
+                </a:solidFill>
+              </a:uFill>
+              <a:latin typeface="Arial"/>
+            </a:endParaRPr>
+          </a:p>
+          <a:p>
+            <a:pPr lvl="6" marL="3024000" indent="-216000">
               <a:spcBef>
                 <a:spcPts val="283"/>
               </a:spcBef>
@@ -4233,329 +4292,62 @@
               <a:buChar char=""/>
             </a:pPr>
             <a:r>
-              <a:rPr lang="en-US" sz="2000" b="0" strike="noStrike" spc="-1">
+              <a:rPr b="0" lang="en-US" sz="2800" spc="-1" strike="noStrike">
                 <a:solidFill>
                   <a:srgbClr val="000000"/>
                 </a:solidFill>
                 <a:uFill>
                   <a:solidFill>
-                    <a:srgbClr val="FFFFFF"/>
+                    <a:srgbClr val="ffffff"/>
                   </a:solidFill>
                 </a:uFill>
                 <a:latin typeface="Arial"/>
               </a:rPr>
               <a:t>Seventh Outline Level</a:t>
             </a:r>
+            <a:endParaRPr b="0" lang="en-US" sz="2800" spc="-1" strike="noStrike">
+              <a:solidFill>
+                <a:srgbClr val="000000"/>
+              </a:solidFill>
+              <a:uFill>
+                <a:solidFill>
+                  <a:srgbClr val="ffffff"/>
+                </a:solidFill>
+              </a:uFill>
+              <a:latin typeface="Arial"/>
+            </a:endParaRPr>
           </a:p>
         </p:txBody>
       </p:sp>
     </p:spTree>
   </p:cSld>
-  <p:clrMap bg1="lt1" tx1="dk1" bg2="lt2" tx2="dk2" accent1="accent1" accent2="accent2" accent3="accent3" accent4="accent4" accent5="accent5" accent6="accent6" hlink="hlink" folHlink="folHlink"/>
+  <p:clrMap bg1="lt1" bg2="lt2" tx1="dk1" tx2="dk2" accent1="accent1" accent2="accent2" accent3="accent3" accent4="accent4" accent5="accent5" accent6="accent6" hlink="hlink" folHlink="folHlink"/>
   <p:sldLayoutIdLst>
-    <p:sldLayoutId id="2147483649" r:id="rId1"/>
-    <p:sldLayoutId id="2147483650" r:id="rId2"/>
-    <p:sldLayoutId id="2147483651" r:id="rId3"/>
-    <p:sldLayoutId id="2147483652" r:id="rId4"/>
-    <p:sldLayoutId id="2147483653" r:id="rId5"/>
-    <p:sldLayoutId id="2147483654" r:id="rId6"/>
-    <p:sldLayoutId id="2147483655" r:id="rId7"/>
-    <p:sldLayoutId id="2147483656" r:id="rId8"/>
-    <p:sldLayoutId id="2147483657" r:id="rId9"/>
-    <p:sldLayoutId id="2147483658" r:id="rId10"/>
-    <p:sldLayoutId id="2147483659" r:id="rId11"/>
-    <p:sldLayoutId id="2147483660" r:id="rId12"/>
+    <p:sldLayoutId id="2147483649" r:id="rId2"/>
+    <p:sldLayoutId id="2147483650" r:id="rId3"/>
+    <p:sldLayoutId id="2147483651" r:id="rId4"/>
+    <p:sldLayoutId id="2147483652" r:id="rId5"/>
+    <p:sldLayoutId id="2147483653" r:id="rId6"/>
+    <p:sldLayoutId id="2147483654" r:id="rId7"/>
+    <p:sldLayoutId id="2147483655" r:id="rId8"/>
+    <p:sldLayoutId id="2147483656" r:id="rId9"/>
+    <p:sldLayoutId id="2147483657" r:id="rId10"/>
+    <p:sldLayoutId id="2147483658" r:id="rId11"/>
+    <p:sldLayoutId id="2147483659" r:id="rId12"/>
+    <p:sldLayoutId id="2147483660" r:id="rId13"/>
   </p:sldLayoutIdLst>
-  <p:txStyles>
-    <p:titleStyle>
-      <a:lvl1pPr algn="l" defTabSz="914400" rtl="0" eaLnBrk="1" latinLnBrk="0" hangingPunct="1">
-        <a:lnSpc>
-          <a:spcPct val="90000"/>
-        </a:lnSpc>
-        <a:spcBef>
-          <a:spcPct val="0"/>
-        </a:spcBef>
-        <a:buNone/>
-        <a:defRPr sz="4400" kern="1200">
-          <a:solidFill>
-            <a:schemeClr val="tx1"/>
-          </a:solidFill>
-          <a:latin typeface="+mj-lt"/>
-          <a:ea typeface="+mj-ea"/>
-          <a:cs typeface="+mj-cs"/>
-        </a:defRPr>
-      </a:lvl1pPr>
-    </p:titleStyle>
-    <p:bodyStyle>
-      <a:lvl1pPr marL="228600" indent="-228600" algn="l" defTabSz="914400" rtl="0" eaLnBrk="1" latinLnBrk="0" hangingPunct="1">
-        <a:lnSpc>
-          <a:spcPct val="90000"/>
-        </a:lnSpc>
-        <a:spcBef>
-          <a:spcPts val="1000"/>
-        </a:spcBef>
-        <a:buFont typeface="Arial" panose="020B0604020202020204" pitchFamily="34" charset="0"/>
-        <a:buChar char="•"/>
-        <a:defRPr sz="2800" kern="1200">
-          <a:solidFill>
-            <a:schemeClr val="tx1"/>
-          </a:solidFill>
-          <a:latin typeface="+mn-lt"/>
-          <a:ea typeface="+mn-ea"/>
-          <a:cs typeface="+mn-cs"/>
-        </a:defRPr>
-      </a:lvl1pPr>
-      <a:lvl2pPr marL="685800" indent="-228600" algn="l" defTabSz="914400" rtl="0" eaLnBrk="1" latinLnBrk="0" hangingPunct="1">
-        <a:lnSpc>
-          <a:spcPct val="90000"/>
-        </a:lnSpc>
-        <a:spcBef>
-          <a:spcPts val="500"/>
-        </a:spcBef>
-        <a:buFont typeface="Arial" panose="020B0604020202020204" pitchFamily="34" charset="0"/>
-        <a:buChar char="•"/>
-        <a:defRPr sz="2400" kern="1200">
-          <a:solidFill>
-            <a:schemeClr val="tx1"/>
-          </a:solidFill>
-          <a:latin typeface="+mn-lt"/>
-          <a:ea typeface="+mn-ea"/>
-          <a:cs typeface="+mn-cs"/>
-        </a:defRPr>
-      </a:lvl2pPr>
-      <a:lvl3pPr marL="1143000" indent="-228600" algn="l" defTabSz="914400" rtl="0" eaLnBrk="1" latinLnBrk="0" hangingPunct="1">
-        <a:lnSpc>
-          <a:spcPct val="90000"/>
-        </a:lnSpc>
-        <a:spcBef>
-          <a:spcPts val="500"/>
-        </a:spcBef>
-        <a:buFont typeface="Arial" panose="020B0604020202020204" pitchFamily="34" charset="0"/>
-        <a:buChar char="•"/>
-        <a:defRPr sz="2000" kern="1200">
-          <a:solidFill>
-            <a:schemeClr val="tx1"/>
-          </a:solidFill>
-          <a:latin typeface="+mn-lt"/>
-          <a:ea typeface="+mn-ea"/>
-          <a:cs typeface="+mn-cs"/>
-        </a:defRPr>
-      </a:lvl3pPr>
-      <a:lvl4pPr marL="1600200" indent="-228600" algn="l" defTabSz="914400" rtl="0" eaLnBrk="1" latinLnBrk="0" hangingPunct="1">
-        <a:lnSpc>
-          <a:spcPct val="90000"/>
-        </a:lnSpc>
-        <a:spcBef>
-          <a:spcPts val="500"/>
-        </a:spcBef>
-        <a:buFont typeface="Arial" panose="020B0604020202020204" pitchFamily="34" charset="0"/>
-        <a:buChar char="•"/>
-        <a:defRPr sz="1800" kern="1200">
-          <a:solidFill>
-            <a:schemeClr val="tx1"/>
-          </a:solidFill>
-          <a:latin typeface="+mn-lt"/>
-          <a:ea typeface="+mn-ea"/>
-          <a:cs typeface="+mn-cs"/>
-        </a:defRPr>
-      </a:lvl4pPr>
-      <a:lvl5pPr marL="2057400" indent="-228600" algn="l" defTabSz="914400" rtl="0" eaLnBrk="1" latinLnBrk="0" hangingPunct="1">
-        <a:lnSpc>
-          <a:spcPct val="90000"/>
-        </a:lnSpc>
-        <a:spcBef>
-          <a:spcPts val="500"/>
-        </a:spcBef>
-        <a:buFont typeface="Arial" panose="020B0604020202020204" pitchFamily="34" charset="0"/>
-        <a:buChar char="•"/>
-        <a:defRPr sz="1800" kern="1200">
-          <a:solidFill>
-            <a:schemeClr val="tx1"/>
-          </a:solidFill>
-          <a:latin typeface="+mn-lt"/>
-          <a:ea typeface="+mn-ea"/>
-          <a:cs typeface="+mn-cs"/>
-        </a:defRPr>
-      </a:lvl5pPr>
-      <a:lvl6pPr marL="2514600" indent="-228600" algn="l" defTabSz="914400" rtl="0" eaLnBrk="1" latinLnBrk="0" hangingPunct="1">
-        <a:lnSpc>
-          <a:spcPct val="90000"/>
-        </a:lnSpc>
-        <a:spcBef>
-          <a:spcPts val="500"/>
-        </a:spcBef>
-        <a:buFont typeface="Arial" panose="020B0604020202020204" pitchFamily="34" charset="0"/>
-        <a:buChar char="•"/>
-        <a:defRPr sz="1800" kern="1200">
-          <a:solidFill>
-            <a:schemeClr val="tx1"/>
-          </a:solidFill>
-          <a:latin typeface="+mn-lt"/>
-          <a:ea typeface="+mn-ea"/>
-          <a:cs typeface="+mn-cs"/>
-        </a:defRPr>
-      </a:lvl6pPr>
-      <a:lvl7pPr marL="2971800" indent="-228600" algn="l" defTabSz="914400" rtl="0" eaLnBrk="1" latinLnBrk="0" hangingPunct="1">
-        <a:lnSpc>
-          <a:spcPct val="90000"/>
-        </a:lnSpc>
-        <a:spcBef>
-          <a:spcPts val="500"/>
-        </a:spcBef>
-        <a:buFont typeface="Arial" panose="020B0604020202020204" pitchFamily="34" charset="0"/>
-        <a:buChar char="•"/>
-        <a:defRPr sz="1800" kern="1200">
-          <a:solidFill>
-            <a:schemeClr val="tx1"/>
-          </a:solidFill>
-          <a:latin typeface="+mn-lt"/>
-          <a:ea typeface="+mn-ea"/>
-          <a:cs typeface="+mn-cs"/>
-        </a:defRPr>
-      </a:lvl7pPr>
-      <a:lvl8pPr marL="3429000" indent="-228600" algn="l" defTabSz="914400" rtl="0" eaLnBrk="1" latinLnBrk="0" hangingPunct="1">
-        <a:lnSpc>
-          <a:spcPct val="90000"/>
-        </a:lnSpc>
-        <a:spcBef>
-          <a:spcPts val="500"/>
-        </a:spcBef>
-        <a:buFont typeface="Arial" panose="020B0604020202020204" pitchFamily="34" charset="0"/>
-        <a:buChar char="•"/>
-        <a:defRPr sz="1800" kern="1200">
-          <a:solidFill>
-            <a:schemeClr val="tx1"/>
-          </a:solidFill>
-          <a:latin typeface="+mn-lt"/>
-          <a:ea typeface="+mn-ea"/>
-          <a:cs typeface="+mn-cs"/>
-        </a:defRPr>
-      </a:lvl8pPr>
-      <a:lvl9pPr marL="3886200" indent="-228600" algn="l" defTabSz="914400" rtl="0" eaLnBrk="1" latinLnBrk="0" hangingPunct="1">
-        <a:lnSpc>
-          <a:spcPct val="90000"/>
-        </a:lnSpc>
-        <a:spcBef>
-          <a:spcPts val="500"/>
-        </a:spcBef>
-        <a:buFont typeface="Arial" panose="020B0604020202020204" pitchFamily="34" charset="0"/>
-        <a:buChar char="•"/>
-        <a:defRPr sz="1800" kern="1200">
-          <a:solidFill>
-            <a:schemeClr val="tx1"/>
-          </a:solidFill>
-          <a:latin typeface="+mn-lt"/>
-          <a:ea typeface="+mn-ea"/>
-          <a:cs typeface="+mn-cs"/>
-        </a:defRPr>
-      </a:lvl9pPr>
-    </p:bodyStyle>
-    <p:otherStyle>
-      <a:defPPr>
-        <a:defRPr lang="en-US"/>
-      </a:defPPr>
-      <a:lvl1pPr marL="0" algn="l" defTabSz="914400" rtl="0" eaLnBrk="1" latinLnBrk="0" hangingPunct="1">
-        <a:defRPr sz="1800" kern="1200">
-          <a:solidFill>
-            <a:schemeClr val="tx1"/>
-          </a:solidFill>
-          <a:latin typeface="+mn-lt"/>
-          <a:ea typeface="+mn-ea"/>
-          <a:cs typeface="+mn-cs"/>
-        </a:defRPr>
-      </a:lvl1pPr>
-      <a:lvl2pPr marL="457200" algn="l" defTabSz="914400" rtl="0" eaLnBrk="1" latinLnBrk="0" hangingPunct="1">
-        <a:defRPr sz="1800" kern="1200">
-          <a:solidFill>
-            <a:schemeClr val="tx1"/>
-          </a:solidFill>
-          <a:latin typeface="+mn-lt"/>
-          <a:ea typeface="+mn-ea"/>
-          <a:cs typeface="+mn-cs"/>
-        </a:defRPr>
-      </a:lvl2pPr>
-      <a:lvl3pPr marL="914400" algn="l" defTabSz="914400" rtl="0" eaLnBrk="1" latinLnBrk="0" hangingPunct="1">
-        <a:defRPr sz="1800" kern="1200">
-          <a:solidFill>
-            <a:schemeClr val="tx1"/>
-          </a:solidFill>
-          <a:latin typeface="+mn-lt"/>
-          <a:ea typeface="+mn-ea"/>
-          <a:cs typeface="+mn-cs"/>
-        </a:defRPr>
-      </a:lvl3pPr>
-      <a:lvl4pPr marL="1371600" algn="l" defTabSz="914400" rtl="0" eaLnBrk="1" latinLnBrk="0" hangingPunct="1">
-        <a:defRPr sz="1800" kern="1200">
-          <a:solidFill>
-            <a:schemeClr val="tx1"/>
-          </a:solidFill>
-          <a:latin typeface="+mn-lt"/>
-          <a:ea typeface="+mn-ea"/>
-          <a:cs typeface="+mn-cs"/>
-        </a:defRPr>
-      </a:lvl4pPr>
-      <a:lvl5pPr marL="1828800" algn="l" defTabSz="914400" rtl="0" eaLnBrk="1" latinLnBrk="0" hangingPunct="1">
-        <a:defRPr sz="1800" kern="1200">
-          <a:solidFill>
-            <a:schemeClr val="tx1"/>
-          </a:solidFill>
-          <a:latin typeface="+mn-lt"/>
-          <a:ea typeface="+mn-ea"/>
-          <a:cs typeface="+mn-cs"/>
-        </a:defRPr>
-      </a:lvl5pPr>
-      <a:lvl6pPr marL="2286000" algn="l" defTabSz="914400" rtl="0" eaLnBrk="1" latinLnBrk="0" hangingPunct="1">
-        <a:defRPr sz="1800" kern="1200">
-          <a:solidFill>
-            <a:schemeClr val="tx1"/>
-          </a:solidFill>
-          <a:latin typeface="+mn-lt"/>
-          <a:ea typeface="+mn-ea"/>
-          <a:cs typeface="+mn-cs"/>
-        </a:defRPr>
-      </a:lvl6pPr>
-      <a:lvl7pPr marL="2743200" algn="l" defTabSz="914400" rtl="0" eaLnBrk="1" latinLnBrk="0" hangingPunct="1">
-        <a:defRPr sz="1800" kern="1200">
-          <a:solidFill>
-            <a:schemeClr val="tx1"/>
-          </a:solidFill>
-          <a:latin typeface="+mn-lt"/>
-          <a:ea typeface="+mn-ea"/>
-          <a:cs typeface="+mn-cs"/>
-        </a:defRPr>
-      </a:lvl7pPr>
-      <a:lvl8pPr marL="3200400" algn="l" defTabSz="914400" rtl="0" eaLnBrk="1" latinLnBrk="0" hangingPunct="1">
-        <a:defRPr sz="1800" kern="1200">
-          <a:solidFill>
-            <a:schemeClr val="tx1"/>
-          </a:solidFill>
-          <a:latin typeface="+mn-lt"/>
-          <a:ea typeface="+mn-ea"/>
-          <a:cs typeface="+mn-cs"/>
-        </a:defRPr>
-      </a:lvl8pPr>
-      <a:lvl9pPr marL="3657600" algn="l" defTabSz="914400" rtl="0" eaLnBrk="1" latinLnBrk="0" hangingPunct="1">
-        <a:defRPr sz="1800" kern="1200">
-          <a:solidFill>
-            <a:schemeClr val="tx1"/>
-          </a:solidFill>
-          <a:latin typeface="+mn-lt"/>
-          <a:ea typeface="+mn-ea"/>
-          <a:cs typeface="+mn-cs"/>
-        </a:defRPr>
-      </a:lvl9pPr>
-    </p:otherStyle>
-  </p:txStyles>
 </p:sldMaster>
 </file>
 
 <file path=ppt/slideMasters/slideMaster2.xml><?xml version="1.0" encoding="utf-8"?>
-<p:sldMaster xmlns:a="http://schemas.openxmlformats.org/drawingml/2006/main" xmlns:r="http://schemas.openxmlformats.org/officeDocument/2006/relationships" xmlns:p="http://schemas.openxmlformats.org/presentationml/2006/main">
+<p:sldMaster xmlns:a="http://schemas.openxmlformats.org/drawingml/2006/main" xmlns:p="http://schemas.openxmlformats.org/presentationml/2006/main" xmlns:r="http://schemas.openxmlformats.org/officeDocument/2006/relationships" xmlns:p14="http://schemas.microsoft.com/office/powerpoint/2010/main" xmlns:p15="http://schemas.microsoft.com/office/powerpoint/2012/main" xmlns:mc="http://schemas.openxmlformats.org/markup-compatibility/2006">
   <p:cSld>
     <p:bg>
-      <p:bgRef idx="1001">
-        <a:schemeClr val="bg1"/>
-      </p:bgRef>
+      <p:bgPr>
+        <a:solidFill>
+          <a:srgbClr val="ffffff"/>
+        </a:solidFill>
+      </p:bgPr>
     </p:bg>
     <p:spTree>
       <p:nvGrpSpPr>
@@ -4580,28 +4372,22 @@
         <p:spPr>
           <a:xfrm>
             <a:off x="0" y="180000"/>
-            <a:ext cx="9719640" cy="1259640"/>
+            <a:ext cx="9719280" cy="1259280"/>
           </a:xfrm>
           <a:prstGeom prst="rect">
             <a:avLst/>
           </a:prstGeom>
           <a:solidFill>
-            <a:srgbClr val="E74C3C"/>
+            <a:srgbClr val="e74c3c"/>
           </a:solidFill>
           <a:ln w="72000">
             <a:noFill/>
           </a:ln>
         </p:spPr>
         <p:style>
-          <a:lnRef idx="0">
-            <a:scrgbClr r="0" g="0" b="0"/>
-          </a:lnRef>
-          <a:fillRef idx="0">
-            <a:scrgbClr r="0" g="0" b="0"/>
-          </a:fillRef>
-          <a:effectRef idx="0">
-            <a:scrgbClr r="0" g="0" b="0"/>
-          </a:effectRef>
+          <a:lnRef idx="0"/>
+          <a:fillRef idx="0"/>
+          <a:effectRef idx="0"/>
           <a:fontRef idx="minor"/>
         </p:style>
       </p:sp>
@@ -4614,28 +4400,22 @@
         <p:spPr>
           <a:xfrm>
             <a:off x="7560000" y="6840000"/>
-            <a:ext cx="2519640" cy="539640"/>
+            <a:ext cx="2519280" cy="539280"/>
           </a:xfrm>
           <a:prstGeom prst="rect">
             <a:avLst/>
           </a:prstGeom>
           <a:solidFill>
-            <a:srgbClr val="E74C3C"/>
+            <a:srgbClr val="e74c3c"/>
           </a:solidFill>
           <a:ln w="72000">
             <a:noFill/>
           </a:ln>
         </p:spPr>
         <p:style>
-          <a:lnRef idx="0">
-            <a:scrgbClr r="0" g="0" b="0"/>
-          </a:lnRef>
-          <a:fillRef idx="0">
-            <a:scrgbClr r="0" g="0" b="0"/>
-          </a:fillRef>
-          <a:effectRef idx="0">
-            <a:scrgbClr r="0" g="0" b="0"/>
-          </a:effectRef>
+          <a:lnRef idx="0"/>
+          <a:fillRef idx="0"/>
+          <a:effectRef idx="0"/>
           <a:fontRef idx="minor"/>
         </p:style>
       </p:sp>
@@ -4648,28 +4428,22 @@
         <p:spPr>
           <a:xfrm>
             <a:off x="900000" y="6840000"/>
-            <a:ext cx="6479640" cy="539640"/>
+            <a:ext cx="6479280" cy="539280"/>
           </a:xfrm>
           <a:prstGeom prst="rect">
             <a:avLst/>
           </a:prstGeom>
           <a:solidFill>
-            <a:srgbClr val="BDC3C7"/>
+            <a:srgbClr val="bdc3c7"/>
           </a:solidFill>
           <a:ln w="72000">
             <a:noFill/>
           </a:ln>
         </p:spPr>
         <p:style>
-          <a:lnRef idx="0">
-            <a:scrgbClr r="0" g="0" b="0"/>
-          </a:lnRef>
-          <a:fillRef idx="0">
-            <a:scrgbClr r="0" g="0" b="0"/>
-          </a:fillRef>
-          <a:effectRef idx="0">
-            <a:scrgbClr r="0" g="0" b="0"/>
-          </a:effectRef>
+          <a:lnRef idx="0"/>
+          <a:fillRef idx="0"/>
+          <a:effectRef idx="0"/>
           <a:fontRef idx="minor"/>
         </p:style>
       </p:sp>
@@ -4682,7 +4456,7 @@
         <p:spPr>
           <a:xfrm>
             <a:off x="180000" y="6840000"/>
-            <a:ext cx="539640" cy="539640"/>
+            <a:ext cx="539280" cy="539280"/>
           </a:xfrm>
           <a:prstGeom prst="rect">
             <a:avLst/>
@@ -4693,15 +4467,9 @@
           </a:ln>
         </p:spPr>
         <p:style>
-          <a:lnRef idx="0">
-            <a:scrgbClr r="0" g="0" b="0"/>
-          </a:lnRef>
-          <a:fillRef idx="0">
-            <a:scrgbClr r="0" g="0" b="0"/>
-          </a:fillRef>
-          <a:effectRef idx="0">
-            <a:scrgbClr r="0" g="0" b="0"/>
-          </a:effectRef>
+          <a:lnRef idx="0"/>
+          <a:fillRef idx="0"/>
+          <a:effectRef idx="0"/>
           <a:fontRef idx="minor"/>
         </p:style>
       </p:sp>
@@ -4717,31 +4485,41 @@
         </p:nvSpPr>
         <p:spPr>
           <a:xfrm>
-            <a:off x="360000" y="360000"/>
-            <a:ext cx="9359640" cy="899640"/>
-          </a:xfrm>
-          <a:prstGeom prst="rect">
-            <a:avLst/>
-          </a:prstGeom>
-        </p:spPr>
-        <p:txBody>
-          <a:bodyPr lIns="0" tIns="0" rIns="0" bIns="0" anchor="b"/>
-          <a:lstStyle/>
+            <a:off x="504000" y="301320"/>
+            <a:ext cx="9072000" cy="1261800"/>
+          </a:xfrm>
+          <a:prstGeom prst="rect">
+            <a:avLst/>
+          </a:prstGeom>
+        </p:spPr>
+        <p:txBody>
+          <a:bodyPr lIns="0" rIns="0" tIns="0" bIns="0" anchor="ctr"/>
           <a:p>
             <a:r>
-              <a:rPr lang="en-US" sz="1800" b="0" strike="noStrike" spc="-1">
+              <a:rPr b="0" lang="en-US" sz="1800" spc="-1" strike="noStrike">
                 <a:solidFill>
                   <a:srgbClr val="000000"/>
                 </a:solidFill>
                 <a:uFill>
                   <a:solidFill>
-                    <a:srgbClr val="FFFFFF"/>
+                    <a:srgbClr val="ffffff"/>
                   </a:solidFill>
                 </a:uFill>
                 <a:latin typeface="Arial"/>
               </a:rPr>
               <a:t>Click to edit the title text format</a:t>
             </a:r>
+            <a:endParaRPr b="0" lang="en-US" sz="1800" spc="-1" strike="noStrike">
+              <a:solidFill>
+                <a:srgbClr val="000000"/>
+              </a:solidFill>
+              <a:uFill>
+                <a:solidFill>
+                  <a:srgbClr val="ffffff"/>
+                </a:solidFill>
+              </a:uFill>
+              <a:latin typeface="Arial"/>
+            </a:endParaRPr>
           </a:p>
         </p:txBody>
       </p:sp>
@@ -4757,18 +4535,17 @@
         </p:nvSpPr>
         <p:spPr>
           <a:xfrm>
-            <a:off x="360000" y="1980000"/>
-            <a:ext cx="9179640" cy="4679640"/>
-          </a:xfrm>
-          <a:prstGeom prst="rect">
-            <a:avLst/>
-          </a:prstGeom>
-        </p:spPr>
-        <p:txBody>
-          <a:bodyPr lIns="0" tIns="0" rIns="0" bIns="0">
+            <a:off x="504000" y="1768680"/>
+            <a:ext cx="9072000" cy="4384080"/>
+          </a:xfrm>
+          <a:prstGeom prst="rect">
+            <a:avLst/>
+          </a:prstGeom>
+        </p:spPr>
+        <p:txBody>
+          <a:bodyPr lIns="0" rIns="0" tIns="0" bIns="0">
             <a:normAutofit/>
           </a:bodyPr>
-          <a:lstStyle/>
           <a:p>
             <a:pPr marL="432000" indent="-324000">
               <a:spcBef>
@@ -4782,22 +4559,33 @@
               <a:buChar char=""/>
             </a:pPr>
             <a:r>
-              <a:rPr lang="en-US" sz="1800" b="0" strike="noStrike" spc="-1">
+              <a:rPr b="0" lang="en-US" sz="2800" spc="-1" strike="noStrike">
                 <a:solidFill>
                   <a:srgbClr val="000000"/>
                 </a:solidFill>
                 <a:uFill>
                   <a:solidFill>
-                    <a:srgbClr val="FFFFFF"/>
+                    <a:srgbClr val="ffffff"/>
                   </a:solidFill>
                 </a:uFill>
                 <a:latin typeface="Arial"/>
               </a:rPr>
               <a:t>Click to edit the outline text format</a:t>
             </a:r>
-          </a:p>
-          <a:p>
-            <a:pPr marL="864000" lvl="1" indent="-324000">
+            <a:endParaRPr b="0" lang="en-US" sz="2800" spc="-1" strike="noStrike">
+              <a:solidFill>
+                <a:srgbClr val="000000"/>
+              </a:solidFill>
+              <a:uFill>
+                <a:solidFill>
+                  <a:srgbClr val="ffffff"/>
+                </a:solidFill>
+              </a:uFill>
+              <a:latin typeface="Arial"/>
+            </a:endParaRPr>
+          </a:p>
+          <a:p>
+            <a:pPr lvl="1" marL="864000" indent="-324000">
               <a:spcBef>
                 <a:spcPts val="1134"/>
               </a:spcBef>
@@ -4809,22 +4597,33 @@
               <a:buChar char=""/>
             </a:pPr>
             <a:r>
-              <a:rPr lang="en-US" sz="1800" b="0" strike="noStrike" spc="-1">
+              <a:rPr b="0" lang="en-US" sz="2000" spc="-1" strike="noStrike">
                 <a:solidFill>
                   <a:srgbClr val="000000"/>
                 </a:solidFill>
                 <a:uFill>
                   <a:solidFill>
-                    <a:srgbClr val="FFFFFF"/>
+                    <a:srgbClr val="ffffff"/>
                   </a:solidFill>
                 </a:uFill>
                 <a:latin typeface="Arial"/>
               </a:rPr>
               <a:t>Second Outline Level</a:t>
             </a:r>
-          </a:p>
-          <a:p>
-            <a:pPr marL="1296000" lvl="2" indent="-288000">
+            <a:endParaRPr b="0" lang="en-US" sz="2000" spc="-1" strike="noStrike">
+              <a:solidFill>
+                <a:srgbClr val="000000"/>
+              </a:solidFill>
+              <a:uFill>
+                <a:solidFill>
+                  <a:srgbClr val="ffffff"/>
+                </a:solidFill>
+              </a:uFill>
+              <a:latin typeface="Arial"/>
+            </a:endParaRPr>
+          </a:p>
+          <a:p>
+            <a:pPr lvl="2" marL="1296000" indent="-288000">
               <a:spcBef>
                 <a:spcPts val="850"/>
               </a:spcBef>
@@ -4836,22 +4635,33 @@
               <a:buChar char=""/>
             </a:pPr>
             <a:r>
-              <a:rPr lang="en-US" sz="1800" b="0" strike="noStrike" spc="-1">
+              <a:rPr b="0" lang="en-US" sz="1800" spc="-1" strike="noStrike">
                 <a:solidFill>
                   <a:srgbClr val="000000"/>
                 </a:solidFill>
                 <a:uFill>
                   <a:solidFill>
-                    <a:srgbClr val="FFFFFF"/>
+                    <a:srgbClr val="ffffff"/>
                   </a:solidFill>
                 </a:uFill>
                 <a:latin typeface="Arial"/>
               </a:rPr>
               <a:t>Third Outline Level</a:t>
             </a:r>
-          </a:p>
-          <a:p>
-            <a:pPr marL="1728000" lvl="3" indent="-216000">
+            <a:endParaRPr b="0" lang="en-US" sz="1800" spc="-1" strike="noStrike">
+              <a:solidFill>
+                <a:srgbClr val="000000"/>
+              </a:solidFill>
+              <a:uFill>
+                <a:solidFill>
+                  <a:srgbClr val="ffffff"/>
+                </a:solidFill>
+              </a:uFill>
+              <a:latin typeface="Arial"/>
+            </a:endParaRPr>
+          </a:p>
+          <a:p>
+            <a:pPr lvl="3" marL="1728000" indent="-216000">
               <a:spcBef>
                 <a:spcPts val="567"/>
               </a:spcBef>
@@ -4863,22 +4673,33 @@
               <a:buChar char=""/>
             </a:pPr>
             <a:r>
-              <a:rPr lang="en-US" sz="1800" b="0" strike="noStrike" spc="-1">
+              <a:rPr b="0" lang="en-US" sz="1800" spc="-1" strike="noStrike">
                 <a:solidFill>
                   <a:srgbClr val="000000"/>
                 </a:solidFill>
                 <a:uFill>
                   <a:solidFill>
-                    <a:srgbClr val="FFFFFF"/>
+                    <a:srgbClr val="ffffff"/>
                   </a:solidFill>
                 </a:uFill>
                 <a:latin typeface="Arial"/>
               </a:rPr>
               <a:t>Fourth Outline Level</a:t>
             </a:r>
-          </a:p>
-          <a:p>
-            <a:pPr marL="2160000" lvl="4" indent="-216000">
+            <a:endParaRPr b="0" lang="en-US" sz="1800" spc="-1" strike="noStrike">
+              <a:solidFill>
+                <a:srgbClr val="000000"/>
+              </a:solidFill>
+              <a:uFill>
+                <a:solidFill>
+                  <a:srgbClr val="ffffff"/>
+                </a:solidFill>
+              </a:uFill>
+              <a:latin typeface="Arial"/>
+            </a:endParaRPr>
+          </a:p>
+          <a:p>
+            <a:pPr lvl="4" marL="2160000" indent="-216000">
               <a:spcBef>
                 <a:spcPts val="283"/>
               </a:spcBef>
@@ -4890,22 +4711,33 @@
               <a:buChar char=""/>
             </a:pPr>
             <a:r>
-              <a:rPr lang="en-US" sz="1800" b="0" strike="noStrike" spc="-1">
+              <a:rPr b="0" lang="en-US" sz="2000" spc="-1" strike="noStrike">
                 <a:solidFill>
                   <a:srgbClr val="000000"/>
                 </a:solidFill>
                 <a:uFill>
                   <a:solidFill>
-                    <a:srgbClr val="FFFFFF"/>
+                    <a:srgbClr val="ffffff"/>
                   </a:solidFill>
                 </a:uFill>
                 <a:latin typeface="Arial"/>
               </a:rPr>
               <a:t>Fifth Outline Level</a:t>
             </a:r>
-          </a:p>
-          <a:p>
-            <a:pPr marL="2592000" lvl="5" indent="-216000">
+            <a:endParaRPr b="0" lang="en-US" sz="2000" spc="-1" strike="noStrike">
+              <a:solidFill>
+                <a:srgbClr val="000000"/>
+              </a:solidFill>
+              <a:uFill>
+                <a:solidFill>
+                  <a:srgbClr val="ffffff"/>
+                </a:solidFill>
+              </a:uFill>
+              <a:latin typeface="Arial"/>
+            </a:endParaRPr>
+          </a:p>
+          <a:p>
+            <a:pPr lvl="5" marL="2592000" indent="-216000">
               <a:spcBef>
                 <a:spcPts val="283"/>
               </a:spcBef>
@@ -4917,22 +4749,33 @@
               <a:buChar char=""/>
             </a:pPr>
             <a:r>
-              <a:rPr lang="en-US" sz="1800" b="0" strike="noStrike" spc="-1">
+              <a:rPr b="0" lang="en-US" sz="2000" spc="-1" strike="noStrike">
                 <a:solidFill>
                   <a:srgbClr val="000000"/>
                 </a:solidFill>
                 <a:uFill>
                   <a:solidFill>
-                    <a:srgbClr val="FFFFFF"/>
+                    <a:srgbClr val="ffffff"/>
                   </a:solidFill>
                 </a:uFill>
                 <a:latin typeface="Arial"/>
               </a:rPr>
               <a:t>Sixth Outline Level</a:t>
             </a:r>
-          </a:p>
-          <a:p>
-            <a:pPr marL="3024000" lvl="6" indent="-216000">
+            <a:endParaRPr b="0" lang="en-US" sz="2000" spc="-1" strike="noStrike">
+              <a:solidFill>
+                <a:srgbClr val="000000"/>
+              </a:solidFill>
+              <a:uFill>
+                <a:solidFill>
+                  <a:srgbClr val="ffffff"/>
+                </a:solidFill>
+              </a:uFill>
+              <a:latin typeface="Arial"/>
+            </a:endParaRPr>
+          </a:p>
+          <a:p>
+            <a:pPr lvl="6" marL="3024000" indent="-216000">
               <a:spcBef>
                 <a:spcPts val="283"/>
               </a:spcBef>
@@ -4944,324 +4787,55 @@
               <a:buChar char=""/>
             </a:pPr>
             <a:r>
-              <a:rPr lang="en-US" sz="1800" b="0" strike="noStrike" spc="-1">
+              <a:rPr b="0" lang="en-US" sz="2000" spc="-1" strike="noStrike">
                 <a:solidFill>
                   <a:srgbClr val="000000"/>
                 </a:solidFill>
                 <a:uFill>
                   <a:solidFill>
-                    <a:srgbClr val="FFFFFF"/>
+                    <a:srgbClr val="ffffff"/>
                   </a:solidFill>
                 </a:uFill>
                 <a:latin typeface="Arial"/>
               </a:rPr>
               <a:t>Seventh Outline Level</a:t>
             </a:r>
+            <a:endParaRPr b="0" lang="en-US" sz="2000" spc="-1" strike="noStrike">
+              <a:solidFill>
+                <a:srgbClr val="000000"/>
+              </a:solidFill>
+              <a:uFill>
+                <a:solidFill>
+                  <a:srgbClr val="ffffff"/>
+                </a:solidFill>
+              </a:uFill>
+              <a:latin typeface="Arial"/>
+            </a:endParaRPr>
           </a:p>
         </p:txBody>
       </p:sp>
     </p:spTree>
   </p:cSld>
-  <p:clrMap bg1="lt1" tx1="dk1" bg2="lt2" tx2="dk2" accent1="accent1" accent2="accent2" accent3="accent3" accent4="accent4" accent5="accent5" accent6="accent6" hlink="hlink" folHlink="folHlink"/>
+  <p:clrMap bg1="lt1" bg2="lt2" tx1="dk1" tx2="dk2" accent1="accent1" accent2="accent2" accent3="accent3" accent4="accent4" accent5="accent5" accent6="accent6" hlink="hlink" folHlink="folHlink"/>
   <p:sldLayoutIdLst>
-    <p:sldLayoutId id="2147483662" r:id="rId1"/>
-    <p:sldLayoutId id="2147483663" r:id="rId2"/>
-    <p:sldLayoutId id="2147483664" r:id="rId3"/>
-    <p:sldLayoutId id="2147483665" r:id="rId4"/>
-    <p:sldLayoutId id="2147483666" r:id="rId5"/>
-    <p:sldLayoutId id="2147483667" r:id="rId6"/>
-    <p:sldLayoutId id="2147483668" r:id="rId7"/>
-    <p:sldLayoutId id="2147483669" r:id="rId8"/>
-    <p:sldLayoutId id="2147483670" r:id="rId9"/>
-    <p:sldLayoutId id="2147483671" r:id="rId10"/>
-    <p:sldLayoutId id="2147483672" r:id="rId11"/>
-    <p:sldLayoutId id="2147483673" r:id="rId12"/>
+    <p:sldLayoutId id="2147483662" r:id="rId2"/>
+    <p:sldLayoutId id="2147483663" r:id="rId3"/>
+    <p:sldLayoutId id="2147483664" r:id="rId4"/>
+    <p:sldLayoutId id="2147483665" r:id="rId5"/>
+    <p:sldLayoutId id="2147483666" r:id="rId6"/>
+    <p:sldLayoutId id="2147483667" r:id="rId7"/>
+    <p:sldLayoutId id="2147483668" r:id="rId8"/>
+    <p:sldLayoutId id="2147483669" r:id="rId9"/>
+    <p:sldLayoutId id="2147483670" r:id="rId10"/>
+    <p:sldLayoutId id="2147483671" r:id="rId11"/>
+    <p:sldLayoutId id="2147483672" r:id="rId12"/>
+    <p:sldLayoutId id="2147483673" r:id="rId13"/>
   </p:sldLayoutIdLst>
-  <p:txStyles>
-    <p:titleStyle>
-      <a:lvl1pPr algn="l" defTabSz="914400" rtl="0" eaLnBrk="1" latinLnBrk="0" hangingPunct="1">
-        <a:lnSpc>
-          <a:spcPct val="90000"/>
-        </a:lnSpc>
-        <a:spcBef>
-          <a:spcPct val="0"/>
-        </a:spcBef>
-        <a:buNone/>
-        <a:defRPr sz="4400" kern="1200">
-          <a:solidFill>
-            <a:schemeClr val="tx1"/>
-          </a:solidFill>
-          <a:latin typeface="+mj-lt"/>
-          <a:ea typeface="+mj-ea"/>
-          <a:cs typeface="+mj-cs"/>
-        </a:defRPr>
-      </a:lvl1pPr>
-    </p:titleStyle>
-    <p:bodyStyle>
-      <a:lvl1pPr marL="228600" indent="-228600" algn="l" defTabSz="914400" rtl="0" eaLnBrk="1" latinLnBrk="0" hangingPunct="1">
-        <a:lnSpc>
-          <a:spcPct val="90000"/>
-        </a:lnSpc>
-        <a:spcBef>
-          <a:spcPts val="1000"/>
-        </a:spcBef>
-        <a:buFont typeface="Arial" panose="020B0604020202020204" pitchFamily="34" charset="0"/>
-        <a:buChar char="•"/>
-        <a:defRPr sz="2800" kern="1200">
-          <a:solidFill>
-            <a:schemeClr val="tx1"/>
-          </a:solidFill>
-          <a:latin typeface="+mn-lt"/>
-          <a:ea typeface="+mn-ea"/>
-          <a:cs typeface="+mn-cs"/>
-        </a:defRPr>
-      </a:lvl1pPr>
-      <a:lvl2pPr marL="685800" indent="-228600" algn="l" defTabSz="914400" rtl="0" eaLnBrk="1" latinLnBrk="0" hangingPunct="1">
-        <a:lnSpc>
-          <a:spcPct val="90000"/>
-        </a:lnSpc>
-        <a:spcBef>
-          <a:spcPts val="500"/>
-        </a:spcBef>
-        <a:buFont typeface="Arial" panose="020B0604020202020204" pitchFamily="34" charset="0"/>
-        <a:buChar char="•"/>
-        <a:defRPr sz="2400" kern="1200">
-          <a:solidFill>
-            <a:schemeClr val="tx1"/>
-          </a:solidFill>
-          <a:latin typeface="+mn-lt"/>
-          <a:ea typeface="+mn-ea"/>
-          <a:cs typeface="+mn-cs"/>
-        </a:defRPr>
-      </a:lvl2pPr>
-      <a:lvl3pPr marL="1143000" indent="-228600" algn="l" defTabSz="914400" rtl="0" eaLnBrk="1" latinLnBrk="0" hangingPunct="1">
-        <a:lnSpc>
-          <a:spcPct val="90000"/>
-        </a:lnSpc>
-        <a:spcBef>
-          <a:spcPts val="500"/>
-        </a:spcBef>
-        <a:buFont typeface="Arial" panose="020B0604020202020204" pitchFamily="34" charset="0"/>
-        <a:buChar char="•"/>
-        <a:defRPr sz="2000" kern="1200">
-          <a:solidFill>
-            <a:schemeClr val="tx1"/>
-          </a:solidFill>
-          <a:latin typeface="+mn-lt"/>
-          <a:ea typeface="+mn-ea"/>
-          <a:cs typeface="+mn-cs"/>
-        </a:defRPr>
-      </a:lvl3pPr>
-      <a:lvl4pPr marL="1600200" indent="-228600" algn="l" defTabSz="914400" rtl="0" eaLnBrk="1" latinLnBrk="0" hangingPunct="1">
-        <a:lnSpc>
-          <a:spcPct val="90000"/>
-        </a:lnSpc>
-        <a:spcBef>
-          <a:spcPts val="500"/>
-        </a:spcBef>
-        <a:buFont typeface="Arial" panose="020B0604020202020204" pitchFamily="34" charset="0"/>
-        <a:buChar char="•"/>
-        <a:defRPr sz="1800" kern="1200">
-          <a:solidFill>
-            <a:schemeClr val="tx1"/>
-          </a:solidFill>
-          <a:latin typeface="+mn-lt"/>
-          <a:ea typeface="+mn-ea"/>
-          <a:cs typeface="+mn-cs"/>
-        </a:defRPr>
-      </a:lvl4pPr>
-      <a:lvl5pPr marL="2057400" indent="-228600" algn="l" defTabSz="914400" rtl="0" eaLnBrk="1" latinLnBrk="0" hangingPunct="1">
-        <a:lnSpc>
-          <a:spcPct val="90000"/>
-        </a:lnSpc>
-        <a:spcBef>
-          <a:spcPts val="500"/>
-        </a:spcBef>
-        <a:buFont typeface="Arial" panose="020B0604020202020204" pitchFamily="34" charset="0"/>
-        <a:buChar char="•"/>
-        <a:defRPr sz="1800" kern="1200">
-          <a:solidFill>
-            <a:schemeClr val="tx1"/>
-          </a:solidFill>
-          <a:latin typeface="+mn-lt"/>
-          <a:ea typeface="+mn-ea"/>
-          <a:cs typeface="+mn-cs"/>
-        </a:defRPr>
-      </a:lvl5pPr>
-      <a:lvl6pPr marL="2514600" indent="-228600" algn="l" defTabSz="914400" rtl="0" eaLnBrk="1" latinLnBrk="0" hangingPunct="1">
-        <a:lnSpc>
-          <a:spcPct val="90000"/>
-        </a:lnSpc>
-        <a:spcBef>
-          <a:spcPts val="500"/>
-        </a:spcBef>
-        <a:buFont typeface="Arial" panose="020B0604020202020204" pitchFamily="34" charset="0"/>
-        <a:buChar char="•"/>
-        <a:defRPr sz="1800" kern="1200">
-          <a:solidFill>
-            <a:schemeClr val="tx1"/>
-          </a:solidFill>
-          <a:latin typeface="+mn-lt"/>
-          <a:ea typeface="+mn-ea"/>
-          <a:cs typeface="+mn-cs"/>
-        </a:defRPr>
-      </a:lvl6pPr>
-      <a:lvl7pPr marL="2971800" indent="-228600" algn="l" defTabSz="914400" rtl="0" eaLnBrk="1" latinLnBrk="0" hangingPunct="1">
-        <a:lnSpc>
-          <a:spcPct val="90000"/>
-        </a:lnSpc>
-        <a:spcBef>
-          <a:spcPts val="500"/>
-        </a:spcBef>
-        <a:buFont typeface="Arial" panose="020B0604020202020204" pitchFamily="34" charset="0"/>
-        <a:buChar char="•"/>
-        <a:defRPr sz="1800" kern="1200">
-          <a:solidFill>
-            <a:schemeClr val="tx1"/>
-          </a:solidFill>
-          <a:latin typeface="+mn-lt"/>
-          <a:ea typeface="+mn-ea"/>
-          <a:cs typeface="+mn-cs"/>
-        </a:defRPr>
-      </a:lvl7pPr>
-      <a:lvl8pPr marL="3429000" indent="-228600" algn="l" defTabSz="914400" rtl="0" eaLnBrk="1" latinLnBrk="0" hangingPunct="1">
-        <a:lnSpc>
-          <a:spcPct val="90000"/>
-        </a:lnSpc>
-        <a:spcBef>
-          <a:spcPts val="500"/>
-        </a:spcBef>
-        <a:buFont typeface="Arial" panose="020B0604020202020204" pitchFamily="34" charset="0"/>
-        <a:buChar char="•"/>
-        <a:defRPr sz="1800" kern="1200">
-          <a:solidFill>
-            <a:schemeClr val="tx1"/>
-          </a:solidFill>
-          <a:latin typeface="+mn-lt"/>
-          <a:ea typeface="+mn-ea"/>
-          <a:cs typeface="+mn-cs"/>
-        </a:defRPr>
-      </a:lvl8pPr>
-      <a:lvl9pPr marL="3886200" indent="-228600" algn="l" defTabSz="914400" rtl="0" eaLnBrk="1" latinLnBrk="0" hangingPunct="1">
-        <a:lnSpc>
-          <a:spcPct val="90000"/>
-        </a:lnSpc>
-        <a:spcBef>
-          <a:spcPts val="500"/>
-        </a:spcBef>
-        <a:buFont typeface="Arial" panose="020B0604020202020204" pitchFamily="34" charset="0"/>
-        <a:buChar char="•"/>
-        <a:defRPr sz="1800" kern="1200">
-          <a:solidFill>
-            <a:schemeClr val="tx1"/>
-          </a:solidFill>
-          <a:latin typeface="+mn-lt"/>
-          <a:ea typeface="+mn-ea"/>
-          <a:cs typeface="+mn-cs"/>
-        </a:defRPr>
-      </a:lvl9pPr>
-    </p:bodyStyle>
-    <p:otherStyle>
-      <a:defPPr>
-        <a:defRPr lang="en-US"/>
-      </a:defPPr>
-      <a:lvl1pPr marL="0" algn="l" defTabSz="914400" rtl="0" eaLnBrk="1" latinLnBrk="0" hangingPunct="1">
-        <a:defRPr sz="1800" kern="1200">
-          <a:solidFill>
-            <a:schemeClr val="tx1"/>
-          </a:solidFill>
-          <a:latin typeface="+mn-lt"/>
-          <a:ea typeface="+mn-ea"/>
-          <a:cs typeface="+mn-cs"/>
-        </a:defRPr>
-      </a:lvl1pPr>
-      <a:lvl2pPr marL="457200" algn="l" defTabSz="914400" rtl="0" eaLnBrk="1" latinLnBrk="0" hangingPunct="1">
-        <a:defRPr sz="1800" kern="1200">
-          <a:solidFill>
-            <a:schemeClr val="tx1"/>
-          </a:solidFill>
-          <a:latin typeface="+mn-lt"/>
-          <a:ea typeface="+mn-ea"/>
-          <a:cs typeface="+mn-cs"/>
-        </a:defRPr>
-      </a:lvl2pPr>
-      <a:lvl3pPr marL="914400" algn="l" defTabSz="914400" rtl="0" eaLnBrk="1" latinLnBrk="0" hangingPunct="1">
-        <a:defRPr sz="1800" kern="1200">
-          <a:solidFill>
-            <a:schemeClr val="tx1"/>
-          </a:solidFill>
-          <a:latin typeface="+mn-lt"/>
-          <a:ea typeface="+mn-ea"/>
-          <a:cs typeface="+mn-cs"/>
-        </a:defRPr>
-      </a:lvl3pPr>
-      <a:lvl4pPr marL="1371600" algn="l" defTabSz="914400" rtl="0" eaLnBrk="1" latinLnBrk="0" hangingPunct="1">
-        <a:defRPr sz="1800" kern="1200">
-          <a:solidFill>
-            <a:schemeClr val="tx1"/>
-          </a:solidFill>
-          <a:latin typeface="+mn-lt"/>
-          <a:ea typeface="+mn-ea"/>
-          <a:cs typeface="+mn-cs"/>
-        </a:defRPr>
-      </a:lvl4pPr>
-      <a:lvl5pPr marL="1828800" algn="l" defTabSz="914400" rtl="0" eaLnBrk="1" latinLnBrk="0" hangingPunct="1">
-        <a:defRPr sz="1800" kern="1200">
-          <a:solidFill>
-            <a:schemeClr val="tx1"/>
-          </a:solidFill>
-          <a:latin typeface="+mn-lt"/>
-          <a:ea typeface="+mn-ea"/>
-          <a:cs typeface="+mn-cs"/>
-        </a:defRPr>
-      </a:lvl5pPr>
-      <a:lvl6pPr marL="2286000" algn="l" defTabSz="914400" rtl="0" eaLnBrk="1" latinLnBrk="0" hangingPunct="1">
-        <a:defRPr sz="1800" kern="1200">
-          <a:solidFill>
-            <a:schemeClr val="tx1"/>
-          </a:solidFill>
-          <a:latin typeface="+mn-lt"/>
-          <a:ea typeface="+mn-ea"/>
-          <a:cs typeface="+mn-cs"/>
-        </a:defRPr>
-      </a:lvl6pPr>
-      <a:lvl7pPr marL="2743200" algn="l" defTabSz="914400" rtl="0" eaLnBrk="1" latinLnBrk="0" hangingPunct="1">
-        <a:defRPr sz="1800" kern="1200">
-          <a:solidFill>
-            <a:schemeClr val="tx1"/>
-          </a:solidFill>
-          <a:latin typeface="+mn-lt"/>
-          <a:ea typeface="+mn-ea"/>
-          <a:cs typeface="+mn-cs"/>
-        </a:defRPr>
-      </a:lvl7pPr>
-      <a:lvl8pPr marL="3200400" algn="l" defTabSz="914400" rtl="0" eaLnBrk="1" latinLnBrk="0" hangingPunct="1">
-        <a:defRPr sz="1800" kern="1200">
-          <a:solidFill>
-            <a:schemeClr val="tx1"/>
-          </a:solidFill>
-          <a:latin typeface="+mn-lt"/>
-          <a:ea typeface="+mn-ea"/>
-          <a:cs typeface="+mn-cs"/>
-        </a:defRPr>
-      </a:lvl8pPr>
-      <a:lvl9pPr marL="3657600" algn="l" defTabSz="914400" rtl="0" eaLnBrk="1" latinLnBrk="0" hangingPunct="1">
-        <a:defRPr sz="1800" kern="1200">
-          <a:solidFill>
-            <a:schemeClr val="tx1"/>
-          </a:solidFill>
-          <a:latin typeface="+mn-lt"/>
-          <a:ea typeface="+mn-ea"/>
-          <a:cs typeface="+mn-cs"/>
-        </a:defRPr>
-      </a:lvl9pPr>
-    </p:otherStyle>
-  </p:txStyles>
 </p:sldMaster>
 </file>
 
 <file path=ppt/slides/slide1.xml><?xml version="1.0" encoding="utf-8"?>
-<p:sld xmlns:a="http://schemas.openxmlformats.org/drawingml/2006/main" xmlns:r="http://schemas.openxmlformats.org/officeDocument/2006/relationships" xmlns:p="http://schemas.openxmlformats.org/presentationml/2006/main">
+<p:sld xmlns:a="http://schemas.openxmlformats.org/drawingml/2006/main" xmlns:p="http://schemas.openxmlformats.org/presentationml/2006/main" xmlns:r="http://schemas.openxmlformats.org/officeDocument/2006/relationships" xmlns:p14="http://schemas.microsoft.com/office/powerpoint/2010/main" xmlns:p15="http://schemas.microsoft.com/office/powerpoint/2012/main" xmlns:mc="http://schemas.openxmlformats.org/markup-compatibility/2006">
   <p:cSld>
     <p:spTree>
       <p:nvGrpSpPr>
@@ -5279,14 +4853,14 @@
       </p:grpSpPr>
       <p:sp>
         <p:nvSpPr>
-          <p:cNvPr id="81" name="CustomShape 1"/>
+          <p:cNvPr id="86" name="CustomShape 1"/>
           <p:cNvSpPr/>
           <p:nvPr/>
         </p:nvSpPr>
         <p:spPr>
           <a:xfrm>
             <a:off x="274320" y="2011680"/>
-            <a:ext cx="9359640" cy="899640"/>
+            <a:ext cx="9359280" cy="899280"/>
           </a:xfrm>
           <a:prstGeom prst="rect">
             <a:avLst/>
@@ -5297,20 +4871,13 @@
           </a:ln>
         </p:spPr>
         <p:style>
-          <a:lnRef idx="0">
-            <a:scrgbClr r="0" g="0" b="0"/>
-          </a:lnRef>
-          <a:fillRef idx="0">
-            <a:scrgbClr r="0" g="0" b="0"/>
-          </a:fillRef>
-          <a:effectRef idx="0">
-            <a:scrgbClr r="0" g="0" b="0"/>
-          </a:effectRef>
+          <a:lnRef idx="0"/>
+          <a:fillRef idx="0"/>
+          <a:effectRef idx="0"/>
           <a:fontRef idx="minor"/>
         </p:style>
         <p:txBody>
-          <a:bodyPr lIns="0" tIns="0" rIns="0" bIns="0" anchor="b"/>
-          <a:lstStyle/>
+          <a:bodyPr lIns="0" rIns="0" tIns="0" bIns="0" anchor="b"/>
           <a:p>
             <a:pPr>
               <a:lnSpc>
@@ -5318,13 +4885,13 @@
               </a:lnSpc>
             </a:pPr>
             <a:r>
-              <a:rPr lang="en-US" sz="8000" b="0" strike="noStrike" spc="-1" dirty="0">
+              <a:rPr b="0" lang="en-US" sz="8000" spc="-1" strike="noStrike">
                 <a:solidFill>
                   <a:srgbClr val="000000"/>
                 </a:solidFill>
                 <a:uFill>
                   <a:solidFill>
-                    <a:srgbClr val="FFFFFF"/>
+                    <a:srgbClr val="ffffff"/>
                   </a:solidFill>
                 </a:uFill>
                 <a:latin typeface="Helvetica Neue Medium"/>
@@ -5332,30 +4899,30 @@
               </a:rPr>
               <a:t>Team Assignment 7: Tracing</a:t>
             </a:r>
-            <a:endParaRPr lang="en-US" sz="8000" b="0" strike="noStrike" spc="-1" dirty="0">
-              <a:solidFill>
-                <a:srgbClr val="000000"/>
-              </a:solidFill>
-              <a:uFill>
-                <a:solidFill>
-                  <a:srgbClr val="FFFFFF"/>
-                </a:solidFill>
-              </a:uFill>
-              <a:latin typeface="Arial"/>
-            </a:endParaRPr>
-          </a:p>
-        </p:txBody>
-      </p:sp>
-      <p:sp>
-        <p:nvSpPr>
-          <p:cNvPr id="82" name="CustomShape 2"/>
+            <a:endParaRPr b="0" lang="en-US" sz="8000" spc="-1" strike="noStrike">
+              <a:solidFill>
+                <a:srgbClr val="000000"/>
+              </a:solidFill>
+              <a:uFill>
+                <a:solidFill>
+                  <a:srgbClr val="ffffff"/>
+                </a:solidFill>
+              </a:uFill>
+              <a:latin typeface="Arial"/>
+            </a:endParaRPr>
+          </a:p>
+        </p:txBody>
+      </p:sp>
+      <p:sp>
+        <p:nvSpPr>
+          <p:cNvPr id="87" name="CustomShape 2"/>
           <p:cNvSpPr/>
           <p:nvPr/>
         </p:nvSpPr>
         <p:spPr>
           <a:xfrm>
             <a:off x="540000" y="4680000"/>
-            <a:ext cx="9179640" cy="2519640"/>
+            <a:ext cx="9179280" cy="2519280"/>
           </a:xfrm>
           <a:prstGeom prst="rect">
             <a:avLst/>
@@ -5366,20 +4933,13 @@
           </a:ln>
         </p:spPr>
         <p:style>
-          <a:lnRef idx="0">
-            <a:scrgbClr r="0" g="0" b="0"/>
-          </a:lnRef>
-          <a:fillRef idx="0">
-            <a:scrgbClr r="0" g="0" b="0"/>
-          </a:fillRef>
-          <a:effectRef idx="0">
-            <a:scrgbClr r="0" g="0" b="0"/>
-          </a:effectRef>
+          <a:lnRef idx="0"/>
+          <a:fillRef idx="0"/>
+          <a:effectRef idx="0"/>
           <a:fontRef idx="minor"/>
         </p:style>
         <p:txBody>
-          <a:bodyPr lIns="0" tIns="0" rIns="0" bIns="0"/>
-          <a:lstStyle/>
+          <a:bodyPr lIns="0" rIns="0" tIns="0" bIns="0"/>
           <a:p>
             <a:pPr>
               <a:lnSpc>
@@ -5390,13 +4950,13 @@
               </a:spcBef>
             </a:pPr>
             <a:r>
-              <a:rPr lang="en-US" sz="3200" b="0" strike="noStrike" spc="-1">
+              <a:rPr b="0" lang="en-US" sz="3200" spc="-1" strike="noStrike">
                 <a:solidFill>
                   <a:srgbClr val="000000"/>
                 </a:solidFill>
                 <a:uFill>
                   <a:solidFill>
-                    <a:srgbClr val="FFFFFF"/>
+                    <a:srgbClr val="ffffff"/>
                   </a:solidFill>
                 </a:uFill>
                 <a:latin typeface="Helvetica Neue"/>
@@ -5404,13 +4964,13 @@
               </a:rPr>
               <a:t>Tutorial 6 Team 3: Kieran, Seth, William, Rulan</a:t>
             </a:r>
-            <a:endParaRPr lang="en-US" sz="3200" b="0" strike="noStrike" spc="-1">
-              <a:solidFill>
-                <a:srgbClr val="000000"/>
-              </a:solidFill>
-              <a:uFill>
-                <a:solidFill>
-                  <a:srgbClr val="FFFFFF"/>
+            <a:endParaRPr b="0" lang="en-US" sz="3200" spc="-1" strike="noStrike">
+              <a:solidFill>
+                <a:srgbClr val="000000"/>
+              </a:solidFill>
+              <a:uFill>
+                <a:solidFill>
+                  <a:srgbClr val="ffffff"/>
                 </a:solidFill>
               </a:uFill>
               <a:latin typeface="Arial"/>
@@ -5420,9 +4980,6 @@
       </p:sp>
     </p:spTree>
   </p:cSld>
-  <p:clrMapOvr>
-    <a:masterClrMapping/>
-  </p:clrMapOvr>
   <p:timing>
     <p:tnLst>
       <p:par>
@@ -5431,14 +4988,14 @@
             <p:seq>
               <p:cTn id="2" nodeType="mainSeq"/>
               <p:prevCondLst>
-                <p:cond evt="onPrev" delay="0">
+                <p:cond delay="0" evt="onPrev">
                   <p:tgtEl>
                     <p:sldTgt/>
                   </p:tgtEl>
                 </p:cond>
               </p:prevCondLst>
               <p:nextCondLst>
-                <p:cond evt="onNext" delay="0">
+                <p:cond delay="0" evt="onNext">
                   <p:tgtEl>
                     <p:sldTgt/>
                   </p:tgtEl>
@@ -5454,7 +5011,7 @@
 </file>
 
 <file path=ppt/slides/slide2.xml><?xml version="1.0" encoding="utf-8"?>
-<p:sld xmlns:a="http://schemas.openxmlformats.org/drawingml/2006/main" xmlns:r="http://schemas.openxmlformats.org/officeDocument/2006/relationships" xmlns:p="http://schemas.openxmlformats.org/presentationml/2006/main">
+<p:sld xmlns:a="http://schemas.openxmlformats.org/drawingml/2006/main" xmlns:p="http://schemas.openxmlformats.org/presentationml/2006/main" xmlns:r="http://schemas.openxmlformats.org/officeDocument/2006/relationships" xmlns:p14="http://schemas.microsoft.com/office/powerpoint/2010/main" xmlns:p15="http://schemas.microsoft.com/office/powerpoint/2012/main" xmlns:mc="http://schemas.openxmlformats.org/markup-compatibility/2006">
   <p:cSld>
     <p:spTree>
       <p:nvGrpSpPr>
@@ -5472,14 +5029,14 @@
       </p:grpSpPr>
       <p:sp>
         <p:nvSpPr>
-          <p:cNvPr id="83" name="CustomShape 1"/>
+          <p:cNvPr id="88" name="CustomShape 1"/>
           <p:cNvSpPr/>
           <p:nvPr/>
         </p:nvSpPr>
         <p:spPr>
           <a:xfrm>
             <a:off x="360000" y="360000"/>
-            <a:ext cx="9359640" cy="899640"/>
+            <a:ext cx="9359280" cy="899280"/>
           </a:xfrm>
           <a:prstGeom prst="rect">
             <a:avLst/>
@@ -5490,109 +5047,88 @@
           </a:ln>
         </p:spPr>
         <p:style>
-          <a:lnRef idx="0">
-            <a:scrgbClr r="0" g="0" b="0"/>
-          </a:lnRef>
-          <a:fillRef idx="0">
-            <a:scrgbClr r="0" g="0" b="0"/>
-          </a:fillRef>
-          <a:effectRef idx="0">
-            <a:scrgbClr r="0" g="0" b="0"/>
-          </a:effectRef>
+          <a:lnRef idx="0"/>
+          <a:fillRef idx="0"/>
+          <a:effectRef idx="0"/>
           <a:fontRef idx="minor"/>
         </p:style>
         <p:txBody>
-          <a:bodyPr lIns="0" tIns="0" rIns="0" bIns="0" anchor="b"/>
-          <a:lstStyle/>
-          <a:p>
+          <a:bodyPr lIns="0" rIns="0" tIns="0" bIns="0" anchor="b"/>
+          <a:p>
+            <a:pPr>
+              <a:lnSpc>
+                <a:spcPct val="100000"/>
+              </a:lnSpc>
+            </a:pPr>
             <a:r>
-              <a:rPr lang="en-US" sz="2600" b="1" strike="noStrike" spc="-1" dirty="0">
-                <a:solidFill>
-                  <a:srgbClr val="FFFFFF"/>
+              <a:rPr b="1" lang="en-US" sz="2800" spc="-1" strike="noStrike">
+                <a:solidFill>
+                  <a:srgbClr val="ffffff"/>
                 </a:solidFill>
                 <a:uFill>
                   <a:solidFill>
-                    <a:srgbClr val="FFFFFF"/>
+                    <a:srgbClr val="ffffff"/>
                   </a:solidFill>
                 </a:uFill>
                 <a:latin typeface="Source Sans Pro Black"/>
+                <a:ea typeface="DejaVu Sans"/>
               </a:rPr>
-              <a:t>)</a:t>
+              <a:t>BankAccount b1 = new ChequingAccount(new Customer("John Doe", 1001), 100.0, 10.0);</a:t>
             </a:r>
-            <a:r>
-              <a:rPr lang="en-US" sz="3200" b="1" strike="noStrike" spc="-1" dirty="0">
-                <a:solidFill>
-                  <a:srgbClr val="FFFFFF"/>
-                </a:solidFill>
-                <a:uFill>
-                  <a:solidFill>
-                    <a:srgbClr val="FFFFFF"/>
-                  </a:solidFill>
-                </a:uFill>
-                <a:latin typeface="Source Sans Pro Black"/>
-              </a:rPr>
-              <a:t>;</a:t>
-            </a:r>
-            <a:endParaRPr lang="en-US" sz="3200" b="0" strike="noStrike" spc="-1" dirty="0">
-              <a:solidFill>
-                <a:srgbClr val="000000"/>
-              </a:solidFill>
-              <a:uFill>
-                <a:solidFill>
-                  <a:srgbClr val="FFFFFF"/>
-                </a:solidFill>
-              </a:uFill>
-              <a:latin typeface="Arial"/>
-            </a:endParaRPr>
-          </a:p>
-        </p:txBody>
-      </p:sp>
-      <p:sp>
-        <p:nvSpPr>
-          <p:cNvPr id="84" name="CustomShape 2"/>
+            <a:endParaRPr b="0" lang="en-US" sz="2800" spc="-1" strike="noStrike">
+              <a:solidFill>
+                <a:srgbClr val="000000"/>
+              </a:solidFill>
+              <a:uFill>
+                <a:solidFill>
+                  <a:srgbClr val="ffffff"/>
+                </a:solidFill>
+              </a:uFill>
+              <a:latin typeface="Arial"/>
+            </a:endParaRPr>
+          </a:p>
+        </p:txBody>
+      </p:sp>
+      <p:sp>
+        <p:nvSpPr>
+          <p:cNvPr id="89" name="CustomShape 2"/>
           <p:cNvSpPr/>
           <p:nvPr/>
         </p:nvSpPr>
         <p:spPr>
           <a:xfrm>
-            <a:off x="322920" y="1771200"/>
-            <a:ext cx="4762080" cy="2707560"/>
+            <a:off x="1420200" y="1770480"/>
+            <a:ext cx="3798720" cy="2159640"/>
           </a:xfrm>
           <a:prstGeom prst="rect">
             <a:avLst/>
           </a:prstGeom>
           <a:solidFill>
-            <a:srgbClr val="729FCF"/>
+            <a:srgbClr val="729fcf"/>
           </a:solidFill>
           <a:ln>
             <a:solidFill>
-              <a:srgbClr val="3465A4"/>
+              <a:srgbClr val="3465a4"/>
             </a:solidFill>
           </a:ln>
         </p:spPr>
         <p:style>
-          <a:lnRef idx="0">
-            <a:scrgbClr r="0" g="0" b="0"/>
-          </a:lnRef>
-          <a:fillRef idx="0">
-            <a:scrgbClr r="0" g="0" b="0"/>
-          </a:fillRef>
-          <a:effectRef idx="0">
-            <a:scrgbClr r="0" g="0" b="0"/>
-          </a:effectRef>
+          <a:lnRef idx="0"/>
+          <a:fillRef idx="0"/>
+          <a:effectRef idx="0"/>
           <a:fontRef idx="minor"/>
         </p:style>
       </p:sp>
       <p:sp>
         <p:nvSpPr>
-          <p:cNvPr id="85" name="CustomShape 3"/>
+          <p:cNvPr id="90" name="CustomShape 3"/>
           <p:cNvSpPr/>
           <p:nvPr/>
         </p:nvSpPr>
         <p:spPr>
           <a:xfrm>
-            <a:off x="456840" y="2008800"/>
-            <a:ext cx="4250160" cy="2288880"/>
+            <a:off x="1527120" y="1960200"/>
+            <a:ext cx="3390480" cy="1825560"/>
           </a:xfrm>
           <a:prstGeom prst="rect">
             <a:avLst/>
@@ -5603,22 +5139,15 @@
           </a:ln>
         </p:spPr>
         <p:style>
-          <a:lnRef idx="0">
-            <a:scrgbClr r="0" g="0" b="0"/>
-          </a:lnRef>
-          <a:fillRef idx="0">
-            <a:scrgbClr r="0" g="0" b="0"/>
-          </a:fillRef>
-          <a:effectRef idx="0">
-            <a:scrgbClr r="0" g="0" b="0"/>
-          </a:effectRef>
+          <a:lnRef idx="0"/>
+          <a:fillRef idx="0"/>
+          <a:effectRef idx="0"/>
           <a:fontRef idx="minor"/>
         </p:style>
         <p:txBody>
-          <a:bodyPr lIns="0" tIns="0" rIns="0" bIns="0">
-            <a:normAutofit lnSpcReduction="10000"/>
+          <a:bodyPr lIns="0" rIns="0" tIns="0" bIns="0">
+            <a:normAutofit/>
           </a:bodyPr>
-          <a:lstStyle/>
           <a:p>
             <a:pPr>
               <a:lnSpc>
@@ -5629,26 +5158,27 @@
               </a:spcAft>
             </a:pPr>
             <a:r>
-              <a:rPr lang="en-US" sz="2600" b="1" strike="noStrike" spc="-1">
-                <a:solidFill>
-                  <a:srgbClr val="1C1C1C"/>
+              <a:rPr b="1" lang="en-US" sz="2600" spc="-1" strike="noStrike">
+                <a:solidFill>
+                  <a:srgbClr val="1c1c1c"/>
                 </a:solidFill>
                 <a:uFill>
                   <a:solidFill>
-                    <a:srgbClr val="FFFFFF"/>
+                    <a:srgbClr val="ffffff"/>
                   </a:solidFill>
                 </a:uFill>
                 <a:latin typeface="Source Sans Pro Semibold"/>
+                <a:ea typeface="DejaVu Sans"/>
               </a:rPr>
-              <a:t>cCustomer</a:t>
+              <a:t>b1Customer</a:t>
             </a:r>
-            <a:endParaRPr lang="en-US" sz="2600" b="0" strike="noStrike" spc="-1">
-              <a:solidFill>
-                <a:srgbClr val="000000"/>
-              </a:solidFill>
-              <a:uFill>
-                <a:solidFill>
-                  <a:srgbClr val="FFFFFF"/>
+            <a:endParaRPr b="0" lang="en-US" sz="2600" spc="-1" strike="noStrike">
+              <a:solidFill>
+                <a:srgbClr val="000000"/>
+              </a:solidFill>
+              <a:uFill>
+                <a:solidFill>
+                  <a:srgbClr val="ffffff"/>
                 </a:solidFill>
               </a:uFill>
               <a:latin typeface="Arial"/>
@@ -5664,26 +5194,27 @@
               </a:spcAft>
             </a:pPr>
             <a:r>
-              <a:rPr lang="en-US" sz="2600" b="1" strike="noStrike" spc="-1">
-                <a:solidFill>
-                  <a:srgbClr val="1C1C1C"/>
+              <a:rPr b="1" lang="en-US" sz="2600" spc="-1" strike="noStrike">
+                <a:solidFill>
+                  <a:srgbClr val="1c1c1c"/>
                 </a:solidFill>
                 <a:uFill>
                   <a:solidFill>
-                    <a:srgbClr val="FFFFFF"/>
+                    <a:srgbClr val="ffffff"/>
                   </a:solidFill>
                 </a:uFill>
                 <a:latin typeface="Source Sans Pro Semibold"/>
+                <a:ea typeface="DejaVu Sans"/>
               </a:rPr>
               <a:t>name = “John Doe”</a:t>
             </a:r>
-            <a:endParaRPr lang="en-US" sz="2600" b="0" strike="noStrike" spc="-1">
-              <a:solidFill>
-                <a:srgbClr val="000000"/>
-              </a:solidFill>
-              <a:uFill>
-                <a:solidFill>
-                  <a:srgbClr val="FFFFFF"/>
+            <a:endParaRPr b="0" lang="en-US" sz="2600" spc="-1" strike="noStrike">
+              <a:solidFill>
+                <a:srgbClr val="000000"/>
+              </a:solidFill>
+              <a:uFill>
+                <a:solidFill>
+                  <a:srgbClr val="ffffff"/>
                 </a:solidFill>
               </a:uFill>
               <a:latin typeface="Arial"/>
@@ -5699,26 +5230,27 @@
               </a:spcAft>
             </a:pPr>
             <a:r>
-              <a:rPr lang="en-US" sz="2600" b="1" strike="noStrike" spc="-1">
-                <a:solidFill>
-                  <a:srgbClr val="1C1C1C"/>
+              <a:rPr b="1" lang="en-US" sz="2600" spc="-1" strike="noStrike">
+                <a:solidFill>
+                  <a:srgbClr val="1c1c1c"/>
                 </a:solidFill>
                 <a:uFill>
                   <a:solidFill>
-                    <a:srgbClr val="FFFFFF"/>
+                    <a:srgbClr val="ffffff"/>
                   </a:solidFill>
                 </a:uFill>
                 <a:latin typeface="Source Sans Pro Semibold"/>
+                <a:ea typeface="DejaVu Sans"/>
               </a:rPr>
-              <a:t>customerID = 321</a:t>
+              <a:t>customerID = 1001</a:t>
             </a:r>
-            <a:endParaRPr lang="en-US" sz="2600" b="0" strike="noStrike" spc="-1">
-              <a:solidFill>
-                <a:srgbClr val="000000"/>
-              </a:solidFill>
-              <a:uFill>
-                <a:solidFill>
-                  <a:srgbClr val="FFFFFF"/>
+            <a:endParaRPr b="0" lang="en-US" sz="2600" spc="-1" strike="noStrike">
+              <a:solidFill>
+                <a:srgbClr val="000000"/>
+              </a:solidFill>
+              <a:uFill>
+                <a:solidFill>
+                  <a:srgbClr val="ffffff"/>
                 </a:solidFill>
               </a:uFill>
               <a:latin typeface="Arial"/>
@@ -5734,26 +5266,27 @@
               </a:spcAft>
             </a:pPr>
             <a:r>
-              <a:rPr lang="en-US" sz="2600" b="1" strike="noStrike" spc="-1">
-                <a:solidFill>
-                  <a:srgbClr val="1C1C1C"/>
+              <a:rPr b="1" lang="en-US" sz="2600" spc="-1" strike="noStrike">
+                <a:solidFill>
+                  <a:srgbClr val="1c1c1c"/>
                 </a:solidFill>
                 <a:uFill>
                   <a:solidFill>
-                    <a:srgbClr val="FFFFFF"/>
+                    <a:srgbClr val="ffffff"/>
                   </a:solidFill>
                 </a:uFill>
                 <a:latin typeface="Source Sans Pro Semibold"/>
+                <a:ea typeface="DejaVu Sans"/>
               </a:rPr>
               <a:t> </a:t>
             </a:r>
-            <a:endParaRPr lang="en-US" sz="2600" b="0" strike="noStrike" spc="-1">
-              <a:solidFill>
-                <a:srgbClr val="000000"/>
-              </a:solidFill>
-              <a:uFill>
-                <a:solidFill>
-                  <a:srgbClr val="FFFFFF"/>
+            <a:endParaRPr b="0" lang="en-US" sz="2600" spc="-1" strike="noStrike">
+              <a:solidFill>
+                <a:srgbClr val="000000"/>
+              </a:solidFill>
+              <a:uFill>
+                <a:solidFill>
+                  <a:srgbClr val="ffffff"/>
                 </a:solidFill>
               </a:uFill>
               <a:latin typeface="Arial"/>
@@ -5769,54 +5302,2733 @@
               </a:spcAft>
             </a:pPr>
             <a:r>
-              <a:rPr lang="en-US" sz="2000" b="1" strike="noStrike" spc="-1">
+              <a:rPr b="1" lang="en-US" sz="2000" spc="-1" strike="noStrike">
                 <a:solidFill>
                   <a:srgbClr val="800000"/>
                 </a:solidFill>
                 <a:uFill>
                   <a:solidFill>
-                    <a:srgbClr val="FFFFFF"/>
+                    <a:srgbClr val="ffffff"/>
                   </a:solidFill>
                 </a:uFill>
                 <a:latin typeface="Source Sans Pro Semibold"/>
+                <a:ea typeface="DejaVu Sans"/>
               </a:rPr>
               <a:t>Memory Address: 2390</a:t>
             </a:r>
-            <a:endParaRPr lang="en-US" sz="2000" b="0" strike="noStrike" spc="-1">
-              <a:solidFill>
-                <a:srgbClr val="000000"/>
-              </a:solidFill>
-              <a:uFill>
-                <a:solidFill>
-                  <a:srgbClr val="FFFFFF"/>
-                </a:solidFill>
-              </a:uFill>
-              <a:latin typeface="Arial"/>
-            </a:endParaRPr>
-          </a:p>
-        </p:txBody>
+            <a:endParaRPr b="0" lang="en-US" sz="2000" spc="-1" strike="noStrike">
+              <a:solidFill>
+                <a:srgbClr val="000000"/>
+              </a:solidFill>
+              <a:uFill>
+                <a:solidFill>
+                  <a:srgbClr val="ffffff"/>
+                </a:solidFill>
+              </a:uFill>
+              <a:latin typeface="Arial"/>
+            </a:endParaRPr>
+          </a:p>
+        </p:txBody>
+      </p:sp>
+      <p:sp>
+        <p:nvSpPr>
+          <p:cNvPr id="91" name="CustomShape 4"/>
+          <p:cNvSpPr/>
+          <p:nvPr/>
+        </p:nvSpPr>
+        <p:spPr>
+          <a:xfrm>
+            <a:off x="5320800" y="1743480"/>
+            <a:ext cx="3823200" cy="2188440"/>
+          </a:xfrm>
+          <a:prstGeom prst="rect">
+            <a:avLst/>
+          </a:prstGeom>
+          <a:solidFill>
+            <a:srgbClr val="ff7f00"/>
+          </a:solidFill>
+          <a:ln>
+            <a:solidFill>
+              <a:srgbClr val="3465a4"/>
+            </a:solidFill>
+          </a:ln>
+        </p:spPr>
+        <p:style>
+          <a:lnRef idx="0"/>
+          <a:fillRef idx="0"/>
+          <a:effectRef idx="0"/>
+          <a:fontRef idx="minor"/>
+        </p:style>
+      </p:sp>
+      <p:sp>
+        <p:nvSpPr>
+          <p:cNvPr id="92" name="CustomShape 5"/>
+          <p:cNvSpPr/>
+          <p:nvPr/>
+        </p:nvSpPr>
+        <p:spPr>
+          <a:xfrm>
+            <a:off x="5425920" y="1825200"/>
+            <a:ext cx="3156480" cy="1879200"/>
+          </a:xfrm>
+          <a:prstGeom prst="rect">
+            <a:avLst/>
+          </a:prstGeom>
+          <a:noFill/>
+          <a:ln>
+            <a:noFill/>
+          </a:ln>
+        </p:spPr>
+        <p:style>
+          <a:lnRef idx="0"/>
+          <a:fillRef idx="0"/>
+          <a:effectRef idx="0"/>
+          <a:fontRef idx="minor"/>
+        </p:style>
+        <p:txBody>
+          <a:bodyPr lIns="0" rIns="0" tIns="0" bIns="0">
+            <a:normAutofit/>
+          </a:bodyPr>
+          <a:p>
+            <a:pPr>
+              <a:lnSpc>
+                <a:spcPct val="100000"/>
+              </a:lnSpc>
+              <a:spcAft>
+                <a:spcPts val="1142"/>
+              </a:spcAft>
+            </a:pPr>
+            <a:r>
+              <a:rPr b="1" lang="en-US" sz="2600" spc="-1" strike="noStrike">
+                <a:solidFill>
+                  <a:srgbClr val="1c1c1c"/>
+                </a:solidFill>
+                <a:uFill>
+                  <a:solidFill>
+                    <a:srgbClr val="ffffff"/>
+                  </a:solidFill>
+                </a:uFill>
+                <a:latin typeface="Source Sans Pro Semibold"/>
+                <a:ea typeface="DejaVu Sans"/>
+              </a:rPr>
+              <a:t>b1ChequingAccount</a:t>
+            </a:r>
+            <a:endParaRPr b="0" lang="en-US" sz="2600" spc="-1" strike="noStrike">
+              <a:solidFill>
+                <a:srgbClr val="000000"/>
+              </a:solidFill>
+              <a:uFill>
+                <a:solidFill>
+                  <a:srgbClr val="ffffff"/>
+                </a:solidFill>
+              </a:uFill>
+              <a:latin typeface="Arial"/>
+            </a:endParaRPr>
+          </a:p>
+          <a:p>
+            <a:pPr>
+              <a:lnSpc>
+                <a:spcPct val="100000"/>
+              </a:lnSpc>
+              <a:spcAft>
+                <a:spcPts val="1142"/>
+              </a:spcAft>
+            </a:pPr>
+            <a:r>
+              <a:rPr b="1" lang="en-US" sz="2600" spc="-1" strike="noStrike">
+                <a:solidFill>
+                  <a:srgbClr val="1c1c1c"/>
+                </a:solidFill>
+                <a:uFill>
+                  <a:solidFill>
+                    <a:srgbClr val="ffffff"/>
+                  </a:solidFill>
+                </a:uFill>
+                <a:latin typeface="Source Sans Pro Semibold"/>
+                <a:ea typeface="DejaVu Sans"/>
+              </a:rPr>
+              <a:t>customer = b1</a:t>
+            </a:r>
+            <a:endParaRPr b="0" lang="en-US" sz="2600" spc="-1" strike="noStrike">
+              <a:solidFill>
+                <a:srgbClr val="000000"/>
+              </a:solidFill>
+              <a:uFill>
+                <a:solidFill>
+                  <a:srgbClr val="ffffff"/>
+                </a:solidFill>
+              </a:uFill>
+              <a:latin typeface="Arial"/>
+            </a:endParaRPr>
+          </a:p>
+          <a:p>
+            <a:pPr>
+              <a:lnSpc>
+                <a:spcPct val="100000"/>
+              </a:lnSpc>
+              <a:spcAft>
+                <a:spcPts val="1142"/>
+              </a:spcAft>
+            </a:pPr>
+            <a:r>
+              <a:rPr b="1" lang="en-US" sz="2600" spc="-1" strike="noStrike">
+                <a:solidFill>
+                  <a:srgbClr val="1c1c1c"/>
+                </a:solidFill>
+                <a:uFill>
+                  <a:solidFill>
+                    <a:srgbClr val="ffffff"/>
+                  </a:solidFill>
+                </a:uFill>
+                <a:latin typeface="Source Sans Pro Semibold"/>
+                <a:ea typeface="DejaVu Sans"/>
+              </a:rPr>
+              <a:t>balance = 100.0</a:t>
+            </a:r>
+            <a:endParaRPr b="0" lang="en-US" sz="2600" spc="-1" strike="noStrike">
+              <a:solidFill>
+                <a:srgbClr val="000000"/>
+              </a:solidFill>
+              <a:uFill>
+                <a:solidFill>
+                  <a:srgbClr val="ffffff"/>
+                </a:solidFill>
+              </a:uFill>
+              <a:latin typeface="Arial"/>
+            </a:endParaRPr>
+          </a:p>
+          <a:p>
+            <a:pPr>
+              <a:lnSpc>
+                <a:spcPct val="100000"/>
+              </a:lnSpc>
+              <a:spcAft>
+                <a:spcPts val="1142"/>
+              </a:spcAft>
+            </a:pPr>
+            <a:r>
+              <a:rPr b="1" lang="en-US" sz="2600" spc="-1" strike="noStrike">
+                <a:solidFill>
+                  <a:srgbClr val="1c1c1c"/>
+                </a:solidFill>
+                <a:uFill>
+                  <a:solidFill>
+                    <a:srgbClr val="ffffff"/>
+                  </a:solidFill>
+                </a:uFill>
+                <a:latin typeface="Source Sans Pro Semibold"/>
+                <a:ea typeface="DejaVu Sans"/>
+              </a:rPr>
+              <a:t>overdraftFee = 10.0</a:t>
+            </a:r>
+            <a:endParaRPr b="0" lang="en-US" sz="2600" spc="-1" strike="noStrike">
+              <a:solidFill>
+                <a:srgbClr val="000000"/>
+              </a:solidFill>
+              <a:uFill>
+                <a:solidFill>
+                  <a:srgbClr val="ffffff"/>
+                </a:solidFill>
+              </a:uFill>
+              <a:latin typeface="Arial"/>
+            </a:endParaRPr>
+          </a:p>
+          <a:p>
+            <a:pPr algn="ctr">
+              <a:lnSpc>
+                <a:spcPct val="100000"/>
+              </a:lnSpc>
+              <a:spcAft>
+                <a:spcPts val="1142"/>
+              </a:spcAft>
+            </a:pPr>
+            <a:r>
+              <a:rPr b="1" lang="en-US" sz="2000" spc="-1" strike="noStrike">
+                <a:solidFill>
+                  <a:srgbClr val="800000"/>
+                </a:solidFill>
+                <a:uFill>
+                  <a:solidFill>
+                    <a:srgbClr val="ffffff"/>
+                  </a:solidFill>
+                </a:uFill>
+                <a:latin typeface="Source Sans Pro Semibold"/>
+                <a:ea typeface="DejaVu Sans"/>
+              </a:rPr>
+              <a:t>Memory Address: 2871</a:t>
+            </a:r>
+            <a:endParaRPr b="0" lang="en-US" sz="2000" spc="-1" strike="noStrike">
+              <a:solidFill>
+                <a:srgbClr val="000000"/>
+              </a:solidFill>
+              <a:uFill>
+                <a:solidFill>
+                  <a:srgbClr val="ffffff"/>
+                </a:solidFill>
+              </a:uFill>
+              <a:latin typeface="Arial"/>
+            </a:endParaRPr>
+          </a:p>
+        </p:txBody>
+      </p:sp>
+      <p:sp>
+        <p:nvSpPr>
+          <p:cNvPr id="93" name="Line 6"/>
+          <p:cNvSpPr/>
+          <p:nvPr/>
+        </p:nvSpPr>
+        <p:spPr>
+          <a:xfrm flipH="1" flipV="1">
+            <a:off x="4226400" y="2181240"/>
+            <a:ext cx="2918160" cy="145800"/>
+          </a:xfrm>
+          <a:prstGeom prst="line">
+            <a:avLst/>
+          </a:prstGeom>
+          <a:ln>
+            <a:solidFill>
+              <a:srgbClr val="000000"/>
+            </a:solidFill>
+            <a:tailEnd len="med" type="triangle" w="med"/>
+          </a:ln>
+        </p:spPr>
+        <p:style>
+          <a:lnRef idx="0"/>
+          <a:fillRef idx="0"/>
+          <a:effectRef idx="0"/>
+          <a:fontRef idx="minor"/>
+        </p:style>
       </p:sp>
     </p:spTree>
   </p:cSld>
-  <p:clrMapOvr>
-    <a:masterClrMapping/>
-  </p:clrMapOvr>
   <p:timing>
     <p:tnLst>
       <p:par>
-        <p:cTn id="1" dur="indefinite" restart="never" nodeType="tmRoot">
+        <p:cTn id="3" dur="indefinite" restart="never" nodeType="tmRoot">
           <p:childTnLst>
             <p:seq>
-              <p:cTn id="2" nodeType="mainSeq"/>
+              <p:cTn id="4" nodeType="mainSeq"/>
               <p:prevCondLst>
-                <p:cond evt="onPrev" delay="0">
+                <p:cond delay="0" evt="onPrev">
                   <p:tgtEl>
                     <p:sldTgt/>
                   </p:tgtEl>
                 </p:cond>
               </p:prevCondLst>
               <p:nextCondLst>
-                <p:cond evt="onNext" delay="0">
+                <p:cond delay="0" evt="onNext">
+                  <p:tgtEl>
+                    <p:sldTgt/>
+                  </p:tgtEl>
+                </p:cond>
+              </p:nextCondLst>
+            </p:seq>
+          </p:childTnLst>
+        </p:cTn>
+      </p:par>
+    </p:tnLst>
+  </p:timing>
+</p:sld>
+</file>
+
+<file path=ppt/slides/slide3.xml><?xml version="1.0" encoding="utf-8"?>
+<p:sld xmlns:a="http://schemas.openxmlformats.org/drawingml/2006/main" xmlns:p="http://schemas.openxmlformats.org/presentationml/2006/main" xmlns:r="http://schemas.openxmlformats.org/officeDocument/2006/relationships" xmlns:p14="http://schemas.microsoft.com/office/powerpoint/2010/main" xmlns:p15="http://schemas.microsoft.com/office/powerpoint/2012/main" xmlns:mc="http://schemas.openxmlformats.org/markup-compatibility/2006">
+  <p:cSld>
+    <p:spTree>
+      <p:nvGrpSpPr>
+        <p:cNvPr id="1" name=""/>
+        <p:cNvGrpSpPr/>
+        <p:nvPr/>
+      </p:nvGrpSpPr>
+      <p:grpSpPr>
+        <a:xfrm>
+          <a:off x="0" y="0"/>
+          <a:ext cx="0" cy="0"/>
+          <a:chOff x="0" y="0"/>
+          <a:chExt cx="0" cy="0"/>
+        </a:xfrm>
+      </p:grpSpPr>
+      <p:sp>
+        <p:nvSpPr>
+          <p:cNvPr id="94" name="CustomShape 1"/>
+          <p:cNvSpPr/>
+          <p:nvPr/>
+        </p:nvSpPr>
+        <p:spPr>
+          <a:xfrm>
+            <a:off x="360000" y="360000"/>
+            <a:ext cx="9359280" cy="899280"/>
+          </a:xfrm>
+          <a:prstGeom prst="rect">
+            <a:avLst/>
+          </a:prstGeom>
+          <a:noFill/>
+          <a:ln>
+            <a:noFill/>
+          </a:ln>
+        </p:spPr>
+        <p:style>
+          <a:lnRef idx="0"/>
+          <a:fillRef idx="0"/>
+          <a:effectRef idx="0"/>
+          <a:fontRef idx="minor"/>
+        </p:style>
+        <p:txBody>
+          <a:bodyPr lIns="0" rIns="0" tIns="0" bIns="0" anchor="b"/>
+          <a:p>
+            <a:pPr>
+              <a:lnSpc>
+                <a:spcPct val="100000"/>
+              </a:lnSpc>
+            </a:pPr>
+            <a:r>
+              <a:rPr b="1" lang="en-US" sz="2800" spc="-1" strike="noStrike">
+                <a:solidFill>
+                  <a:srgbClr val="ffffff"/>
+                </a:solidFill>
+                <a:uFill>
+                  <a:solidFill>
+                    <a:srgbClr val="ffffff"/>
+                  </a:solidFill>
+                </a:uFill>
+                <a:latin typeface="Source Sans Pro Black"/>
+                <a:ea typeface="DejaVu Sans"/>
+              </a:rPr>
+              <a:t>b1.monthEndUpdate();</a:t>
+            </a:r>
+            <a:endParaRPr b="0" lang="en-US" sz="2800" spc="-1" strike="noStrike">
+              <a:solidFill>
+                <a:srgbClr val="000000"/>
+              </a:solidFill>
+              <a:uFill>
+                <a:solidFill>
+                  <a:srgbClr val="ffffff"/>
+                </a:solidFill>
+              </a:uFill>
+              <a:latin typeface="Arial"/>
+            </a:endParaRPr>
+          </a:p>
+          <a:p>
+            <a:pPr>
+              <a:lnSpc>
+                <a:spcPct val="100000"/>
+              </a:lnSpc>
+            </a:pPr>
+            <a:r>
+              <a:rPr b="1" lang="en-US" sz="2800" spc="-1" strike="noStrike">
+                <a:solidFill>
+                  <a:srgbClr val="ffffff"/>
+                </a:solidFill>
+                <a:uFill>
+                  <a:solidFill>
+                    <a:srgbClr val="ffffff"/>
+                  </a:solidFill>
+                </a:uFill>
+                <a:latin typeface="Source Sans Pro Black"/>
+                <a:ea typeface="DejaVu Sans"/>
+              </a:rPr>
+              <a:t>b2.monthEndUpdate();</a:t>
+            </a:r>
+            <a:endParaRPr b="0" lang="en-US" sz="2800" spc="-1" strike="noStrike">
+              <a:solidFill>
+                <a:srgbClr val="000000"/>
+              </a:solidFill>
+              <a:uFill>
+                <a:solidFill>
+                  <a:srgbClr val="ffffff"/>
+                </a:solidFill>
+              </a:uFill>
+              <a:latin typeface="Arial"/>
+            </a:endParaRPr>
+          </a:p>
+        </p:txBody>
+      </p:sp>
+      <p:sp>
+        <p:nvSpPr>
+          <p:cNvPr id="95" name="CustomShape 2"/>
+          <p:cNvSpPr/>
+          <p:nvPr/>
+        </p:nvSpPr>
+        <p:spPr>
+          <a:xfrm>
+            <a:off x="1420200" y="1770480"/>
+            <a:ext cx="3798720" cy="2159640"/>
+          </a:xfrm>
+          <a:prstGeom prst="rect">
+            <a:avLst/>
+          </a:prstGeom>
+          <a:solidFill>
+            <a:srgbClr val="729fcf"/>
+          </a:solidFill>
+          <a:ln>
+            <a:solidFill>
+              <a:srgbClr val="3465a4"/>
+            </a:solidFill>
+          </a:ln>
+        </p:spPr>
+        <p:style>
+          <a:lnRef idx="0"/>
+          <a:fillRef idx="0"/>
+          <a:effectRef idx="0"/>
+          <a:fontRef idx="minor"/>
+        </p:style>
+      </p:sp>
+      <p:sp>
+        <p:nvSpPr>
+          <p:cNvPr id="96" name="CustomShape 3"/>
+          <p:cNvSpPr/>
+          <p:nvPr/>
+        </p:nvSpPr>
+        <p:spPr>
+          <a:xfrm>
+            <a:off x="1527120" y="1960200"/>
+            <a:ext cx="3390480" cy="1825560"/>
+          </a:xfrm>
+          <a:prstGeom prst="rect">
+            <a:avLst/>
+          </a:prstGeom>
+          <a:noFill/>
+          <a:ln>
+            <a:noFill/>
+          </a:ln>
+        </p:spPr>
+        <p:style>
+          <a:lnRef idx="0"/>
+          <a:fillRef idx="0"/>
+          <a:effectRef idx="0"/>
+          <a:fontRef idx="minor"/>
+        </p:style>
+        <p:txBody>
+          <a:bodyPr lIns="0" rIns="0" tIns="0" bIns="0">
+            <a:normAutofit/>
+          </a:bodyPr>
+          <a:p>
+            <a:pPr>
+              <a:lnSpc>
+                <a:spcPct val="100000"/>
+              </a:lnSpc>
+              <a:spcAft>
+                <a:spcPts val="1142"/>
+              </a:spcAft>
+            </a:pPr>
+            <a:r>
+              <a:rPr b="1" lang="en-US" sz="2600" spc="-1" strike="noStrike">
+                <a:solidFill>
+                  <a:srgbClr val="1c1c1c"/>
+                </a:solidFill>
+                <a:uFill>
+                  <a:solidFill>
+                    <a:srgbClr val="ffffff"/>
+                  </a:solidFill>
+                </a:uFill>
+                <a:latin typeface="Source Sans Pro Semibold"/>
+                <a:ea typeface="DejaVu Sans"/>
+              </a:rPr>
+              <a:t>b2Customer</a:t>
+            </a:r>
+            <a:endParaRPr b="0" lang="en-US" sz="2600" spc="-1" strike="noStrike">
+              <a:solidFill>
+                <a:srgbClr val="000000"/>
+              </a:solidFill>
+              <a:uFill>
+                <a:solidFill>
+                  <a:srgbClr val="ffffff"/>
+                </a:solidFill>
+              </a:uFill>
+              <a:latin typeface="Arial"/>
+            </a:endParaRPr>
+          </a:p>
+          <a:p>
+            <a:pPr>
+              <a:lnSpc>
+                <a:spcPct val="100000"/>
+              </a:lnSpc>
+              <a:spcAft>
+                <a:spcPts val="1142"/>
+              </a:spcAft>
+            </a:pPr>
+            <a:r>
+              <a:rPr b="1" lang="en-US" sz="2600" spc="-1" strike="noStrike">
+                <a:solidFill>
+                  <a:srgbClr val="1c1c1c"/>
+                </a:solidFill>
+                <a:uFill>
+                  <a:solidFill>
+                    <a:srgbClr val="ffffff"/>
+                  </a:solidFill>
+                </a:uFill>
+                <a:latin typeface="Source Sans Pro Semibold"/>
+                <a:ea typeface="DejaVu Sans"/>
+              </a:rPr>
+              <a:t>name = “Jane Doe”</a:t>
+            </a:r>
+            <a:endParaRPr b="0" lang="en-US" sz="2600" spc="-1" strike="noStrike">
+              <a:solidFill>
+                <a:srgbClr val="000000"/>
+              </a:solidFill>
+              <a:uFill>
+                <a:solidFill>
+                  <a:srgbClr val="ffffff"/>
+                </a:solidFill>
+              </a:uFill>
+              <a:latin typeface="Arial"/>
+            </a:endParaRPr>
+          </a:p>
+          <a:p>
+            <a:pPr>
+              <a:lnSpc>
+                <a:spcPct val="100000"/>
+              </a:lnSpc>
+              <a:spcAft>
+                <a:spcPts val="1142"/>
+              </a:spcAft>
+            </a:pPr>
+            <a:r>
+              <a:rPr b="1" lang="en-US" sz="2600" spc="-1" strike="noStrike">
+                <a:solidFill>
+                  <a:srgbClr val="1c1c1c"/>
+                </a:solidFill>
+                <a:uFill>
+                  <a:solidFill>
+                    <a:srgbClr val="ffffff"/>
+                  </a:solidFill>
+                </a:uFill>
+                <a:latin typeface="Source Sans Pro Semibold"/>
+                <a:ea typeface="DejaVu Sans"/>
+              </a:rPr>
+              <a:t>customerID = 2002</a:t>
+            </a:r>
+            <a:endParaRPr b="0" lang="en-US" sz="2600" spc="-1" strike="noStrike">
+              <a:solidFill>
+                <a:srgbClr val="000000"/>
+              </a:solidFill>
+              <a:uFill>
+                <a:solidFill>
+                  <a:srgbClr val="ffffff"/>
+                </a:solidFill>
+              </a:uFill>
+              <a:latin typeface="Arial"/>
+            </a:endParaRPr>
+          </a:p>
+          <a:p>
+            <a:pPr>
+              <a:lnSpc>
+                <a:spcPct val="100000"/>
+              </a:lnSpc>
+              <a:spcAft>
+                <a:spcPts val="1142"/>
+              </a:spcAft>
+            </a:pPr>
+            <a:r>
+              <a:rPr b="1" lang="en-US" sz="2600" spc="-1" strike="noStrike">
+                <a:solidFill>
+                  <a:srgbClr val="1c1c1c"/>
+                </a:solidFill>
+                <a:uFill>
+                  <a:solidFill>
+                    <a:srgbClr val="ffffff"/>
+                  </a:solidFill>
+                </a:uFill>
+                <a:latin typeface="Source Sans Pro Semibold"/>
+                <a:ea typeface="DejaVu Sans"/>
+              </a:rPr>
+              <a:t> </a:t>
+            </a:r>
+            <a:endParaRPr b="0" lang="en-US" sz="2600" spc="-1" strike="noStrike">
+              <a:solidFill>
+                <a:srgbClr val="000000"/>
+              </a:solidFill>
+              <a:uFill>
+                <a:solidFill>
+                  <a:srgbClr val="ffffff"/>
+                </a:solidFill>
+              </a:uFill>
+              <a:latin typeface="Arial"/>
+            </a:endParaRPr>
+          </a:p>
+          <a:p>
+            <a:pPr algn="ctr">
+              <a:lnSpc>
+                <a:spcPct val="100000"/>
+              </a:lnSpc>
+              <a:spcAft>
+                <a:spcPts val="1142"/>
+              </a:spcAft>
+            </a:pPr>
+            <a:r>
+              <a:rPr b="1" lang="en-US" sz="2000" spc="-1" strike="noStrike">
+                <a:solidFill>
+                  <a:srgbClr val="800000"/>
+                </a:solidFill>
+                <a:uFill>
+                  <a:solidFill>
+                    <a:srgbClr val="ffffff"/>
+                  </a:solidFill>
+                </a:uFill>
+                <a:latin typeface="Source Sans Pro Semibold"/>
+                <a:ea typeface="DejaVu Sans"/>
+              </a:rPr>
+              <a:t>Memory Address: 2134</a:t>
+            </a:r>
+            <a:endParaRPr b="0" lang="en-US" sz="2000" spc="-1" strike="noStrike">
+              <a:solidFill>
+                <a:srgbClr val="000000"/>
+              </a:solidFill>
+              <a:uFill>
+                <a:solidFill>
+                  <a:srgbClr val="ffffff"/>
+                </a:solidFill>
+              </a:uFill>
+              <a:latin typeface="Arial"/>
+            </a:endParaRPr>
+          </a:p>
+        </p:txBody>
+      </p:sp>
+      <p:sp>
+        <p:nvSpPr>
+          <p:cNvPr id="97" name="CustomShape 4"/>
+          <p:cNvSpPr/>
+          <p:nvPr/>
+        </p:nvSpPr>
+        <p:spPr>
+          <a:xfrm>
+            <a:off x="5320800" y="1743480"/>
+            <a:ext cx="3823200" cy="2188440"/>
+          </a:xfrm>
+          <a:prstGeom prst="rect">
+            <a:avLst/>
+          </a:prstGeom>
+          <a:solidFill>
+            <a:srgbClr val="ff7f00"/>
+          </a:solidFill>
+          <a:ln>
+            <a:solidFill>
+              <a:srgbClr val="3465a4"/>
+            </a:solidFill>
+          </a:ln>
+        </p:spPr>
+        <p:style>
+          <a:lnRef idx="0"/>
+          <a:fillRef idx="0"/>
+          <a:effectRef idx="0"/>
+          <a:fontRef idx="minor"/>
+        </p:style>
+      </p:sp>
+      <p:sp>
+        <p:nvSpPr>
+          <p:cNvPr id="98" name="CustomShape 5"/>
+          <p:cNvSpPr/>
+          <p:nvPr/>
+        </p:nvSpPr>
+        <p:spPr>
+          <a:xfrm>
+            <a:off x="5425920" y="1825200"/>
+            <a:ext cx="3156480" cy="1879200"/>
+          </a:xfrm>
+          <a:prstGeom prst="rect">
+            <a:avLst/>
+          </a:prstGeom>
+          <a:noFill/>
+          <a:ln>
+            <a:noFill/>
+          </a:ln>
+        </p:spPr>
+        <p:style>
+          <a:lnRef idx="0"/>
+          <a:fillRef idx="0"/>
+          <a:effectRef idx="0"/>
+          <a:fontRef idx="minor"/>
+        </p:style>
+        <p:txBody>
+          <a:bodyPr lIns="0" rIns="0" tIns="0" bIns="0">
+            <a:normAutofit/>
+          </a:bodyPr>
+          <a:p>
+            <a:pPr>
+              <a:lnSpc>
+                <a:spcPct val="100000"/>
+              </a:lnSpc>
+              <a:spcAft>
+                <a:spcPts val="1142"/>
+              </a:spcAft>
+            </a:pPr>
+            <a:r>
+              <a:rPr b="1" lang="en-US" sz="2600" spc="-1" strike="noStrike">
+                <a:solidFill>
+                  <a:srgbClr val="1c1c1c"/>
+                </a:solidFill>
+                <a:uFill>
+                  <a:solidFill>
+                    <a:srgbClr val="ffffff"/>
+                  </a:solidFill>
+                </a:uFill>
+                <a:latin typeface="Source Sans Pro Semibold"/>
+                <a:ea typeface="DejaVu Sans"/>
+              </a:rPr>
+              <a:t>b2SavingsAccount</a:t>
+            </a:r>
+            <a:endParaRPr b="0" lang="en-US" sz="2600" spc="-1" strike="noStrike">
+              <a:solidFill>
+                <a:srgbClr val="000000"/>
+              </a:solidFill>
+              <a:uFill>
+                <a:solidFill>
+                  <a:srgbClr val="ffffff"/>
+                </a:solidFill>
+              </a:uFill>
+              <a:latin typeface="Arial"/>
+            </a:endParaRPr>
+          </a:p>
+          <a:p>
+            <a:pPr>
+              <a:lnSpc>
+                <a:spcPct val="100000"/>
+              </a:lnSpc>
+              <a:spcAft>
+                <a:spcPts val="1142"/>
+              </a:spcAft>
+            </a:pPr>
+            <a:r>
+              <a:rPr b="1" lang="en-US" sz="2600" spc="-1" strike="noStrike">
+                <a:solidFill>
+                  <a:srgbClr val="1c1c1c"/>
+                </a:solidFill>
+                <a:uFill>
+                  <a:solidFill>
+                    <a:srgbClr val="ffffff"/>
+                  </a:solidFill>
+                </a:uFill>
+                <a:latin typeface="Source Sans Pro Semibold"/>
+                <a:ea typeface="DejaVu Sans"/>
+              </a:rPr>
+              <a:t>customer = b2</a:t>
+            </a:r>
+            <a:endParaRPr b="0" lang="en-US" sz="2600" spc="-1" strike="noStrike">
+              <a:solidFill>
+                <a:srgbClr val="000000"/>
+              </a:solidFill>
+              <a:uFill>
+                <a:solidFill>
+                  <a:srgbClr val="ffffff"/>
+                </a:solidFill>
+              </a:uFill>
+              <a:latin typeface="Arial"/>
+            </a:endParaRPr>
+          </a:p>
+          <a:p>
+            <a:pPr>
+              <a:lnSpc>
+                <a:spcPct val="100000"/>
+              </a:lnSpc>
+              <a:spcAft>
+                <a:spcPts val="1142"/>
+              </a:spcAft>
+            </a:pPr>
+            <a:r>
+              <a:rPr b="1" lang="en-US" sz="2600" spc="-1" strike="noStrike">
+                <a:solidFill>
+                  <a:srgbClr val="1c1c1c"/>
+                </a:solidFill>
+                <a:uFill>
+                  <a:solidFill>
+                    <a:srgbClr val="ffffff"/>
+                  </a:solidFill>
+                </a:uFill>
+                <a:latin typeface="Source Sans Pro Semibold"/>
+                <a:ea typeface="DejaVu Sans"/>
+              </a:rPr>
+              <a:t>balance = 495.0</a:t>
+            </a:r>
+            <a:endParaRPr b="0" lang="en-US" sz="2600" spc="-1" strike="noStrike">
+              <a:solidFill>
+                <a:srgbClr val="000000"/>
+              </a:solidFill>
+              <a:uFill>
+                <a:solidFill>
+                  <a:srgbClr val="ffffff"/>
+                </a:solidFill>
+              </a:uFill>
+              <a:latin typeface="Arial"/>
+            </a:endParaRPr>
+          </a:p>
+          <a:p>
+            <a:pPr>
+              <a:lnSpc>
+                <a:spcPct val="100000"/>
+              </a:lnSpc>
+              <a:spcAft>
+                <a:spcPts val="1142"/>
+              </a:spcAft>
+            </a:pPr>
+            <a:r>
+              <a:rPr b="1" lang="en-US" sz="2600" spc="-1" strike="noStrike">
+                <a:solidFill>
+                  <a:srgbClr val="1c1c1c"/>
+                </a:solidFill>
+                <a:uFill>
+                  <a:solidFill>
+                    <a:srgbClr val="ffffff"/>
+                  </a:solidFill>
+                </a:uFill>
+                <a:latin typeface="Source Sans Pro Semibold"/>
+                <a:ea typeface="DejaVu Sans"/>
+              </a:rPr>
+              <a:t>overdraftFee = 5.0</a:t>
+            </a:r>
+            <a:endParaRPr b="0" lang="en-US" sz="2600" spc="-1" strike="noStrike">
+              <a:solidFill>
+                <a:srgbClr val="000000"/>
+              </a:solidFill>
+              <a:uFill>
+                <a:solidFill>
+                  <a:srgbClr val="ffffff"/>
+                </a:solidFill>
+              </a:uFill>
+              <a:latin typeface="Arial"/>
+            </a:endParaRPr>
+          </a:p>
+          <a:p>
+            <a:pPr algn="ctr">
+              <a:lnSpc>
+                <a:spcPct val="100000"/>
+              </a:lnSpc>
+              <a:spcAft>
+                <a:spcPts val="1142"/>
+              </a:spcAft>
+            </a:pPr>
+            <a:r>
+              <a:rPr b="1" lang="en-US" sz="2000" spc="-1" strike="noStrike">
+                <a:solidFill>
+                  <a:srgbClr val="800000"/>
+                </a:solidFill>
+                <a:uFill>
+                  <a:solidFill>
+                    <a:srgbClr val="ffffff"/>
+                  </a:solidFill>
+                </a:uFill>
+                <a:latin typeface="Source Sans Pro Semibold"/>
+                <a:ea typeface="DejaVu Sans"/>
+              </a:rPr>
+              <a:t>Memory Address: 2678</a:t>
+            </a:r>
+            <a:endParaRPr b="0" lang="en-US" sz="2000" spc="-1" strike="noStrike">
+              <a:solidFill>
+                <a:srgbClr val="000000"/>
+              </a:solidFill>
+              <a:uFill>
+                <a:solidFill>
+                  <a:srgbClr val="ffffff"/>
+                </a:solidFill>
+              </a:uFill>
+              <a:latin typeface="Arial"/>
+            </a:endParaRPr>
+          </a:p>
+        </p:txBody>
+      </p:sp>
+      <p:sp>
+        <p:nvSpPr>
+          <p:cNvPr id="99" name="Line 6"/>
+          <p:cNvSpPr/>
+          <p:nvPr/>
+        </p:nvSpPr>
+        <p:spPr>
+          <a:xfrm flipH="1" flipV="1">
+            <a:off x="4226400" y="2181240"/>
+            <a:ext cx="2918160" cy="145800"/>
+          </a:xfrm>
+          <a:prstGeom prst="line">
+            <a:avLst/>
+          </a:prstGeom>
+          <a:ln>
+            <a:solidFill>
+              <a:srgbClr val="000000"/>
+            </a:solidFill>
+            <a:tailEnd len="med" type="triangle" w="med"/>
+          </a:ln>
+        </p:spPr>
+        <p:style>
+          <a:lnRef idx="0"/>
+          <a:fillRef idx="0"/>
+          <a:effectRef idx="0"/>
+          <a:fontRef idx="minor"/>
+        </p:style>
+      </p:sp>
+      <p:sp>
+        <p:nvSpPr>
+          <p:cNvPr id="100" name="CustomShape 7"/>
+          <p:cNvSpPr/>
+          <p:nvPr/>
+        </p:nvSpPr>
+        <p:spPr>
+          <a:xfrm>
+            <a:off x="1420200" y="4239360"/>
+            <a:ext cx="3798720" cy="2159640"/>
+          </a:xfrm>
+          <a:prstGeom prst="rect">
+            <a:avLst/>
+          </a:prstGeom>
+          <a:solidFill>
+            <a:srgbClr val="729fcf"/>
+          </a:solidFill>
+          <a:ln>
+            <a:solidFill>
+              <a:srgbClr val="3465a4"/>
+            </a:solidFill>
+          </a:ln>
+        </p:spPr>
+        <p:style>
+          <a:lnRef idx="0"/>
+          <a:fillRef idx="0"/>
+          <a:effectRef idx="0"/>
+          <a:fontRef idx="minor"/>
+        </p:style>
+      </p:sp>
+      <p:sp>
+        <p:nvSpPr>
+          <p:cNvPr id="101" name="CustomShape 8"/>
+          <p:cNvSpPr/>
+          <p:nvPr/>
+        </p:nvSpPr>
+        <p:spPr>
+          <a:xfrm>
+            <a:off x="1527120" y="4429080"/>
+            <a:ext cx="3390480" cy="1825560"/>
+          </a:xfrm>
+          <a:prstGeom prst="rect">
+            <a:avLst/>
+          </a:prstGeom>
+          <a:noFill/>
+          <a:ln>
+            <a:noFill/>
+          </a:ln>
+        </p:spPr>
+        <p:style>
+          <a:lnRef idx="0"/>
+          <a:fillRef idx="0"/>
+          <a:effectRef idx="0"/>
+          <a:fontRef idx="minor"/>
+        </p:style>
+        <p:txBody>
+          <a:bodyPr lIns="0" rIns="0" tIns="0" bIns="0">
+            <a:normAutofit/>
+          </a:bodyPr>
+          <a:p>
+            <a:pPr>
+              <a:lnSpc>
+                <a:spcPct val="100000"/>
+              </a:lnSpc>
+              <a:spcAft>
+                <a:spcPts val="1142"/>
+              </a:spcAft>
+            </a:pPr>
+            <a:r>
+              <a:rPr b="1" lang="en-US" sz="2600" spc="-1" strike="noStrike">
+                <a:solidFill>
+                  <a:srgbClr val="1c1c1c"/>
+                </a:solidFill>
+                <a:uFill>
+                  <a:solidFill>
+                    <a:srgbClr val="ffffff"/>
+                  </a:solidFill>
+                </a:uFill>
+                <a:latin typeface="Source Sans Pro Semibold"/>
+                <a:ea typeface="DejaVu Sans"/>
+              </a:rPr>
+              <a:t>b1Customer</a:t>
+            </a:r>
+            <a:endParaRPr b="0" lang="en-US" sz="2600" spc="-1" strike="noStrike">
+              <a:solidFill>
+                <a:srgbClr val="000000"/>
+              </a:solidFill>
+              <a:uFill>
+                <a:solidFill>
+                  <a:srgbClr val="ffffff"/>
+                </a:solidFill>
+              </a:uFill>
+              <a:latin typeface="Arial"/>
+            </a:endParaRPr>
+          </a:p>
+          <a:p>
+            <a:pPr>
+              <a:lnSpc>
+                <a:spcPct val="100000"/>
+              </a:lnSpc>
+              <a:spcAft>
+                <a:spcPts val="1142"/>
+              </a:spcAft>
+            </a:pPr>
+            <a:r>
+              <a:rPr b="1" lang="en-US" sz="2600" spc="-1" strike="noStrike">
+                <a:solidFill>
+                  <a:srgbClr val="1c1c1c"/>
+                </a:solidFill>
+                <a:uFill>
+                  <a:solidFill>
+                    <a:srgbClr val="ffffff"/>
+                  </a:solidFill>
+                </a:uFill>
+                <a:latin typeface="Source Sans Pro Semibold"/>
+                <a:ea typeface="DejaVu Sans"/>
+              </a:rPr>
+              <a:t>name = “John Doe”</a:t>
+            </a:r>
+            <a:endParaRPr b="0" lang="en-US" sz="2600" spc="-1" strike="noStrike">
+              <a:solidFill>
+                <a:srgbClr val="000000"/>
+              </a:solidFill>
+              <a:uFill>
+                <a:solidFill>
+                  <a:srgbClr val="ffffff"/>
+                </a:solidFill>
+              </a:uFill>
+              <a:latin typeface="Arial"/>
+            </a:endParaRPr>
+          </a:p>
+          <a:p>
+            <a:pPr>
+              <a:lnSpc>
+                <a:spcPct val="100000"/>
+              </a:lnSpc>
+              <a:spcAft>
+                <a:spcPts val="1142"/>
+              </a:spcAft>
+            </a:pPr>
+            <a:r>
+              <a:rPr b="1" lang="en-US" sz="2600" spc="-1" strike="noStrike">
+                <a:solidFill>
+                  <a:srgbClr val="1c1c1c"/>
+                </a:solidFill>
+                <a:uFill>
+                  <a:solidFill>
+                    <a:srgbClr val="ffffff"/>
+                  </a:solidFill>
+                </a:uFill>
+                <a:latin typeface="Source Sans Pro Semibold"/>
+                <a:ea typeface="DejaVu Sans"/>
+              </a:rPr>
+              <a:t>customerID = 1001</a:t>
+            </a:r>
+            <a:endParaRPr b="0" lang="en-US" sz="2600" spc="-1" strike="noStrike">
+              <a:solidFill>
+                <a:srgbClr val="000000"/>
+              </a:solidFill>
+              <a:uFill>
+                <a:solidFill>
+                  <a:srgbClr val="ffffff"/>
+                </a:solidFill>
+              </a:uFill>
+              <a:latin typeface="Arial"/>
+            </a:endParaRPr>
+          </a:p>
+          <a:p>
+            <a:pPr>
+              <a:lnSpc>
+                <a:spcPct val="100000"/>
+              </a:lnSpc>
+              <a:spcAft>
+                <a:spcPts val="1142"/>
+              </a:spcAft>
+            </a:pPr>
+            <a:r>
+              <a:rPr b="1" lang="en-US" sz="2600" spc="-1" strike="noStrike">
+                <a:solidFill>
+                  <a:srgbClr val="1c1c1c"/>
+                </a:solidFill>
+                <a:uFill>
+                  <a:solidFill>
+                    <a:srgbClr val="ffffff"/>
+                  </a:solidFill>
+                </a:uFill>
+                <a:latin typeface="Source Sans Pro Semibold"/>
+                <a:ea typeface="DejaVu Sans"/>
+              </a:rPr>
+              <a:t> </a:t>
+            </a:r>
+            <a:endParaRPr b="0" lang="en-US" sz="2600" spc="-1" strike="noStrike">
+              <a:solidFill>
+                <a:srgbClr val="000000"/>
+              </a:solidFill>
+              <a:uFill>
+                <a:solidFill>
+                  <a:srgbClr val="ffffff"/>
+                </a:solidFill>
+              </a:uFill>
+              <a:latin typeface="Arial"/>
+            </a:endParaRPr>
+          </a:p>
+          <a:p>
+            <a:pPr algn="ctr">
+              <a:lnSpc>
+                <a:spcPct val="100000"/>
+              </a:lnSpc>
+              <a:spcAft>
+                <a:spcPts val="1142"/>
+              </a:spcAft>
+            </a:pPr>
+            <a:r>
+              <a:rPr b="1" lang="en-US" sz="2000" spc="-1" strike="noStrike">
+                <a:solidFill>
+                  <a:srgbClr val="800000"/>
+                </a:solidFill>
+                <a:uFill>
+                  <a:solidFill>
+                    <a:srgbClr val="ffffff"/>
+                  </a:solidFill>
+                </a:uFill>
+                <a:latin typeface="Source Sans Pro Semibold"/>
+                <a:ea typeface="DejaVu Sans"/>
+              </a:rPr>
+              <a:t>Memory Address: 2390</a:t>
+            </a:r>
+            <a:endParaRPr b="0" lang="en-US" sz="2000" spc="-1" strike="noStrike">
+              <a:solidFill>
+                <a:srgbClr val="000000"/>
+              </a:solidFill>
+              <a:uFill>
+                <a:solidFill>
+                  <a:srgbClr val="ffffff"/>
+                </a:solidFill>
+              </a:uFill>
+              <a:latin typeface="Arial"/>
+            </a:endParaRPr>
+          </a:p>
+        </p:txBody>
+      </p:sp>
+      <p:sp>
+        <p:nvSpPr>
+          <p:cNvPr id="102" name="CustomShape 9"/>
+          <p:cNvSpPr/>
+          <p:nvPr/>
+        </p:nvSpPr>
+        <p:spPr>
+          <a:xfrm>
+            <a:off x="5320800" y="4212360"/>
+            <a:ext cx="3823200" cy="2188440"/>
+          </a:xfrm>
+          <a:prstGeom prst="rect">
+            <a:avLst/>
+          </a:prstGeom>
+          <a:solidFill>
+            <a:srgbClr val="ff7f00"/>
+          </a:solidFill>
+          <a:ln>
+            <a:solidFill>
+              <a:srgbClr val="3465a4"/>
+            </a:solidFill>
+          </a:ln>
+        </p:spPr>
+        <p:style>
+          <a:lnRef idx="0"/>
+          <a:fillRef idx="0"/>
+          <a:effectRef idx="0"/>
+          <a:fontRef idx="minor"/>
+        </p:style>
+      </p:sp>
+      <p:sp>
+        <p:nvSpPr>
+          <p:cNvPr id="103" name="CustomShape 10"/>
+          <p:cNvSpPr/>
+          <p:nvPr/>
+        </p:nvSpPr>
+        <p:spPr>
+          <a:xfrm>
+            <a:off x="5425920" y="4294080"/>
+            <a:ext cx="3156480" cy="1879200"/>
+          </a:xfrm>
+          <a:prstGeom prst="rect">
+            <a:avLst/>
+          </a:prstGeom>
+          <a:noFill/>
+          <a:ln>
+            <a:noFill/>
+          </a:ln>
+        </p:spPr>
+        <p:style>
+          <a:lnRef idx="0"/>
+          <a:fillRef idx="0"/>
+          <a:effectRef idx="0"/>
+          <a:fontRef idx="minor"/>
+        </p:style>
+        <p:txBody>
+          <a:bodyPr lIns="0" rIns="0" tIns="0" bIns="0">
+            <a:normAutofit/>
+          </a:bodyPr>
+          <a:p>
+            <a:pPr>
+              <a:lnSpc>
+                <a:spcPct val="100000"/>
+              </a:lnSpc>
+              <a:spcAft>
+                <a:spcPts val="1142"/>
+              </a:spcAft>
+            </a:pPr>
+            <a:r>
+              <a:rPr b="1" lang="en-US" sz="2600" spc="-1" strike="noStrike">
+                <a:solidFill>
+                  <a:srgbClr val="1c1c1c"/>
+                </a:solidFill>
+                <a:uFill>
+                  <a:solidFill>
+                    <a:srgbClr val="ffffff"/>
+                  </a:solidFill>
+                </a:uFill>
+                <a:latin typeface="Source Sans Pro Semibold"/>
+                <a:ea typeface="DejaVu Sans"/>
+              </a:rPr>
+              <a:t>b1ChequingAccount</a:t>
+            </a:r>
+            <a:endParaRPr b="0" lang="en-US" sz="2600" spc="-1" strike="noStrike">
+              <a:solidFill>
+                <a:srgbClr val="000000"/>
+              </a:solidFill>
+              <a:uFill>
+                <a:solidFill>
+                  <a:srgbClr val="ffffff"/>
+                </a:solidFill>
+              </a:uFill>
+              <a:latin typeface="Arial"/>
+            </a:endParaRPr>
+          </a:p>
+          <a:p>
+            <a:pPr>
+              <a:lnSpc>
+                <a:spcPct val="100000"/>
+              </a:lnSpc>
+              <a:spcAft>
+                <a:spcPts val="1142"/>
+              </a:spcAft>
+            </a:pPr>
+            <a:r>
+              <a:rPr b="1" lang="en-US" sz="2600" spc="-1" strike="noStrike">
+                <a:solidFill>
+                  <a:srgbClr val="1c1c1c"/>
+                </a:solidFill>
+                <a:uFill>
+                  <a:solidFill>
+                    <a:srgbClr val="ffffff"/>
+                  </a:solidFill>
+                </a:uFill>
+                <a:latin typeface="Source Sans Pro Semibold"/>
+                <a:ea typeface="DejaVu Sans"/>
+              </a:rPr>
+              <a:t>customer = b1</a:t>
+            </a:r>
+            <a:endParaRPr b="0" lang="en-US" sz="2600" spc="-1" strike="noStrike">
+              <a:solidFill>
+                <a:srgbClr val="000000"/>
+              </a:solidFill>
+              <a:uFill>
+                <a:solidFill>
+                  <a:srgbClr val="ffffff"/>
+                </a:solidFill>
+              </a:uFill>
+              <a:latin typeface="Arial"/>
+            </a:endParaRPr>
+          </a:p>
+          <a:p>
+            <a:pPr>
+              <a:lnSpc>
+                <a:spcPct val="100000"/>
+              </a:lnSpc>
+              <a:spcAft>
+                <a:spcPts val="1142"/>
+              </a:spcAft>
+            </a:pPr>
+            <a:r>
+              <a:rPr b="1" lang="en-US" sz="2600" spc="-1" strike="noStrike">
+                <a:solidFill>
+                  <a:srgbClr val="1c1c1c"/>
+                </a:solidFill>
+                <a:uFill>
+                  <a:solidFill>
+                    <a:srgbClr val="ffffff"/>
+                  </a:solidFill>
+                </a:uFill>
+                <a:latin typeface="Source Sans Pro Semibold"/>
+                <a:ea typeface="DejaVu Sans"/>
+              </a:rPr>
+              <a:t>balance = 100.0</a:t>
+            </a:r>
+            <a:endParaRPr b="0" lang="en-US" sz="2600" spc="-1" strike="noStrike">
+              <a:solidFill>
+                <a:srgbClr val="000000"/>
+              </a:solidFill>
+              <a:uFill>
+                <a:solidFill>
+                  <a:srgbClr val="ffffff"/>
+                </a:solidFill>
+              </a:uFill>
+              <a:latin typeface="Arial"/>
+            </a:endParaRPr>
+          </a:p>
+          <a:p>
+            <a:pPr>
+              <a:lnSpc>
+                <a:spcPct val="100000"/>
+              </a:lnSpc>
+              <a:spcAft>
+                <a:spcPts val="1142"/>
+              </a:spcAft>
+            </a:pPr>
+            <a:r>
+              <a:rPr b="1" lang="en-US" sz="2600" spc="-1" strike="noStrike">
+                <a:solidFill>
+                  <a:srgbClr val="1c1c1c"/>
+                </a:solidFill>
+                <a:uFill>
+                  <a:solidFill>
+                    <a:srgbClr val="ffffff"/>
+                  </a:solidFill>
+                </a:uFill>
+                <a:latin typeface="Source Sans Pro Semibold"/>
+                <a:ea typeface="DejaVu Sans"/>
+              </a:rPr>
+              <a:t>overdraftFee = 10.0</a:t>
+            </a:r>
+            <a:endParaRPr b="0" lang="en-US" sz="2600" spc="-1" strike="noStrike">
+              <a:solidFill>
+                <a:srgbClr val="000000"/>
+              </a:solidFill>
+              <a:uFill>
+                <a:solidFill>
+                  <a:srgbClr val="ffffff"/>
+                </a:solidFill>
+              </a:uFill>
+              <a:latin typeface="Arial"/>
+            </a:endParaRPr>
+          </a:p>
+          <a:p>
+            <a:pPr algn="ctr">
+              <a:lnSpc>
+                <a:spcPct val="100000"/>
+              </a:lnSpc>
+              <a:spcAft>
+                <a:spcPts val="1142"/>
+              </a:spcAft>
+            </a:pPr>
+            <a:r>
+              <a:rPr b="1" lang="en-US" sz="2000" spc="-1" strike="noStrike">
+                <a:solidFill>
+                  <a:srgbClr val="800000"/>
+                </a:solidFill>
+                <a:uFill>
+                  <a:solidFill>
+                    <a:srgbClr val="ffffff"/>
+                  </a:solidFill>
+                </a:uFill>
+                <a:latin typeface="Source Sans Pro Semibold"/>
+                <a:ea typeface="DejaVu Sans"/>
+              </a:rPr>
+              <a:t>Memory Address: 2871</a:t>
+            </a:r>
+            <a:endParaRPr b="0" lang="en-US" sz="2000" spc="-1" strike="noStrike">
+              <a:solidFill>
+                <a:srgbClr val="000000"/>
+              </a:solidFill>
+              <a:uFill>
+                <a:solidFill>
+                  <a:srgbClr val="ffffff"/>
+                </a:solidFill>
+              </a:uFill>
+              <a:latin typeface="Arial"/>
+            </a:endParaRPr>
+          </a:p>
+        </p:txBody>
+      </p:sp>
+      <p:sp>
+        <p:nvSpPr>
+          <p:cNvPr id="104" name="Line 11"/>
+          <p:cNvSpPr/>
+          <p:nvPr/>
+        </p:nvSpPr>
+        <p:spPr>
+          <a:xfrm flipH="1" flipV="1">
+            <a:off x="4226400" y="4650120"/>
+            <a:ext cx="2918160" cy="145800"/>
+          </a:xfrm>
+          <a:prstGeom prst="line">
+            <a:avLst/>
+          </a:prstGeom>
+          <a:ln>
+            <a:solidFill>
+              <a:srgbClr val="000000"/>
+            </a:solidFill>
+            <a:tailEnd len="med" type="triangle" w="med"/>
+          </a:ln>
+        </p:spPr>
+        <p:style>
+          <a:lnRef idx="0"/>
+          <a:fillRef idx="0"/>
+          <a:effectRef idx="0"/>
+          <a:fontRef idx="minor"/>
+        </p:style>
+      </p:sp>
+    </p:spTree>
+  </p:cSld>
+  <p:timing>
+    <p:tnLst>
+      <p:par>
+        <p:cTn id="5" dur="indefinite" restart="never" nodeType="tmRoot">
+          <p:childTnLst>
+            <p:seq>
+              <p:cTn id="6" nodeType="mainSeq"/>
+              <p:prevCondLst>
+                <p:cond delay="0" evt="onPrev">
+                  <p:tgtEl>
+                    <p:sldTgt/>
+                  </p:tgtEl>
+                </p:cond>
+              </p:prevCondLst>
+              <p:nextCondLst>
+                <p:cond delay="0" evt="onNext">
+                  <p:tgtEl>
+                    <p:sldTgt/>
+                  </p:tgtEl>
+                </p:cond>
+              </p:nextCondLst>
+            </p:seq>
+          </p:childTnLst>
+        </p:cTn>
+      </p:par>
+    </p:tnLst>
+  </p:timing>
+</p:sld>
+</file>
+
+<file path=ppt/slides/slide4.xml><?xml version="1.0" encoding="utf-8"?>
+<p:sld xmlns:a="http://schemas.openxmlformats.org/drawingml/2006/main" xmlns:p="http://schemas.openxmlformats.org/presentationml/2006/main" xmlns:r="http://schemas.openxmlformats.org/officeDocument/2006/relationships" xmlns:p14="http://schemas.microsoft.com/office/powerpoint/2010/main" xmlns:p15="http://schemas.microsoft.com/office/powerpoint/2012/main" xmlns:mc="http://schemas.openxmlformats.org/markup-compatibility/2006">
+  <p:cSld>
+    <p:spTree>
+      <p:nvGrpSpPr>
+        <p:cNvPr id="1" name=""/>
+        <p:cNvGrpSpPr/>
+        <p:nvPr/>
+      </p:nvGrpSpPr>
+      <p:grpSpPr>
+        <a:xfrm>
+          <a:off x="0" y="0"/>
+          <a:ext cx="0" cy="0"/>
+          <a:chOff x="0" y="0"/>
+          <a:chExt cx="0" cy="0"/>
+        </a:xfrm>
+      </p:grpSpPr>
+      <p:sp>
+        <p:nvSpPr>
+          <p:cNvPr id="105" name="CustomShape 1"/>
+          <p:cNvSpPr/>
+          <p:nvPr/>
+        </p:nvSpPr>
+        <p:spPr>
+          <a:xfrm>
+            <a:off x="360000" y="360000"/>
+            <a:ext cx="9359280" cy="899280"/>
+          </a:xfrm>
+          <a:prstGeom prst="rect">
+            <a:avLst/>
+          </a:prstGeom>
+          <a:noFill/>
+          <a:ln>
+            <a:noFill/>
+          </a:ln>
+        </p:spPr>
+        <p:style>
+          <a:lnRef idx="0"/>
+          <a:fillRef idx="0"/>
+          <a:effectRef idx="0"/>
+          <a:fontRef idx="minor"/>
+        </p:style>
+        <p:txBody>
+          <a:bodyPr lIns="0" rIns="0" tIns="0" bIns="0" anchor="b"/>
+          <a:p>
+            <a:pPr>
+              <a:lnSpc>
+                <a:spcPct val="100000"/>
+              </a:lnSpc>
+            </a:pPr>
+            <a:r>
+              <a:rPr b="1" lang="en-US" sz="2800" spc="-1" strike="noStrike">
+                <a:solidFill>
+                  <a:srgbClr val="ffffff"/>
+                </a:solidFill>
+                <a:uFill>
+                  <a:solidFill>
+                    <a:srgbClr val="ffffff"/>
+                  </a:solidFill>
+                </a:uFill>
+                <a:latin typeface="Source Sans Pro Black"/>
+                <a:ea typeface="DejaVu Sans"/>
+              </a:rPr>
+              <a:t>System.out.println(b1.getBalance() + "," + b2.getBalance());</a:t>
+            </a:r>
+            <a:endParaRPr b="0" lang="en-US" sz="2800" spc="-1" strike="noStrike">
+              <a:solidFill>
+                <a:srgbClr val="000000"/>
+              </a:solidFill>
+              <a:uFill>
+                <a:solidFill>
+                  <a:srgbClr val="ffffff"/>
+                </a:solidFill>
+              </a:uFill>
+              <a:latin typeface="Arial"/>
+            </a:endParaRPr>
+          </a:p>
+        </p:txBody>
+      </p:sp>
+      <p:sp>
+        <p:nvSpPr>
+          <p:cNvPr id="106" name="CustomShape 2"/>
+          <p:cNvSpPr/>
+          <p:nvPr/>
+        </p:nvSpPr>
+        <p:spPr>
+          <a:xfrm>
+            <a:off x="2294280" y="1580760"/>
+            <a:ext cx="2829240" cy="1608480"/>
+          </a:xfrm>
+          <a:prstGeom prst="rect">
+            <a:avLst/>
+          </a:prstGeom>
+          <a:solidFill>
+            <a:srgbClr val="729fcf"/>
+          </a:solidFill>
+          <a:ln>
+            <a:solidFill>
+              <a:srgbClr val="3465a4"/>
+            </a:solidFill>
+          </a:ln>
+        </p:spPr>
+        <p:style>
+          <a:lnRef idx="0"/>
+          <a:fillRef idx="0"/>
+          <a:effectRef idx="0"/>
+          <a:fontRef idx="minor"/>
+        </p:style>
+      </p:sp>
+      <p:sp>
+        <p:nvSpPr>
+          <p:cNvPr id="107" name="CustomShape 3"/>
+          <p:cNvSpPr/>
+          <p:nvPr/>
+        </p:nvSpPr>
+        <p:spPr>
+          <a:xfrm>
+            <a:off x="2373840" y="1721880"/>
+            <a:ext cx="2525040" cy="1359720"/>
+          </a:xfrm>
+          <a:prstGeom prst="rect">
+            <a:avLst/>
+          </a:prstGeom>
+          <a:noFill/>
+          <a:ln>
+            <a:noFill/>
+          </a:ln>
+        </p:spPr>
+        <p:style>
+          <a:lnRef idx="0"/>
+          <a:fillRef idx="0"/>
+          <a:effectRef idx="0"/>
+          <a:fontRef idx="minor"/>
+        </p:style>
+        <p:txBody>
+          <a:bodyPr lIns="0" rIns="0" tIns="0" bIns="0">
+            <a:normAutofit/>
+          </a:bodyPr>
+          <a:p>
+            <a:pPr>
+              <a:lnSpc>
+                <a:spcPct val="100000"/>
+              </a:lnSpc>
+              <a:spcAft>
+                <a:spcPts val="1142"/>
+              </a:spcAft>
+            </a:pPr>
+            <a:r>
+              <a:rPr b="1" lang="en-US" sz="2600" spc="-1" strike="noStrike">
+                <a:solidFill>
+                  <a:srgbClr val="1c1c1c"/>
+                </a:solidFill>
+                <a:uFill>
+                  <a:solidFill>
+                    <a:srgbClr val="ffffff"/>
+                  </a:solidFill>
+                </a:uFill>
+                <a:latin typeface="Source Sans Pro Semibold"/>
+                <a:ea typeface="DejaVu Sans"/>
+              </a:rPr>
+              <a:t>b2Customer</a:t>
+            </a:r>
+            <a:endParaRPr b="0" lang="en-US" sz="2600" spc="-1" strike="noStrike">
+              <a:solidFill>
+                <a:srgbClr val="000000"/>
+              </a:solidFill>
+              <a:uFill>
+                <a:solidFill>
+                  <a:srgbClr val="ffffff"/>
+                </a:solidFill>
+              </a:uFill>
+              <a:latin typeface="Arial"/>
+            </a:endParaRPr>
+          </a:p>
+          <a:p>
+            <a:pPr>
+              <a:lnSpc>
+                <a:spcPct val="100000"/>
+              </a:lnSpc>
+              <a:spcAft>
+                <a:spcPts val="1142"/>
+              </a:spcAft>
+            </a:pPr>
+            <a:r>
+              <a:rPr b="1" lang="en-US" sz="2600" spc="-1" strike="noStrike">
+                <a:solidFill>
+                  <a:srgbClr val="1c1c1c"/>
+                </a:solidFill>
+                <a:uFill>
+                  <a:solidFill>
+                    <a:srgbClr val="ffffff"/>
+                  </a:solidFill>
+                </a:uFill>
+                <a:latin typeface="Source Sans Pro Semibold"/>
+                <a:ea typeface="DejaVu Sans"/>
+              </a:rPr>
+              <a:t>name = “Jane Doe”</a:t>
+            </a:r>
+            <a:endParaRPr b="0" lang="en-US" sz="2600" spc="-1" strike="noStrike">
+              <a:solidFill>
+                <a:srgbClr val="000000"/>
+              </a:solidFill>
+              <a:uFill>
+                <a:solidFill>
+                  <a:srgbClr val="ffffff"/>
+                </a:solidFill>
+              </a:uFill>
+              <a:latin typeface="Arial"/>
+            </a:endParaRPr>
+          </a:p>
+          <a:p>
+            <a:pPr>
+              <a:lnSpc>
+                <a:spcPct val="100000"/>
+              </a:lnSpc>
+              <a:spcAft>
+                <a:spcPts val="1142"/>
+              </a:spcAft>
+            </a:pPr>
+            <a:r>
+              <a:rPr b="1" lang="en-US" sz="2600" spc="-1" strike="noStrike">
+                <a:solidFill>
+                  <a:srgbClr val="1c1c1c"/>
+                </a:solidFill>
+                <a:uFill>
+                  <a:solidFill>
+                    <a:srgbClr val="ffffff"/>
+                  </a:solidFill>
+                </a:uFill>
+                <a:latin typeface="Source Sans Pro Semibold"/>
+                <a:ea typeface="DejaVu Sans"/>
+              </a:rPr>
+              <a:t>customerID = 2002</a:t>
+            </a:r>
+            <a:endParaRPr b="0" lang="en-US" sz="2600" spc="-1" strike="noStrike">
+              <a:solidFill>
+                <a:srgbClr val="000000"/>
+              </a:solidFill>
+              <a:uFill>
+                <a:solidFill>
+                  <a:srgbClr val="ffffff"/>
+                </a:solidFill>
+              </a:uFill>
+              <a:latin typeface="Arial"/>
+            </a:endParaRPr>
+          </a:p>
+          <a:p>
+            <a:pPr>
+              <a:lnSpc>
+                <a:spcPct val="100000"/>
+              </a:lnSpc>
+              <a:spcAft>
+                <a:spcPts val="1142"/>
+              </a:spcAft>
+            </a:pPr>
+            <a:r>
+              <a:rPr b="1" lang="en-US" sz="2600" spc="-1" strike="noStrike">
+                <a:solidFill>
+                  <a:srgbClr val="1c1c1c"/>
+                </a:solidFill>
+                <a:uFill>
+                  <a:solidFill>
+                    <a:srgbClr val="ffffff"/>
+                  </a:solidFill>
+                </a:uFill>
+                <a:latin typeface="Source Sans Pro Semibold"/>
+                <a:ea typeface="DejaVu Sans"/>
+              </a:rPr>
+              <a:t> </a:t>
+            </a:r>
+            <a:endParaRPr b="0" lang="en-US" sz="2600" spc="-1" strike="noStrike">
+              <a:solidFill>
+                <a:srgbClr val="000000"/>
+              </a:solidFill>
+              <a:uFill>
+                <a:solidFill>
+                  <a:srgbClr val="ffffff"/>
+                </a:solidFill>
+              </a:uFill>
+              <a:latin typeface="Arial"/>
+            </a:endParaRPr>
+          </a:p>
+          <a:p>
+            <a:pPr algn="ctr">
+              <a:lnSpc>
+                <a:spcPct val="100000"/>
+              </a:lnSpc>
+              <a:spcAft>
+                <a:spcPts val="1142"/>
+              </a:spcAft>
+            </a:pPr>
+            <a:r>
+              <a:rPr b="1" lang="en-US" sz="2000" spc="-1" strike="noStrike">
+                <a:solidFill>
+                  <a:srgbClr val="800000"/>
+                </a:solidFill>
+                <a:uFill>
+                  <a:solidFill>
+                    <a:srgbClr val="ffffff"/>
+                  </a:solidFill>
+                </a:uFill>
+                <a:latin typeface="Source Sans Pro Semibold"/>
+                <a:ea typeface="DejaVu Sans"/>
+              </a:rPr>
+              <a:t>Memory Address: 2134</a:t>
+            </a:r>
+            <a:endParaRPr b="0" lang="en-US" sz="2000" spc="-1" strike="noStrike">
+              <a:solidFill>
+                <a:srgbClr val="000000"/>
+              </a:solidFill>
+              <a:uFill>
+                <a:solidFill>
+                  <a:srgbClr val="ffffff"/>
+                </a:solidFill>
+              </a:uFill>
+              <a:latin typeface="Arial"/>
+            </a:endParaRPr>
+          </a:p>
+        </p:txBody>
+      </p:sp>
+      <p:sp>
+        <p:nvSpPr>
+          <p:cNvPr id="108" name="CustomShape 4"/>
+          <p:cNvSpPr/>
+          <p:nvPr/>
+        </p:nvSpPr>
+        <p:spPr>
+          <a:xfrm>
+            <a:off x="5199480" y="1560600"/>
+            <a:ext cx="2847240" cy="1629720"/>
+          </a:xfrm>
+          <a:prstGeom prst="rect">
+            <a:avLst/>
+          </a:prstGeom>
+          <a:solidFill>
+            <a:srgbClr val="ff7f00"/>
+          </a:solidFill>
+          <a:ln>
+            <a:solidFill>
+              <a:srgbClr val="3465a4"/>
+            </a:solidFill>
+          </a:ln>
+        </p:spPr>
+        <p:style>
+          <a:lnRef idx="0"/>
+          <a:fillRef idx="0"/>
+          <a:effectRef idx="0"/>
+          <a:fontRef idx="minor"/>
+        </p:style>
+      </p:sp>
+      <p:sp>
+        <p:nvSpPr>
+          <p:cNvPr id="109" name="CustomShape 5"/>
+          <p:cNvSpPr/>
+          <p:nvPr/>
+        </p:nvSpPr>
+        <p:spPr>
+          <a:xfrm>
+            <a:off x="5277600" y="1621440"/>
+            <a:ext cx="2350800" cy="1399680"/>
+          </a:xfrm>
+          <a:prstGeom prst="rect">
+            <a:avLst/>
+          </a:prstGeom>
+          <a:noFill/>
+          <a:ln>
+            <a:noFill/>
+          </a:ln>
+        </p:spPr>
+        <p:style>
+          <a:lnRef idx="0"/>
+          <a:fillRef idx="0"/>
+          <a:effectRef idx="0"/>
+          <a:fontRef idx="minor"/>
+        </p:style>
+        <p:txBody>
+          <a:bodyPr lIns="0" rIns="0" tIns="0" bIns="0">
+            <a:normAutofit/>
+          </a:bodyPr>
+          <a:p>
+            <a:pPr>
+              <a:lnSpc>
+                <a:spcPct val="100000"/>
+              </a:lnSpc>
+              <a:spcAft>
+                <a:spcPts val="1142"/>
+              </a:spcAft>
+            </a:pPr>
+            <a:r>
+              <a:rPr b="1" lang="en-US" sz="2600" spc="-1" strike="noStrike">
+                <a:solidFill>
+                  <a:srgbClr val="1c1c1c"/>
+                </a:solidFill>
+                <a:uFill>
+                  <a:solidFill>
+                    <a:srgbClr val="ffffff"/>
+                  </a:solidFill>
+                </a:uFill>
+                <a:latin typeface="Source Sans Pro Semibold"/>
+                <a:ea typeface="DejaVu Sans"/>
+              </a:rPr>
+              <a:t>b2SavingsAccount</a:t>
+            </a:r>
+            <a:endParaRPr b="0" lang="en-US" sz="2600" spc="-1" strike="noStrike">
+              <a:solidFill>
+                <a:srgbClr val="000000"/>
+              </a:solidFill>
+              <a:uFill>
+                <a:solidFill>
+                  <a:srgbClr val="ffffff"/>
+                </a:solidFill>
+              </a:uFill>
+              <a:latin typeface="Arial"/>
+            </a:endParaRPr>
+          </a:p>
+          <a:p>
+            <a:pPr>
+              <a:lnSpc>
+                <a:spcPct val="100000"/>
+              </a:lnSpc>
+              <a:spcAft>
+                <a:spcPts val="1142"/>
+              </a:spcAft>
+            </a:pPr>
+            <a:r>
+              <a:rPr b="1" lang="en-US" sz="2600" spc="-1" strike="noStrike">
+                <a:solidFill>
+                  <a:srgbClr val="1c1c1c"/>
+                </a:solidFill>
+                <a:uFill>
+                  <a:solidFill>
+                    <a:srgbClr val="ffffff"/>
+                  </a:solidFill>
+                </a:uFill>
+                <a:latin typeface="Source Sans Pro Semibold"/>
+                <a:ea typeface="DejaVu Sans"/>
+              </a:rPr>
+              <a:t>customer = b2</a:t>
+            </a:r>
+            <a:endParaRPr b="0" lang="en-US" sz="2600" spc="-1" strike="noStrike">
+              <a:solidFill>
+                <a:srgbClr val="000000"/>
+              </a:solidFill>
+              <a:uFill>
+                <a:solidFill>
+                  <a:srgbClr val="ffffff"/>
+                </a:solidFill>
+              </a:uFill>
+              <a:latin typeface="Arial"/>
+            </a:endParaRPr>
+          </a:p>
+          <a:p>
+            <a:pPr>
+              <a:lnSpc>
+                <a:spcPct val="100000"/>
+              </a:lnSpc>
+              <a:spcAft>
+                <a:spcPts val="1142"/>
+              </a:spcAft>
+            </a:pPr>
+            <a:r>
+              <a:rPr b="1" lang="en-US" sz="2600" spc="-1" strike="noStrike">
+                <a:solidFill>
+                  <a:srgbClr val="1c1c1c"/>
+                </a:solidFill>
+                <a:uFill>
+                  <a:solidFill>
+                    <a:srgbClr val="ffffff"/>
+                  </a:solidFill>
+                </a:uFill>
+                <a:latin typeface="Source Sans Pro Semibold"/>
+                <a:ea typeface="DejaVu Sans"/>
+              </a:rPr>
+              <a:t>balance = 495.0</a:t>
+            </a:r>
+            <a:endParaRPr b="0" lang="en-US" sz="2600" spc="-1" strike="noStrike">
+              <a:solidFill>
+                <a:srgbClr val="000000"/>
+              </a:solidFill>
+              <a:uFill>
+                <a:solidFill>
+                  <a:srgbClr val="ffffff"/>
+                </a:solidFill>
+              </a:uFill>
+              <a:latin typeface="Arial"/>
+            </a:endParaRPr>
+          </a:p>
+          <a:p>
+            <a:pPr>
+              <a:lnSpc>
+                <a:spcPct val="100000"/>
+              </a:lnSpc>
+              <a:spcAft>
+                <a:spcPts val="1142"/>
+              </a:spcAft>
+            </a:pPr>
+            <a:r>
+              <a:rPr b="1" lang="en-US" sz="2600" spc="-1" strike="noStrike">
+                <a:solidFill>
+                  <a:srgbClr val="1c1c1c"/>
+                </a:solidFill>
+                <a:uFill>
+                  <a:solidFill>
+                    <a:srgbClr val="ffffff"/>
+                  </a:solidFill>
+                </a:uFill>
+                <a:latin typeface="Source Sans Pro Semibold"/>
+                <a:ea typeface="DejaVu Sans"/>
+              </a:rPr>
+              <a:t>overdraftFee = 5.0</a:t>
+            </a:r>
+            <a:endParaRPr b="0" lang="en-US" sz="2600" spc="-1" strike="noStrike">
+              <a:solidFill>
+                <a:srgbClr val="000000"/>
+              </a:solidFill>
+              <a:uFill>
+                <a:solidFill>
+                  <a:srgbClr val="ffffff"/>
+                </a:solidFill>
+              </a:uFill>
+              <a:latin typeface="Arial"/>
+            </a:endParaRPr>
+          </a:p>
+          <a:p>
+            <a:pPr algn="ctr">
+              <a:lnSpc>
+                <a:spcPct val="100000"/>
+              </a:lnSpc>
+              <a:spcAft>
+                <a:spcPts val="1142"/>
+              </a:spcAft>
+            </a:pPr>
+            <a:r>
+              <a:rPr b="1" lang="en-US" sz="2000" spc="-1" strike="noStrike">
+                <a:solidFill>
+                  <a:srgbClr val="800000"/>
+                </a:solidFill>
+                <a:uFill>
+                  <a:solidFill>
+                    <a:srgbClr val="ffffff"/>
+                  </a:solidFill>
+                </a:uFill>
+                <a:latin typeface="Source Sans Pro Semibold"/>
+                <a:ea typeface="DejaVu Sans"/>
+              </a:rPr>
+              <a:t>Memory Address: 2678</a:t>
+            </a:r>
+            <a:endParaRPr b="0" lang="en-US" sz="2000" spc="-1" strike="noStrike">
+              <a:solidFill>
+                <a:srgbClr val="000000"/>
+              </a:solidFill>
+              <a:uFill>
+                <a:solidFill>
+                  <a:srgbClr val="ffffff"/>
+                </a:solidFill>
+              </a:uFill>
+              <a:latin typeface="Arial"/>
+            </a:endParaRPr>
+          </a:p>
+        </p:txBody>
+      </p:sp>
+      <p:sp>
+        <p:nvSpPr>
+          <p:cNvPr id="110" name="Line 6"/>
+          <p:cNvSpPr/>
+          <p:nvPr/>
+        </p:nvSpPr>
+        <p:spPr>
+          <a:xfrm flipH="1" flipV="1">
+            <a:off x="4384440" y="1886760"/>
+            <a:ext cx="2172960" cy="108360"/>
+          </a:xfrm>
+          <a:prstGeom prst="line">
+            <a:avLst/>
+          </a:prstGeom>
+          <a:ln>
+            <a:solidFill>
+              <a:srgbClr val="000000"/>
+            </a:solidFill>
+            <a:tailEnd len="med" type="triangle" w="med"/>
+          </a:ln>
+        </p:spPr>
+        <p:style>
+          <a:lnRef idx="0"/>
+          <a:fillRef idx="0"/>
+          <a:effectRef idx="0"/>
+          <a:fontRef idx="minor"/>
+        </p:style>
+      </p:sp>
+      <p:sp>
+        <p:nvSpPr>
+          <p:cNvPr id="111" name="CustomShape 7"/>
+          <p:cNvSpPr/>
+          <p:nvPr/>
+        </p:nvSpPr>
+        <p:spPr>
+          <a:xfrm>
+            <a:off x="2294280" y="3419280"/>
+            <a:ext cx="2829240" cy="1608480"/>
+          </a:xfrm>
+          <a:prstGeom prst="rect">
+            <a:avLst/>
+          </a:prstGeom>
+          <a:solidFill>
+            <a:srgbClr val="729fcf"/>
+          </a:solidFill>
+          <a:ln>
+            <a:solidFill>
+              <a:srgbClr val="3465a4"/>
+            </a:solidFill>
+          </a:ln>
+        </p:spPr>
+        <p:style>
+          <a:lnRef idx="0"/>
+          <a:fillRef idx="0"/>
+          <a:effectRef idx="0"/>
+          <a:fontRef idx="minor"/>
+        </p:style>
+      </p:sp>
+      <p:sp>
+        <p:nvSpPr>
+          <p:cNvPr id="112" name="CustomShape 8"/>
+          <p:cNvSpPr/>
+          <p:nvPr/>
+        </p:nvSpPr>
+        <p:spPr>
+          <a:xfrm>
+            <a:off x="2373840" y="3560760"/>
+            <a:ext cx="2525040" cy="1359720"/>
+          </a:xfrm>
+          <a:prstGeom prst="rect">
+            <a:avLst/>
+          </a:prstGeom>
+          <a:noFill/>
+          <a:ln>
+            <a:noFill/>
+          </a:ln>
+        </p:spPr>
+        <p:style>
+          <a:lnRef idx="0"/>
+          <a:fillRef idx="0"/>
+          <a:effectRef idx="0"/>
+          <a:fontRef idx="minor"/>
+        </p:style>
+        <p:txBody>
+          <a:bodyPr lIns="0" rIns="0" tIns="0" bIns="0">
+            <a:normAutofit/>
+          </a:bodyPr>
+          <a:p>
+            <a:pPr>
+              <a:lnSpc>
+                <a:spcPct val="100000"/>
+              </a:lnSpc>
+              <a:spcAft>
+                <a:spcPts val="1142"/>
+              </a:spcAft>
+            </a:pPr>
+            <a:r>
+              <a:rPr b="1" lang="en-US" sz="2600" spc="-1" strike="noStrike">
+                <a:solidFill>
+                  <a:srgbClr val="1c1c1c"/>
+                </a:solidFill>
+                <a:uFill>
+                  <a:solidFill>
+                    <a:srgbClr val="ffffff"/>
+                  </a:solidFill>
+                </a:uFill>
+                <a:latin typeface="Source Sans Pro Semibold"/>
+                <a:ea typeface="DejaVu Sans"/>
+              </a:rPr>
+              <a:t>b1Customer</a:t>
+            </a:r>
+            <a:endParaRPr b="0" lang="en-US" sz="2600" spc="-1" strike="noStrike">
+              <a:solidFill>
+                <a:srgbClr val="000000"/>
+              </a:solidFill>
+              <a:uFill>
+                <a:solidFill>
+                  <a:srgbClr val="ffffff"/>
+                </a:solidFill>
+              </a:uFill>
+              <a:latin typeface="Arial"/>
+            </a:endParaRPr>
+          </a:p>
+          <a:p>
+            <a:pPr>
+              <a:lnSpc>
+                <a:spcPct val="100000"/>
+              </a:lnSpc>
+              <a:spcAft>
+                <a:spcPts val="1142"/>
+              </a:spcAft>
+            </a:pPr>
+            <a:r>
+              <a:rPr b="1" lang="en-US" sz="2600" spc="-1" strike="noStrike">
+                <a:solidFill>
+                  <a:srgbClr val="1c1c1c"/>
+                </a:solidFill>
+                <a:uFill>
+                  <a:solidFill>
+                    <a:srgbClr val="ffffff"/>
+                  </a:solidFill>
+                </a:uFill>
+                <a:latin typeface="Source Sans Pro Semibold"/>
+                <a:ea typeface="DejaVu Sans"/>
+              </a:rPr>
+              <a:t>name = “John Doe”</a:t>
+            </a:r>
+            <a:endParaRPr b="0" lang="en-US" sz="2600" spc="-1" strike="noStrike">
+              <a:solidFill>
+                <a:srgbClr val="000000"/>
+              </a:solidFill>
+              <a:uFill>
+                <a:solidFill>
+                  <a:srgbClr val="ffffff"/>
+                </a:solidFill>
+              </a:uFill>
+              <a:latin typeface="Arial"/>
+            </a:endParaRPr>
+          </a:p>
+          <a:p>
+            <a:pPr>
+              <a:lnSpc>
+                <a:spcPct val="100000"/>
+              </a:lnSpc>
+              <a:spcAft>
+                <a:spcPts val="1142"/>
+              </a:spcAft>
+            </a:pPr>
+            <a:r>
+              <a:rPr b="1" lang="en-US" sz="2600" spc="-1" strike="noStrike">
+                <a:solidFill>
+                  <a:srgbClr val="1c1c1c"/>
+                </a:solidFill>
+                <a:uFill>
+                  <a:solidFill>
+                    <a:srgbClr val="ffffff"/>
+                  </a:solidFill>
+                </a:uFill>
+                <a:latin typeface="Source Sans Pro Semibold"/>
+                <a:ea typeface="DejaVu Sans"/>
+              </a:rPr>
+              <a:t>customerID = 1001</a:t>
+            </a:r>
+            <a:endParaRPr b="0" lang="en-US" sz="2600" spc="-1" strike="noStrike">
+              <a:solidFill>
+                <a:srgbClr val="000000"/>
+              </a:solidFill>
+              <a:uFill>
+                <a:solidFill>
+                  <a:srgbClr val="ffffff"/>
+                </a:solidFill>
+              </a:uFill>
+              <a:latin typeface="Arial"/>
+            </a:endParaRPr>
+          </a:p>
+          <a:p>
+            <a:pPr>
+              <a:lnSpc>
+                <a:spcPct val="100000"/>
+              </a:lnSpc>
+              <a:spcAft>
+                <a:spcPts val="1142"/>
+              </a:spcAft>
+            </a:pPr>
+            <a:r>
+              <a:rPr b="1" lang="en-US" sz="2600" spc="-1" strike="noStrike">
+                <a:solidFill>
+                  <a:srgbClr val="1c1c1c"/>
+                </a:solidFill>
+                <a:uFill>
+                  <a:solidFill>
+                    <a:srgbClr val="ffffff"/>
+                  </a:solidFill>
+                </a:uFill>
+                <a:latin typeface="Source Sans Pro Semibold"/>
+                <a:ea typeface="DejaVu Sans"/>
+              </a:rPr>
+              <a:t> </a:t>
+            </a:r>
+            <a:endParaRPr b="0" lang="en-US" sz="2600" spc="-1" strike="noStrike">
+              <a:solidFill>
+                <a:srgbClr val="000000"/>
+              </a:solidFill>
+              <a:uFill>
+                <a:solidFill>
+                  <a:srgbClr val="ffffff"/>
+                </a:solidFill>
+              </a:uFill>
+              <a:latin typeface="Arial"/>
+            </a:endParaRPr>
+          </a:p>
+          <a:p>
+            <a:pPr algn="ctr">
+              <a:lnSpc>
+                <a:spcPct val="100000"/>
+              </a:lnSpc>
+              <a:spcAft>
+                <a:spcPts val="1142"/>
+              </a:spcAft>
+            </a:pPr>
+            <a:r>
+              <a:rPr b="1" lang="en-US" sz="2000" spc="-1" strike="noStrike">
+                <a:solidFill>
+                  <a:srgbClr val="800000"/>
+                </a:solidFill>
+                <a:uFill>
+                  <a:solidFill>
+                    <a:srgbClr val="ffffff"/>
+                  </a:solidFill>
+                </a:uFill>
+                <a:latin typeface="Source Sans Pro Semibold"/>
+                <a:ea typeface="DejaVu Sans"/>
+              </a:rPr>
+              <a:t>Memory Address: 2390</a:t>
+            </a:r>
+            <a:endParaRPr b="0" lang="en-US" sz="2000" spc="-1" strike="noStrike">
+              <a:solidFill>
+                <a:srgbClr val="000000"/>
+              </a:solidFill>
+              <a:uFill>
+                <a:solidFill>
+                  <a:srgbClr val="ffffff"/>
+                </a:solidFill>
+              </a:uFill>
+              <a:latin typeface="Arial"/>
+            </a:endParaRPr>
+          </a:p>
+        </p:txBody>
+      </p:sp>
+      <p:sp>
+        <p:nvSpPr>
+          <p:cNvPr id="113" name="CustomShape 9"/>
+          <p:cNvSpPr/>
+          <p:nvPr/>
+        </p:nvSpPr>
+        <p:spPr>
+          <a:xfrm>
+            <a:off x="5199480" y="3399480"/>
+            <a:ext cx="2847240" cy="1629720"/>
+          </a:xfrm>
+          <a:prstGeom prst="rect">
+            <a:avLst/>
+          </a:prstGeom>
+          <a:solidFill>
+            <a:srgbClr val="ff7f00"/>
+          </a:solidFill>
+          <a:ln>
+            <a:solidFill>
+              <a:srgbClr val="3465a4"/>
+            </a:solidFill>
+          </a:ln>
+        </p:spPr>
+        <p:style>
+          <a:lnRef idx="0"/>
+          <a:fillRef idx="0"/>
+          <a:effectRef idx="0"/>
+          <a:fontRef idx="minor"/>
+        </p:style>
+      </p:sp>
+      <p:sp>
+        <p:nvSpPr>
+          <p:cNvPr id="114" name="CustomShape 10"/>
+          <p:cNvSpPr/>
+          <p:nvPr/>
+        </p:nvSpPr>
+        <p:spPr>
+          <a:xfrm>
+            <a:off x="5277600" y="3460320"/>
+            <a:ext cx="2350800" cy="1399320"/>
+          </a:xfrm>
+          <a:prstGeom prst="rect">
+            <a:avLst/>
+          </a:prstGeom>
+          <a:noFill/>
+          <a:ln>
+            <a:noFill/>
+          </a:ln>
+        </p:spPr>
+        <p:style>
+          <a:lnRef idx="0"/>
+          <a:fillRef idx="0"/>
+          <a:effectRef idx="0"/>
+          <a:fontRef idx="minor"/>
+        </p:style>
+        <p:txBody>
+          <a:bodyPr lIns="0" rIns="0" tIns="0" bIns="0">
+            <a:normAutofit/>
+          </a:bodyPr>
+          <a:p>
+            <a:pPr>
+              <a:lnSpc>
+                <a:spcPct val="100000"/>
+              </a:lnSpc>
+              <a:spcAft>
+                <a:spcPts val="1142"/>
+              </a:spcAft>
+            </a:pPr>
+            <a:r>
+              <a:rPr b="1" lang="en-US" sz="2600" spc="-1" strike="noStrike">
+                <a:solidFill>
+                  <a:srgbClr val="1c1c1c"/>
+                </a:solidFill>
+                <a:uFill>
+                  <a:solidFill>
+                    <a:srgbClr val="ffffff"/>
+                  </a:solidFill>
+                </a:uFill>
+                <a:latin typeface="Source Sans Pro Semibold"/>
+                <a:ea typeface="DejaVu Sans"/>
+              </a:rPr>
+              <a:t>b1ChequingAccount</a:t>
+            </a:r>
+            <a:endParaRPr b="0" lang="en-US" sz="2600" spc="-1" strike="noStrike">
+              <a:solidFill>
+                <a:srgbClr val="000000"/>
+              </a:solidFill>
+              <a:uFill>
+                <a:solidFill>
+                  <a:srgbClr val="ffffff"/>
+                </a:solidFill>
+              </a:uFill>
+              <a:latin typeface="Arial"/>
+            </a:endParaRPr>
+          </a:p>
+          <a:p>
+            <a:pPr>
+              <a:lnSpc>
+                <a:spcPct val="100000"/>
+              </a:lnSpc>
+              <a:spcAft>
+                <a:spcPts val="1142"/>
+              </a:spcAft>
+            </a:pPr>
+            <a:r>
+              <a:rPr b="1" lang="en-US" sz="2600" spc="-1" strike="noStrike">
+                <a:solidFill>
+                  <a:srgbClr val="1c1c1c"/>
+                </a:solidFill>
+                <a:uFill>
+                  <a:solidFill>
+                    <a:srgbClr val="ffffff"/>
+                  </a:solidFill>
+                </a:uFill>
+                <a:latin typeface="Source Sans Pro Semibold"/>
+                <a:ea typeface="DejaVu Sans"/>
+              </a:rPr>
+              <a:t>customer = b1</a:t>
+            </a:r>
+            <a:endParaRPr b="0" lang="en-US" sz="2600" spc="-1" strike="noStrike">
+              <a:solidFill>
+                <a:srgbClr val="000000"/>
+              </a:solidFill>
+              <a:uFill>
+                <a:solidFill>
+                  <a:srgbClr val="ffffff"/>
+                </a:solidFill>
+              </a:uFill>
+              <a:latin typeface="Arial"/>
+            </a:endParaRPr>
+          </a:p>
+          <a:p>
+            <a:pPr>
+              <a:lnSpc>
+                <a:spcPct val="100000"/>
+              </a:lnSpc>
+              <a:spcAft>
+                <a:spcPts val="1142"/>
+              </a:spcAft>
+            </a:pPr>
+            <a:r>
+              <a:rPr b="1" lang="en-US" sz="2600" spc="-1" strike="noStrike">
+                <a:solidFill>
+                  <a:srgbClr val="1c1c1c"/>
+                </a:solidFill>
+                <a:uFill>
+                  <a:solidFill>
+                    <a:srgbClr val="ffffff"/>
+                  </a:solidFill>
+                </a:uFill>
+                <a:latin typeface="Source Sans Pro Semibold"/>
+                <a:ea typeface="DejaVu Sans"/>
+              </a:rPr>
+              <a:t>balance = 100.0</a:t>
+            </a:r>
+            <a:endParaRPr b="0" lang="en-US" sz="2600" spc="-1" strike="noStrike">
+              <a:solidFill>
+                <a:srgbClr val="000000"/>
+              </a:solidFill>
+              <a:uFill>
+                <a:solidFill>
+                  <a:srgbClr val="ffffff"/>
+                </a:solidFill>
+              </a:uFill>
+              <a:latin typeface="Arial"/>
+            </a:endParaRPr>
+          </a:p>
+          <a:p>
+            <a:pPr>
+              <a:lnSpc>
+                <a:spcPct val="100000"/>
+              </a:lnSpc>
+              <a:spcAft>
+                <a:spcPts val="1142"/>
+              </a:spcAft>
+            </a:pPr>
+            <a:r>
+              <a:rPr b="1" lang="en-US" sz="2600" spc="-1" strike="noStrike">
+                <a:solidFill>
+                  <a:srgbClr val="1c1c1c"/>
+                </a:solidFill>
+                <a:uFill>
+                  <a:solidFill>
+                    <a:srgbClr val="ffffff"/>
+                  </a:solidFill>
+                </a:uFill>
+                <a:latin typeface="Source Sans Pro Semibold"/>
+                <a:ea typeface="DejaVu Sans"/>
+              </a:rPr>
+              <a:t>overdraftFee = 10.0</a:t>
+            </a:r>
+            <a:endParaRPr b="0" lang="en-US" sz="2600" spc="-1" strike="noStrike">
+              <a:solidFill>
+                <a:srgbClr val="000000"/>
+              </a:solidFill>
+              <a:uFill>
+                <a:solidFill>
+                  <a:srgbClr val="ffffff"/>
+                </a:solidFill>
+              </a:uFill>
+              <a:latin typeface="Arial"/>
+            </a:endParaRPr>
+          </a:p>
+          <a:p>
+            <a:pPr algn="ctr">
+              <a:lnSpc>
+                <a:spcPct val="100000"/>
+              </a:lnSpc>
+              <a:spcAft>
+                <a:spcPts val="1142"/>
+              </a:spcAft>
+            </a:pPr>
+            <a:r>
+              <a:rPr b="1" lang="en-US" sz="2000" spc="-1" strike="noStrike">
+                <a:solidFill>
+                  <a:srgbClr val="800000"/>
+                </a:solidFill>
+                <a:uFill>
+                  <a:solidFill>
+                    <a:srgbClr val="ffffff"/>
+                  </a:solidFill>
+                </a:uFill>
+                <a:latin typeface="Source Sans Pro Semibold"/>
+                <a:ea typeface="DejaVu Sans"/>
+              </a:rPr>
+              <a:t>Memory Address: 2871</a:t>
+            </a:r>
+            <a:endParaRPr b="0" lang="en-US" sz="2000" spc="-1" strike="noStrike">
+              <a:solidFill>
+                <a:srgbClr val="000000"/>
+              </a:solidFill>
+              <a:uFill>
+                <a:solidFill>
+                  <a:srgbClr val="ffffff"/>
+                </a:solidFill>
+              </a:uFill>
+              <a:latin typeface="Arial"/>
+            </a:endParaRPr>
+          </a:p>
+        </p:txBody>
+      </p:sp>
+      <p:sp>
+        <p:nvSpPr>
+          <p:cNvPr id="115" name="Line 11"/>
+          <p:cNvSpPr/>
+          <p:nvPr/>
+        </p:nvSpPr>
+        <p:spPr>
+          <a:xfrm flipH="1" flipV="1">
+            <a:off x="4384440" y="3725280"/>
+            <a:ext cx="2172960" cy="108720"/>
+          </a:xfrm>
+          <a:prstGeom prst="line">
+            <a:avLst/>
+          </a:prstGeom>
+          <a:ln>
+            <a:solidFill>
+              <a:srgbClr val="000000"/>
+            </a:solidFill>
+            <a:tailEnd len="med" type="triangle" w="med"/>
+          </a:ln>
+        </p:spPr>
+        <p:style>
+          <a:lnRef idx="0"/>
+          <a:fillRef idx="0"/>
+          <a:effectRef idx="0"/>
+          <a:fontRef idx="minor"/>
+        </p:style>
+      </p:sp>
+      <p:sp>
+        <p:nvSpPr>
+          <p:cNvPr id="116" name="CustomShape 12"/>
+          <p:cNvSpPr/>
+          <p:nvPr/>
+        </p:nvSpPr>
+        <p:spPr>
+          <a:xfrm>
+            <a:off x="914400" y="5120640"/>
+            <a:ext cx="8412480" cy="1645920"/>
+          </a:xfrm>
+          <a:prstGeom prst="rect">
+            <a:avLst/>
+          </a:prstGeom>
+          <a:solidFill>
+            <a:srgbClr val="111111"/>
+          </a:solidFill>
+          <a:ln>
+            <a:solidFill>
+              <a:srgbClr val="000000"/>
+            </a:solidFill>
+          </a:ln>
+        </p:spPr>
+        <p:style>
+          <a:lnRef idx="0"/>
+          <a:fillRef idx="0"/>
+          <a:effectRef idx="0"/>
+          <a:fontRef idx="minor"/>
+        </p:style>
+        <p:txBody>
+          <a:bodyPr wrap="none" lIns="90000" rIns="90000" tIns="45000" bIns="45000" anchor="ctr"/>
+          <a:p>
+            <a:pPr algn="ctr"/>
+            <a:r>
+              <a:rPr b="0" lang="en-US" sz="1800" spc="-1" strike="noStrike">
+                <a:solidFill>
+                  <a:srgbClr val="ffffff"/>
+                </a:solidFill>
+                <a:uFill>
+                  <a:solidFill>
+                    <a:srgbClr val="ffffff"/>
+                  </a:solidFill>
+                </a:uFill>
+                <a:latin typeface="Arial"/>
+              </a:rPr>
+              <a:t>Command Line Output:</a:t>
+            </a:r>
+            <a:endParaRPr b="0" lang="en-US" sz="1800" spc="-1" strike="noStrike">
+              <a:solidFill>
+                <a:srgbClr val="000000"/>
+              </a:solidFill>
+              <a:uFill>
+                <a:solidFill>
+                  <a:srgbClr val="ffffff"/>
+                </a:solidFill>
+              </a:uFill>
+              <a:latin typeface="Arial"/>
+            </a:endParaRPr>
+          </a:p>
+          <a:p>
+            <a:pPr algn="ctr"/>
+            <a:endParaRPr b="0" lang="en-US" sz="1800" spc="-1" strike="noStrike">
+              <a:solidFill>
+                <a:srgbClr val="000000"/>
+              </a:solidFill>
+              <a:uFill>
+                <a:solidFill>
+                  <a:srgbClr val="ffffff"/>
+                </a:solidFill>
+              </a:uFill>
+              <a:latin typeface="Arial"/>
+            </a:endParaRPr>
+          </a:p>
+          <a:p>
+            <a:pPr algn="ctr"/>
+            <a:endParaRPr b="0" lang="en-US" sz="1800" spc="-1" strike="noStrike">
+              <a:solidFill>
+                <a:srgbClr val="000000"/>
+              </a:solidFill>
+              <a:uFill>
+                <a:solidFill>
+                  <a:srgbClr val="ffffff"/>
+                </a:solidFill>
+              </a:uFill>
+              <a:latin typeface="Arial"/>
+            </a:endParaRPr>
+          </a:p>
+          <a:p>
+            <a:pPr algn="ctr"/>
+            <a:r>
+              <a:rPr b="0" lang="en-US" sz="1800" spc="-1" strike="noStrike">
+                <a:solidFill>
+                  <a:srgbClr val="ffffff"/>
+                </a:solidFill>
+                <a:uFill>
+                  <a:solidFill>
+                    <a:srgbClr val="ffffff"/>
+                  </a:solidFill>
+                </a:uFill>
+                <a:latin typeface="Arial"/>
+              </a:rPr>
+              <a:t>100.0,495.0</a:t>
+            </a:r>
+            <a:endParaRPr b="0" lang="en-US" sz="1800" spc="-1" strike="noStrike">
+              <a:solidFill>
+                <a:srgbClr val="000000"/>
+              </a:solidFill>
+              <a:uFill>
+                <a:solidFill>
+                  <a:srgbClr val="ffffff"/>
+                </a:solidFill>
+              </a:uFill>
+              <a:latin typeface="Arial"/>
+            </a:endParaRPr>
+          </a:p>
+        </p:txBody>
+      </p:sp>
+    </p:spTree>
+  </p:cSld>
+  <p:timing>
+    <p:tnLst>
+      <p:par>
+        <p:cTn id="7" dur="indefinite" restart="never" nodeType="tmRoot">
+          <p:childTnLst>
+            <p:seq>
+              <p:cTn id="8" nodeType="mainSeq"/>
+              <p:prevCondLst>
+                <p:cond delay="0" evt="onPrev">
+                  <p:tgtEl>
+                    <p:sldTgt/>
+                  </p:tgtEl>
+                </p:cond>
+              </p:prevCondLst>
+              <p:nextCondLst>
+                <p:cond delay="0" evt="onNext">
                   <p:tgtEl>
                     <p:sldTgt/>
                   </p:tgtEl>
@@ -6051,8 +8263,6 @@
       </a:bgFillStyleLst>
     </a:fmtScheme>
   </a:themeElements>
-  <a:objectDefaults/>
-  <a:extraClrSchemeLst/>
 </a:theme>
 </file>
 
@@ -6276,8 +8486,6 @@
       </a:bgFillStyleLst>
     </a:fmtScheme>
   </a:themeElements>
-  <a:objectDefaults/>
-  <a:extraClrSchemeLst/>
 </a:theme>
 </file>
 
@@ -6292,140 +8500,46 @@
         <a:sysClr val="window" lastClr="FFFFFF"/>
       </a:lt1>
       <a:dk2>
-        <a:srgbClr val="44546A"/>
+        <a:srgbClr val="1F497D"/>
       </a:dk2>
       <a:lt2>
-        <a:srgbClr val="E7E6E6"/>
+        <a:srgbClr val="EEECE1"/>
       </a:lt2>
       <a:accent1>
-        <a:srgbClr val="4472C4"/>
+        <a:srgbClr val="4F81BD"/>
       </a:accent1>
       <a:accent2>
-        <a:srgbClr val="ED7D31"/>
+        <a:srgbClr val="C0504D"/>
       </a:accent2>
       <a:accent3>
-        <a:srgbClr val="A5A5A5"/>
+        <a:srgbClr val="9BBB59"/>
       </a:accent3>
       <a:accent4>
-        <a:srgbClr val="FFC000"/>
+        <a:srgbClr val="8064A2"/>
       </a:accent4>
       <a:accent5>
-        <a:srgbClr val="5B9BD5"/>
+        <a:srgbClr val="4BACC6"/>
       </a:accent5>
       <a:accent6>
-        <a:srgbClr val="70AD47"/>
+        <a:srgbClr val="F79646"/>
       </a:accent6>
       <a:hlink>
-        <a:srgbClr val="0563C1"/>
+        <a:srgbClr val="0000FF"/>
       </a:hlink>
       <a:folHlink>
-        <a:srgbClr val="954F72"/>
+        <a:srgbClr val="800080"/>
       </a:folHlink>
     </a:clrScheme>
     <a:fontScheme name="Office">
       <a:majorFont>
-        <a:latin typeface="Calibri Light" panose="020F0302020204030204"/>
-        <a:ea typeface=""/>
-        <a:cs typeface=""/>
-        <a:font script="Jpan" typeface="游ゴシック Light"/>
-        <a:font script="Hang" typeface="맑은 고딕"/>
-        <a:font script="Hans" typeface="等线 Light"/>
-        <a:font script="Hant" typeface="新細明體"/>
-        <a:font script="Arab" typeface="Times New Roman"/>
-        <a:font script="Hebr" typeface="Times New Roman"/>
-        <a:font script="Thai" typeface="Angsana New"/>
-        <a:font script="Ethi" typeface="Nyala"/>
-        <a:font script="Beng" typeface="Vrinda"/>
-        <a:font script="Gujr" typeface="Shruti"/>
-        <a:font script="Khmr" typeface="MoolBoran"/>
-        <a:font script="Knda" typeface="Tunga"/>
-        <a:font script="Guru" typeface="Raavi"/>
-        <a:font script="Cans" typeface="Euphemia"/>
-        <a:font script="Cher" typeface="Plantagenet Cherokee"/>
-        <a:font script="Yiii" typeface="Microsoft Yi Baiti"/>
-        <a:font script="Tibt" typeface="Microsoft Himalaya"/>
-        <a:font script="Thaa" typeface="MV Boli"/>
-        <a:font script="Deva" typeface="Mangal"/>
-        <a:font script="Telu" typeface="Gautami"/>
-        <a:font script="Taml" typeface="Latha"/>
-        <a:font script="Syrc" typeface="Estrangelo Edessa"/>
-        <a:font script="Orya" typeface="Kalinga"/>
-        <a:font script="Mlym" typeface="Kartika"/>
-        <a:font script="Laoo" typeface="DokChampa"/>
-        <a:font script="Sinh" typeface="Iskoola Pota"/>
-        <a:font script="Mong" typeface="Mongolian Baiti"/>
-        <a:font script="Viet" typeface="Times New Roman"/>
-        <a:font script="Uigh" typeface="Microsoft Uighur"/>
-        <a:font script="Geor" typeface="Sylfaen"/>
-        <a:font script="Armn" typeface="Arial"/>
-        <a:font script="Bugi" typeface="Leelawadee UI"/>
-        <a:font script="Bopo" typeface="Microsoft JhengHei"/>
-        <a:font script="Java" typeface="Javanese Text"/>
-        <a:font script="Lisu" typeface="Segoe UI"/>
-        <a:font script="Mymr" typeface="Myanmar Text"/>
-        <a:font script="Nkoo" typeface="Ebrima"/>
-        <a:font script="Olck" typeface="Nirmala UI"/>
-        <a:font script="Osma" typeface="Ebrima"/>
-        <a:font script="Phag" typeface="Phagspa"/>
-        <a:font script="Syrn" typeface="Estrangelo Edessa"/>
-        <a:font script="Syrj" typeface="Estrangelo Edessa"/>
-        <a:font script="Syre" typeface="Estrangelo Edessa"/>
-        <a:font script="Sora" typeface="Nirmala UI"/>
-        <a:font script="Tale" typeface="Microsoft Tai Le"/>
-        <a:font script="Talu" typeface="Microsoft New Tai Lue"/>
-        <a:font script="Tfng" typeface="Ebrima"/>
+        <a:latin typeface="Arial"/>
+        <a:ea typeface="DejaVu Sans"/>
+        <a:cs typeface="DejaVu Sans"/>
       </a:majorFont>
       <a:minorFont>
-        <a:latin typeface="Calibri" panose="020F0502020204030204"/>
-        <a:ea typeface=""/>
-        <a:cs typeface=""/>
-        <a:font script="Jpan" typeface="游ゴシック"/>
-        <a:font script="Hang" typeface="맑은 고딕"/>
-        <a:font script="Hans" typeface="等线"/>
-        <a:font script="Hant" typeface="新細明體"/>
-        <a:font script="Arab" typeface="Arial"/>
-        <a:font script="Hebr" typeface="Arial"/>
-        <a:font script="Thai" typeface="Cordia New"/>
-        <a:font script="Ethi" typeface="Nyala"/>
-        <a:font script="Beng" typeface="Vrinda"/>
-        <a:font script="Gujr" typeface="Shruti"/>
-        <a:font script="Khmr" typeface="DaunPenh"/>
-        <a:font script="Knda" typeface="Tunga"/>
-        <a:font script="Guru" typeface="Raavi"/>
-        <a:font script="Cans" typeface="Euphemia"/>
-        <a:font script="Cher" typeface="Plantagenet Cherokee"/>
-        <a:font script="Yiii" typeface="Microsoft Yi Baiti"/>
-        <a:font script="Tibt" typeface="Microsoft Himalaya"/>
-        <a:font script="Thaa" typeface="MV Boli"/>
-        <a:font script="Deva" typeface="Mangal"/>
-        <a:font script="Telu" typeface="Gautami"/>
-        <a:font script="Taml" typeface="Latha"/>
-        <a:font script="Syrc" typeface="Estrangelo Edessa"/>
-        <a:font script="Orya" typeface="Kalinga"/>
-        <a:font script="Mlym" typeface="Kartika"/>
-        <a:font script="Laoo" typeface="DokChampa"/>
-        <a:font script="Sinh" typeface="Iskoola Pota"/>
-        <a:font script="Mong" typeface="Mongolian Baiti"/>
-        <a:font script="Viet" typeface="Arial"/>
-        <a:font script="Uigh" typeface="Microsoft Uighur"/>
-        <a:font script="Geor" typeface="Sylfaen"/>
-        <a:font script="Armn" typeface="Arial"/>
-        <a:font script="Bugi" typeface="Leelawadee UI"/>
-        <a:font script="Bopo" typeface="Microsoft JhengHei"/>
-        <a:font script="Java" typeface="Javanese Text"/>
-        <a:font script="Lisu" typeface="Segoe UI"/>
-        <a:font script="Mymr" typeface="Myanmar Text"/>
-        <a:font script="Nkoo" typeface="Ebrima"/>
-        <a:font script="Olck" typeface="Nirmala UI"/>
-        <a:font script="Osma" typeface="Ebrima"/>
-        <a:font script="Phag" typeface="Phagspa"/>
-        <a:font script="Syrn" typeface="Estrangelo Edessa"/>
-        <a:font script="Syrj" typeface="Estrangelo Edessa"/>
-        <a:font script="Syre" typeface="Estrangelo Edessa"/>
-        <a:font script="Sora" typeface="Nirmala UI"/>
-        <a:font script="Tale" typeface="Microsoft Tai Le"/>
-        <a:font script="Talu" typeface="Microsoft New Tai Lue"/>
-        <a:font script="Tfng" typeface="Ebrima"/>
+        <a:latin typeface="Arial"/>
+        <a:ea typeface="DejaVu Sans"/>
+        <a:cs typeface="DejaVu Sans"/>
       </a:minorFont>
     </a:fontScheme>
     <a:fmtScheme name="Office">
@@ -6437,141 +8551,163 @@
           <a:gsLst>
             <a:gs pos="0">
               <a:schemeClr val="phClr">
-                <a:lumMod val="110000"/>
-                <a:satMod val="105000"/>
-                <a:tint val="67000"/>
+                <a:tint val="50000"/>
+                <a:satMod val="300000"/>
               </a:schemeClr>
             </a:gs>
-            <a:gs pos="50000">
+            <a:gs pos="35000">
               <a:schemeClr val="phClr">
-                <a:lumMod val="105000"/>
-                <a:satMod val="103000"/>
-                <a:tint val="73000"/>
+                <a:tint val="37000"/>
+                <a:satMod val="300000"/>
               </a:schemeClr>
             </a:gs>
             <a:gs pos="100000">
               <a:schemeClr val="phClr">
-                <a:lumMod val="105000"/>
-                <a:satMod val="109000"/>
-                <a:tint val="81000"/>
+                <a:tint val="15000"/>
+                <a:satMod val="350000"/>
               </a:schemeClr>
             </a:gs>
           </a:gsLst>
-          <a:lin ang="5400000" scaled="0"/>
+          <a:lin ang="16200000" scaled="1"/>
         </a:gradFill>
         <a:gradFill rotWithShape="1">
           <a:gsLst>
             <a:gs pos="0">
               <a:schemeClr val="phClr">
-                <a:satMod val="103000"/>
-                <a:lumMod val="102000"/>
-                <a:tint val="94000"/>
+                <a:shade val="51000"/>
+                <a:satMod val="130000"/>
               </a:schemeClr>
             </a:gs>
-            <a:gs pos="50000">
+            <a:gs pos="80000">
               <a:schemeClr val="phClr">
-                <a:satMod val="110000"/>
-                <a:lumMod val="100000"/>
-                <a:shade val="100000"/>
+                <a:shade val="93000"/>
+                <a:satMod val="130000"/>
               </a:schemeClr>
             </a:gs>
             <a:gs pos="100000">
               <a:schemeClr val="phClr">
-                <a:lumMod val="99000"/>
-                <a:satMod val="120000"/>
-                <a:shade val="78000"/>
+                <a:shade val="94000"/>
+                <a:satMod val="135000"/>
               </a:schemeClr>
             </a:gs>
           </a:gsLst>
-          <a:lin ang="5400000" scaled="0"/>
+          <a:lin ang="16200000" scaled="0"/>
         </a:gradFill>
       </a:fillStyleLst>
       <a:lnStyleLst>
-        <a:ln w="6350" cap="flat" cmpd="sng" algn="ctr">
+        <a:ln w="9525" cap="flat" cmpd="sng" algn="ctr">
+          <a:solidFill>
+            <a:schemeClr val="phClr">
+              <a:shade val="95000"/>
+              <a:satMod val="105000"/>
+            </a:schemeClr>
+          </a:solidFill>
+          <a:prstDash val="solid"/>
+        </a:ln>
+        <a:ln w="25400" cap="flat" cmpd="sng" algn="ctr">
           <a:solidFill>
             <a:schemeClr val="phClr"/>
           </a:solidFill>
           <a:prstDash val="solid"/>
-          <a:miter lim="800000"/>
         </a:ln>
-        <a:ln w="12700" cap="flat" cmpd="sng" algn="ctr">
+        <a:ln w="38100" cap="flat" cmpd="sng" algn="ctr">
           <a:solidFill>
             <a:schemeClr val="phClr"/>
           </a:solidFill>
           <a:prstDash val="solid"/>
-          <a:miter lim="800000"/>
-        </a:ln>
-        <a:ln w="19050" cap="flat" cmpd="sng" algn="ctr">
-          <a:solidFill>
-            <a:schemeClr val="phClr"/>
-          </a:solidFill>
-          <a:prstDash val="solid"/>
-          <a:miter lim="800000"/>
         </a:ln>
       </a:lnStyleLst>
       <a:effectStyleLst>
         <a:effectStyle>
-          <a:effectLst/>
-        </a:effectStyle>
-        <a:effectStyle>
-          <a:effectLst/>
+          <a:effectLst>
+            <a:outerShdw blurRad="40000" dist="20000" dir="5400000" rotWithShape="0">
+              <a:srgbClr val="000000">
+                <a:alpha val="38000"/>
+              </a:srgbClr>
+            </a:outerShdw>
+          </a:effectLst>
         </a:effectStyle>
         <a:effectStyle>
           <a:effectLst>
-            <a:outerShdw blurRad="57150" dist="19050" dir="5400000" algn="ctr" rotWithShape="0">
+            <a:outerShdw blurRad="40000" dist="23000" dir="5400000" rotWithShape="0">
               <a:srgbClr val="000000">
-                <a:alpha val="63000"/>
+                <a:alpha val="35000"/>
               </a:srgbClr>
             </a:outerShdw>
           </a:effectLst>
+        </a:effectStyle>
+        <a:effectStyle>
+          <a:effectLst>
+            <a:outerShdw blurRad="40000" dist="23000" dir="5400000" rotWithShape="0">
+              <a:srgbClr val="000000">
+                <a:alpha val="35000"/>
+              </a:srgbClr>
+            </a:outerShdw>
+          </a:effectLst>
+          <a:scene3d>
+            <a:camera prst="orthographicFront">
+              <a:rot lat="0" lon="0" rev="0"/>
+            </a:camera>
+            <a:lightRig rig="threePt" dir="t">
+              <a:rot lat="0" lon="0" rev="1200000"/>
+            </a:lightRig>
+          </a:scene3d>
+          <a:sp3d>
+            <a:bevelT w="63500" h="25400"/>
+          </a:sp3d>
         </a:effectStyle>
       </a:effectStyleLst>
       <a:bgFillStyleLst>
         <a:solidFill>
           <a:schemeClr val="phClr"/>
         </a:solidFill>
-        <a:solidFill>
-          <a:schemeClr val="phClr">
-            <a:tint val="95000"/>
-            <a:satMod val="170000"/>
-          </a:schemeClr>
-        </a:solidFill>
         <a:gradFill rotWithShape="1">
           <a:gsLst>
             <a:gs pos="0">
               <a:schemeClr val="phClr">
-                <a:tint val="93000"/>
-                <a:satMod val="150000"/>
-                <a:shade val="98000"/>
-                <a:lumMod val="102000"/>
+                <a:tint val="40000"/>
+                <a:satMod val="350000"/>
               </a:schemeClr>
             </a:gs>
-            <a:gs pos="50000">
+            <a:gs pos="40000">
               <a:schemeClr val="phClr">
-                <a:tint val="98000"/>
-                <a:satMod val="130000"/>
-                <a:shade val="90000"/>
-                <a:lumMod val="103000"/>
+                <a:tint val="45000"/>
+                <a:shade val="99000"/>
+                <a:satMod val="350000"/>
               </a:schemeClr>
             </a:gs>
             <a:gs pos="100000">
               <a:schemeClr val="phClr">
-                <a:shade val="63000"/>
-                <a:satMod val="120000"/>
+                <a:shade val="20000"/>
+                <a:satMod val="255000"/>
               </a:schemeClr>
             </a:gs>
           </a:gsLst>
-          <a:lin ang="5400000" scaled="0"/>
+          <a:path path="circle">
+            <a:fillToRect l="50000" t="-80000" r="50000" b="180000"/>
+          </a:path>
+        </a:gradFill>
+        <a:gradFill rotWithShape="1">
+          <a:gsLst>
+            <a:gs pos="0">
+              <a:schemeClr val="phClr">
+                <a:tint val="80000"/>
+                <a:satMod val="300000"/>
+              </a:schemeClr>
+            </a:gs>
+            <a:gs pos="100000">
+              <a:schemeClr val="phClr">
+                <a:shade val="30000"/>
+                <a:satMod val="200000"/>
+              </a:schemeClr>
+            </a:gs>
+          </a:gsLst>
+          <a:path path="circle">
+            <a:fillToRect l="50000" t="50000" r="50000" b="50000"/>
+          </a:path>
         </a:gradFill>
       </a:bgFillStyleLst>
     </a:fmtScheme>
   </a:themeElements>
-  <a:objectDefaults/>
-  <a:extraClrSchemeLst/>
-  <a:extLst>
-    <a:ext uri="{05A4C25C-085E-4340-85A3-A5531E510DB2}">
-      <thm15:themeFamily xmlns:thm15="http://schemas.microsoft.com/office/thememl/2012/main" name="Office Theme" id="{62F939B6-93AF-4DB8-9C6B-D6C7DFDC589F}" vid="{4A3C46E8-61CC-4603-A589-7422A47A8E4A}"/>
-    </a:ext>
-  </a:extLst>
 </a:theme>
 </file>
--- a/Assignment 7/AS7.pptx
+++ b/Assignment 7/AS7.pptx
@@ -113,6 +113,11 @@
       </a:defRPr>
     </a:lvl9pPr>
   </p:defaultTextStyle>
+  <p:extLst>
+    <p:ext uri="{EFAFB233-063F-42B5-8137-9DF3F51BA10A}">
+      <p15:sldGuideLst xmlns:p15="http://schemas.microsoft.com/office/powerpoint/2012/main"/>
+    </p:ext>
+  </p:extLst>
 </p:presentation>
 </file>
 
@@ -6586,7 +6591,7 @@
           <a:lstStyle/>
           <a:p>
             <a:r>
-              <a:rPr lang="en-CA" sz="2800" dirty="0" err="1">
+              <a:rPr lang="en-CA" sz="2800" b="1" dirty="0" err="1">
                 <a:solidFill>
                   <a:schemeClr val="bg1"/>
                 </a:solidFill>
@@ -6594,7 +6599,7 @@
               <a:t>BankAccount</a:t>
             </a:r>
             <a:r>
-              <a:rPr lang="en-CA" sz="2800" dirty="0">
+              <a:rPr lang="en-CA" sz="2800" b="1" dirty="0">
                 <a:solidFill>
                   <a:schemeClr val="bg1"/>
                 </a:solidFill>
@@ -6602,7 +6607,7 @@
               <a:t> b2 = new </a:t>
             </a:r>
             <a:r>
-              <a:rPr lang="en-CA" sz="2800" dirty="0" err="1">
+              <a:rPr lang="en-CA" sz="2800" b="1" dirty="0" err="1">
                 <a:solidFill>
                   <a:schemeClr val="bg1"/>
                 </a:solidFill>
@@ -6610,14 +6615,14 @@
               <a:t>SavingsAccount</a:t>
             </a:r>
             <a:r>
-              <a:rPr lang="en-CA" sz="2800" dirty="0">
+              <a:rPr lang="en-CA" sz="2800" b="1" dirty="0">
                 <a:solidFill>
                   <a:schemeClr val="bg1"/>
                 </a:solidFill>
               </a:rPr>
               <a:t>(new Customer("Jane Doe", 2002), 500.0, 5.0);</a:t>
             </a:r>
-            <a:endParaRPr lang="en-US" sz="2800" dirty="0">
+            <a:endParaRPr lang="en-US" sz="2800" b="1" dirty="0">
               <a:solidFill>
                 <a:schemeClr val="bg1"/>
               </a:solidFill>
